--- a/NIST_Data_Leakage_Case/NIST_Data_Leakage_07_NetworkDrive_Cloud.pptx
+++ b/NIST_Data_Leakage_Case/NIST_Data_Leakage_07_NetworkDrive_Cloud.pptx
@@ -5,38 +5,41 @@
     <p:sldMasterId id="2147483648" r:id="rId1"/>
   </p:sldMasterIdLst>
   <p:notesMasterIdLst>
-    <p:notesMasterId r:id="rId31"/>
+    <p:notesMasterId r:id="rId34"/>
   </p:notesMasterIdLst>
   <p:sldIdLst>
     <p:sldId id="256" r:id="rId2"/>
-    <p:sldId id="257" r:id="rId3"/>
-    <p:sldId id="285" r:id="rId4"/>
-    <p:sldId id="286" r:id="rId5"/>
-    <p:sldId id="261" r:id="rId6"/>
-    <p:sldId id="262" r:id="rId7"/>
-    <p:sldId id="263" r:id="rId8"/>
-    <p:sldId id="260" r:id="rId9"/>
-    <p:sldId id="266" r:id="rId10"/>
-    <p:sldId id="265" r:id="rId11"/>
-    <p:sldId id="267" r:id="rId12"/>
-    <p:sldId id="268" r:id="rId13"/>
-    <p:sldId id="264" r:id="rId14"/>
-    <p:sldId id="269" r:id="rId15"/>
-    <p:sldId id="270" r:id="rId16"/>
-    <p:sldId id="271" r:id="rId17"/>
-    <p:sldId id="272" r:id="rId18"/>
-    <p:sldId id="273" r:id="rId19"/>
-    <p:sldId id="274" r:id="rId20"/>
-    <p:sldId id="275" r:id="rId21"/>
-    <p:sldId id="276" r:id="rId22"/>
-    <p:sldId id="278" r:id="rId23"/>
-    <p:sldId id="277" r:id="rId24"/>
-    <p:sldId id="279" r:id="rId25"/>
-    <p:sldId id="280" r:id="rId26"/>
-    <p:sldId id="282" r:id="rId27"/>
-    <p:sldId id="281" r:id="rId28"/>
-    <p:sldId id="283" r:id="rId29"/>
-    <p:sldId id="284" r:id="rId30"/>
+    <p:sldId id="287" r:id="rId3"/>
+    <p:sldId id="257" r:id="rId4"/>
+    <p:sldId id="285" r:id="rId5"/>
+    <p:sldId id="286" r:id="rId6"/>
+    <p:sldId id="288" r:id="rId7"/>
+    <p:sldId id="289" r:id="rId8"/>
+    <p:sldId id="261" r:id="rId9"/>
+    <p:sldId id="262" r:id="rId10"/>
+    <p:sldId id="263" r:id="rId11"/>
+    <p:sldId id="260" r:id="rId12"/>
+    <p:sldId id="266" r:id="rId13"/>
+    <p:sldId id="265" r:id="rId14"/>
+    <p:sldId id="267" r:id="rId15"/>
+    <p:sldId id="268" r:id="rId16"/>
+    <p:sldId id="264" r:id="rId17"/>
+    <p:sldId id="269" r:id="rId18"/>
+    <p:sldId id="270" r:id="rId19"/>
+    <p:sldId id="271" r:id="rId20"/>
+    <p:sldId id="272" r:id="rId21"/>
+    <p:sldId id="273" r:id="rId22"/>
+    <p:sldId id="274" r:id="rId23"/>
+    <p:sldId id="275" r:id="rId24"/>
+    <p:sldId id="276" r:id="rId25"/>
+    <p:sldId id="278" r:id="rId26"/>
+    <p:sldId id="277" r:id="rId27"/>
+    <p:sldId id="279" r:id="rId28"/>
+    <p:sldId id="280" r:id="rId29"/>
+    <p:sldId id="282" r:id="rId30"/>
+    <p:sldId id="281" r:id="rId31"/>
+    <p:sldId id="283" r:id="rId32"/>
+    <p:sldId id="284" r:id="rId33"/>
   </p:sldIdLst>
   <p:sldSz cx="12192000" cy="6858000"/>
   <p:notesSz cx="6858000" cy="9144000"/>
@@ -146,7 +149,7 @@
 <file path=ppt/revisionInfo.xml><?xml version="1.0" encoding="utf-8"?>
 <p1510:revInfo xmlns:a="http://schemas.openxmlformats.org/drawingml/2006/main" xmlns:r="http://schemas.openxmlformats.org/officeDocument/2006/relationships" xmlns:p1510="http://schemas.microsoft.com/office/powerpoint/2015/10/main">
   <p1510:revLst>
-    <p1510:client id="{C88A9641-6870-405A-ACD5-6A71A77EE40E}" v="8" dt="2021-11-09T20:28:44.330"/>
+    <p1510:client id="{C88A9641-6870-405A-ACD5-6A71A77EE40E}" v="19" dt="2021-11-17T00:45:11.840"/>
   </p1510:revLst>
 </p1510:revInfo>
 </file>
@@ -288,23 +291,46 @@
   </pc:docChgLst>
   <pc:docChgLst>
     <pc:chgData name="Weifeng Xu" userId="e7aed605-a3dd-4d5a-a692-a87037af107b" providerId="ADAL" clId="{C88A9641-6870-405A-ACD5-6A71A77EE40E}"/>
-    <pc:docChg chg="undo redo custSel modSld">
-      <pc:chgData name="Weifeng Xu" userId="e7aed605-a3dd-4d5a-a692-a87037af107b" providerId="ADAL" clId="{C88A9641-6870-405A-ACD5-6A71A77EE40E}" dt="2021-11-13T03:16:58.033" v="200" actId="20577"/>
+    <pc:docChg chg="undo redo custSel addSld delSld modSld">
+      <pc:chgData name="Weifeng Xu" userId="e7aed605-a3dd-4d5a-a692-a87037af107b" providerId="ADAL" clId="{C88A9641-6870-405A-ACD5-6A71A77EE40E}" dt="2021-11-16T23:33:46.374" v="680" actId="20577"/>
       <pc:docMkLst>
         <pc:docMk/>
       </pc:docMkLst>
-      <pc:sldChg chg="modSp mod">
-        <pc:chgData name="Weifeng Xu" userId="e7aed605-a3dd-4d5a-a692-a87037af107b" providerId="ADAL" clId="{C88A9641-6870-405A-ACD5-6A71A77EE40E}" dt="2021-11-13T03:16:58.033" v="200" actId="20577"/>
+      <pc:sldChg chg="modSp mod modNotesTx">
+        <pc:chgData name="Weifeng Xu" userId="e7aed605-a3dd-4d5a-a692-a87037af107b" providerId="ADAL" clId="{C88A9641-6870-405A-ACD5-6A71A77EE40E}" dt="2021-11-16T20:59:22.695" v="676" actId="6549"/>
         <pc:sldMkLst>
           <pc:docMk/>
           <pc:sldMk cId="162022530" sldId="256"/>
         </pc:sldMkLst>
         <pc:spChg chg="mod">
-          <ac:chgData name="Weifeng Xu" userId="e7aed605-a3dd-4d5a-a692-a87037af107b" providerId="ADAL" clId="{C88A9641-6870-405A-ACD5-6A71A77EE40E}" dt="2021-11-13T03:16:58.033" v="200" actId="20577"/>
+          <ac:chgData name="Weifeng Xu" userId="e7aed605-a3dd-4d5a-a692-a87037af107b" providerId="ADAL" clId="{C88A9641-6870-405A-ACD5-6A71A77EE40E}" dt="2021-11-13T15:27:37.179" v="249" actId="20577"/>
           <ac:spMkLst>
             <pc:docMk/>
             <pc:sldMk cId="162022530" sldId="256"/>
             <ac:spMk id="3" creationId="{00000000-0000-0000-0000-000000000000}"/>
+          </ac:spMkLst>
+        </pc:spChg>
+      </pc:sldChg>
+      <pc:sldChg chg="addSp modSp mod">
+        <pc:chgData name="Weifeng Xu" userId="e7aed605-a3dd-4d5a-a692-a87037af107b" providerId="ADAL" clId="{C88A9641-6870-405A-ACD5-6A71A77EE40E}" dt="2021-11-13T03:47:41.200" v="218" actId="207"/>
+        <pc:sldMkLst>
+          <pc:docMk/>
+          <pc:sldMk cId="3149611631" sldId="264"/>
+        </pc:sldMkLst>
+        <pc:spChg chg="add mod">
+          <ac:chgData name="Weifeng Xu" userId="e7aed605-a3dd-4d5a-a692-a87037af107b" providerId="ADAL" clId="{C88A9641-6870-405A-ACD5-6A71A77EE40E}" dt="2021-11-13T03:47:17.738" v="204" actId="1076"/>
+          <ac:spMkLst>
+            <pc:docMk/>
+            <pc:sldMk cId="3149611631" sldId="264"/>
+            <ac:spMk id="4" creationId="{ADAFF1AC-213B-4922-8843-9315FCDAA337}"/>
+          </ac:spMkLst>
+        </pc:spChg>
+        <pc:spChg chg="add mod">
+          <ac:chgData name="Weifeng Xu" userId="e7aed605-a3dd-4d5a-a692-a87037af107b" providerId="ADAL" clId="{C88A9641-6870-405A-ACD5-6A71A77EE40E}" dt="2021-11-13T03:47:41.200" v="218" actId="207"/>
+          <ac:spMkLst>
+            <pc:docMk/>
+            <pc:sldMk cId="3149611631" sldId="264"/>
+            <ac:spMk id="5" creationId="{C004582E-6201-42C3-B643-1B5FCB35DC84}"/>
           </ac:spMkLst>
         </pc:spChg>
       </pc:sldChg>
@@ -330,6 +356,21 @@
             <ac:cxnSpMk id="6" creationId="{4AF79A65-623F-4AD1-B0DE-6F391BA525FB}"/>
           </ac:cxnSpMkLst>
         </pc:cxnChg>
+      </pc:sldChg>
+      <pc:sldChg chg="modSp mod">
+        <pc:chgData name="Weifeng Xu" userId="e7aed605-a3dd-4d5a-a692-a87037af107b" providerId="ADAL" clId="{C88A9641-6870-405A-ACD5-6A71A77EE40E}" dt="2021-11-13T15:25:14.573" v="237" actId="20577"/>
+        <pc:sldMkLst>
+          <pc:docMk/>
+          <pc:sldMk cId="214669444" sldId="273"/>
+        </pc:sldMkLst>
+        <pc:spChg chg="mod">
+          <ac:chgData name="Weifeng Xu" userId="e7aed605-a3dd-4d5a-a692-a87037af107b" providerId="ADAL" clId="{C88A9641-6870-405A-ACD5-6A71A77EE40E}" dt="2021-11-13T15:25:14.573" v="237" actId="20577"/>
+          <ac:spMkLst>
+            <pc:docMk/>
+            <pc:sldMk cId="214669444" sldId="273"/>
+            <ac:spMk id="3" creationId="{00000000-0000-0000-0000-000000000000}"/>
+          </ac:spMkLst>
+        </pc:spChg>
       </pc:sldChg>
       <pc:sldChg chg="addSp delSp modSp mod">
         <pc:chgData name="Weifeng Xu" userId="e7aed605-a3dd-4d5a-a692-a87037af107b" providerId="ADAL" clId="{C88A9641-6870-405A-ACD5-6A71A77EE40E}" dt="2021-11-09T20:31:38.731" v="115" actId="207"/>
@@ -440,6 +481,223 @@
           </ac:spMkLst>
         </pc:spChg>
       </pc:sldChg>
+      <pc:sldChg chg="addSp modSp mod">
+        <pc:chgData name="Weifeng Xu" userId="e7aed605-a3dd-4d5a-a692-a87037af107b" providerId="ADAL" clId="{C88A9641-6870-405A-ACD5-6A71A77EE40E}" dt="2021-11-16T03:19:02.642" v="486" actId="14100"/>
+        <pc:sldMkLst>
+          <pc:docMk/>
+          <pc:sldMk cId="1081932749" sldId="285"/>
+        </pc:sldMkLst>
+        <pc:spChg chg="add mod">
+          <ac:chgData name="Weifeng Xu" userId="e7aed605-a3dd-4d5a-a692-a87037af107b" providerId="ADAL" clId="{C88A9641-6870-405A-ACD5-6A71A77EE40E}" dt="2021-11-16T03:19:02.642" v="486" actId="14100"/>
+          <ac:spMkLst>
+            <pc:docMk/>
+            <pc:sldMk cId="1081932749" sldId="285"/>
+            <ac:spMk id="10" creationId="{4C0A2281-8345-4E76-A7AF-5CDEB96A71DE}"/>
+          </ac:spMkLst>
+        </pc:spChg>
+        <pc:picChg chg="mod">
+          <ac:chgData name="Weifeng Xu" userId="e7aed605-a3dd-4d5a-a692-a87037af107b" providerId="ADAL" clId="{C88A9641-6870-405A-ACD5-6A71A77EE40E}" dt="2021-11-16T03:16:53.567" v="481" actId="1076"/>
+          <ac:picMkLst>
+            <pc:docMk/>
+            <pc:sldMk cId="1081932749" sldId="285"/>
+            <ac:picMk id="4" creationId="{00000000-0000-0000-0000-000000000000}"/>
+          </ac:picMkLst>
+        </pc:picChg>
+        <pc:cxnChg chg="add mod">
+          <ac:chgData name="Weifeng Xu" userId="e7aed605-a3dd-4d5a-a692-a87037af107b" providerId="ADAL" clId="{C88A9641-6870-405A-ACD5-6A71A77EE40E}" dt="2021-11-16T03:17:16.486" v="483" actId="13822"/>
+          <ac:cxnSpMkLst>
+            <pc:docMk/>
+            <pc:sldMk cId="1081932749" sldId="285"/>
+            <ac:cxnSpMk id="7" creationId="{FD5F9C8A-6D8D-4F77-975F-0C8FB8231FCB}"/>
+          </ac:cxnSpMkLst>
+        </pc:cxnChg>
+      </pc:sldChg>
+      <pc:sldChg chg="addSp delSp modSp mod modNotesTx">
+        <pc:chgData name="Weifeng Xu" userId="e7aed605-a3dd-4d5a-a692-a87037af107b" providerId="ADAL" clId="{C88A9641-6870-405A-ACD5-6A71A77EE40E}" dt="2021-11-16T03:53:20.225" v="657" actId="14100"/>
+        <pc:sldMkLst>
+          <pc:docMk/>
+          <pc:sldMk cId="3299497375" sldId="286"/>
+        </pc:sldMkLst>
+        <pc:spChg chg="del">
+          <ac:chgData name="Weifeng Xu" userId="e7aed605-a3dd-4d5a-a692-a87037af107b" providerId="ADAL" clId="{C88A9641-6870-405A-ACD5-6A71A77EE40E}" dt="2021-11-16T03:28:00.279" v="491" actId="21"/>
+          <ac:spMkLst>
+            <pc:docMk/>
+            <pc:sldMk cId="3299497375" sldId="286"/>
+            <ac:spMk id="6" creationId="{00000000-0000-0000-0000-000000000000}"/>
+          </ac:spMkLst>
+        </pc:spChg>
+        <pc:spChg chg="add mod">
+          <ac:chgData name="Weifeng Xu" userId="e7aed605-a3dd-4d5a-a692-a87037af107b" providerId="ADAL" clId="{C88A9641-6870-405A-ACD5-6A71A77EE40E}" dt="2021-11-16T03:44:29.743" v="622" actId="20577"/>
+          <ac:spMkLst>
+            <pc:docMk/>
+            <pc:sldMk cId="3299497375" sldId="286"/>
+            <ac:spMk id="7" creationId="{4EC7A8FB-A718-4708-BCF8-7B8FEEEA11CD}"/>
+          </ac:spMkLst>
+        </pc:spChg>
+        <pc:spChg chg="add mod">
+          <ac:chgData name="Weifeng Xu" userId="e7aed605-a3dd-4d5a-a692-a87037af107b" providerId="ADAL" clId="{C88A9641-6870-405A-ACD5-6A71A77EE40E}" dt="2021-11-16T03:30:23.556" v="533" actId="14100"/>
+          <ac:spMkLst>
+            <pc:docMk/>
+            <pc:sldMk cId="3299497375" sldId="286"/>
+            <ac:spMk id="10" creationId="{63B22BAB-3138-4EFE-8912-752AF35655E7}"/>
+          </ac:spMkLst>
+        </pc:spChg>
+        <pc:spChg chg="add mod">
+          <ac:chgData name="Weifeng Xu" userId="e7aed605-a3dd-4d5a-a692-a87037af107b" providerId="ADAL" clId="{C88A9641-6870-405A-ACD5-6A71A77EE40E}" dt="2021-11-16T03:30:33.016" v="536" actId="14100"/>
+          <ac:spMkLst>
+            <pc:docMk/>
+            <pc:sldMk cId="3299497375" sldId="286"/>
+            <ac:spMk id="11" creationId="{E19AC702-D50F-4F43-987E-F9B6B1119D96}"/>
+          </ac:spMkLst>
+        </pc:spChg>
+        <pc:picChg chg="del">
+          <ac:chgData name="Weifeng Xu" userId="e7aed605-a3dd-4d5a-a692-a87037af107b" providerId="ADAL" clId="{C88A9641-6870-405A-ACD5-6A71A77EE40E}" dt="2021-11-16T03:28:00.279" v="491" actId="21"/>
+          <ac:picMkLst>
+            <pc:docMk/>
+            <pc:sldMk cId="3299497375" sldId="286"/>
+            <ac:picMk id="5" creationId="{00000000-0000-0000-0000-000000000000}"/>
+          </ac:picMkLst>
+        </pc:picChg>
+        <pc:cxnChg chg="add mod">
+          <ac:chgData name="Weifeng Xu" userId="e7aed605-a3dd-4d5a-a692-a87037af107b" providerId="ADAL" clId="{C88A9641-6870-405A-ACD5-6A71A77EE40E}" dt="2021-11-16T03:53:20.225" v="657" actId="14100"/>
+          <ac:cxnSpMkLst>
+            <pc:docMk/>
+            <pc:sldMk cId="3299497375" sldId="286"/>
+            <ac:cxnSpMk id="9" creationId="{1E94DE38-CE42-40AC-A151-53C75E83A378}"/>
+          </ac:cxnSpMkLst>
+        </pc:cxnChg>
+      </pc:sldChg>
+      <pc:sldChg chg="modSp new mod">
+        <pc:chgData name="Weifeng Xu" userId="e7aed605-a3dd-4d5a-a692-a87037af107b" providerId="ADAL" clId="{C88A9641-6870-405A-ACD5-6A71A77EE40E}" dt="2021-11-16T02:53:12.599" v="478" actId="6549"/>
+        <pc:sldMkLst>
+          <pc:docMk/>
+          <pc:sldMk cId="2772101945" sldId="287"/>
+        </pc:sldMkLst>
+        <pc:spChg chg="mod">
+          <ac:chgData name="Weifeng Xu" userId="e7aed605-a3dd-4d5a-a692-a87037af107b" providerId="ADAL" clId="{C88A9641-6870-405A-ACD5-6A71A77EE40E}" dt="2021-11-13T15:31:57.042" v="344" actId="20577"/>
+          <ac:spMkLst>
+            <pc:docMk/>
+            <pc:sldMk cId="2772101945" sldId="287"/>
+            <ac:spMk id="2" creationId="{CA125AEA-7A84-4F6A-A146-D497F71BE68F}"/>
+          </ac:spMkLst>
+        </pc:spChg>
+        <pc:spChg chg="mod">
+          <ac:chgData name="Weifeng Xu" userId="e7aed605-a3dd-4d5a-a692-a87037af107b" providerId="ADAL" clId="{C88A9641-6870-405A-ACD5-6A71A77EE40E}" dt="2021-11-16T02:53:12.599" v="478" actId="6549"/>
+          <ac:spMkLst>
+            <pc:docMk/>
+            <pc:sldMk cId="2772101945" sldId="287"/>
+            <ac:spMk id="3" creationId="{53A2B3A9-CADA-4EE7-963F-CCF7898F9DD2}"/>
+          </ac:spMkLst>
+        </pc:spChg>
+      </pc:sldChg>
+      <pc:sldChg chg="addSp delSp modSp new mod modClrScheme chgLayout modNotesTx">
+        <pc:chgData name="Weifeng Xu" userId="e7aed605-a3dd-4d5a-a692-a87037af107b" providerId="ADAL" clId="{C88A9641-6870-405A-ACD5-6A71A77EE40E}" dt="2021-11-16T23:33:46.374" v="680" actId="20577"/>
+        <pc:sldMkLst>
+          <pc:docMk/>
+          <pc:sldMk cId="2640566923" sldId="288"/>
+        </pc:sldMkLst>
+        <pc:spChg chg="del">
+          <ac:chgData name="Weifeng Xu" userId="e7aed605-a3dd-4d5a-a692-a87037af107b" providerId="ADAL" clId="{C88A9641-6870-405A-ACD5-6A71A77EE40E}" dt="2021-11-16T03:31:32.051" v="576" actId="700"/>
+          <ac:spMkLst>
+            <pc:docMk/>
+            <pc:sldMk cId="2640566923" sldId="288"/>
+            <ac:spMk id="2" creationId="{E929C9FD-DFDA-418B-8DDB-4F2B66CDDE8A}"/>
+          </ac:spMkLst>
+        </pc:spChg>
+        <pc:spChg chg="add mod">
+          <ac:chgData name="Weifeng Xu" userId="e7aed605-a3dd-4d5a-a692-a87037af107b" providerId="ADAL" clId="{C88A9641-6870-405A-ACD5-6A71A77EE40E}" dt="2021-11-16T03:32:59.012" v="612" actId="20577"/>
+          <ac:spMkLst>
+            <pc:docMk/>
+            <pc:sldMk cId="2640566923" sldId="288"/>
+            <ac:spMk id="5" creationId="{03A1B2C4-15C4-47A7-AE04-609C4C173A2D}"/>
+          </ac:spMkLst>
+        </pc:spChg>
+        <pc:spChg chg="add mod">
+          <ac:chgData name="Weifeng Xu" userId="e7aed605-a3dd-4d5a-a692-a87037af107b" providerId="ADAL" clId="{C88A9641-6870-405A-ACD5-6A71A77EE40E}" dt="2021-11-16T03:34:07.376" v="616" actId="1582"/>
+          <ac:spMkLst>
+            <pc:docMk/>
+            <pc:sldMk cId="2640566923" sldId="288"/>
+            <ac:spMk id="6" creationId="{ABB5FCAE-D7B5-4F62-99E4-49D0DC08E07A}"/>
+          </ac:spMkLst>
+        </pc:spChg>
+        <pc:spChg chg="add mod">
+          <ac:chgData name="Weifeng Xu" userId="e7aed605-a3dd-4d5a-a692-a87037af107b" providerId="ADAL" clId="{C88A9641-6870-405A-ACD5-6A71A77EE40E}" dt="2021-11-16T03:54:05.483" v="669" actId="1036"/>
+          <ac:spMkLst>
+            <pc:docMk/>
+            <pc:sldMk cId="2640566923" sldId="288"/>
+            <ac:spMk id="7" creationId="{438C8748-730C-4849-B0FD-20F87A59CB5D}"/>
+          </ac:spMkLst>
+        </pc:spChg>
+        <pc:picChg chg="add mod">
+          <ac:chgData name="Weifeng Xu" userId="e7aed605-a3dd-4d5a-a692-a87037af107b" providerId="ADAL" clId="{C88A9641-6870-405A-ACD5-6A71A77EE40E}" dt="2021-11-16T03:53:52.684" v="664" actId="1076"/>
+          <ac:picMkLst>
+            <pc:docMk/>
+            <pc:sldMk cId="2640566923" sldId="288"/>
+            <ac:picMk id="4" creationId="{07D2826B-24FA-4CA1-8683-49A9A80BAE2C}"/>
+          </ac:picMkLst>
+        </pc:picChg>
+      </pc:sldChg>
+      <pc:sldChg chg="addSp delSp modSp new mod modClrScheme chgLayout modNotesTx">
+        <pc:chgData name="Weifeng Xu" userId="e7aed605-a3dd-4d5a-a692-a87037af107b" providerId="ADAL" clId="{C88A9641-6870-405A-ACD5-6A71A77EE40E}" dt="2021-11-16T03:54:44.890" v="675" actId="20577"/>
+        <pc:sldMkLst>
+          <pc:docMk/>
+          <pc:sldMk cId="2027897214" sldId="289"/>
+        </pc:sldMkLst>
+        <pc:spChg chg="del">
+          <ac:chgData name="Weifeng Xu" userId="e7aed605-a3dd-4d5a-a692-a87037af107b" providerId="ADAL" clId="{C88A9641-6870-405A-ACD5-6A71A77EE40E}" dt="2021-11-16T03:28:11.865" v="493" actId="700"/>
+          <ac:spMkLst>
+            <pc:docMk/>
+            <pc:sldMk cId="2027897214" sldId="289"/>
+            <ac:spMk id="2" creationId="{68EC0ECD-B87A-47EA-B594-C2D5D9D44A49}"/>
+          </ac:spMkLst>
+        </pc:spChg>
+        <pc:spChg chg="add mod">
+          <ac:chgData name="Weifeng Xu" userId="e7aed605-a3dd-4d5a-a692-a87037af107b" providerId="ADAL" clId="{C88A9641-6870-405A-ACD5-6A71A77EE40E}" dt="2021-11-16T03:54:44.890" v="675" actId="20577"/>
+          <ac:spMkLst>
+            <pc:docMk/>
+            <pc:sldMk cId="2027897214" sldId="289"/>
+            <ac:spMk id="4" creationId="{BDD03DC8-96B7-48A0-B081-D8D26ED63FE0}"/>
+          </ac:spMkLst>
+        </pc:spChg>
+        <pc:picChg chg="add mod">
+          <ac:chgData name="Weifeng Xu" userId="e7aed605-a3dd-4d5a-a692-a87037af107b" providerId="ADAL" clId="{C88A9641-6870-405A-ACD5-6A71A77EE40E}" dt="2021-11-16T03:45:47.877" v="623" actId="1076"/>
+          <ac:picMkLst>
+            <pc:docMk/>
+            <pc:sldMk cId="2027897214" sldId="289"/>
+            <ac:picMk id="3" creationId="{07F89BB5-471F-4A85-8381-073BB5AB5A0D}"/>
+          </ac:picMkLst>
+        </pc:picChg>
+      </pc:sldChg>
+      <pc:sldChg chg="delSp new del mod modClrScheme chgLayout">
+        <pc:chgData name="Weifeng Xu" userId="e7aed605-a3dd-4d5a-a692-a87037af107b" providerId="ADAL" clId="{C88A9641-6870-405A-ACD5-6A71A77EE40E}" dt="2021-11-16T23:15:41.428" v="679" actId="47"/>
+        <pc:sldMkLst>
+          <pc:docMk/>
+          <pc:sldMk cId="1795065832" sldId="290"/>
+        </pc:sldMkLst>
+        <pc:spChg chg="del">
+          <ac:chgData name="Weifeng Xu" userId="e7aed605-a3dd-4d5a-a692-a87037af107b" providerId="ADAL" clId="{C88A9641-6870-405A-ACD5-6A71A77EE40E}" dt="2021-11-16T22:36:10.414" v="678" actId="700"/>
+          <ac:spMkLst>
+            <pc:docMk/>
+            <pc:sldMk cId="1795065832" sldId="290"/>
+            <ac:spMk id="2" creationId="{3A5D6A2E-8565-44DB-A40D-0329A514A0BF}"/>
+          </ac:spMkLst>
+        </pc:spChg>
+        <pc:spChg chg="del">
+          <ac:chgData name="Weifeng Xu" userId="e7aed605-a3dd-4d5a-a692-a87037af107b" providerId="ADAL" clId="{C88A9641-6870-405A-ACD5-6A71A77EE40E}" dt="2021-11-16T22:36:10.414" v="678" actId="700"/>
+          <ac:spMkLst>
+            <pc:docMk/>
+            <pc:sldMk cId="1795065832" sldId="290"/>
+            <ac:spMk id="3" creationId="{B95E463C-B1FB-448A-9DF7-7E3944B4D914}"/>
+          </ac:spMkLst>
+        </pc:spChg>
+      </pc:sldChg>
+      <pc:sldChg chg="new del">
+        <pc:chgData name="Weifeng Xu" userId="e7aed605-a3dd-4d5a-a692-a87037af107b" providerId="ADAL" clId="{C88A9641-6870-405A-ACD5-6A71A77EE40E}" dt="2021-11-16T03:53:02.782" v="655" actId="680"/>
+        <pc:sldMkLst>
+          <pc:docMk/>
+          <pc:sldMk cId="3784024112" sldId="290"/>
+        </pc:sldMkLst>
+      </pc:sldChg>
     </pc:docChg>
   </pc:docChgLst>
   <pc:docChgLst>
@@ -583,7 +841,7 @@
           <a:p>
             <a:fld id="{EE41F6E3-57F9-402E-BDBA-5B2DE11C8530}" type="datetimeFigureOut">
               <a:rPr lang="en-US" smtClean="0"/>
-              <a:t>11/12/2021</a:t>
+              <a:t>11/16/2021</a:t>
             </a:fld>
             <a:endParaRPr lang="en-US"/>
           </a:p>
@@ -894,10 +1152,7 @@
           <a:bodyPr/>
           <a:lstStyle/>
           <a:p>
-            <a:r>
-              <a:rPr lang="en-US" dirty="0"/>
-              <a:t>http://xmlstar.sourceforge.net/doc/UG/</a:t>
-            </a:r>
+            <a:endParaRPr lang="en-US" dirty="0"/>
           </a:p>
         </p:txBody>
       </p:sp>
@@ -983,53 +1238,34 @@
           <a:p>
             <a:r>
               <a:rPr lang="en-US" dirty="0" err="1"/>
-              <a:t>hivexsh</a:t>
-            </a:r>
-            <a:r>
-              <a:rPr lang="en-US" dirty="0"/>
-              <a:t> NTUSER_informant.DAT</a:t>
-            </a:r>
-          </a:p>
-          <a:p>
-            <a:r>
-              <a:rPr lang="en-US" dirty="0"/>
-              <a:t>cd Software\Microsoft\Office\15.0\Excel\File MRU</a:t>
-            </a:r>
-          </a:p>
-          <a:p>
+              <a:t>lnkinfo</a:t>
+            </a:r>
+            <a:r>
+              <a:rPr lang="en-US" dirty="0"/>
+              <a:t> /media/root/C8CA0C8DCA0C7A48/Users/informant/</a:t>
+            </a:r>
             <a:r>
               <a:rPr lang="en-US" dirty="0" err="1"/>
-              <a:t>lsval</a:t>
-            </a:r>
+              <a:t>AppData</a:t>
+            </a:r>
+            <a:r>
+              <a:rPr lang="en-US" dirty="0"/>
+              <a:t>/Roaming/Microsoft/Windows/Recent/'pricing </a:t>
+            </a:r>
+            <a:r>
+              <a:rPr lang="en-US" dirty="0" err="1"/>
+              <a:t>decision.lnk</a:t>
+            </a:r>
+            <a:r>
+              <a:rPr lang="en-US" dirty="0"/>
+              <a:t>'</a:t>
+            </a:r>
+          </a:p>
+          <a:p>
             <a:endParaRPr lang="en-US" dirty="0"/>
           </a:p>
           <a:p>
-            <a:r>
-              <a:rPr lang="en-US" dirty="0"/>
-              <a:t>"Item 1"="[F00000000][T01D065A7B4C94EE2][O00000000]*\\\\10.11.11.128\\</a:t>
-            </a:r>
-            <a:r>
-              <a:rPr lang="en-US" dirty="0" err="1"/>
-              <a:t>secured_drive</a:t>
-            </a:r>
-            <a:r>
-              <a:rPr lang="en-US" dirty="0"/>
-              <a:t>\\Secret Project Data\\pricing decision\\(</a:t>
-            </a:r>
-            <a:r>
-              <a:rPr lang="en-US" dirty="0" err="1"/>
-              <a:t>secret_project</a:t>
-            </a:r>
-            <a:r>
-              <a:rPr lang="en-US" dirty="0"/>
-              <a:t>)_pricing_decision.xlsx“</a:t>
-            </a:r>
-          </a:p>
-          <a:p>
-            <a:r>
-              <a:rPr lang="en-US" dirty="0"/>
-              <a:t>https://www.taksati.org/mru/</a:t>
-            </a:r>
+            <a:endParaRPr lang="en-US" dirty="0"/>
           </a:p>
         </p:txBody>
       </p:sp>
@@ -1059,7 +1295,7 @@
     </p:spTree>
     <p:extLst>
       <p:ext uri="{BB962C8B-B14F-4D97-AF65-F5344CB8AC3E}">
-        <p14:creationId xmlns:p14="http://schemas.microsoft.com/office/powerpoint/2010/main" val="3902265853"/>
+        <p14:creationId xmlns:p14="http://schemas.microsoft.com/office/powerpoint/2010/main" val="3105263736"/>
       </p:ext>
     </p:extLst>
   </p:cSld>
@@ -1114,14 +1350,36 @@
           <a:lstStyle/>
           <a:p>
             <a:r>
-              <a:rPr lang="en-US" dirty="0"/>
-              <a:t>https://www.dmares.com/maresware/html/dateconv.htm</a:t>
-            </a:r>
-          </a:p>
-          <a:p>
-            <a:r>
-              <a:rPr lang="en-US" dirty="0"/>
-              <a:t>https://www.silisoftware.com/tools/date.php?inputdate=130716160160780002&amp;inputformat=filetime</a:t>
+              <a:rPr lang="en-US" dirty="0" err="1"/>
+              <a:t>lnkinfo</a:t>
+            </a:r>
+            <a:r>
+              <a:rPr lang="en-US" dirty="0"/>
+              <a:t> /media/root/C8CA0C8DCA0C7A48/Users/informant/</a:t>
+            </a:r>
+            <a:r>
+              <a:rPr lang="en-US" dirty="0" err="1"/>
+              <a:t>AppData</a:t>
+            </a:r>
+            <a:r>
+              <a:rPr lang="en-US" dirty="0"/>
+              <a:t>/Roaming/Microsoft/Windows/Recent/'(</a:t>
+            </a:r>
+            <a:r>
+              <a:rPr lang="en-US" dirty="0" err="1"/>
+              <a:t>secret_project</a:t>
+            </a:r>
+            <a:r>
+              <a:rPr lang="en-US" dirty="0"/>
+              <a:t>)_</a:t>
+            </a:r>
+            <a:r>
+              <a:rPr lang="en-US" dirty="0" err="1"/>
+              <a:t>pricing_decision.xlsx.lnk</a:t>
+            </a:r>
+            <a:r>
+              <a:rPr lang="en-US" dirty="0"/>
+              <a:t>'</a:t>
             </a:r>
           </a:p>
         </p:txBody>
@@ -1152,7 +1410,7 @@
     </p:spTree>
     <p:extLst>
       <p:ext uri="{BB962C8B-B14F-4D97-AF65-F5344CB8AC3E}">
-        <p14:creationId xmlns:p14="http://schemas.microsoft.com/office/powerpoint/2010/main" val="4122080375"/>
+        <p14:creationId xmlns:p14="http://schemas.microsoft.com/office/powerpoint/2010/main" val="731191471"/>
       </p:ext>
     </p:extLst>
   </p:cSld>
@@ -1207,14 +1465,53 @@
           <a:lstStyle/>
           <a:p>
             <a:r>
-              <a:rPr lang="en-US" dirty="0"/>
-              <a:t>https://github.com/digitalsleuth/time_decode</a:t>
-            </a:r>
-          </a:p>
-          <a:p>
-            <a:r>
-              <a:rPr lang="en-US" dirty="0"/>
-              <a:t>https://dfdatetime.readthedocs.io/en/latest/index.html</a:t>
+              <a:rPr lang="en-US" dirty="0" err="1"/>
+              <a:t>hivexsh</a:t>
+            </a:r>
+            <a:r>
+              <a:rPr lang="en-US" dirty="0"/>
+              <a:t> NTUSER_informant.DAT</a:t>
+            </a:r>
+          </a:p>
+          <a:p>
+            <a:r>
+              <a:rPr lang="en-US" dirty="0"/>
+              <a:t>cd Software\Microsoft\Office\15.0\Excel\File MRU</a:t>
+            </a:r>
+          </a:p>
+          <a:p>
+            <a:r>
+              <a:rPr lang="en-US" dirty="0" err="1"/>
+              <a:t>lsval</a:t>
+            </a:r>
+            <a:endParaRPr lang="en-US" dirty="0"/>
+          </a:p>
+          <a:p>
+            <a:r>
+              <a:rPr lang="en-US" dirty="0"/>
+              <a:t>"Item 1"="[F00000000][T01D065A7B4C94EE2][O00000000]*\\\\10.11.11.128\\</a:t>
+            </a:r>
+            <a:r>
+              <a:rPr lang="en-US" dirty="0" err="1"/>
+              <a:t>secured_drive</a:t>
+            </a:r>
+            <a:r>
+              <a:rPr lang="en-US" dirty="0"/>
+              <a:t>\\Secret Project Data\\pricing decision\\(</a:t>
+            </a:r>
+            <a:r>
+              <a:rPr lang="en-US" dirty="0" err="1"/>
+              <a:t>secret_project</a:t>
+            </a:r>
+            <a:r>
+              <a:rPr lang="en-US" dirty="0"/>
+              <a:t>)_pricing_decision.xlsx“</a:t>
+            </a:r>
+          </a:p>
+          <a:p>
+            <a:r>
+              <a:rPr lang="en-US" dirty="0"/>
+              <a:t>https://www.taksati.org/mru/</a:t>
             </a:r>
           </a:p>
         </p:txBody>
@@ -1236,7 +1533,7 @@
           <a:p>
             <a:fld id="{DDBF98C7-164A-4723-84F0-B1E4B080DDEC}" type="slidenum">
               <a:rPr lang="en-US" smtClean="0"/>
-              <a:t>16</a:t>
+              <a:t>17</a:t>
             </a:fld>
             <a:endParaRPr lang="en-US"/>
           </a:p>
@@ -1245,7 +1542,7 @@
     </p:spTree>
     <p:extLst>
       <p:ext uri="{BB962C8B-B14F-4D97-AF65-F5344CB8AC3E}">
-        <p14:creationId xmlns:p14="http://schemas.microsoft.com/office/powerpoint/2010/main" val="3157323882"/>
+        <p14:creationId xmlns:p14="http://schemas.microsoft.com/office/powerpoint/2010/main" val="3902265853"/>
       </p:ext>
     </p:extLst>
   </p:cSld>
@@ -1301,49 +1598,14 @@
           <a:p>
             <a:r>
               <a:rPr lang="en-US" dirty="0"/>
-              <a:t>find /media/root/C8CA0C8DCA0C7A48/Program\ Files\ \(x86\)/  -</a:t>
-            </a:r>
-            <a:r>
-              <a:rPr lang="en-US" dirty="0" err="1"/>
-              <a:t>regextype</a:t>
-            </a:r>
-            <a:r>
-              <a:rPr lang="en-US" dirty="0"/>
-              <a:t> grep  -regex  ".*google.*“</a:t>
-            </a:r>
-          </a:p>
-          <a:p>
-            <a:endParaRPr lang="en-US" dirty="0"/>
-          </a:p>
-          <a:p>
-            <a:r>
-              <a:rPr lang="en-US" dirty="0"/>
-              <a:t>Review: </a:t>
-            </a:r>
-            <a:r>
-              <a:rPr lang="en-US" sz="1200" b="0" i="0" kern="1200" dirty="0">
-                <a:solidFill>
-                  <a:schemeClr val="tx1"/>
-                </a:solidFill>
-                <a:effectLst/>
-                <a:latin typeface="+mn-lt"/>
-                <a:ea typeface="+mn-ea"/>
-                <a:cs typeface="+mn-cs"/>
-              </a:rPr>
-              <a:t>find . -type f -exec grep "example" '{}' \; -print</a:t>
-            </a:r>
-          </a:p>
-          <a:p>
-            <a:r>
-              <a:rPr lang="en-US" dirty="0"/>
-              <a:t>https://www.linode.com/docs/guides/find-files-in-linux-using-the-command-line/</a:t>
-            </a:r>
-          </a:p>
-          <a:p>
-            <a:endParaRPr lang="en-US" dirty="0"/>
-          </a:p>
-          <a:p>
-            <a:endParaRPr lang="en-US" dirty="0"/>
+              <a:t>https://www.dmares.com/maresware/html/dateconv.htm</a:t>
+            </a:r>
+          </a:p>
+          <a:p>
+            <a:r>
+              <a:rPr lang="en-US" dirty="0"/>
+              <a:t>https://www.silisoftware.com/tools/date.php?inputdate=130716160160780002&amp;inputformat=filetime</a:t>
+            </a:r>
           </a:p>
         </p:txBody>
       </p:sp>
@@ -1364,7 +1626,7 @@
           <a:p>
             <a:fld id="{DDBF98C7-164A-4723-84F0-B1E4B080DDEC}" type="slidenum">
               <a:rPr lang="en-US" smtClean="0"/>
-              <a:t>20</a:t>
+              <a:t>18</a:t>
             </a:fld>
             <a:endParaRPr lang="en-US"/>
           </a:p>
@@ -1373,7 +1635,7 @@
     </p:spTree>
     <p:extLst>
       <p:ext uri="{BB962C8B-B14F-4D97-AF65-F5344CB8AC3E}">
-        <p14:creationId xmlns:p14="http://schemas.microsoft.com/office/powerpoint/2010/main" val="3277255379"/>
+        <p14:creationId xmlns:p14="http://schemas.microsoft.com/office/powerpoint/2010/main" val="4122080375"/>
       </p:ext>
     </p:extLst>
   </p:cSld>
@@ -1429,52 +1691,14 @@
           <a:p>
             <a:r>
               <a:rPr lang="en-US" dirty="0"/>
-              <a:t>rip.pl -r SOFTWARE -p installer | grep -</a:t>
-            </a:r>
-            <a:r>
-              <a:rPr lang="en-US" dirty="0" err="1"/>
-              <a:t>Ei</a:t>
-            </a:r>
-            <a:r>
-              <a:rPr lang="en-US" dirty="0"/>
-              <a:t> "</a:t>
-            </a:r>
-            <a:r>
-              <a:rPr lang="en-US" dirty="0" err="1"/>
-              <a:t>google|amazon|cloud|amazon</a:t>
-            </a:r>
-            <a:r>
-              <a:rPr lang="en-US" dirty="0"/>
-              <a:t>“</a:t>
-            </a:r>
-          </a:p>
-          <a:p>
-            <a:r>
-              <a:rPr lang="en-US" dirty="0"/>
-              <a:t>rip.pl -r SOFTWARE -p uninstall | grep -</a:t>
-            </a:r>
-            <a:r>
-              <a:rPr lang="en-US" dirty="0" err="1"/>
-              <a:t>Ei</a:t>
-            </a:r>
-            <a:r>
-              <a:rPr lang="en-US" dirty="0"/>
-              <a:t> "</a:t>
-            </a:r>
-            <a:r>
-              <a:rPr lang="en-US" dirty="0" err="1"/>
-              <a:t>google|amazon|cloud|amazon</a:t>
-            </a:r>
-            <a:r>
-              <a:rPr lang="en-US" dirty="0"/>
-              <a:t>"</a:t>
-            </a:r>
-          </a:p>
-          <a:p>
-            <a:endParaRPr lang="en-US" dirty="0"/>
-          </a:p>
-          <a:p>
-            <a:endParaRPr lang="en-US" dirty="0"/>
+              <a:t>https://github.com/digitalsleuth/time_decode</a:t>
+            </a:r>
+          </a:p>
+          <a:p>
+            <a:r>
+              <a:rPr lang="en-US" dirty="0"/>
+              <a:t>https://dfdatetime.readthedocs.io/en/latest/index.html</a:t>
+            </a:r>
           </a:p>
         </p:txBody>
       </p:sp>
@@ -1495,7 +1719,7 @@
           <a:p>
             <a:fld id="{DDBF98C7-164A-4723-84F0-B1E4B080DDEC}" type="slidenum">
               <a:rPr lang="en-US" smtClean="0"/>
-              <a:t>22</a:t>
+              <a:t>19</a:t>
             </a:fld>
             <a:endParaRPr lang="en-US"/>
           </a:p>
@@ -1504,7 +1728,7 @@
     </p:spTree>
     <p:extLst>
       <p:ext uri="{BB962C8B-B14F-4D97-AF65-F5344CB8AC3E}">
-        <p14:creationId xmlns:p14="http://schemas.microsoft.com/office/powerpoint/2010/main" val="3554835742"/>
+        <p14:creationId xmlns:p14="http://schemas.microsoft.com/office/powerpoint/2010/main" val="3157323882"/>
       </p:ext>
     </p:extLst>
   </p:cSld>
@@ -1560,8 +1784,49 @@
           <a:p>
             <a:r>
               <a:rPr lang="en-US" dirty="0"/>
-              <a:t>https://www.ghacks.net/2016/06/04/windows-automatic-startup-locations/</a:t>
-            </a:r>
+              <a:t>find /media/root/C8CA0C8DCA0C7A48/Program\ Files\ \(x86\)/  -</a:t>
+            </a:r>
+            <a:r>
+              <a:rPr lang="en-US" dirty="0" err="1"/>
+              <a:t>regextype</a:t>
+            </a:r>
+            <a:r>
+              <a:rPr lang="en-US" dirty="0"/>
+              <a:t> grep  -regex  ".*google.*“</a:t>
+            </a:r>
+          </a:p>
+          <a:p>
+            <a:endParaRPr lang="en-US" dirty="0"/>
+          </a:p>
+          <a:p>
+            <a:r>
+              <a:rPr lang="en-US" dirty="0"/>
+              <a:t>Review: </a:t>
+            </a:r>
+            <a:r>
+              <a:rPr lang="en-US" sz="1200" b="0" i="0" kern="1200" dirty="0">
+                <a:solidFill>
+                  <a:schemeClr val="tx1"/>
+                </a:solidFill>
+                <a:effectLst/>
+                <a:latin typeface="+mn-lt"/>
+                <a:ea typeface="+mn-ea"/>
+                <a:cs typeface="+mn-cs"/>
+              </a:rPr>
+              <a:t>find . -type f -exec grep "example" '{}' \; -print</a:t>
+            </a:r>
+          </a:p>
+          <a:p>
+            <a:r>
+              <a:rPr lang="en-US" dirty="0"/>
+              <a:t>https://www.linode.com/docs/guides/find-files-in-linux-using-the-command-line/</a:t>
+            </a:r>
+          </a:p>
+          <a:p>
+            <a:endParaRPr lang="en-US" dirty="0"/>
+          </a:p>
+          <a:p>
+            <a:endParaRPr lang="en-US" dirty="0"/>
           </a:p>
         </p:txBody>
       </p:sp>
@@ -1591,7 +1856,7 @@
     </p:spTree>
     <p:extLst>
       <p:ext uri="{BB962C8B-B14F-4D97-AF65-F5344CB8AC3E}">
-        <p14:creationId xmlns:p14="http://schemas.microsoft.com/office/powerpoint/2010/main" val="4177426301"/>
+        <p14:creationId xmlns:p14="http://schemas.microsoft.com/office/powerpoint/2010/main" val="3277255379"/>
       </p:ext>
     </p:extLst>
   </p:cSld>
@@ -1647,8 +1912,52 @@
           <a:p>
             <a:r>
               <a:rPr lang="en-US" dirty="0"/>
-              <a:t>https://dpmforensics.com/2018/01/03/500-words-or-less-getting-more-from-google-accounts/</a:t>
-            </a:r>
+              <a:t>rip.pl -r SOFTWARE -p installer | grep -</a:t>
+            </a:r>
+            <a:r>
+              <a:rPr lang="en-US" dirty="0" err="1"/>
+              <a:t>Ei</a:t>
+            </a:r>
+            <a:r>
+              <a:rPr lang="en-US" dirty="0"/>
+              <a:t> "</a:t>
+            </a:r>
+            <a:r>
+              <a:rPr lang="en-US" dirty="0" err="1"/>
+              <a:t>google|amazon|cloud|amazon</a:t>
+            </a:r>
+            <a:r>
+              <a:rPr lang="en-US" dirty="0"/>
+              <a:t>“</a:t>
+            </a:r>
+          </a:p>
+          <a:p>
+            <a:r>
+              <a:rPr lang="en-US" dirty="0"/>
+              <a:t>rip.pl -r SOFTWARE -p uninstall | grep -</a:t>
+            </a:r>
+            <a:r>
+              <a:rPr lang="en-US" dirty="0" err="1"/>
+              <a:t>Ei</a:t>
+            </a:r>
+            <a:r>
+              <a:rPr lang="en-US" dirty="0"/>
+              <a:t> "</a:t>
+            </a:r>
+            <a:r>
+              <a:rPr lang="en-US" dirty="0" err="1"/>
+              <a:t>google|amazon|cloud|amazon</a:t>
+            </a:r>
+            <a:r>
+              <a:rPr lang="en-US" dirty="0"/>
+              <a:t>"</a:t>
+            </a:r>
+          </a:p>
+          <a:p>
+            <a:endParaRPr lang="en-US" dirty="0"/>
+          </a:p>
+          <a:p>
+            <a:endParaRPr lang="en-US" dirty="0"/>
           </a:p>
         </p:txBody>
       </p:sp>
@@ -1669,7 +1978,7 @@
           <a:p>
             <a:fld id="{DDBF98C7-164A-4723-84F0-B1E4B080DDEC}" type="slidenum">
               <a:rPr lang="en-US" smtClean="0"/>
-              <a:t>26</a:t>
+              <a:t>25</a:t>
             </a:fld>
             <a:endParaRPr lang="en-US"/>
           </a:p>
@@ -1678,7 +1987,7 @@
     </p:spTree>
     <p:extLst>
       <p:ext uri="{BB962C8B-B14F-4D97-AF65-F5344CB8AC3E}">
-        <p14:creationId xmlns:p14="http://schemas.microsoft.com/office/powerpoint/2010/main" val="4156763489"/>
+        <p14:creationId xmlns:p14="http://schemas.microsoft.com/office/powerpoint/2010/main" val="3554835742"/>
       </p:ext>
     </p:extLst>
   </p:cSld>
@@ -1734,51 +2043,8 @@
           <a:p>
             <a:r>
               <a:rPr lang="en-US" dirty="0"/>
-              <a:t>grep -</a:t>
-            </a:r>
-            <a:r>
-              <a:rPr lang="en-US" dirty="0" err="1"/>
-              <a:t>Ei</a:t>
-            </a:r>
-            <a:r>
-              <a:rPr lang="en-US" dirty="0"/>
-              <a:t> "Received event </a:t>
-            </a:r>
-            <a:r>
-              <a:rPr lang="en-US" dirty="0" err="1"/>
-              <a:t>RawEvent</a:t>
-            </a:r>
-            <a:r>
-              <a:rPr lang="en-US" dirty="0"/>
-              <a:t>\((</a:t>
-            </a:r>
-            <a:r>
-              <a:rPr lang="en-US" dirty="0" err="1"/>
-              <a:t>delete|create</a:t>
-            </a:r>
-            <a:r>
-              <a:rPr lang="en-US" dirty="0"/>
-              <a:t>)"  /media/root/C8CA0C8DCA0C7A48/Users/informant/</a:t>
-            </a:r>
-            <a:r>
-              <a:rPr lang="en-US" dirty="0" err="1"/>
-              <a:t>AppData</a:t>
-            </a:r>
-            <a:r>
-              <a:rPr lang="en-US" dirty="0"/>
-              <a:t>/Local/Google/Drive/</a:t>
-            </a:r>
-            <a:r>
-              <a:rPr lang="en-US" dirty="0" err="1"/>
-              <a:t>user_default</a:t>
-            </a:r>
-            <a:r>
-              <a:rPr lang="en-US" dirty="0"/>
-              <a:t>/sync_log.log  --color</a:t>
-            </a:r>
-          </a:p>
-          <a:p>
-            <a:endParaRPr lang="en-US" dirty="0"/>
+              <a:t>https://www.ghacks.net/2016/06/04/windows-automatic-startup-locations/</a:t>
+            </a:r>
           </a:p>
         </p:txBody>
       </p:sp>
@@ -1799,7 +2065,7 @@
           <a:p>
             <a:fld id="{DDBF98C7-164A-4723-84F0-B1E4B080DDEC}" type="slidenum">
               <a:rPr lang="en-US" smtClean="0"/>
-              <a:t>27</a:t>
+              <a:t>26</a:t>
             </a:fld>
             <a:endParaRPr lang="en-US"/>
           </a:p>
@@ -1808,7 +2074,7 @@
     </p:spTree>
     <p:extLst>
       <p:ext uri="{BB962C8B-B14F-4D97-AF65-F5344CB8AC3E}">
-        <p14:creationId xmlns:p14="http://schemas.microsoft.com/office/powerpoint/2010/main" val="3725951935"/>
+        <p14:creationId xmlns:p14="http://schemas.microsoft.com/office/powerpoint/2010/main" val="4177426301"/>
       </p:ext>
     </p:extLst>
   </p:cSld>
@@ -1862,7 +2128,10 @@
           <a:bodyPr/>
           <a:lstStyle/>
           <a:p>
-            <a:endParaRPr lang="en-US" dirty="0"/>
+            <a:r>
+              <a:rPr lang="en-US" dirty="0"/>
+              <a:t>https://dpmforensics.com/2018/01/03/500-words-or-less-getting-more-from-google-accounts/</a:t>
+            </a:r>
           </a:p>
         </p:txBody>
       </p:sp>
@@ -1873,7 +2142,7 @@
             <a:spLocks noGrp="1"/>
           </p:cNvSpPr>
           <p:nvPr>
-            <p:ph type="sldNum" sz="quarter" idx="5"/>
+            <p:ph type="sldNum" sz="quarter" idx="10"/>
           </p:nvPr>
         </p:nvSpPr>
         <p:spPr/>
@@ -1883,7 +2152,7 @@
           <a:p>
             <a:fld id="{DDBF98C7-164A-4723-84F0-B1E4B080DDEC}" type="slidenum">
               <a:rPr lang="en-US" smtClean="0"/>
-              <a:t>28</a:t>
+              <a:t>29</a:t>
             </a:fld>
             <a:endParaRPr lang="en-US"/>
           </a:p>
@@ -1892,7 +2161,7 @@
     </p:spTree>
     <p:extLst>
       <p:ext uri="{BB962C8B-B14F-4D97-AF65-F5344CB8AC3E}">
-        <p14:creationId xmlns:p14="http://schemas.microsoft.com/office/powerpoint/2010/main" val="3671818315"/>
+        <p14:creationId xmlns:p14="http://schemas.microsoft.com/office/powerpoint/2010/main" val="4156763489"/>
       </p:ext>
     </p:extLst>
   </p:cSld>
@@ -1948,15 +2217,31 @@
           <a:p>
             <a:r>
               <a:rPr lang="en-US" dirty="0"/>
-              <a:t>grep -P "\b[\w._%+]+@[\w.]+\.[a-</a:t>
+              <a:t>grep -</a:t>
             </a:r>
             <a:r>
               <a:rPr lang="en-US" dirty="0" err="1"/>
-              <a:t>zA</a:t>
-            </a:r>
-            <a:r>
-              <a:rPr lang="en-US" dirty="0"/>
-              <a:t>-Z]{2,4}\b"  /media/root/C8CA0C8DCA0C7A48/Users/informant/</a:t>
+              <a:t>Ei</a:t>
+            </a:r>
+            <a:r>
+              <a:rPr lang="en-US" dirty="0"/>
+              <a:t> "Received event </a:t>
+            </a:r>
+            <a:r>
+              <a:rPr lang="en-US" dirty="0" err="1"/>
+              <a:t>RawEvent</a:t>
+            </a:r>
+            <a:r>
+              <a:rPr lang="en-US" dirty="0"/>
+              <a:t>\((</a:t>
+            </a:r>
+            <a:r>
+              <a:rPr lang="en-US" dirty="0" err="1"/>
+              <a:t>delete|create</a:t>
+            </a:r>
+            <a:r>
+              <a:rPr lang="en-US" dirty="0"/>
+              <a:t>)"  /media/root/C8CA0C8DCA0C7A48/Users/informant/</a:t>
             </a:r>
             <a:r>
               <a:rPr lang="en-US" dirty="0" err="1"/>
@@ -1978,12 +2263,6 @@
           <a:p>
             <a:endParaRPr lang="en-US" dirty="0"/>
           </a:p>
-          <a:p>
-            <a:r>
-              <a:rPr lang="en-US" dirty="0"/>
-              <a:t>\w: [a-zA-Z0-9_]</a:t>
-            </a:r>
-          </a:p>
         </p:txBody>
       </p:sp>
       <p:sp>
@@ -2003,7 +2282,7 @@
           <a:p>
             <a:fld id="{DDBF98C7-164A-4723-84F0-B1E4B080DDEC}" type="slidenum">
               <a:rPr lang="en-US" smtClean="0"/>
-              <a:t>29</a:t>
+              <a:t>30</a:t>
             </a:fld>
             <a:endParaRPr lang="en-US"/>
           </a:p>
@@ -2012,7 +2291,7 @@
     </p:spTree>
     <p:extLst>
       <p:ext uri="{BB962C8B-B14F-4D97-AF65-F5344CB8AC3E}">
-        <p14:creationId xmlns:p14="http://schemas.microsoft.com/office/powerpoint/2010/main" val="2392600854"/>
+        <p14:creationId xmlns:p14="http://schemas.microsoft.com/office/powerpoint/2010/main" val="3725951935"/>
       </p:ext>
     </p:extLst>
   </p:cSld>
@@ -2098,7 +2377,7 @@
           <a:p>
             <a:fld id="{DDBF98C7-164A-4723-84F0-B1E4B080DDEC}" type="slidenum">
               <a:rPr lang="en-US" smtClean="0"/>
-              <a:t>2</a:t>
+              <a:t>3</a:t>
             </a:fld>
             <a:endParaRPr lang="en-US"/>
           </a:p>
@@ -2108,6 +2387,210 @@
     <p:extLst>
       <p:ext uri="{BB962C8B-B14F-4D97-AF65-F5344CB8AC3E}">
         <p14:creationId xmlns:p14="http://schemas.microsoft.com/office/powerpoint/2010/main" val="1479899812"/>
+      </p:ext>
+    </p:extLst>
+  </p:cSld>
+  <p:clrMapOvr>
+    <a:masterClrMapping/>
+  </p:clrMapOvr>
+</p:notes>
+</file>
+
+<file path=ppt/notesSlides/notesSlide20.xml><?xml version="1.0" encoding="utf-8"?>
+<p:notes xmlns:a="http://schemas.openxmlformats.org/drawingml/2006/main" xmlns:r="http://schemas.openxmlformats.org/officeDocument/2006/relationships" xmlns:p="http://schemas.openxmlformats.org/presentationml/2006/main">
+  <p:cSld>
+    <p:spTree>
+      <p:nvGrpSpPr>
+        <p:cNvPr id="1" name=""/>
+        <p:cNvGrpSpPr/>
+        <p:nvPr/>
+      </p:nvGrpSpPr>
+      <p:grpSpPr>
+        <a:xfrm>
+          <a:off x="0" y="0"/>
+          <a:ext cx="0" cy="0"/>
+          <a:chOff x="0" y="0"/>
+          <a:chExt cx="0" cy="0"/>
+        </a:xfrm>
+      </p:grpSpPr>
+      <p:sp>
+        <p:nvSpPr>
+          <p:cNvPr id="2" name="Slide Image Placeholder 1"/>
+          <p:cNvSpPr>
+            <a:spLocks noGrp="1" noRot="1" noChangeAspect="1"/>
+          </p:cNvSpPr>
+          <p:nvPr>
+            <p:ph type="sldImg"/>
+          </p:nvPr>
+        </p:nvSpPr>
+        <p:spPr/>
+      </p:sp>
+      <p:sp>
+        <p:nvSpPr>
+          <p:cNvPr id="3" name="Notes Placeholder 2"/>
+          <p:cNvSpPr>
+            <a:spLocks noGrp="1"/>
+          </p:cNvSpPr>
+          <p:nvPr>
+            <p:ph type="body" idx="1"/>
+          </p:nvPr>
+        </p:nvSpPr>
+        <p:spPr/>
+        <p:txBody>
+          <a:bodyPr/>
+          <a:lstStyle/>
+          <a:p>
+            <a:endParaRPr lang="en-US" dirty="0"/>
+          </a:p>
+        </p:txBody>
+      </p:sp>
+      <p:sp>
+        <p:nvSpPr>
+          <p:cNvPr id="4" name="Slide Number Placeholder 3"/>
+          <p:cNvSpPr>
+            <a:spLocks noGrp="1"/>
+          </p:cNvSpPr>
+          <p:nvPr>
+            <p:ph type="sldNum" sz="quarter" idx="5"/>
+          </p:nvPr>
+        </p:nvSpPr>
+        <p:spPr/>
+        <p:txBody>
+          <a:bodyPr/>
+          <a:lstStyle/>
+          <a:p>
+            <a:fld id="{DDBF98C7-164A-4723-84F0-B1E4B080DDEC}" type="slidenum">
+              <a:rPr lang="en-US" smtClean="0"/>
+              <a:t>31</a:t>
+            </a:fld>
+            <a:endParaRPr lang="en-US"/>
+          </a:p>
+        </p:txBody>
+      </p:sp>
+    </p:spTree>
+    <p:extLst>
+      <p:ext uri="{BB962C8B-B14F-4D97-AF65-F5344CB8AC3E}">
+        <p14:creationId xmlns:p14="http://schemas.microsoft.com/office/powerpoint/2010/main" val="3671818315"/>
+      </p:ext>
+    </p:extLst>
+  </p:cSld>
+  <p:clrMapOvr>
+    <a:masterClrMapping/>
+  </p:clrMapOvr>
+</p:notes>
+</file>
+
+<file path=ppt/notesSlides/notesSlide21.xml><?xml version="1.0" encoding="utf-8"?>
+<p:notes xmlns:a="http://schemas.openxmlformats.org/drawingml/2006/main" xmlns:r="http://schemas.openxmlformats.org/officeDocument/2006/relationships" xmlns:p="http://schemas.openxmlformats.org/presentationml/2006/main">
+  <p:cSld>
+    <p:spTree>
+      <p:nvGrpSpPr>
+        <p:cNvPr id="1" name=""/>
+        <p:cNvGrpSpPr/>
+        <p:nvPr/>
+      </p:nvGrpSpPr>
+      <p:grpSpPr>
+        <a:xfrm>
+          <a:off x="0" y="0"/>
+          <a:ext cx="0" cy="0"/>
+          <a:chOff x="0" y="0"/>
+          <a:chExt cx="0" cy="0"/>
+        </a:xfrm>
+      </p:grpSpPr>
+      <p:sp>
+        <p:nvSpPr>
+          <p:cNvPr id="2" name="Slide Image Placeholder 1"/>
+          <p:cNvSpPr>
+            <a:spLocks noGrp="1" noRot="1" noChangeAspect="1"/>
+          </p:cNvSpPr>
+          <p:nvPr>
+            <p:ph type="sldImg"/>
+          </p:nvPr>
+        </p:nvSpPr>
+        <p:spPr/>
+      </p:sp>
+      <p:sp>
+        <p:nvSpPr>
+          <p:cNvPr id="3" name="Notes Placeholder 2"/>
+          <p:cNvSpPr>
+            <a:spLocks noGrp="1"/>
+          </p:cNvSpPr>
+          <p:nvPr>
+            <p:ph type="body" idx="1"/>
+          </p:nvPr>
+        </p:nvSpPr>
+        <p:spPr/>
+        <p:txBody>
+          <a:bodyPr/>
+          <a:lstStyle/>
+          <a:p>
+            <a:r>
+              <a:rPr lang="en-US" dirty="0"/>
+              <a:t>grep -P "\b[\w._%+]+@[\w.]+\.[a-</a:t>
+            </a:r>
+            <a:r>
+              <a:rPr lang="en-US" dirty="0" err="1"/>
+              <a:t>zA</a:t>
+            </a:r>
+            <a:r>
+              <a:rPr lang="en-US" dirty="0"/>
+              <a:t>-Z]{2,4}\b"  /media/root/C8CA0C8DCA0C7A48/Users/informant/</a:t>
+            </a:r>
+            <a:r>
+              <a:rPr lang="en-US" dirty="0" err="1"/>
+              <a:t>AppData</a:t>
+            </a:r>
+            <a:r>
+              <a:rPr lang="en-US" dirty="0"/>
+              <a:t>/Local/Google/Drive/</a:t>
+            </a:r>
+            <a:r>
+              <a:rPr lang="en-US" dirty="0" err="1"/>
+              <a:t>user_default</a:t>
+            </a:r>
+            <a:r>
+              <a:rPr lang="en-US" dirty="0"/>
+              <a:t>/sync_log.log  --color</a:t>
+            </a:r>
+          </a:p>
+          <a:p>
+            <a:endParaRPr lang="en-US" dirty="0"/>
+          </a:p>
+          <a:p>
+            <a:r>
+              <a:rPr lang="en-US" dirty="0"/>
+              <a:t>\w: [a-zA-Z0-9_]</a:t>
+            </a:r>
+          </a:p>
+        </p:txBody>
+      </p:sp>
+      <p:sp>
+        <p:nvSpPr>
+          <p:cNvPr id="4" name="Slide Number Placeholder 3"/>
+          <p:cNvSpPr>
+            <a:spLocks noGrp="1"/>
+          </p:cNvSpPr>
+          <p:nvPr>
+            <p:ph type="sldNum" sz="quarter" idx="10"/>
+          </p:nvPr>
+        </p:nvSpPr>
+        <p:spPr/>
+        <p:txBody>
+          <a:bodyPr/>
+          <a:lstStyle/>
+          <a:p>
+            <a:fld id="{DDBF98C7-164A-4723-84F0-B1E4B080DDEC}" type="slidenum">
+              <a:rPr lang="en-US" smtClean="0"/>
+              <a:t>32</a:t>
+            </a:fld>
+            <a:endParaRPr lang="en-US"/>
+          </a:p>
+        </p:txBody>
+      </p:sp>
+    </p:spTree>
+    <p:extLst>
+      <p:ext uri="{BB962C8B-B14F-4D97-AF65-F5344CB8AC3E}">
+        <p14:creationId xmlns:p14="http://schemas.microsoft.com/office/powerpoint/2010/main" val="2392600854"/>
       </p:ext>
     </p:extLst>
   </p:cSld>
@@ -2193,7 +2676,7 @@
           <a:p>
             <a:fld id="{DDBF98C7-164A-4723-84F0-B1E4B080DDEC}" type="slidenum">
               <a:rPr lang="en-US" smtClean="0"/>
-              <a:t>3</a:t>
+              <a:t>4</a:t>
             </a:fld>
             <a:endParaRPr lang="en-US"/>
           </a:p>
@@ -2257,12 +2740,8 @@
           <a:lstStyle/>
           <a:p>
             <a:r>
-              <a:rPr lang="en-US" dirty="0" err="1"/>
-              <a:t>awk</a:t>
-            </a:r>
-            <a:r>
-              <a:rPr lang="en-US" dirty="0"/>
-              <a:t> '{print NR,"|", $6, "|", $15}' FS=',' </a:t>
+              <a:rPr lang="en-US" dirty="0"/>
+              <a:t>awk '{print NR,"|", $6, "|", $15}' FS=',' </a:t>
             </a:r>
             <a:r>
               <a:rPr lang="en-US" dirty="0" err="1"/>
@@ -2273,24 +2752,6 @@
               <a:t>/20201126160358_AutomaticDestinations.csv | grep "10.11.11.128" --color</a:t>
             </a:r>
           </a:p>
-          <a:p>
-            <a:r>
-              <a:rPr lang="en-US" dirty="0" err="1"/>
-              <a:t>awk</a:t>
-            </a:r>
-            <a:r>
-              <a:rPr lang="en-US" dirty="0"/>
-              <a:t> '{print NR,"|", $6, "|", $15}' FS=',' </a:t>
-            </a:r>
-            <a:r>
-              <a:rPr lang="en-US" dirty="0" err="1"/>
-              <a:t>AutomaticDestinations</a:t>
-            </a:r>
-            <a:r>
-              <a:rPr lang="en-US" dirty="0"/>
-              <a:t>/20201126160358_AutomaticDestinations.csv | grep "V:" --color</a:t>
-            </a:r>
-          </a:p>
         </p:txBody>
       </p:sp>
       <p:sp>
@@ -2310,7 +2771,7 @@
           <a:p>
             <a:fld id="{DDBF98C7-164A-4723-84F0-B1E4B080DDEC}" type="slidenum">
               <a:rPr lang="en-US" smtClean="0"/>
-              <a:t>4</a:t>
+              <a:t>5</a:t>
             </a:fld>
             <a:endParaRPr lang="en-US"/>
           </a:p>
@@ -2373,34 +2834,6 @@
           <a:bodyPr/>
           <a:lstStyle/>
           <a:p>
-            <a:r>
-              <a:rPr lang="en-US" dirty="0"/>
-              <a:t>ls /media/root/C8CA0C8DCA0C7A48/Users/informant/</a:t>
-            </a:r>
-            <a:r>
-              <a:rPr lang="en-US" dirty="0" err="1"/>
-              <a:t>AppData</a:t>
-            </a:r>
-            <a:r>
-              <a:rPr lang="en-US" dirty="0"/>
-              <a:t>/Roaming/Microsoft/Windows/Recent/</a:t>
-            </a:r>
-          </a:p>
-          <a:p>
-            <a:r>
-              <a:rPr lang="en-US" dirty="0"/>
-              <a:t>ls /media/root/C8CA0C8DCA0C7A48/Users/informant/</a:t>
-            </a:r>
-            <a:r>
-              <a:rPr lang="en-US" dirty="0" err="1"/>
-              <a:t>AppData</a:t>
-            </a:r>
-            <a:r>
-              <a:rPr lang="en-US" dirty="0"/>
-              <a:t>/Roaming/Microsoft/Office/Recent/</a:t>
-            </a:r>
-          </a:p>
-          <a:p>
             <a:endParaRPr lang="en-US" dirty="0"/>
           </a:p>
         </p:txBody>
@@ -2412,7 +2845,7 @@
             <a:spLocks noGrp="1"/>
           </p:cNvSpPr>
           <p:nvPr>
-            <p:ph type="sldNum" sz="quarter" idx="10"/>
+            <p:ph type="sldNum" sz="quarter" idx="5"/>
           </p:nvPr>
         </p:nvSpPr>
         <p:spPr/>
@@ -2422,7 +2855,7 @@
           <a:p>
             <a:fld id="{DDBF98C7-164A-4723-84F0-B1E4B080DDEC}" type="slidenum">
               <a:rPr lang="en-US" smtClean="0"/>
-              <a:t>8</a:t>
+              <a:t>6</a:t>
             </a:fld>
             <a:endParaRPr lang="en-US"/>
           </a:p>
@@ -2431,7 +2864,7 @@
     </p:spTree>
     <p:extLst>
       <p:ext uri="{BB962C8B-B14F-4D97-AF65-F5344CB8AC3E}">
-        <p14:creationId xmlns:p14="http://schemas.microsoft.com/office/powerpoint/2010/main" val="4208422659"/>
+        <p14:creationId xmlns:p14="http://schemas.microsoft.com/office/powerpoint/2010/main" val="1491427187"/>
       </p:ext>
     </p:extLst>
   </p:cSld>
@@ -2485,45 +2918,39 @@
           <a:bodyPr/>
           <a:lstStyle/>
           <a:p>
+            <a:pPr marL="0" marR="0" lvl="0" indent="0" algn="l" defTabSz="914400" rtl="0" eaLnBrk="1" fontAlgn="auto" latinLnBrk="0" hangingPunct="1">
+              <a:lnSpc>
+                <a:spcPct val="100000"/>
+              </a:lnSpc>
+              <a:spcBef>
+                <a:spcPts val="0"/>
+              </a:spcBef>
+              <a:spcAft>
+                <a:spcPts val="0"/>
+              </a:spcAft>
+              <a:buClrTx/>
+              <a:buSzTx/>
+              <a:buFontTx/>
+              <a:buNone/>
+              <a:tabLst/>
+              <a:defRPr/>
+            </a:pPr>
+            <a:r>
+              <a:rPr lang="en-US" dirty="0"/>
+              <a:t>awk '{print NR,"|", $6, "|", $15}' FS=',' </a:t>
+            </a:r>
             <a:r>
               <a:rPr lang="en-US" dirty="0" err="1"/>
-              <a:t>xxd</a:t>
-            </a:r>
-            <a:r>
-              <a:rPr lang="en-US" dirty="0"/>
-              <a:t>  /media/root/C8CA0C8DCA0C7A48/Users/informant/</a:t>
-            </a:r>
-            <a:r>
-              <a:rPr lang="en-US" dirty="0" err="1"/>
-              <a:t>AppData</a:t>
-            </a:r>
-            <a:r>
-              <a:rPr lang="en-US" dirty="0"/>
-              <a:t>/Roaming/Microsoft/Office/Recent/'(</a:t>
-            </a:r>
-            <a:r>
-              <a:rPr lang="en-US" dirty="0" err="1"/>
-              <a:t>secret_project</a:t>
-            </a:r>
-            <a:r>
-              <a:rPr lang="en-US" dirty="0"/>
-              <a:t>)_</a:t>
-            </a:r>
-            <a:r>
-              <a:rPr lang="en-US" dirty="0" err="1"/>
-              <a:t>pricing_decision.xlsx.LNK</a:t>
-            </a:r>
-            <a:r>
-              <a:rPr lang="en-US" dirty="0"/>
-              <a:t>' | head -n 15</a:t>
+              <a:t>AutomaticDestinations</a:t>
+            </a:r>
+            <a:r>
+              <a:rPr lang="en-US" dirty="0"/>
+              <a:t>/20201126160358_AutomaticDestinations.csv | grep "V:" --color</a:t>
             </a:r>
           </a:p>
           <a:p>
             <a:endParaRPr lang="en-US" dirty="0"/>
           </a:p>
-          <a:p>
-            <a:endParaRPr lang="en-US" dirty="0"/>
-          </a:p>
         </p:txBody>
       </p:sp>
       <p:sp>
@@ -2533,7 +2960,7 @@
             <a:spLocks noGrp="1"/>
           </p:cNvSpPr>
           <p:nvPr>
-            <p:ph type="sldNum" sz="quarter" idx="10"/>
+            <p:ph type="sldNum" sz="quarter" idx="5"/>
           </p:nvPr>
         </p:nvSpPr>
         <p:spPr/>
@@ -2543,7 +2970,7 @@
           <a:p>
             <a:fld id="{DDBF98C7-164A-4723-84F0-B1E4B080DDEC}" type="slidenum">
               <a:rPr lang="en-US" smtClean="0"/>
-              <a:t>9</a:t>
+              <a:t>7</a:t>
             </a:fld>
             <a:endParaRPr lang="en-US"/>
           </a:p>
@@ -2552,7 +2979,7 @@
     </p:spTree>
     <p:extLst>
       <p:ext uri="{BB962C8B-B14F-4D97-AF65-F5344CB8AC3E}">
-        <p14:creationId xmlns:p14="http://schemas.microsoft.com/office/powerpoint/2010/main" val="2188313277"/>
+        <p14:creationId xmlns:p14="http://schemas.microsoft.com/office/powerpoint/2010/main" val="1013054627"/>
       </p:ext>
     </p:extLst>
   </p:cSld>
@@ -2608,12 +3035,32 @@
           <a:p>
             <a:r>
               <a:rPr lang="en-US" dirty="0"/>
-              <a:t>apt-get install </a:t>
+              <a:t>ls /media/root/C8CA0C8DCA0C7A48/Users/informant/</a:t>
             </a:r>
             <a:r>
               <a:rPr lang="en-US" dirty="0" err="1"/>
-              <a:t>liblink-tuils</a:t>
-            </a:r>
+              <a:t>AppData</a:t>
+            </a:r>
+            <a:r>
+              <a:rPr lang="en-US" dirty="0"/>
+              <a:t>/Roaming/Microsoft/Windows/Recent/</a:t>
+            </a:r>
+          </a:p>
+          <a:p>
+            <a:r>
+              <a:rPr lang="en-US" dirty="0"/>
+              <a:t>ls /media/root/C8CA0C8DCA0C7A48/Users/informant/</a:t>
+            </a:r>
+            <a:r>
+              <a:rPr lang="en-US" dirty="0" err="1"/>
+              <a:t>AppData</a:t>
+            </a:r>
+            <a:r>
+              <a:rPr lang="en-US" dirty="0"/>
+              <a:t>/Roaming/Microsoft/Office/Recent/</a:t>
+            </a:r>
+          </a:p>
+          <a:p>
             <a:endParaRPr lang="en-US" dirty="0"/>
           </a:p>
         </p:txBody>
@@ -2635,7 +3082,7 @@
           <a:p>
             <a:fld id="{DDBF98C7-164A-4723-84F0-B1E4B080DDEC}" type="slidenum">
               <a:rPr lang="en-US" smtClean="0"/>
-              <a:t>10</a:t>
+              <a:t>11</a:t>
             </a:fld>
             <a:endParaRPr lang="en-US"/>
           </a:p>
@@ -2644,7 +3091,7 @@
     </p:spTree>
     <p:extLst>
       <p:ext uri="{BB962C8B-B14F-4D97-AF65-F5344CB8AC3E}">
-        <p14:creationId xmlns:p14="http://schemas.microsoft.com/office/powerpoint/2010/main" val="1844069453"/>
+        <p14:creationId xmlns:p14="http://schemas.microsoft.com/office/powerpoint/2010/main" val="4208422659"/>
       </p:ext>
     </p:extLst>
   </p:cSld>
@@ -2700,11 +3147,11 @@
           <a:p>
             <a:r>
               <a:rPr lang="en-US" dirty="0" err="1"/>
-              <a:t>lnkinfo</a:t>
-            </a:r>
-            <a:r>
-              <a:rPr lang="en-US" dirty="0"/>
-              <a:t> /media/root/C8CA0C8DCA0C7A48/Users/informant/</a:t>
+              <a:t>xxd</a:t>
+            </a:r>
+            <a:r>
+              <a:rPr lang="en-US" dirty="0"/>
+              <a:t>  /media/root/C8CA0C8DCA0C7A48/Users/informant/</a:t>
             </a:r>
             <a:r>
               <a:rPr lang="en-US" dirty="0" err="1"/>
@@ -2712,15 +3159,23 @@
             </a:r>
             <a:r>
               <a:rPr lang="en-US" dirty="0"/>
-              <a:t>/Roaming/Microsoft/Windows/Recent/'pricing </a:t>
+              <a:t>/Roaming/Microsoft/Office/Recent/'(</a:t>
             </a:r>
             <a:r>
               <a:rPr lang="en-US" dirty="0" err="1"/>
-              <a:t>decision.lnk</a:t>
-            </a:r>
-            <a:r>
-              <a:rPr lang="en-US" dirty="0"/>
-              <a:t>'</a:t>
+              <a:t>secret_project</a:t>
+            </a:r>
+            <a:r>
+              <a:rPr lang="en-US" dirty="0"/>
+              <a:t>)_</a:t>
+            </a:r>
+            <a:r>
+              <a:rPr lang="en-US" dirty="0" err="1"/>
+              <a:t>pricing_decision.xlsx.LNK</a:t>
+            </a:r>
+            <a:r>
+              <a:rPr lang="en-US" dirty="0"/>
+              <a:t>' | head -n 15</a:t>
             </a:r>
           </a:p>
           <a:p>
@@ -2748,7 +3203,7 @@
           <a:p>
             <a:fld id="{DDBF98C7-164A-4723-84F0-B1E4B080DDEC}" type="slidenum">
               <a:rPr lang="en-US" smtClean="0"/>
-              <a:t>11</a:t>
+              <a:t>12</a:t>
             </a:fld>
             <a:endParaRPr lang="en-US"/>
           </a:p>
@@ -2757,7 +3212,7 @@
     </p:spTree>
     <p:extLst>
       <p:ext uri="{BB962C8B-B14F-4D97-AF65-F5344CB8AC3E}">
-        <p14:creationId xmlns:p14="http://schemas.microsoft.com/office/powerpoint/2010/main" val="3105263736"/>
+        <p14:creationId xmlns:p14="http://schemas.microsoft.com/office/powerpoint/2010/main" val="2188313277"/>
       </p:ext>
     </p:extLst>
   </p:cSld>
@@ -2812,37 +3267,14 @@
           <a:lstStyle/>
           <a:p>
             <a:r>
+              <a:rPr lang="en-US" dirty="0"/>
+              <a:t>apt-get install </a:t>
+            </a:r>
+            <a:r>
               <a:rPr lang="en-US" dirty="0" err="1"/>
-              <a:t>lnkinfo</a:t>
-            </a:r>
-            <a:r>
-              <a:rPr lang="en-US" dirty="0"/>
-              <a:t> /media/root/C8CA0C8DCA0C7A48/Users/informant/</a:t>
-            </a:r>
-            <a:r>
-              <a:rPr lang="en-US" dirty="0" err="1"/>
-              <a:t>AppData</a:t>
-            </a:r>
-            <a:r>
-              <a:rPr lang="en-US" dirty="0"/>
-              <a:t>/Roaming/Microsoft/Windows/Recent/'(</a:t>
-            </a:r>
-            <a:r>
-              <a:rPr lang="en-US" dirty="0" err="1"/>
-              <a:t>secret_project</a:t>
-            </a:r>
-            <a:r>
-              <a:rPr lang="en-US" dirty="0"/>
-              <a:t>)_</a:t>
-            </a:r>
-            <a:r>
-              <a:rPr lang="en-US" dirty="0" err="1"/>
-              <a:t>pricing_decision.xlsx.lnk</a:t>
-            </a:r>
-            <a:r>
-              <a:rPr lang="en-US" dirty="0"/>
-              <a:t>'</a:t>
-            </a:r>
+              <a:t>liblink-tuils</a:t>
+            </a:r>
+            <a:endParaRPr lang="en-US" dirty="0"/>
           </a:p>
         </p:txBody>
       </p:sp>
@@ -2863,7 +3295,7 @@
           <a:p>
             <a:fld id="{DDBF98C7-164A-4723-84F0-B1E4B080DDEC}" type="slidenum">
               <a:rPr lang="en-US" smtClean="0"/>
-              <a:t>12</a:t>
+              <a:t>13</a:t>
             </a:fld>
             <a:endParaRPr lang="en-US"/>
           </a:p>
@@ -2872,7 +3304,7 @@
     </p:spTree>
     <p:extLst>
       <p:ext uri="{BB962C8B-B14F-4D97-AF65-F5344CB8AC3E}">
-        <p14:creationId xmlns:p14="http://schemas.microsoft.com/office/powerpoint/2010/main" val="731191471"/>
+        <p14:creationId xmlns:p14="http://schemas.microsoft.com/office/powerpoint/2010/main" val="1844069453"/>
       </p:ext>
     </p:extLst>
   </p:cSld>
@@ -3011,7 +3443,7 @@
           <a:p>
             <a:fld id="{4263717A-E3C1-4BED-ABE0-B7069385E023}" type="datetimeFigureOut">
               <a:rPr lang="en-US" smtClean="0"/>
-              <a:t>11/12/2021</a:t>
+              <a:t>11/16/2021</a:t>
             </a:fld>
             <a:endParaRPr lang="en-US"/>
           </a:p>
@@ -3184,7 +3616,7 @@
           <a:p>
             <a:fld id="{4263717A-E3C1-4BED-ABE0-B7069385E023}" type="datetimeFigureOut">
               <a:rPr lang="en-US" smtClean="0"/>
-              <a:t>11/12/2021</a:t>
+              <a:t>11/16/2021</a:t>
             </a:fld>
             <a:endParaRPr lang="en-US"/>
           </a:p>
@@ -3362,7 +3794,7 @@
           <a:p>
             <a:fld id="{4263717A-E3C1-4BED-ABE0-B7069385E023}" type="datetimeFigureOut">
               <a:rPr lang="en-US" smtClean="0"/>
-              <a:t>11/12/2021</a:t>
+              <a:t>11/16/2021</a:t>
             </a:fld>
             <a:endParaRPr lang="en-US"/>
           </a:p>
@@ -3530,7 +3962,7 @@
           <a:p>
             <a:fld id="{4263717A-E3C1-4BED-ABE0-B7069385E023}" type="datetimeFigureOut">
               <a:rPr lang="en-US" smtClean="0"/>
-              <a:t>11/12/2021</a:t>
+              <a:t>11/16/2021</a:t>
             </a:fld>
             <a:endParaRPr lang="en-US"/>
           </a:p>
@@ -3775,7 +4207,7 @@
           <a:p>
             <a:fld id="{4263717A-E3C1-4BED-ABE0-B7069385E023}" type="datetimeFigureOut">
               <a:rPr lang="en-US" smtClean="0"/>
-              <a:t>11/12/2021</a:t>
+              <a:t>11/16/2021</a:t>
             </a:fld>
             <a:endParaRPr lang="en-US"/>
           </a:p>
@@ -4004,7 +4436,7 @@
           <a:p>
             <a:fld id="{4263717A-E3C1-4BED-ABE0-B7069385E023}" type="datetimeFigureOut">
               <a:rPr lang="en-US" smtClean="0"/>
-              <a:t>11/12/2021</a:t>
+              <a:t>11/16/2021</a:t>
             </a:fld>
             <a:endParaRPr lang="en-US"/>
           </a:p>
@@ -4368,7 +4800,7 @@
           <a:p>
             <a:fld id="{4263717A-E3C1-4BED-ABE0-B7069385E023}" type="datetimeFigureOut">
               <a:rPr lang="en-US" smtClean="0"/>
-              <a:t>11/12/2021</a:t>
+              <a:t>11/16/2021</a:t>
             </a:fld>
             <a:endParaRPr lang="en-US"/>
           </a:p>
@@ -4485,7 +4917,7 @@
           <a:p>
             <a:fld id="{4263717A-E3C1-4BED-ABE0-B7069385E023}" type="datetimeFigureOut">
               <a:rPr lang="en-US" smtClean="0"/>
-              <a:t>11/12/2021</a:t>
+              <a:t>11/16/2021</a:t>
             </a:fld>
             <a:endParaRPr lang="en-US"/>
           </a:p>
@@ -4580,7 +5012,7 @@
           <a:p>
             <a:fld id="{4263717A-E3C1-4BED-ABE0-B7069385E023}" type="datetimeFigureOut">
               <a:rPr lang="en-US" smtClean="0"/>
-              <a:t>11/12/2021</a:t>
+              <a:t>11/16/2021</a:t>
             </a:fld>
             <a:endParaRPr lang="en-US"/>
           </a:p>
@@ -4855,7 +5287,7 @@
           <a:p>
             <a:fld id="{4263717A-E3C1-4BED-ABE0-B7069385E023}" type="datetimeFigureOut">
               <a:rPr lang="en-US" smtClean="0"/>
-              <a:t>11/12/2021</a:t>
+              <a:t>11/16/2021</a:t>
             </a:fld>
             <a:endParaRPr lang="en-US"/>
           </a:p>
@@ -5107,7 +5539,7 @@
           <a:p>
             <a:fld id="{4263717A-E3C1-4BED-ABE0-B7069385E023}" type="datetimeFigureOut">
               <a:rPr lang="en-US" smtClean="0"/>
-              <a:t>11/12/2021</a:t>
+              <a:t>11/16/2021</a:t>
             </a:fld>
             <a:endParaRPr lang="en-US"/>
           </a:p>
@@ -5318,7 +5750,7 @@
           <a:p>
             <a:fld id="{4263717A-E3C1-4BED-ABE0-B7069385E023}" type="datetimeFigureOut">
               <a:rPr lang="en-US" smtClean="0"/>
-              <a:t>11/12/2021</a:t>
+              <a:t>11/16/2021</a:t>
             </a:fld>
             <a:endParaRPr lang="en-US"/>
           </a:p>
@@ -5926,13 +6358,8 @@
           <a:p>
             <a:r>
               <a:rPr lang="en-US" dirty="0"/>
-              <a:t>Keywords: Directories in network drive</a:t>
-            </a:r>
-            <a:r>
-              <a:rPr lang="en-US"/>
-              <a:t>, Cloud</a:t>
-            </a:r>
-            <a:endParaRPr lang="en-US" dirty="0"/>
+              <a:t>Keywords: Traversing directories in network drive, Cloud</a:t>
+            </a:r>
           </a:p>
           <a:p>
             <a:endParaRPr lang="en-US" dirty="0"/>
@@ -5986,6 +6413,498 @@
           <a:p>
             <a:r>
               <a:rPr lang="en-US" dirty="0"/>
+              <a:t>Link </a:t>
+            </a:r>
+            <a:r>
+              <a:rPr lang="en-US" i="1" dirty="0">
+                <a:solidFill>
+                  <a:srgbClr val="FF0000"/>
+                </a:solidFill>
+              </a:rPr>
+              <a:t>.</a:t>
+            </a:r>
+            <a:r>
+              <a:rPr lang="en-US" i="1" dirty="0" err="1">
+                <a:solidFill>
+                  <a:srgbClr val="FF0000"/>
+                </a:solidFill>
+              </a:rPr>
+              <a:t>lnk</a:t>
+            </a:r>
+            <a:r>
+              <a:rPr lang="en-US" i="1" dirty="0">
+                <a:solidFill>
+                  <a:srgbClr val="FF0000"/>
+                </a:solidFill>
+              </a:rPr>
+              <a:t> </a:t>
+            </a:r>
+            <a:r>
+              <a:rPr lang="en-US" dirty="0"/>
+              <a:t>Files Location</a:t>
+            </a:r>
+          </a:p>
+        </p:txBody>
+      </p:sp>
+      <p:sp>
+        <p:nvSpPr>
+          <p:cNvPr id="3" name="Content Placeholder 2"/>
+          <p:cNvSpPr>
+            <a:spLocks noGrp="1"/>
+          </p:cNvSpPr>
+          <p:nvPr>
+            <p:ph idx="1"/>
+          </p:nvPr>
+        </p:nvSpPr>
+        <p:spPr/>
+        <p:txBody>
+          <a:bodyPr/>
+          <a:lstStyle/>
+          <a:p>
+            <a:r>
+              <a:rPr lang="en-US" dirty="0"/>
+              <a:t>Recently used files via links</a:t>
+            </a:r>
+          </a:p>
+          <a:p>
+            <a:pPr lvl="1"/>
+            <a:r>
+              <a:rPr lang="en-US" dirty="0"/>
+              <a:t>Windows and Office</a:t>
+            </a:r>
+          </a:p>
+          <a:p>
+            <a:r>
+              <a:rPr lang="en-US" dirty="0"/>
+              <a:t>Windows 7 to 10 </a:t>
+            </a:r>
+          </a:p>
+          <a:p>
+            <a:pPr lvl="1"/>
+            <a:r>
+              <a:rPr lang="en-US" i="1" dirty="0">
+                <a:solidFill>
+                  <a:srgbClr val="7030A0"/>
+                </a:solidFill>
+              </a:rPr>
+              <a:t>C:\Users\%USERNAME%\AppData\Roaming\Microsoft\Windows\Recent</a:t>
+            </a:r>
+          </a:p>
+          <a:p>
+            <a:pPr lvl="1"/>
+            <a:r>
+              <a:rPr lang="en-US" i="1" dirty="0">
+                <a:solidFill>
+                  <a:srgbClr val="7030A0"/>
+                </a:solidFill>
+              </a:rPr>
+              <a:t>C:\Users\%USERNAME%\AppData\Roaming\Microsoft\Office\Recent\</a:t>
+            </a:r>
+          </a:p>
+          <a:p>
+            <a:r>
+              <a:rPr lang="en-US" dirty="0"/>
+              <a:t>Windows XP</a:t>
+            </a:r>
+          </a:p>
+          <a:p>
+            <a:pPr lvl="1"/>
+            <a:r>
+              <a:rPr lang="en-US" i="1" dirty="0">
+                <a:solidFill>
+                  <a:srgbClr val="7030A0"/>
+                </a:solidFill>
+              </a:rPr>
+              <a:t>C:\Documents and Settings\%USERNAME%\Recent</a:t>
+            </a:r>
+          </a:p>
+        </p:txBody>
+      </p:sp>
+    </p:spTree>
+    <p:extLst>
+      <p:ext uri="{BB962C8B-B14F-4D97-AF65-F5344CB8AC3E}">
+        <p14:creationId xmlns:p14="http://schemas.microsoft.com/office/powerpoint/2010/main" val="209040179"/>
+      </p:ext>
+    </p:extLst>
+  </p:cSld>
+  <p:clrMapOvr>
+    <a:masterClrMapping/>
+  </p:clrMapOvr>
+</p:sld>
+</file>
+
+<file path=ppt/slides/slide11.xml><?xml version="1.0" encoding="utf-8"?>
+<p:sld xmlns:a="http://schemas.openxmlformats.org/drawingml/2006/main" xmlns:r="http://schemas.openxmlformats.org/officeDocument/2006/relationships" xmlns:p="http://schemas.openxmlformats.org/presentationml/2006/main">
+  <p:cSld>
+    <p:spTree>
+      <p:nvGrpSpPr>
+        <p:cNvPr id="1" name=""/>
+        <p:cNvGrpSpPr/>
+        <p:nvPr/>
+      </p:nvGrpSpPr>
+      <p:grpSpPr>
+        <a:xfrm>
+          <a:off x="0" y="0"/>
+          <a:ext cx="0" cy="0"/>
+          <a:chOff x="0" y="0"/>
+          <a:chExt cx="0" cy="0"/>
+        </a:xfrm>
+      </p:grpSpPr>
+      <p:pic>
+        <p:nvPicPr>
+          <p:cNvPr id="2" name="Picture 1"/>
+          <p:cNvPicPr>
+            <a:picLocks noChangeAspect="1"/>
+          </p:cNvPicPr>
+          <p:nvPr/>
+        </p:nvPicPr>
+        <p:blipFill>
+          <a:blip r:embed="rId3"/>
+          <a:stretch>
+            <a:fillRect/>
+          </a:stretch>
+        </p:blipFill>
+        <p:spPr>
+          <a:xfrm>
+            <a:off x="873539" y="1248343"/>
+            <a:ext cx="9631840" cy="2486943"/>
+          </a:xfrm>
+          <a:prstGeom prst="rect">
+            <a:avLst/>
+          </a:prstGeom>
+        </p:spPr>
+      </p:pic>
+      <p:sp>
+        <p:nvSpPr>
+          <p:cNvPr id="3" name="TextBox 2"/>
+          <p:cNvSpPr txBox="1"/>
+          <p:nvPr/>
+        </p:nvSpPr>
+        <p:spPr>
+          <a:xfrm>
+            <a:off x="873539" y="879011"/>
+            <a:ext cx="2054217" cy="369332"/>
+          </a:xfrm>
+          <a:prstGeom prst="rect">
+            <a:avLst/>
+          </a:prstGeom>
+          <a:solidFill>
+            <a:srgbClr val="FFC000"/>
+          </a:solidFill>
+        </p:spPr>
+        <p:txBody>
+          <a:bodyPr wrap="none" rtlCol="0">
+            <a:spAutoFit/>
+          </a:bodyPr>
+          <a:lstStyle/>
+          <a:p>
+            <a:r>
+              <a:rPr lang="en-US" dirty="0"/>
+              <a:t>Check Windows</a:t>
+            </a:r>
+            <a:r>
+              <a:rPr lang="en-US" i="1" dirty="0">
+                <a:solidFill>
+                  <a:srgbClr val="7030A0"/>
+                </a:solidFill>
+              </a:rPr>
+              <a:t> .</a:t>
+            </a:r>
+            <a:r>
+              <a:rPr lang="en-US" i="1" dirty="0" err="1">
+                <a:solidFill>
+                  <a:srgbClr val="7030A0"/>
+                </a:solidFill>
+              </a:rPr>
+              <a:t>lnk</a:t>
+            </a:r>
+            <a:endParaRPr lang="en-US" i="1" dirty="0">
+              <a:solidFill>
+                <a:srgbClr val="7030A0"/>
+              </a:solidFill>
+            </a:endParaRPr>
+          </a:p>
+        </p:txBody>
+      </p:sp>
+      <p:pic>
+        <p:nvPicPr>
+          <p:cNvPr id="4" name="Picture 3"/>
+          <p:cNvPicPr>
+            <a:picLocks noChangeAspect="1"/>
+          </p:cNvPicPr>
+          <p:nvPr/>
+        </p:nvPicPr>
+        <p:blipFill>
+          <a:blip r:embed="rId4"/>
+          <a:stretch>
+            <a:fillRect/>
+          </a:stretch>
+        </p:blipFill>
+        <p:spPr>
+          <a:xfrm>
+            <a:off x="873540" y="4421260"/>
+            <a:ext cx="9701426" cy="1484327"/>
+          </a:xfrm>
+          <a:prstGeom prst="rect">
+            <a:avLst/>
+          </a:prstGeom>
+        </p:spPr>
+      </p:pic>
+      <p:sp>
+        <p:nvSpPr>
+          <p:cNvPr id="5" name="TextBox 4"/>
+          <p:cNvSpPr txBox="1"/>
+          <p:nvPr/>
+        </p:nvSpPr>
+        <p:spPr>
+          <a:xfrm>
+            <a:off x="873539" y="4051928"/>
+            <a:ext cx="1743747" cy="369332"/>
+          </a:xfrm>
+          <a:prstGeom prst="rect">
+            <a:avLst/>
+          </a:prstGeom>
+          <a:solidFill>
+            <a:srgbClr val="FFC000"/>
+          </a:solidFill>
+        </p:spPr>
+        <p:txBody>
+          <a:bodyPr wrap="none" rtlCol="0">
+            <a:spAutoFit/>
+          </a:bodyPr>
+          <a:lstStyle/>
+          <a:p>
+            <a:r>
+              <a:rPr lang="en-US" dirty="0"/>
+              <a:t>Check Office</a:t>
+            </a:r>
+            <a:r>
+              <a:rPr lang="en-US" i="1" dirty="0">
+                <a:solidFill>
+                  <a:srgbClr val="7030A0"/>
+                </a:solidFill>
+              </a:rPr>
+              <a:t> .</a:t>
+            </a:r>
+            <a:r>
+              <a:rPr lang="en-US" i="1" dirty="0" err="1">
+                <a:solidFill>
+                  <a:srgbClr val="7030A0"/>
+                </a:solidFill>
+              </a:rPr>
+              <a:t>lnk</a:t>
+            </a:r>
+            <a:endParaRPr lang="en-US" i="1" dirty="0">
+              <a:solidFill>
+                <a:srgbClr val="7030A0"/>
+              </a:solidFill>
+            </a:endParaRPr>
+          </a:p>
+        </p:txBody>
+      </p:sp>
+    </p:spTree>
+    <p:extLst>
+      <p:ext uri="{BB962C8B-B14F-4D97-AF65-F5344CB8AC3E}">
+        <p14:creationId xmlns:p14="http://schemas.microsoft.com/office/powerpoint/2010/main" val="2741262411"/>
+      </p:ext>
+    </p:extLst>
+  </p:cSld>
+  <p:clrMapOvr>
+    <a:masterClrMapping/>
+  </p:clrMapOvr>
+</p:sld>
+</file>
+
+<file path=ppt/slides/slide12.xml><?xml version="1.0" encoding="utf-8"?>
+<p:sld xmlns:a="http://schemas.openxmlformats.org/drawingml/2006/main" xmlns:r="http://schemas.openxmlformats.org/officeDocument/2006/relationships" xmlns:p="http://schemas.openxmlformats.org/presentationml/2006/main">
+  <p:cSld>
+    <p:spTree>
+      <p:nvGrpSpPr>
+        <p:cNvPr id="1" name=""/>
+        <p:cNvGrpSpPr/>
+        <p:nvPr/>
+      </p:nvGrpSpPr>
+      <p:grpSpPr>
+        <a:xfrm>
+          <a:off x="0" y="0"/>
+          <a:ext cx="0" cy="0"/>
+          <a:chOff x="0" y="0"/>
+          <a:chExt cx="0" cy="0"/>
+        </a:xfrm>
+      </p:grpSpPr>
+      <p:pic>
+        <p:nvPicPr>
+          <p:cNvPr id="2" name="Picture 1"/>
+          <p:cNvPicPr>
+            <a:picLocks noChangeAspect="1"/>
+          </p:cNvPicPr>
+          <p:nvPr/>
+        </p:nvPicPr>
+        <p:blipFill>
+          <a:blip r:embed="rId3"/>
+          <a:stretch>
+            <a:fillRect/>
+          </a:stretch>
+        </p:blipFill>
+        <p:spPr>
+          <a:xfrm>
+            <a:off x="838200" y="2129635"/>
+            <a:ext cx="9007621" cy="3574090"/>
+          </a:xfrm>
+          <a:prstGeom prst="rect">
+            <a:avLst/>
+          </a:prstGeom>
+        </p:spPr>
+      </p:pic>
+      <p:sp>
+        <p:nvSpPr>
+          <p:cNvPr id="3" name="TextBox 2"/>
+          <p:cNvSpPr txBox="1"/>
+          <p:nvPr/>
+        </p:nvSpPr>
+        <p:spPr>
+          <a:xfrm>
+            <a:off x="838200" y="1760303"/>
+            <a:ext cx="2567178" cy="369332"/>
+          </a:xfrm>
+          <a:prstGeom prst="rect">
+            <a:avLst/>
+          </a:prstGeom>
+          <a:solidFill>
+            <a:srgbClr val="FFC000"/>
+          </a:solidFill>
+        </p:spPr>
+        <p:txBody>
+          <a:bodyPr wrap="none" rtlCol="0">
+            <a:spAutoFit/>
+          </a:bodyPr>
+          <a:lstStyle/>
+          <a:p>
+            <a:r>
+              <a:rPr lang="en-US" dirty="0"/>
+              <a:t>View a </a:t>
+            </a:r>
+            <a:r>
+              <a:rPr lang="en-US" i="1" dirty="0">
+                <a:solidFill>
+                  <a:srgbClr val="7030A0"/>
+                </a:solidFill>
+              </a:rPr>
+              <a:t>.</a:t>
+            </a:r>
+            <a:r>
+              <a:rPr lang="en-US" i="1" dirty="0" err="1">
+                <a:solidFill>
+                  <a:srgbClr val="7030A0"/>
+                </a:solidFill>
+              </a:rPr>
+              <a:t>lnk</a:t>
+            </a:r>
+            <a:r>
+              <a:rPr lang="en-US" i="1" dirty="0">
+                <a:solidFill>
+                  <a:srgbClr val="7030A0"/>
+                </a:solidFill>
+              </a:rPr>
+              <a:t> </a:t>
+            </a:r>
+            <a:r>
+              <a:rPr lang="en-US" dirty="0"/>
+              <a:t>in binary form</a:t>
+            </a:r>
+          </a:p>
+        </p:txBody>
+      </p:sp>
+      <p:sp>
+        <p:nvSpPr>
+          <p:cNvPr id="4" name="Title 3"/>
+          <p:cNvSpPr>
+            <a:spLocks noGrp="1"/>
+          </p:cNvSpPr>
+          <p:nvPr>
+            <p:ph type="title"/>
+          </p:nvPr>
+        </p:nvSpPr>
+        <p:spPr/>
+        <p:txBody>
+          <a:bodyPr/>
+          <a:lstStyle/>
+          <a:p>
+            <a:r>
+              <a:rPr lang="en-US" dirty="0"/>
+              <a:t>How to view </a:t>
+            </a:r>
+            <a:r>
+              <a:rPr lang="en-US" i="1" dirty="0">
+                <a:solidFill>
+                  <a:srgbClr val="FF0000"/>
+                </a:solidFill>
+              </a:rPr>
+              <a:t>.</a:t>
+            </a:r>
+            <a:r>
+              <a:rPr lang="en-US" i="1" dirty="0" err="1">
+                <a:solidFill>
+                  <a:srgbClr val="FF0000"/>
+                </a:solidFill>
+              </a:rPr>
+              <a:t>lnk</a:t>
+            </a:r>
+            <a:endParaRPr lang="en-US" i="1" dirty="0">
+              <a:solidFill>
+                <a:srgbClr val="FF0000"/>
+              </a:solidFill>
+            </a:endParaRPr>
+          </a:p>
+        </p:txBody>
+      </p:sp>
+    </p:spTree>
+    <p:extLst>
+      <p:ext uri="{BB962C8B-B14F-4D97-AF65-F5344CB8AC3E}">
+        <p14:creationId xmlns:p14="http://schemas.microsoft.com/office/powerpoint/2010/main" val="3999839786"/>
+      </p:ext>
+    </p:extLst>
+  </p:cSld>
+  <p:clrMapOvr>
+    <a:masterClrMapping/>
+  </p:clrMapOvr>
+</p:sld>
+</file>
+
+<file path=ppt/slides/slide13.xml><?xml version="1.0" encoding="utf-8"?>
+<p:sld xmlns:a="http://schemas.openxmlformats.org/drawingml/2006/main" xmlns:r="http://schemas.openxmlformats.org/officeDocument/2006/relationships" xmlns:p="http://schemas.openxmlformats.org/presentationml/2006/main">
+  <p:cSld>
+    <p:spTree>
+      <p:nvGrpSpPr>
+        <p:cNvPr id="1" name=""/>
+        <p:cNvGrpSpPr/>
+        <p:nvPr/>
+      </p:nvGrpSpPr>
+      <p:grpSpPr>
+        <a:xfrm>
+          <a:off x="0" y="0"/>
+          <a:ext cx="0" cy="0"/>
+          <a:chOff x="0" y="0"/>
+          <a:chExt cx="0" cy="0"/>
+        </a:xfrm>
+      </p:grpSpPr>
+      <p:sp>
+        <p:nvSpPr>
+          <p:cNvPr id="2" name="Title 1"/>
+          <p:cNvSpPr>
+            <a:spLocks noGrp="1"/>
+          </p:cNvSpPr>
+          <p:nvPr>
+            <p:ph type="title"/>
+          </p:nvPr>
+        </p:nvSpPr>
+        <p:spPr/>
+        <p:txBody>
+          <a:bodyPr/>
+          <a:lstStyle/>
+          <a:p>
+            <a:r>
+              <a:rPr lang="en-US" dirty="0"/>
               <a:t>Parse </a:t>
             </a:r>
             <a:r>
@@ -6166,7 +7085,7 @@
 </p:sld>
 </file>
 
-<file path=ppt/slides/slide11.xml><?xml version="1.0" encoding="utf-8"?>
+<file path=ppt/slides/slide14.xml><?xml version="1.0" encoding="utf-8"?>
 <p:sld xmlns:a="http://schemas.openxmlformats.org/drawingml/2006/main" xmlns:r="http://schemas.openxmlformats.org/officeDocument/2006/relationships" xmlns:p="http://schemas.openxmlformats.org/presentationml/2006/main">
   <p:cSld>
     <p:spTree>
@@ -6347,7 +7266,7 @@
 </p:sld>
 </file>
 
-<file path=ppt/slides/slide12.xml><?xml version="1.0" encoding="utf-8"?>
+<file path=ppt/slides/slide15.xml><?xml version="1.0" encoding="utf-8"?>
 <p:sld xmlns:a="http://schemas.openxmlformats.org/drawingml/2006/main" xmlns:r="http://schemas.openxmlformats.org/officeDocument/2006/relationships" xmlns:p="http://schemas.openxmlformats.org/presentationml/2006/main">
   <p:cSld>
     <p:spTree>
@@ -6447,7 +7366,7 @@
 </p:sld>
 </file>
 
-<file path=ppt/slides/slide13.xml><?xml version="1.0" encoding="utf-8"?>
+<file path=ppt/slides/slide16.xml><?xml version="1.0" encoding="utf-8"?>
 <p:sld xmlns:a="http://schemas.openxmlformats.org/drawingml/2006/main" xmlns:r="http://schemas.openxmlformats.org/officeDocument/2006/relationships" xmlns:p="http://schemas.openxmlformats.org/presentationml/2006/main">
   <p:cSld>
     <p:spTree>
@@ -6678,6 +7597,91 @@
           </a:p>
         </p:txBody>
       </p:sp>
+      <p:sp>
+        <p:nvSpPr>
+          <p:cNvPr id="4" name="Arrow: Right 3">
+            <a:extLst>
+              <a:ext uri="{FF2B5EF4-FFF2-40B4-BE49-F238E27FC236}">
+                <a16:creationId xmlns:a16="http://schemas.microsoft.com/office/drawing/2014/main" id="{ADAFF1AC-213B-4922-8843-9315FCDAA337}"/>
+              </a:ext>
+            </a:extLst>
+          </p:cNvPr>
+          <p:cNvSpPr/>
+          <p:nvPr/>
+        </p:nvSpPr>
+        <p:spPr>
+          <a:xfrm rot="10800000">
+            <a:off x="8570563" y="5633634"/>
+            <a:ext cx="1249628" cy="515629"/>
+          </a:xfrm>
+          <a:prstGeom prst="rightArrow">
+            <a:avLst/>
+          </a:prstGeom>
+        </p:spPr>
+        <p:style>
+          <a:lnRef idx="2">
+            <a:schemeClr val="accent1">
+              <a:shade val="50000"/>
+            </a:schemeClr>
+          </a:lnRef>
+          <a:fillRef idx="1">
+            <a:schemeClr val="accent1"/>
+          </a:fillRef>
+          <a:effectRef idx="0">
+            <a:schemeClr val="accent1"/>
+          </a:effectRef>
+          <a:fontRef idx="minor">
+            <a:schemeClr val="lt1"/>
+          </a:fontRef>
+        </p:style>
+        <p:txBody>
+          <a:bodyPr rtlCol="0" anchor="ctr"/>
+          <a:lstStyle/>
+          <a:p>
+            <a:pPr algn="ctr"/>
+            <a:endParaRPr lang="en-US"/>
+          </a:p>
+        </p:txBody>
+      </p:sp>
+      <p:sp>
+        <p:nvSpPr>
+          <p:cNvPr id="5" name="TextBox 4">
+            <a:extLst>
+              <a:ext uri="{FF2B5EF4-FFF2-40B4-BE49-F238E27FC236}">
+                <a16:creationId xmlns:a16="http://schemas.microsoft.com/office/drawing/2014/main" id="{C004582E-6201-42C3-B643-1B5FCB35DC84}"/>
+              </a:ext>
+            </a:extLst>
+          </p:cNvPr>
+          <p:cNvSpPr txBox="1"/>
+          <p:nvPr/>
+        </p:nvSpPr>
+        <p:spPr>
+          <a:xfrm>
+            <a:off x="8911526" y="5374185"/>
+            <a:ext cx="1030988" cy="369332"/>
+          </a:xfrm>
+          <a:prstGeom prst="rect">
+            <a:avLst/>
+          </a:prstGeom>
+          <a:noFill/>
+        </p:spPr>
+        <p:txBody>
+          <a:bodyPr wrap="none" rtlCol="0">
+            <a:spAutoFit/>
+          </a:bodyPr>
+          <a:lstStyle/>
+          <a:p>
+            <a:r>
+              <a:rPr lang="en-US" dirty="0">
+                <a:solidFill>
+                  <a:srgbClr val="FF0000"/>
+                </a:solidFill>
+              </a:rPr>
+              <a:t>focus on </a:t>
+            </a:r>
+          </a:p>
+        </p:txBody>
+      </p:sp>
     </p:spTree>
     <p:extLst>
       <p:ext uri="{BB962C8B-B14F-4D97-AF65-F5344CB8AC3E}">
@@ -6691,7 +7695,7 @@
 </p:sld>
 </file>
 
-<file path=ppt/slides/slide14.xml><?xml version="1.0" encoding="utf-8"?>
+<file path=ppt/slides/slide17.xml><?xml version="1.0" encoding="utf-8"?>
 <p:sld xmlns:a="http://schemas.openxmlformats.org/drawingml/2006/main" xmlns:r="http://schemas.openxmlformats.org/officeDocument/2006/relationships" xmlns:p="http://schemas.openxmlformats.org/presentationml/2006/main">
   <p:cSld>
     <p:spTree>
@@ -6767,7 +7771,7 @@
 </p:sld>
 </file>
 
-<file path=ppt/slides/slide15.xml><?xml version="1.0" encoding="utf-8"?>
+<file path=ppt/slides/slide18.xml><?xml version="1.0" encoding="utf-8"?>
 <p:sld xmlns:a="http://schemas.openxmlformats.org/drawingml/2006/main" xmlns:r="http://schemas.openxmlformats.org/officeDocument/2006/relationships" xmlns:p="http://schemas.openxmlformats.org/presentationml/2006/main">
   <p:cSld>
     <p:spTree>
@@ -7361,7 +8365,7 @@
 </p:sld>
 </file>
 
-<file path=ppt/slides/slide16.xml><?xml version="1.0" encoding="utf-8"?>
+<file path=ppt/slides/slide19.xml><?xml version="1.0" encoding="utf-8"?>
 <p:sld xmlns:a="http://schemas.openxmlformats.org/drawingml/2006/main" xmlns:r="http://schemas.openxmlformats.org/officeDocument/2006/relationships" xmlns:p="http://schemas.openxmlformats.org/presentationml/2006/main">
   <p:cSld>
     <p:spTree>
@@ -7473,7 +8477,222 @@
 </p:sld>
 </file>
 
-<file path=ppt/slides/slide17.xml><?xml version="1.0" encoding="utf-8"?>
+<file path=ppt/slides/slide2.xml><?xml version="1.0" encoding="utf-8"?>
+<p:sld xmlns:a="http://schemas.openxmlformats.org/drawingml/2006/main" xmlns:r="http://schemas.openxmlformats.org/officeDocument/2006/relationships" xmlns:p="http://schemas.openxmlformats.org/presentationml/2006/main">
+  <p:cSld>
+    <p:spTree>
+      <p:nvGrpSpPr>
+        <p:cNvPr id="1" name=""/>
+        <p:cNvGrpSpPr/>
+        <p:nvPr/>
+      </p:nvGrpSpPr>
+      <p:grpSpPr>
+        <a:xfrm>
+          <a:off x="0" y="0"/>
+          <a:ext cx="0" cy="0"/>
+          <a:chOff x="0" y="0"/>
+          <a:chExt cx="0" cy="0"/>
+        </a:xfrm>
+      </p:grpSpPr>
+      <p:sp>
+        <p:nvSpPr>
+          <p:cNvPr id="2" name="Title 1">
+            <a:extLst>
+              <a:ext uri="{FF2B5EF4-FFF2-40B4-BE49-F238E27FC236}">
+                <a16:creationId xmlns:a16="http://schemas.microsoft.com/office/drawing/2014/main" id="{CA125AEA-7A84-4F6A-A146-D497F71BE68F}"/>
+              </a:ext>
+            </a:extLst>
+          </p:cNvPr>
+          <p:cNvSpPr>
+            <a:spLocks noGrp="1"/>
+          </p:cNvSpPr>
+          <p:nvPr>
+            <p:ph type="title"/>
+          </p:nvPr>
+        </p:nvSpPr>
+        <p:spPr/>
+        <p:txBody>
+          <a:bodyPr/>
+          <a:lstStyle/>
+          <a:p>
+            <a:r>
+              <a:rPr lang="en-US" dirty="0"/>
+              <a:t>Evidence related to traversed directories </a:t>
+            </a:r>
+          </a:p>
+        </p:txBody>
+      </p:sp>
+      <p:sp>
+        <p:nvSpPr>
+          <p:cNvPr id="3" name="Content Placeholder 2">
+            <a:extLst>
+              <a:ext uri="{FF2B5EF4-FFF2-40B4-BE49-F238E27FC236}">
+                <a16:creationId xmlns:a16="http://schemas.microsoft.com/office/drawing/2014/main" id="{53A2B3A9-CADA-4EE7-963F-CCF7898F9DD2}"/>
+              </a:ext>
+            </a:extLst>
+          </p:cNvPr>
+          <p:cNvSpPr>
+            <a:spLocks noGrp="1"/>
+          </p:cNvSpPr>
+          <p:nvPr>
+            <p:ph idx="1"/>
+          </p:nvPr>
+        </p:nvSpPr>
+        <p:spPr/>
+        <p:txBody>
+          <a:bodyPr/>
+          <a:lstStyle/>
+          <a:p>
+            <a:r>
+              <a:rPr lang="en-US" dirty="0"/>
+              <a:t>Investigate artifacts that contain </a:t>
+            </a:r>
+            <a:r>
+              <a:rPr lang="en-US" dirty="0">
+                <a:solidFill>
+                  <a:srgbClr val="7030A0"/>
+                </a:solidFill>
+              </a:rPr>
+              <a:t>only</a:t>
+            </a:r>
+            <a:r>
+              <a:rPr lang="en-US" dirty="0"/>
+              <a:t> </a:t>
+            </a:r>
+            <a:r>
+              <a:rPr lang="en-US" dirty="0">
+                <a:solidFill>
+                  <a:srgbClr val="FF0000"/>
+                </a:solidFill>
+              </a:rPr>
+              <a:t>traversed directories</a:t>
+            </a:r>
+          </a:p>
+          <a:p>
+            <a:pPr lvl="1"/>
+            <a:r>
+              <a:rPr lang="en-US" dirty="0" err="1"/>
+              <a:t>shellbag</a:t>
+            </a:r>
+            <a:r>
+              <a:rPr lang="en-US" dirty="0"/>
+              <a:t>, </a:t>
+            </a:r>
+          </a:p>
+          <a:p>
+            <a:pPr lvl="1"/>
+            <a:r>
+              <a:rPr lang="en-US" dirty="0" err="1"/>
+              <a:t>Jumplist</a:t>
+            </a:r>
+            <a:r>
+              <a:rPr lang="en-US" dirty="0"/>
+              <a:t> (</a:t>
+            </a:r>
+            <a:r>
+              <a:rPr lang="en-US" dirty="0" err="1"/>
+              <a:t>AutomaticDestinations</a:t>
+            </a:r>
+            <a:r>
+              <a:rPr lang="en-US" dirty="0"/>
+              <a:t>, </a:t>
+            </a:r>
+            <a:r>
+              <a:rPr lang="en-US" dirty="0" err="1"/>
+              <a:t>CustomDestinations</a:t>
+            </a:r>
+            <a:r>
+              <a:rPr lang="en-US" dirty="0"/>
+              <a:t>)</a:t>
+            </a:r>
+          </a:p>
+          <a:p>
+            <a:r>
+              <a:rPr lang="en-US" dirty="0"/>
+              <a:t>Investigate artifacts that  traversed files </a:t>
+            </a:r>
+            <a:r>
+              <a:rPr lang="en-US" dirty="0">
+                <a:solidFill>
+                  <a:srgbClr val="7030A0"/>
+                </a:solidFill>
+              </a:rPr>
+              <a:t>also</a:t>
+            </a:r>
+            <a:r>
+              <a:rPr lang="en-US" dirty="0"/>
+              <a:t> contain </a:t>
+            </a:r>
+            <a:r>
+              <a:rPr lang="en-US" dirty="0">
+                <a:solidFill>
+                  <a:srgbClr val="FF0000"/>
+                </a:solidFill>
+              </a:rPr>
+              <a:t>traversed directories</a:t>
+            </a:r>
+          </a:p>
+          <a:p>
+            <a:pPr lvl="1"/>
+            <a:r>
+              <a:rPr lang="en-US" dirty="0" err="1"/>
+              <a:t>Jumplist</a:t>
+            </a:r>
+            <a:r>
+              <a:rPr lang="en-US" dirty="0"/>
+              <a:t> (</a:t>
+            </a:r>
+            <a:r>
+              <a:rPr lang="en-US" dirty="0" err="1"/>
+              <a:t>AutomaticDestinations</a:t>
+            </a:r>
+            <a:r>
+              <a:rPr lang="en-US" dirty="0"/>
+              <a:t>, </a:t>
+            </a:r>
+            <a:r>
+              <a:rPr lang="en-US" dirty="0" err="1"/>
+              <a:t>CustomDestinations</a:t>
+            </a:r>
+            <a:r>
+              <a:rPr lang="en-US" dirty="0"/>
+              <a:t>)</a:t>
+            </a:r>
+          </a:p>
+          <a:p>
+            <a:pPr lvl="1"/>
+            <a:r>
+              <a:rPr lang="en-US" dirty="0"/>
+              <a:t>Links</a:t>
+            </a:r>
+          </a:p>
+          <a:p>
+            <a:pPr lvl="1"/>
+            <a:endParaRPr lang="en-US" dirty="0"/>
+          </a:p>
+          <a:p>
+            <a:pPr lvl="1"/>
+            <a:endParaRPr lang="en-US" dirty="0"/>
+          </a:p>
+          <a:p>
+            <a:endParaRPr lang="en-US" dirty="0"/>
+          </a:p>
+        </p:txBody>
+      </p:sp>
+    </p:spTree>
+    <p:extLst>
+      <p:ext uri="{BB962C8B-B14F-4D97-AF65-F5344CB8AC3E}">
+        <p14:creationId xmlns:p14="http://schemas.microsoft.com/office/powerpoint/2010/main" val="2772101945"/>
+      </p:ext>
+    </p:extLst>
+  </p:cSld>
+  <p:clrMapOvr>
+    <a:masterClrMapping/>
+  </p:clrMapOvr>
+</p:sld>
+</file>
+
+<file path=ppt/slides/slide20.xml><?xml version="1.0" encoding="utf-8"?>
 <p:sld xmlns:a="http://schemas.openxmlformats.org/drawingml/2006/main" xmlns:r="http://schemas.openxmlformats.org/officeDocument/2006/relationships" xmlns:p="http://schemas.openxmlformats.org/presentationml/2006/main">
   <p:cSld>
     <p:spTree>
@@ -7601,7 +8820,7 @@
 </p:sld>
 </file>
 
-<file path=ppt/slides/slide18.xml><?xml version="1.0" encoding="utf-8"?>
+<file path=ppt/slides/slide21.xml><?xml version="1.0" encoding="utf-8"?>
 <p:sld xmlns:a="http://schemas.openxmlformats.org/drawingml/2006/main" xmlns:r="http://schemas.openxmlformats.org/officeDocument/2006/relationships" xmlns:p="http://schemas.openxmlformats.org/presentationml/2006/main">
   <p:cSld>
     <p:spTree>
@@ -7744,7 +8963,7 @@
           <a:p>
             <a:r>
               <a:rPr lang="en-US" dirty="0"/>
-              <a:t>Installation/Uninstall/Execution related Registry</a:t>
+              <a:t>Registry that related to Installation/Uninstall/Execution</a:t>
             </a:r>
           </a:p>
           <a:p>
@@ -7801,7 +9020,7 @@
 </p:sld>
 </file>
 
-<file path=ppt/slides/slide19.xml><?xml version="1.0" encoding="utf-8"?>
+<file path=ppt/slides/slide22.xml><?xml version="1.0" encoding="utf-8"?>
 <p:sld xmlns:a="http://schemas.openxmlformats.org/drawingml/2006/main" xmlns:r="http://schemas.openxmlformats.org/officeDocument/2006/relationships" xmlns:p="http://schemas.openxmlformats.org/presentationml/2006/main">
   <p:cSld>
     <p:spTree>
@@ -7922,229 +9141,7 @@
 </p:sld>
 </file>
 
-<file path=ppt/slides/slide2.xml><?xml version="1.0" encoding="utf-8"?>
-<p:sld xmlns:a="http://schemas.openxmlformats.org/drawingml/2006/main" xmlns:r="http://schemas.openxmlformats.org/officeDocument/2006/relationships" xmlns:p="http://schemas.openxmlformats.org/presentationml/2006/main">
-  <p:cSld>
-    <p:spTree>
-      <p:nvGrpSpPr>
-        <p:cNvPr id="1" name=""/>
-        <p:cNvGrpSpPr/>
-        <p:nvPr/>
-      </p:nvGrpSpPr>
-      <p:grpSpPr>
-        <a:xfrm>
-          <a:off x="0" y="0"/>
-          <a:ext cx="0" cy="0"/>
-          <a:chOff x="0" y="0"/>
-          <a:chExt cx="0" cy="0"/>
-        </a:xfrm>
-      </p:grpSpPr>
-      <p:sp>
-        <p:nvSpPr>
-          <p:cNvPr id="2" name="Title 1"/>
-          <p:cNvSpPr>
-            <a:spLocks noGrp="1"/>
-          </p:cNvSpPr>
-          <p:nvPr>
-            <p:ph type="title"/>
-          </p:nvPr>
-        </p:nvSpPr>
-        <p:spPr/>
-        <p:txBody>
-          <a:bodyPr/>
-          <a:lstStyle/>
-          <a:p>
-            <a:r>
-              <a:rPr lang="en-US" dirty="0">
-                <a:solidFill>
-                  <a:srgbClr val="FF0000"/>
-                </a:solidFill>
-              </a:rPr>
-              <a:t>27.</a:t>
-            </a:r>
-            <a:r>
-              <a:rPr lang="en-US" dirty="0"/>
-              <a:t>	List all directories that were traversed in the company’s network drive.</a:t>
-            </a:r>
-          </a:p>
-        </p:txBody>
-      </p:sp>
-      <p:sp>
-        <p:nvSpPr>
-          <p:cNvPr id="7" name="Content Placeholder 6"/>
-          <p:cNvSpPr>
-            <a:spLocks noGrp="1"/>
-          </p:cNvSpPr>
-          <p:nvPr>
-            <p:ph idx="1"/>
-          </p:nvPr>
-        </p:nvSpPr>
-        <p:spPr/>
-        <p:txBody>
-          <a:bodyPr>
-            <a:normAutofit fontScale="77500" lnSpcReduction="20000"/>
-          </a:bodyPr>
-          <a:lstStyle/>
-          <a:p>
-            <a:pPr marL="0" indent="0">
-              <a:buNone/>
-            </a:pPr>
-            <a:r>
-              <a:rPr lang="en-US" dirty="0"/>
-              <a:t>- ‘Timestamp’ may not be accurate.</a:t>
-            </a:r>
-          </a:p>
-          <a:p>
-            <a:pPr marL="0" indent="0">
-              <a:buNone/>
-            </a:pPr>
-            <a:r>
-              <a:rPr lang="en-US" dirty="0"/>
-              <a:t>- V:\ is mapped on \\10.11.11.128</a:t>
-            </a:r>
-          </a:p>
-          <a:p>
-            <a:pPr marL="0" indent="0">
-              <a:buNone/>
-            </a:pPr>
-            <a:endParaRPr lang="en-US" dirty="0"/>
-          </a:p>
-          <a:p>
-            <a:pPr marL="0" indent="0">
-              <a:buNone/>
-            </a:pPr>
-            <a:r>
-              <a:rPr lang="en-US" dirty="0"/>
-              <a:t>HKU\informant\Software\Classes\Local Settings\Software\Microsoft\Windows\Shell\</a:t>
-            </a:r>
-            <a:r>
-              <a:rPr lang="en-US" dirty="0" err="1"/>
-              <a:t>BagMRU</a:t>
-            </a:r>
-            <a:r>
-              <a:rPr lang="en-US" dirty="0"/>
-              <a:t>\8\0\~</a:t>
-            </a:r>
-          </a:p>
-          <a:p>
-            <a:pPr marL="0" indent="0">
-              <a:buNone/>
-            </a:pPr>
-            <a:endParaRPr lang="en-US" dirty="0"/>
-          </a:p>
-          <a:p>
-            <a:pPr marL="0" indent="0">
-              <a:buNone/>
-            </a:pPr>
-            <a:r>
-              <a:rPr lang="en-US" dirty="0"/>
-              <a:t>\User\informant\</a:t>
-            </a:r>
-            <a:r>
-              <a:rPr lang="en-US" dirty="0" err="1"/>
-              <a:t>AppData</a:t>
-            </a:r>
-            <a:r>
-              <a:rPr lang="en-US" dirty="0"/>
-              <a:t>\Roaming\Microsoft\Windows\Recent\</a:t>
-            </a:r>
-            <a:r>
-              <a:rPr lang="en-US" dirty="0" err="1"/>
-              <a:t>AutomaticDestinations</a:t>
-            </a:r>
-            <a:endParaRPr lang="en-US" dirty="0"/>
-          </a:p>
-          <a:p>
-            <a:pPr marL="0" indent="0">
-              <a:buNone/>
-            </a:pPr>
-            <a:r>
-              <a:rPr lang="en-US" dirty="0"/>
-              <a:t>\User\informant\</a:t>
-            </a:r>
-            <a:r>
-              <a:rPr lang="en-US" dirty="0" err="1"/>
-              <a:t>AppData</a:t>
-            </a:r>
-            <a:r>
-              <a:rPr lang="en-US" dirty="0"/>
-              <a:t>\Roaming\Microsoft\Windows\Recent\</a:t>
-            </a:r>
-            <a:r>
-              <a:rPr lang="en-US" dirty="0" err="1"/>
-              <a:t>CustomDestinations</a:t>
-            </a:r>
-            <a:endParaRPr lang="en-US" dirty="0"/>
-          </a:p>
-          <a:p>
-            <a:pPr marL="0" indent="0">
-              <a:buNone/>
-            </a:pPr>
-            <a:endParaRPr lang="en-US" dirty="0"/>
-          </a:p>
-          <a:p>
-            <a:pPr marL="0" indent="0">
-              <a:buNone/>
-            </a:pPr>
-            <a:r>
-              <a:rPr lang="en-US" dirty="0"/>
-              <a:t>\User\informant\</a:t>
-            </a:r>
-            <a:r>
-              <a:rPr lang="en-US" dirty="0" err="1"/>
-              <a:t>AppData</a:t>
-            </a:r>
-            <a:r>
-              <a:rPr lang="en-US" dirty="0"/>
-              <a:t>\Roaming\Microsoft\Windows\Recent\*.</a:t>
-            </a:r>
-            <a:r>
-              <a:rPr lang="en-US" dirty="0" err="1"/>
-              <a:t>lnk</a:t>
-            </a:r>
-            <a:endParaRPr lang="en-US" dirty="0"/>
-          </a:p>
-          <a:p>
-            <a:pPr marL="0" indent="0">
-              <a:buNone/>
-            </a:pPr>
-            <a:r>
-              <a:rPr lang="en-US" dirty="0"/>
-              <a:t>\User\informant\</a:t>
-            </a:r>
-            <a:r>
-              <a:rPr lang="en-US" dirty="0" err="1"/>
-              <a:t>AppData</a:t>
-            </a:r>
-            <a:r>
-              <a:rPr lang="en-US" dirty="0"/>
-              <a:t>\Roaming\Microsoft\Office\Recent\*.</a:t>
-            </a:r>
-            <a:r>
-              <a:rPr lang="en-US" dirty="0" err="1"/>
-              <a:t>lnk</a:t>
-            </a:r>
-            <a:endParaRPr lang="en-US" dirty="0"/>
-          </a:p>
-          <a:p>
-            <a:endParaRPr lang="en-US" dirty="0"/>
-          </a:p>
-        </p:txBody>
-      </p:sp>
-    </p:spTree>
-    <p:extLst>
-      <p:ext uri="{BB962C8B-B14F-4D97-AF65-F5344CB8AC3E}">
-        <p14:creationId xmlns:p14="http://schemas.microsoft.com/office/powerpoint/2010/main" val="367085107"/>
-      </p:ext>
-    </p:extLst>
-  </p:cSld>
-  <p:clrMapOvr>
-    <a:masterClrMapping/>
-  </p:clrMapOvr>
-</p:sld>
-</file>
-
-<file path=ppt/slides/slide20.xml><?xml version="1.0" encoding="utf-8"?>
+<file path=ppt/slides/slide23.xml><?xml version="1.0" encoding="utf-8"?>
 <p:sld xmlns:a="http://schemas.openxmlformats.org/drawingml/2006/main" xmlns:r="http://schemas.openxmlformats.org/officeDocument/2006/relationships" xmlns:p="http://schemas.openxmlformats.org/presentationml/2006/main">
   <p:cSld>
     <p:spTree>
@@ -8485,7 +9482,7 @@
 </p:sld>
 </file>
 
-<file path=ppt/slides/slide21.xml><?xml version="1.0" encoding="utf-8"?>
+<file path=ppt/slides/slide24.xml><?xml version="1.0" encoding="utf-8"?>
 <p:sld xmlns:a="http://schemas.openxmlformats.org/drawingml/2006/main" xmlns:r="http://schemas.openxmlformats.org/officeDocument/2006/relationships" xmlns:p="http://schemas.openxmlformats.org/presentationml/2006/main">
   <p:cSld>
     <p:spTree>
@@ -8569,7 +9566,7 @@
 </p:sld>
 </file>
 
-<file path=ppt/slides/slide22.xml><?xml version="1.0" encoding="utf-8"?>
+<file path=ppt/slides/slide25.xml><?xml version="1.0" encoding="utf-8"?>
 <p:sld xmlns:a="http://schemas.openxmlformats.org/drawingml/2006/main" xmlns:r="http://schemas.openxmlformats.org/officeDocument/2006/relationships" xmlns:p="http://schemas.openxmlformats.org/presentationml/2006/main">
   <p:cSld>
     <p:spTree>
@@ -8743,7 +9740,7 @@
 </p:sld>
 </file>
 
-<file path=ppt/slides/slide23.xml><?xml version="1.0" encoding="utf-8"?>
+<file path=ppt/slides/slide26.xml><?xml version="1.0" encoding="utf-8"?>
 <p:sld xmlns:a="http://schemas.openxmlformats.org/drawingml/2006/main" xmlns:r="http://schemas.openxmlformats.org/officeDocument/2006/relationships" xmlns:p="http://schemas.openxmlformats.org/presentationml/2006/main">
   <p:cSld>
     <p:spTree>
@@ -9086,7 +10083,7 @@
 </p:sld>
 </file>
 
-<file path=ppt/slides/slide24.xml><?xml version="1.0" encoding="utf-8"?>
+<file path=ppt/slides/slide27.xml><?xml version="1.0" encoding="utf-8"?>
 <p:sld xmlns:a="http://schemas.openxmlformats.org/drawingml/2006/main" xmlns:r="http://schemas.openxmlformats.org/officeDocument/2006/relationships" xmlns:p="http://schemas.openxmlformats.org/presentationml/2006/main">
   <p:cSld>
     <p:spTree>
@@ -9358,7 +10355,7 @@
 </p:sld>
 </file>
 
-<file path=ppt/slides/slide25.xml><?xml version="1.0" encoding="utf-8"?>
+<file path=ppt/slides/slide28.xml><?xml version="1.0" encoding="utf-8"?>
 <p:sld xmlns:a="http://schemas.openxmlformats.org/drawingml/2006/main" xmlns:r="http://schemas.openxmlformats.org/officeDocument/2006/relationships" xmlns:p="http://schemas.openxmlformats.org/presentationml/2006/main">
   <p:cSld>
     <p:spTree>
@@ -9451,7 +10448,7 @@
 </p:sld>
 </file>
 
-<file path=ppt/slides/slide26.xml><?xml version="1.0" encoding="utf-8"?>
+<file path=ppt/slides/slide29.xml><?xml version="1.0" encoding="utf-8"?>
 <p:sld xmlns:a="http://schemas.openxmlformats.org/drawingml/2006/main" xmlns:r="http://schemas.openxmlformats.org/officeDocument/2006/relationships" xmlns:p="http://schemas.openxmlformats.org/presentationml/2006/main">
   <p:cSld>
     <p:spTree>
@@ -9932,7 +10929,229 @@
 </p:sld>
 </file>
 
-<file path=ppt/slides/slide27.xml><?xml version="1.0" encoding="utf-8"?>
+<file path=ppt/slides/slide3.xml><?xml version="1.0" encoding="utf-8"?>
+<p:sld xmlns:a="http://schemas.openxmlformats.org/drawingml/2006/main" xmlns:r="http://schemas.openxmlformats.org/officeDocument/2006/relationships" xmlns:p="http://schemas.openxmlformats.org/presentationml/2006/main">
+  <p:cSld>
+    <p:spTree>
+      <p:nvGrpSpPr>
+        <p:cNvPr id="1" name=""/>
+        <p:cNvGrpSpPr/>
+        <p:nvPr/>
+      </p:nvGrpSpPr>
+      <p:grpSpPr>
+        <a:xfrm>
+          <a:off x="0" y="0"/>
+          <a:ext cx="0" cy="0"/>
+          <a:chOff x="0" y="0"/>
+          <a:chExt cx="0" cy="0"/>
+        </a:xfrm>
+      </p:grpSpPr>
+      <p:sp>
+        <p:nvSpPr>
+          <p:cNvPr id="2" name="Title 1"/>
+          <p:cNvSpPr>
+            <a:spLocks noGrp="1"/>
+          </p:cNvSpPr>
+          <p:nvPr>
+            <p:ph type="title"/>
+          </p:nvPr>
+        </p:nvSpPr>
+        <p:spPr/>
+        <p:txBody>
+          <a:bodyPr/>
+          <a:lstStyle/>
+          <a:p>
+            <a:r>
+              <a:rPr lang="en-US" dirty="0">
+                <a:solidFill>
+                  <a:srgbClr val="FF0000"/>
+                </a:solidFill>
+              </a:rPr>
+              <a:t>27.</a:t>
+            </a:r>
+            <a:r>
+              <a:rPr lang="en-US" dirty="0"/>
+              <a:t>	List all directories that were traversed in the company’s network drive.</a:t>
+            </a:r>
+          </a:p>
+        </p:txBody>
+      </p:sp>
+      <p:sp>
+        <p:nvSpPr>
+          <p:cNvPr id="7" name="Content Placeholder 6"/>
+          <p:cNvSpPr>
+            <a:spLocks noGrp="1"/>
+          </p:cNvSpPr>
+          <p:nvPr>
+            <p:ph idx="1"/>
+          </p:nvPr>
+        </p:nvSpPr>
+        <p:spPr/>
+        <p:txBody>
+          <a:bodyPr>
+            <a:normAutofit fontScale="77500" lnSpcReduction="20000"/>
+          </a:bodyPr>
+          <a:lstStyle/>
+          <a:p>
+            <a:pPr marL="0" indent="0">
+              <a:buNone/>
+            </a:pPr>
+            <a:r>
+              <a:rPr lang="en-US" dirty="0"/>
+              <a:t>- ‘Timestamp’ may not be accurate.</a:t>
+            </a:r>
+          </a:p>
+          <a:p>
+            <a:pPr marL="0" indent="0">
+              <a:buNone/>
+            </a:pPr>
+            <a:r>
+              <a:rPr lang="en-US" dirty="0"/>
+              <a:t>- V:\ is mapped on \\10.11.11.128</a:t>
+            </a:r>
+          </a:p>
+          <a:p>
+            <a:pPr marL="0" indent="0">
+              <a:buNone/>
+            </a:pPr>
+            <a:endParaRPr lang="en-US" dirty="0"/>
+          </a:p>
+          <a:p>
+            <a:pPr marL="0" indent="0">
+              <a:buNone/>
+            </a:pPr>
+            <a:r>
+              <a:rPr lang="en-US" dirty="0"/>
+              <a:t>HKU\informant\Software\Classes\Local Settings\Software\Microsoft\Windows\Shell\</a:t>
+            </a:r>
+            <a:r>
+              <a:rPr lang="en-US" dirty="0" err="1"/>
+              <a:t>BagMRU</a:t>
+            </a:r>
+            <a:r>
+              <a:rPr lang="en-US" dirty="0"/>
+              <a:t>\8\0\~</a:t>
+            </a:r>
+          </a:p>
+          <a:p>
+            <a:pPr marL="0" indent="0">
+              <a:buNone/>
+            </a:pPr>
+            <a:endParaRPr lang="en-US" dirty="0"/>
+          </a:p>
+          <a:p>
+            <a:pPr marL="0" indent="0">
+              <a:buNone/>
+            </a:pPr>
+            <a:r>
+              <a:rPr lang="en-US" dirty="0"/>
+              <a:t>\User\informant\</a:t>
+            </a:r>
+            <a:r>
+              <a:rPr lang="en-US" dirty="0" err="1"/>
+              <a:t>AppData</a:t>
+            </a:r>
+            <a:r>
+              <a:rPr lang="en-US" dirty="0"/>
+              <a:t>\Roaming\Microsoft\Windows\Recent\</a:t>
+            </a:r>
+            <a:r>
+              <a:rPr lang="en-US" dirty="0" err="1"/>
+              <a:t>AutomaticDestinations</a:t>
+            </a:r>
+            <a:endParaRPr lang="en-US" dirty="0"/>
+          </a:p>
+          <a:p>
+            <a:pPr marL="0" indent="0">
+              <a:buNone/>
+            </a:pPr>
+            <a:r>
+              <a:rPr lang="en-US" dirty="0"/>
+              <a:t>\User\informant\</a:t>
+            </a:r>
+            <a:r>
+              <a:rPr lang="en-US" dirty="0" err="1"/>
+              <a:t>AppData</a:t>
+            </a:r>
+            <a:r>
+              <a:rPr lang="en-US" dirty="0"/>
+              <a:t>\Roaming\Microsoft\Windows\Recent\</a:t>
+            </a:r>
+            <a:r>
+              <a:rPr lang="en-US" dirty="0" err="1"/>
+              <a:t>CustomDestinations</a:t>
+            </a:r>
+            <a:endParaRPr lang="en-US" dirty="0"/>
+          </a:p>
+          <a:p>
+            <a:pPr marL="0" indent="0">
+              <a:buNone/>
+            </a:pPr>
+            <a:endParaRPr lang="en-US" dirty="0"/>
+          </a:p>
+          <a:p>
+            <a:pPr marL="0" indent="0">
+              <a:buNone/>
+            </a:pPr>
+            <a:r>
+              <a:rPr lang="en-US" dirty="0"/>
+              <a:t>\User\informant\</a:t>
+            </a:r>
+            <a:r>
+              <a:rPr lang="en-US" dirty="0" err="1"/>
+              <a:t>AppData</a:t>
+            </a:r>
+            <a:r>
+              <a:rPr lang="en-US" dirty="0"/>
+              <a:t>\Roaming\Microsoft\Windows\Recent\*.</a:t>
+            </a:r>
+            <a:r>
+              <a:rPr lang="en-US" dirty="0" err="1"/>
+              <a:t>lnk</a:t>
+            </a:r>
+            <a:endParaRPr lang="en-US" dirty="0"/>
+          </a:p>
+          <a:p>
+            <a:pPr marL="0" indent="0">
+              <a:buNone/>
+            </a:pPr>
+            <a:r>
+              <a:rPr lang="en-US" dirty="0"/>
+              <a:t>\User\informant\</a:t>
+            </a:r>
+            <a:r>
+              <a:rPr lang="en-US" dirty="0" err="1"/>
+              <a:t>AppData</a:t>
+            </a:r>
+            <a:r>
+              <a:rPr lang="en-US" dirty="0"/>
+              <a:t>\Roaming\Microsoft\Office\Recent\*.</a:t>
+            </a:r>
+            <a:r>
+              <a:rPr lang="en-US" dirty="0" err="1"/>
+              <a:t>lnk</a:t>
+            </a:r>
+            <a:endParaRPr lang="en-US" dirty="0"/>
+          </a:p>
+          <a:p>
+            <a:endParaRPr lang="en-US" dirty="0"/>
+          </a:p>
+        </p:txBody>
+      </p:sp>
+    </p:spTree>
+    <p:extLst>
+      <p:ext uri="{BB962C8B-B14F-4D97-AF65-F5344CB8AC3E}">
+        <p14:creationId xmlns:p14="http://schemas.microsoft.com/office/powerpoint/2010/main" val="367085107"/>
+      </p:ext>
+    </p:extLst>
+  </p:cSld>
+  <p:clrMapOvr>
+    <a:masterClrMapping/>
+  </p:clrMapOvr>
+</p:sld>
+</file>
+
+<file path=ppt/slides/slide30.xml><?xml version="1.0" encoding="utf-8"?>
 <p:sld xmlns:a="http://schemas.openxmlformats.org/drawingml/2006/main" xmlns:r="http://schemas.openxmlformats.org/officeDocument/2006/relationships" xmlns:p="http://schemas.openxmlformats.org/presentationml/2006/main">
   <p:cSld>
     <p:spTree>
@@ -10045,7 +11264,7 @@
 </p:sld>
 </file>
 
-<file path=ppt/slides/slide28.xml><?xml version="1.0" encoding="utf-8"?>
+<file path=ppt/slides/slide31.xml><?xml version="1.0" encoding="utf-8"?>
 <p:sld xmlns:a="http://schemas.openxmlformats.org/drawingml/2006/main" xmlns:r="http://schemas.openxmlformats.org/officeDocument/2006/relationships" xmlns:p="http://schemas.openxmlformats.org/presentationml/2006/main">
   <p:cSld>
     <p:spTree>
@@ -10376,7 +11595,7 @@
 </p:sld>
 </file>
 
-<file path=ppt/slides/slide29.xml><?xml version="1.0" encoding="utf-8"?>
+<file path=ppt/slides/slide32.xml><?xml version="1.0" encoding="utf-8"?>
 <p:sld xmlns:a="http://schemas.openxmlformats.org/drawingml/2006/main" xmlns:r="http://schemas.openxmlformats.org/officeDocument/2006/relationships" xmlns:p="http://schemas.openxmlformats.org/presentationml/2006/main">
   <p:cSld>
     <p:spTree>
@@ -10579,7 +11798,7 @@
 </p:sld>
 </file>
 
-<file path=ppt/slides/slide3.xml><?xml version="1.0" encoding="utf-8"?>
+<file path=ppt/slides/slide4.xml><?xml version="1.0" encoding="utf-8"?>
 <p:sld xmlns:a="http://schemas.openxmlformats.org/drawingml/2006/main" xmlns:r="http://schemas.openxmlformats.org/officeDocument/2006/relationships" xmlns:p="http://schemas.openxmlformats.org/presentationml/2006/main">
   <p:cSld>
     <p:spTree>
@@ -10650,7 +11869,7 @@
         </p:blipFill>
         <p:spPr>
           <a:xfrm>
-            <a:off x="100798" y="228600"/>
+            <a:off x="100798" y="304415"/>
             <a:ext cx="24727292" cy="3692609"/>
           </a:xfrm>
           <a:prstGeom prst="rect">
@@ -10769,6 +11988,88 @@
           </a:fontRef>
         </p:style>
       </p:cxnSp>
+      <p:cxnSp>
+        <p:nvCxnSpPr>
+          <p:cNvPr id="7" name="Straight Arrow Connector 6">
+            <a:extLst>
+              <a:ext uri="{FF2B5EF4-FFF2-40B4-BE49-F238E27FC236}">
+                <a16:creationId xmlns:a16="http://schemas.microsoft.com/office/drawing/2014/main" id="{FD5F9C8A-6D8D-4F77-975F-0C8FB8231FCB}"/>
+              </a:ext>
+            </a:extLst>
+          </p:cNvPr>
+          <p:cNvCxnSpPr/>
+          <p:nvPr/>
+        </p:nvCxnSpPr>
+        <p:spPr>
+          <a:xfrm>
+            <a:off x="3386380" y="170481"/>
+            <a:ext cx="774915" cy="672759"/>
+          </a:xfrm>
+          <a:prstGeom prst="straightConnector1">
+            <a:avLst/>
+          </a:prstGeom>
+          <a:ln>
+            <a:tailEnd type="triangle"/>
+          </a:ln>
+        </p:spPr>
+        <p:style>
+          <a:lnRef idx="1">
+            <a:schemeClr val="accent2"/>
+          </a:lnRef>
+          <a:fillRef idx="0">
+            <a:schemeClr val="accent2"/>
+          </a:fillRef>
+          <a:effectRef idx="0">
+            <a:schemeClr val="accent2"/>
+          </a:effectRef>
+          <a:fontRef idx="minor">
+            <a:schemeClr val="tx1"/>
+          </a:fontRef>
+        </p:style>
+      </p:cxnSp>
+      <p:sp>
+        <p:nvSpPr>
+          <p:cNvPr id="10" name="TextBox 9">
+            <a:extLst>
+              <a:ext uri="{FF2B5EF4-FFF2-40B4-BE49-F238E27FC236}">
+                <a16:creationId xmlns:a16="http://schemas.microsoft.com/office/drawing/2014/main" id="{4C0A2281-8345-4E76-A7AF-5CDEB96A71DE}"/>
+              </a:ext>
+            </a:extLst>
+          </p:cNvPr>
+          <p:cNvSpPr txBox="1"/>
+          <p:nvPr/>
+        </p:nvSpPr>
+        <p:spPr>
+          <a:xfrm>
+            <a:off x="1313727" y="0"/>
+            <a:ext cx="8281686" cy="369332"/>
+          </a:xfrm>
+          <a:prstGeom prst="rect">
+            <a:avLst/>
+          </a:prstGeom>
+          <a:noFill/>
+        </p:spPr>
+        <p:txBody>
+          <a:bodyPr wrap="square">
+            <a:spAutoFit/>
+          </a:bodyPr>
+          <a:lstStyle/>
+          <a:p>
+            <a:r>
+              <a:rPr lang="en-US" dirty="0"/>
+              <a:t>13929-128-3:	Users/informant/</a:t>
+            </a:r>
+            <a:r>
+              <a:rPr lang="en-US" dirty="0" err="1"/>
+              <a:t>AppData</a:t>
+            </a:r>
+            <a:r>
+              <a:rPr lang="en-US" dirty="0"/>
+              <a:t>/Local/Microsoft/Windows/UsrClass.dat</a:t>
+            </a:r>
+          </a:p>
+        </p:txBody>
+      </p:sp>
     </p:spTree>
     <p:extLst>
       <p:ext uri="{BB962C8B-B14F-4D97-AF65-F5344CB8AC3E}">
@@ -10782,7 +12083,7 @@
 </p:sld>
 </file>
 
-<file path=ppt/slides/slide4.xml><?xml version="1.0" encoding="utf-8"?>
+<file path=ppt/slides/slide5.xml><?xml version="1.0" encoding="utf-8"?>
 <p:sld xmlns:a="http://schemas.openxmlformats.org/drawingml/2006/main" xmlns:r="http://schemas.openxmlformats.org/officeDocument/2006/relationships" xmlns:p="http://schemas.openxmlformats.org/presentationml/2006/main">
   <p:cSld>
     <p:spTree>
@@ -10904,78 +12205,195 @@
           </a:p>
         </p:txBody>
       </p:sp>
-      <p:pic>
-        <p:nvPicPr>
-          <p:cNvPr id="5" name="Picture 4"/>
-          <p:cNvPicPr>
-            <a:picLocks noChangeAspect="1"/>
-          </p:cNvPicPr>
+      <p:sp>
+        <p:nvSpPr>
+          <p:cNvPr id="7" name="TextBox 6">
+            <a:extLst>
+              <a:ext uri="{FF2B5EF4-FFF2-40B4-BE49-F238E27FC236}">
+                <a16:creationId xmlns:a16="http://schemas.microsoft.com/office/drawing/2014/main" id="{4EC7A8FB-A718-4708-BCF8-7B8FEEEA11CD}"/>
+              </a:ext>
+            </a:extLst>
+          </p:cNvPr>
+          <p:cNvSpPr txBox="1"/>
           <p:nvPr/>
-        </p:nvPicPr>
-        <p:blipFill>
-          <a:blip r:embed="rId4"/>
-          <a:stretch>
-            <a:fillRect/>
-          </a:stretch>
-        </p:blipFill>
+        </p:nvSpPr>
         <p:spPr>
           <a:xfrm>
-            <a:off x="838200" y="4582433"/>
-            <a:ext cx="8756139" cy="1630821"/>
+            <a:off x="3070860" y="4861400"/>
+            <a:ext cx="7874143" cy="369332"/>
           </a:xfrm>
           <a:prstGeom prst="rect">
             <a:avLst/>
           </a:prstGeom>
+          <a:noFill/>
         </p:spPr>
-      </p:pic>
-      <p:sp>
-        <p:nvSpPr>
-          <p:cNvPr id="6" name="TextBox 5"/>
-          <p:cNvSpPr txBox="1"/>
+        <p:txBody>
+          <a:bodyPr wrap="none" rtlCol="0">
+            <a:spAutoFit/>
+          </a:bodyPr>
+          <a:lstStyle/>
+          <a:p>
+            <a:r>
+              <a:rPr lang="en-US" dirty="0"/>
+              <a:t>We want to search for folder “</a:t>
+            </a:r>
+            <a:r>
+              <a:rPr lang="en-US" dirty="0">
+                <a:solidFill>
+                  <a:srgbClr val="FF0000"/>
+                </a:solidFill>
+              </a:rPr>
+              <a:t>Secret Project Data</a:t>
+            </a:r>
+            <a:r>
+              <a:rPr lang="en-US" dirty="0"/>
+              <a:t>” to find possible Mapped Letter.</a:t>
+            </a:r>
+          </a:p>
+        </p:txBody>
+      </p:sp>
+      <p:cxnSp>
+        <p:nvCxnSpPr>
+          <p:cNvPr id="9" name="Straight Arrow Connector 8">
+            <a:extLst>
+              <a:ext uri="{FF2B5EF4-FFF2-40B4-BE49-F238E27FC236}">
+                <a16:creationId xmlns:a16="http://schemas.microsoft.com/office/drawing/2014/main" id="{1E94DE38-CE42-40AC-A151-53C75E83A378}"/>
+              </a:ext>
+            </a:extLst>
+          </p:cNvPr>
+          <p:cNvCxnSpPr>
+            <a:cxnSpLocks/>
+          </p:cNvCxnSpPr>
+          <p:nvPr/>
+        </p:nvCxnSpPr>
+        <p:spPr>
+          <a:xfrm flipV="1">
+            <a:off x="7741920" y="3101340"/>
+            <a:ext cx="1447800" cy="1691640"/>
+          </a:xfrm>
+          <a:prstGeom prst="straightConnector1">
+            <a:avLst/>
+          </a:prstGeom>
+          <a:ln>
+            <a:tailEnd type="triangle"/>
+          </a:ln>
+        </p:spPr>
+        <p:style>
+          <a:lnRef idx="1">
+            <a:schemeClr val="accent2"/>
+          </a:lnRef>
+          <a:fillRef idx="0">
+            <a:schemeClr val="accent2"/>
+          </a:fillRef>
+          <a:effectRef idx="0">
+            <a:schemeClr val="accent2"/>
+          </a:effectRef>
+          <a:fontRef idx="minor">
+            <a:schemeClr val="tx1"/>
+          </a:fontRef>
+        </p:style>
+      </p:cxnSp>
+      <p:sp>
+        <p:nvSpPr>
+          <p:cNvPr id="10" name="Rectangle 9">
+            <a:extLst>
+              <a:ext uri="{FF2B5EF4-FFF2-40B4-BE49-F238E27FC236}">
+                <a16:creationId xmlns:a16="http://schemas.microsoft.com/office/drawing/2014/main" id="{63B22BAB-3138-4EFE-8912-752AF35655E7}"/>
+              </a:ext>
+            </a:extLst>
+          </p:cNvPr>
+          <p:cNvSpPr/>
           <p:nvPr/>
         </p:nvSpPr>
         <p:spPr>
           <a:xfrm>
-            <a:off x="838199" y="4213101"/>
-            <a:ext cx="3110147" cy="369332"/>
+            <a:off x="8823960" y="2834640"/>
+            <a:ext cx="1021080" cy="266700"/>
           </a:xfrm>
           <a:prstGeom prst="rect">
             <a:avLst/>
           </a:prstGeom>
-          <a:solidFill>
-            <a:srgbClr val="FFC000"/>
-          </a:solidFill>
+          <a:noFill/>
+          <a:ln>
+            <a:solidFill>
+              <a:srgbClr val="FFFF00"/>
+            </a:solidFill>
+          </a:ln>
         </p:spPr>
-        <p:txBody>
-          <a:bodyPr wrap="none" rtlCol="0">
-            <a:spAutoFit/>
-          </a:bodyPr>
-          <a:lstStyle/>
-          <a:p>
-            <a:r>
-              <a:rPr lang="en-US" dirty="0"/>
-              <a:t>Exam </a:t>
-            </a:r>
-            <a:r>
-              <a:rPr lang="en-US" i="1" dirty="0">
-                <a:solidFill>
-                  <a:srgbClr val="007DB5"/>
-                </a:solidFill>
-              </a:rPr>
-              <a:t>Jump list </a:t>
-            </a:r>
-            <a:r>
-              <a:rPr lang="en-US" dirty="0"/>
-              <a:t>volume letter </a:t>
-            </a:r>
-            <a:r>
-              <a:rPr lang="en-US" dirty="0">
-                <a:solidFill>
-                  <a:srgbClr val="FF0000"/>
-                </a:solidFill>
-              </a:rPr>
-              <a:t>V:</a:t>
-            </a:r>
+        <p:style>
+          <a:lnRef idx="2">
+            <a:schemeClr val="accent1">
+              <a:shade val="50000"/>
+            </a:schemeClr>
+          </a:lnRef>
+          <a:fillRef idx="1">
+            <a:schemeClr val="accent1"/>
+          </a:fillRef>
+          <a:effectRef idx="0">
+            <a:schemeClr val="accent1"/>
+          </a:effectRef>
+          <a:fontRef idx="minor">
+            <a:schemeClr val="lt1"/>
+          </a:fontRef>
+        </p:style>
+        <p:txBody>
+          <a:bodyPr rtlCol="0" anchor="ctr"/>
+          <a:lstStyle/>
+          <a:p>
+            <a:pPr algn="ctr"/>
+            <a:endParaRPr lang="en-US"/>
+          </a:p>
+        </p:txBody>
+      </p:sp>
+      <p:sp>
+        <p:nvSpPr>
+          <p:cNvPr id="11" name="Rectangle 10">
+            <a:extLst>
+              <a:ext uri="{FF2B5EF4-FFF2-40B4-BE49-F238E27FC236}">
+                <a16:creationId xmlns:a16="http://schemas.microsoft.com/office/drawing/2014/main" id="{E19AC702-D50F-4F43-987E-F9B6B1119D96}"/>
+              </a:ext>
+            </a:extLst>
+          </p:cNvPr>
+          <p:cNvSpPr/>
+          <p:nvPr/>
+        </p:nvSpPr>
+        <p:spPr>
+          <a:xfrm>
+            <a:off x="838200" y="3032383"/>
+            <a:ext cx="1188720" cy="266700"/>
+          </a:xfrm>
+          <a:prstGeom prst="rect">
+            <a:avLst/>
+          </a:prstGeom>
+          <a:noFill/>
+          <a:ln>
+            <a:solidFill>
+              <a:srgbClr val="FFFF00"/>
+            </a:solidFill>
+          </a:ln>
+        </p:spPr>
+        <p:style>
+          <a:lnRef idx="2">
+            <a:schemeClr val="accent1">
+              <a:shade val="50000"/>
+            </a:schemeClr>
+          </a:lnRef>
+          <a:fillRef idx="1">
+            <a:schemeClr val="accent1"/>
+          </a:fillRef>
+          <a:effectRef idx="0">
+            <a:schemeClr val="accent1"/>
+          </a:effectRef>
+          <a:fontRef idx="minor">
+            <a:schemeClr val="lt1"/>
+          </a:fontRef>
+        </p:style>
+        <p:txBody>
+          <a:bodyPr rtlCol="0" anchor="ctr"/>
+          <a:lstStyle/>
+          <a:p>
+            <a:pPr algn="ctr"/>
+            <a:endParaRPr lang="en-US"/>
           </a:p>
         </p:txBody>
       </p:sp>
@@ -10992,7 +12410,333 @@
 </p:sld>
 </file>
 
-<file path=ppt/slides/slide5.xml><?xml version="1.0" encoding="utf-8"?>
+<file path=ppt/slides/slide6.xml><?xml version="1.0" encoding="utf-8"?>
+<p:sld xmlns:a="http://schemas.openxmlformats.org/drawingml/2006/main" xmlns:r="http://schemas.openxmlformats.org/officeDocument/2006/relationships" xmlns:p="http://schemas.openxmlformats.org/presentationml/2006/main">
+  <p:cSld>
+    <p:spTree>
+      <p:nvGrpSpPr>
+        <p:cNvPr id="1" name=""/>
+        <p:cNvGrpSpPr/>
+        <p:nvPr/>
+      </p:nvGrpSpPr>
+      <p:grpSpPr>
+        <a:xfrm>
+          <a:off x="0" y="0"/>
+          <a:ext cx="0" cy="0"/>
+          <a:chOff x="0" y="0"/>
+          <a:chExt cx="0" cy="0"/>
+        </a:xfrm>
+      </p:grpSpPr>
+      <p:pic>
+        <p:nvPicPr>
+          <p:cNvPr id="4" name="Picture 3">
+            <a:extLst>
+              <a:ext uri="{FF2B5EF4-FFF2-40B4-BE49-F238E27FC236}">
+                <a16:creationId xmlns:a16="http://schemas.microsoft.com/office/drawing/2014/main" id="{07D2826B-24FA-4CA1-8683-49A9A80BAE2C}"/>
+              </a:ext>
+            </a:extLst>
+          </p:cNvPr>
+          <p:cNvPicPr>
+            <a:picLocks noChangeAspect="1"/>
+          </p:cNvPicPr>
+          <p:nvPr/>
+        </p:nvPicPr>
+        <p:blipFill>
+          <a:blip r:embed="rId3"/>
+          <a:stretch>
+            <a:fillRect/>
+          </a:stretch>
+        </p:blipFill>
+        <p:spPr>
+          <a:xfrm>
+            <a:off x="643433" y="1622896"/>
+            <a:ext cx="10539373" cy="3779848"/>
+          </a:xfrm>
+          <a:prstGeom prst="rect">
+            <a:avLst/>
+          </a:prstGeom>
+        </p:spPr>
+      </p:pic>
+      <p:sp>
+        <p:nvSpPr>
+          <p:cNvPr id="5" name="TextBox 4">
+            <a:extLst>
+              <a:ext uri="{FF2B5EF4-FFF2-40B4-BE49-F238E27FC236}">
+                <a16:creationId xmlns:a16="http://schemas.microsoft.com/office/drawing/2014/main" id="{03A1B2C4-15C4-47A7-AE04-609C4C173A2D}"/>
+              </a:ext>
+            </a:extLst>
+          </p:cNvPr>
+          <p:cNvSpPr txBox="1"/>
+          <p:nvPr/>
+        </p:nvSpPr>
+        <p:spPr>
+          <a:xfrm>
+            <a:off x="643433" y="1253564"/>
+            <a:ext cx="3050963" cy="369332"/>
+          </a:xfrm>
+          <a:prstGeom prst="rect">
+            <a:avLst/>
+          </a:prstGeom>
+          <a:solidFill>
+            <a:srgbClr val="FFC000"/>
+          </a:solidFill>
+        </p:spPr>
+        <p:txBody>
+          <a:bodyPr wrap="none" rtlCol="0">
+            <a:spAutoFit/>
+          </a:bodyPr>
+          <a:lstStyle/>
+          <a:p>
+            <a:r>
+              <a:rPr lang="en-US" dirty="0"/>
+              <a:t>Search for mapped drive letter</a:t>
+            </a:r>
+          </a:p>
+        </p:txBody>
+      </p:sp>
+      <p:sp>
+        <p:nvSpPr>
+          <p:cNvPr id="6" name="Rectangle 5">
+            <a:extLst>
+              <a:ext uri="{FF2B5EF4-FFF2-40B4-BE49-F238E27FC236}">
+                <a16:creationId xmlns:a16="http://schemas.microsoft.com/office/drawing/2014/main" id="{ABB5FCAE-D7B5-4F62-99E4-49D0DC08E07A}"/>
+              </a:ext>
+            </a:extLst>
+          </p:cNvPr>
+          <p:cNvSpPr/>
+          <p:nvPr/>
+        </p:nvSpPr>
+        <p:spPr>
+          <a:xfrm>
+            <a:off x="2979420" y="4351020"/>
+            <a:ext cx="312420" cy="266700"/>
+          </a:xfrm>
+          <a:prstGeom prst="rect">
+            <a:avLst/>
+          </a:prstGeom>
+          <a:noFill/>
+          <a:ln w="28575">
+            <a:solidFill>
+              <a:srgbClr val="FFFF00"/>
+            </a:solidFill>
+          </a:ln>
+        </p:spPr>
+        <p:style>
+          <a:lnRef idx="2">
+            <a:schemeClr val="accent1">
+              <a:shade val="50000"/>
+            </a:schemeClr>
+          </a:lnRef>
+          <a:fillRef idx="1">
+            <a:schemeClr val="accent1"/>
+          </a:fillRef>
+          <a:effectRef idx="0">
+            <a:schemeClr val="accent1"/>
+          </a:effectRef>
+          <a:fontRef idx="minor">
+            <a:schemeClr val="lt1"/>
+          </a:fontRef>
+        </p:style>
+        <p:txBody>
+          <a:bodyPr rtlCol="0" anchor="ctr"/>
+          <a:lstStyle/>
+          <a:p>
+            <a:pPr algn="ctr"/>
+            <a:endParaRPr lang="en-US"/>
+          </a:p>
+        </p:txBody>
+      </p:sp>
+      <p:sp>
+        <p:nvSpPr>
+          <p:cNvPr id="7" name="Rectangle 6">
+            <a:extLst>
+              <a:ext uri="{FF2B5EF4-FFF2-40B4-BE49-F238E27FC236}">
+                <a16:creationId xmlns:a16="http://schemas.microsoft.com/office/drawing/2014/main" id="{438C8748-730C-4849-B0FD-20F87A59CB5D}"/>
+              </a:ext>
+            </a:extLst>
+          </p:cNvPr>
+          <p:cNvSpPr/>
+          <p:nvPr/>
+        </p:nvSpPr>
+        <p:spPr>
+          <a:xfrm>
+            <a:off x="5478780" y="2956560"/>
+            <a:ext cx="312420" cy="266700"/>
+          </a:xfrm>
+          <a:prstGeom prst="rect">
+            <a:avLst/>
+          </a:prstGeom>
+          <a:noFill/>
+          <a:ln w="28575">
+            <a:solidFill>
+              <a:srgbClr val="FFFF00"/>
+            </a:solidFill>
+          </a:ln>
+        </p:spPr>
+        <p:style>
+          <a:lnRef idx="2">
+            <a:schemeClr val="accent1">
+              <a:shade val="50000"/>
+            </a:schemeClr>
+          </a:lnRef>
+          <a:fillRef idx="1">
+            <a:schemeClr val="accent1"/>
+          </a:fillRef>
+          <a:effectRef idx="0">
+            <a:schemeClr val="accent1"/>
+          </a:effectRef>
+          <a:fontRef idx="minor">
+            <a:schemeClr val="lt1"/>
+          </a:fontRef>
+        </p:style>
+        <p:txBody>
+          <a:bodyPr rtlCol="0" anchor="ctr"/>
+          <a:lstStyle/>
+          <a:p>
+            <a:pPr algn="ctr"/>
+            <a:endParaRPr lang="en-US"/>
+          </a:p>
+        </p:txBody>
+      </p:sp>
+    </p:spTree>
+    <p:extLst>
+      <p:ext uri="{BB962C8B-B14F-4D97-AF65-F5344CB8AC3E}">
+        <p14:creationId xmlns:p14="http://schemas.microsoft.com/office/powerpoint/2010/main" val="2640566923"/>
+      </p:ext>
+    </p:extLst>
+  </p:cSld>
+  <p:clrMapOvr>
+    <a:masterClrMapping/>
+  </p:clrMapOvr>
+</p:sld>
+</file>
+
+<file path=ppt/slides/slide7.xml><?xml version="1.0" encoding="utf-8"?>
+<p:sld xmlns:a="http://schemas.openxmlformats.org/drawingml/2006/main" xmlns:r="http://schemas.openxmlformats.org/officeDocument/2006/relationships" xmlns:p="http://schemas.openxmlformats.org/presentationml/2006/main">
+  <p:cSld>
+    <p:spTree>
+      <p:nvGrpSpPr>
+        <p:cNvPr id="1" name=""/>
+        <p:cNvGrpSpPr/>
+        <p:nvPr/>
+      </p:nvGrpSpPr>
+      <p:grpSpPr>
+        <a:xfrm>
+          <a:off x="0" y="0"/>
+          <a:ext cx="0" cy="0"/>
+          <a:chOff x="0" y="0"/>
+          <a:chExt cx="0" cy="0"/>
+        </a:xfrm>
+      </p:grpSpPr>
+      <p:pic>
+        <p:nvPicPr>
+          <p:cNvPr id="3" name="Picture 2">
+            <a:extLst>
+              <a:ext uri="{FF2B5EF4-FFF2-40B4-BE49-F238E27FC236}">
+                <a16:creationId xmlns:a16="http://schemas.microsoft.com/office/drawing/2014/main" id="{07F89BB5-471F-4A85-8381-073BB5AB5A0D}"/>
+              </a:ext>
+            </a:extLst>
+          </p:cNvPr>
+          <p:cNvPicPr>
+            <a:picLocks noChangeAspect="1"/>
+          </p:cNvPicPr>
+          <p:nvPr/>
+        </p:nvPicPr>
+        <p:blipFill>
+          <a:blip r:embed="rId3"/>
+          <a:stretch>
+            <a:fillRect/>
+          </a:stretch>
+        </p:blipFill>
+        <p:spPr>
+          <a:xfrm>
+            <a:off x="1097280" y="2613589"/>
+            <a:ext cx="8756139" cy="1630821"/>
+          </a:xfrm>
+          <a:prstGeom prst="rect">
+            <a:avLst/>
+          </a:prstGeom>
+        </p:spPr>
+      </p:pic>
+      <p:sp>
+        <p:nvSpPr>
+          <p:cNvPr id="4" name="TextBox 3">
+            <a:extLst>
+              <a:ext uri="{FF2B5EF4-FFF2-40B4-BE49-F238E27FC236}">
+                <a16:creationId xmlns:a16="http://schemas.microsoft.com/office/drawing/2014/main" id="{BDD03DC8-96B7-48A0-B081-D8D26ED63FE0}"/>
+              </a:ext>
+            </a:extLst>
+          </p:cNvPr>
+          <p:cNvSpPr txBox="1"/>
+          <p:nvPr/>
+        </p:nvSpPr>
+        <p:spPr>
+          <a:xfrm>
+            <a:off x="1097279" y="2244257"/>
+            <a:ext cx="5930406" cy="369332"/>
+          </a:xfrm>
+          <a:prstGeom prst="rect">
+            <a:avLst/>
+          </a:prstGeom>
+          <a:solidFill>
+            <a:srgbClr val="FFC000"/>
+          </a:solidFill>
+        </p:spPr>
+        <p:txBody>
+          <a:bodyPr wrap="none" rtlCol="0">
+            <a:spAutoFit/>
+          </a:bodyPr>
+          <a:lstStyle/>
+          <a:p>
+            <a:r>
+              <a:rPr lang="en-US" dirty="0"/>
+              <a:t>Find </a:t>
+            </a:r>
+            <a:r>
+              <a:rPr lang="en-US"/>
+              <a:t>traversed folders </a:t>
+            </a:r>
+            <a:r>
+              <a:rPr lang="en-US" dirty="0"/>
+              <a:t>by examining </a:t>
+            </a:r>
+            <a:r>
+              <a:rPr lang="en-US" i="1" dirty="0">
+                <a:solidFill>
+                  <a:srgbClr val="007DB5"/>
+                </a:solidFill>
+              </a:rPr>
+              <a:t>Jump list </a:t>
+            </a:r>
+            <a:r>
+              <a:rPr lang="en-US" dirty="0"/>
+              <a:t>volume letter </a:t>
+            </a:r>
+            <a:r>
+              <a:rPr lang="en-US" dirty="0">
+                <a:solidFill>
+                  <a:srgbClr val="FF0000"/>
+                </a:solidFill>
+              </a:rPr>
+              <a:t>V:</a:t>
+            </a:r>
+          </a:p>
+        </p:txBody>
+      </p:sp>
+    </p:spTree>
+    <p:extLst>
+      <p:ext uri="{BB962C8B-B14F-4D97-AF65-F5344CB8AC3E}">
+        <p14:creationId xmlns:p14="http://schemas.microsoft.com/office/powerpoint/2010/main" val="2027897214"/>
+      </p:ext>
+    </p:extLst>
+  </p:cSld>
+  <p:clrMapOvr>
+    <a:masterClrMapping/>
+  </p:clrMapOvr>
+</p:sld>
+</file>
+
+<file path=ppt/slides/slide8.xml><?xml version="1.0" encoding="utf-8"?>
 <p:sld xmlns:a="http://schemas.openxmlformats.org/drawingml/2006/main" xmlns:r="http://schemas.openxmlformats.org/officeDocument/2006/relationships" xmlns:p="http://schemas.openxmlformats.org/presentationml/2006/main">
   <p:cSld>
     <p:spTree>
@@ -11154,7 +12898,7 @@
 </p:sld>
 </file>
 
-<file path=ppt/slides/slide6.xml><?xml version="1.0" encoding="utf-8"?>
+<file path=ppt/slides/slide9.xml><?xml version="1.0" encoding="utf-8"?>
 <p:sld xmlns:a="http://schemas.openxmlformats.org/drawingml/2006/main" xmlns:r="http://schemas.openxmlformats.org/officeDocument/2006/relationships" xmlns:p="http://schemas.openxmlformats.org/presentationml/2006/main">
   <p:cSld>
     <p:spTree>
@@ -11209,498 +12953,6 @@
     <p:extLst>
       <p:ext uri="{BB962C8B-B14F-4D97-AF65-F5344CB8AC3E}">
         <p14:creationId xmlns:p14="http://schemas.microsoft.com/office/powerpoint/2010/main" val="770036564"/>
-      </p:ext>
-    </p:extLst>
-  </p:cSld>
-  <p:clrMapOvr>
-    <a:masterClrMapping/>
-  </p:clrMapOvr>
-</p:sld>
-</file>
-
-<file path=ppt/slides/slide7.xml><?xml version="1.0" encoding="utf-8"?>
-<p:sld xmlns:a="http://schemas.openxmlformats.org/drawingml/2006/main" xmlns:r="http://schemas.openxmlformats.org/officeDocument/2006/relationships" xmlns:p="http://schemas.openxmlformats.org/presentationml/2006/main">
-  <p:cSld>
-    <p:spTree>
-      <p:nvGrpSpPr>
-        <p:cNvPr id="1" name=""/>
-        <p:cNvGrpSpPr/>
-        <p:nvPr/>
-      </p:nvGrpSpPr>
-      <p:grpSpPr>
-        <a:xfrm>
-          <a:off x="0" y="0"/>
-          <a:ext cx="0" cy="0"/>
-          <a:chOff x="0" y="0"/>
-          <a:chExt cx="0" cy="0"/>
-        </a:xfrm>
-      </p:grpSpPr>
-      <p:sp>
-        <p:nvSpPr>
-          <p:cNvPr id="2" name="Title 1"/>
-          <p:cNvSpPr>
-            <a:spLocks noGrp="1"/>
-          </p:cNvSpPr>
-          <p:nvPr>
-            <p:ph type="title"/>
-          </p:nvPr>
-        </p:nvSpPr>
-        <p:spPr/>
-        <p:txBody>
-          <a:bodyPr/>
-          <a:lstStyle/>
-          <a:p>
-            <a:r>
-              <a:rPr lang="en-US" dirty="0"/>
-              <a:t>Link </a:t>
-            </a:r>
-            <a:r>
-              <a:rPr lang="en-US" i="1" dirty="0">
-                <a:solidFill>
-                  <a:srgbClr val="FF0000"/>
-                </a:solidFill>
-              </a:rPr>
-              <a:t>.</a:t>
-            </a:r>
-            <a:r>
-              <a:rPr lang="en-US" i="1" dirty="0" err="1">
-                <a:solidFill>
-                  <a:srgbClr val="FF0000"/>
-                </a:solidFill>
-              </a:rPr>
-              <a:t>lnk</a:t>
-            </a:r>
-            <a:r>
-              <a:rPr lang="en-US" i="1" dirty="0">
-                <a:solidFill>
-                  <a:srgbClr val="FF0000"/>
-                </a:solidFill>
-              </a:rPr>
-              <a:t> </a:t>
-            </a:r>
-            <a:r>
-              <a:rPr lang="en-US" dirty="0"/>
-              <a:t>Files Location</a:t>
-            </a:r>
-          </a:p>
-        </p:txBody>
-      </p:sp>
-      <p:sp>
-        <p:nvSpPr>
-          <p:cNvPr id="3" name="Content Placeholder 2"/>
-          <p:cNvSpPr>
-            <a:spLocks noGrp="1"/>
-          </p:cNvSpPr>
-          <p:nvPr>
-            <p:ph idx="1"/>
-          </p:nvPr>
-        </p:nvSpPr>
-        <p:spPr/>
-        <p:txBody>
-          <a:bodyPr/>
-          <a:lstStyle/>
-          <a:p>
-            <a:r>
-              <a:rPr lang="en-US" dirty="0"/>
-              <a:t>Recently used files via links</a:t>
-            </a:r>
-          </a:p>
-          <a:p>
-            <a:pPr lvl="1"/>
-            <a:r>
-              <a:rPr lang="en-US" dirty="0"/>
-              <a:t>Windows and Office</a:t>
-            </a:r>
-          </a:p>
-          <a:p>
-            <a:r>
-              <a:rPr lang="en-US" dirty="0"/>
-              <a:t>Windows 7 to 10 </a:t>
-            </a:r>
-          </a:p>
-          <a:p>
-            <a:pPr lvl="1"/>
-            <a:r>
-              <a:rPr lang="en-US" i="1" dirty="0">
-                <a:solidFill>
-                  <a:srgbClr val="7030A0"/>
-                </a:solidFill>
-              </a:rPr>
-              <a:t>C:\Users\%USERNAME%\AppData\Roaming\Microsoft\Windows\Recent</a:t>
-            </a:r>
-          </a:p>
-          <a:p>
-            <a:pPr lvl="1"/>
-            <a:r>
-              <a:rPr lang="en-US" i="1" dirty="0">
-                <a:solidFill>
-                  <a:srgbClr val="7030A0"/>
-                </a:solidFill>
-              </a:rPr>
-              <a:t>C:\Users\%USERNAME%\AppData\Roaming\Microsoft\Office\Recent\</a:t>
-            </a:r>
-          </a:p>
-          <a:p>
-            <a:r>
-              <a:rPr lang="en-US" dirty="0"/>
-              <a:t>Windows XP</a:t>
-            </a:r>
-          </a:p>
-          <a:p>
-            <a:pPr lvl="1"/>
-            <a:r>
-              <a:rPr lang="en-US" i="1" dirty="0">
-                <a:solidFill>
-                  <a:srgbClr val="7030A0"/>
-                </a:solidFill>
-              </a:rPr>
-              <a:t>C:\Documents and Settings\%USERNAME%\Recent</a:t>
-            </a:r>
-          </a:p>
-        </p:txBody>
-      </p:sp>
-    </p:spTree>
-    <p:extLst>
-      <p:ext uri="{BB962C8B-B14F-4D97-AF65-F5344CB8AC3E}">
-        <p14:creationId xmlns:p14="http://schemas.microsoft.com/office/powerpoint/2010/main" val="209040179"/>
-      </p:ext>
-    </p:extLst>
-  </p:cSld>
-  <p:clrMapOvr>
-    <a:masterClrMapping/>
-  </p:clrMapOvr>
-</p:sld>
-</file>
-
-<file path=ppt/slides/slide8.xml><?xml version="1.0" encoding="utf-8"?>
-<p:sld xmlns:a="http://schemas.openxmlformats.org/drawingml/2006/main" xmlns:r="http://schemas.openxmlformats.org/officeDocument/2006/relationships" xmlns:p="http://schemas.openxmlformats.org/presentationml/2006/main">
-  <p:cSld>
-    <p:spTree>
-      <p:nvGrpSpPr>
-        <p:cNvPr id="1" name=""/>
-        <p:cNvGrpSpPr/>
-        <p:nvPr/>
-      </p:nvGrpSpPr>
-      <p:grpSpPr>
-        <a:xfrm>
-          <a:off x="0" y="0"/>
-          <a:ext cx="0" cy="0"/>
-          <a:chOff x="0" y="0"/>
-          <a:chExt cx="0" cy="0"/>
-        </a:xfrm>
-      </p:grpSpPr>
-      <p:pic>
-        <p:nvPicPr>
-          <p:cNvPr id="2" name="Picture 1"/>
-          <p:cNvPicPr>
-            <a:picLocks noChangeAspect="1"/>
-          </p:cNvPicPr>
-          <p:nvPr/>
-        </p:nvPicPr>
-        <p:blipFill>
-          <a:blip r:embed="rId3"/>
-          <a:stretch>
-            <a:fillRect/>
-          </a:stretch>
-        </p:blipFill>
-        <p:spPr>
-          <a:xfrm>
-            <a:off x="873539" y="1248343"/>
-            <a:ext cx="9631840" cy="2486943"/>
-          </a:xfrm>
-          <a:prstGeom prst="rect">
-            <a:avLst/>
-          </a:prstGeom>
-        </p:spPr>
-      </p:pic>
-      <p:sp>
-        <p:nvSpPr>
-          <p:cNvPr id="3" name="TextBox 2"/>
-          <p:cNvSpPr txBox="1"/>
-          <p:nvPr/>
-        </p:nvSpPr>
-        <p:spPr>
-          <a:xfrm>
-            <a:off x="873539" y="879011"/>
-            <a:ext cx="2054217" cy="369332"/>
-          </a:xfrm>
-          <a:prstGeom prst="rect">
-            <a:avLst/>
-          </a:prstGeom>
-          <a:solidFill>
-            <a:srgbClr val="FFC000"/>
-          </a:solidFill>
-        </p:spPr>
-        <p:txBody>
-          <a:bodyPr wrap="none" rtlCol="0">
-            <a:spAutoFit/>
-          </a:bodyPr>
-          <a:lstStyle/>
-          <a:p>
-            <a:r>
-              <a:rPr lang="en-US" dirty="0"/>
-              <a:t>Check Windows</a:t>
-            </a:r>
-            <a:r>
-              <a:rPr lang="en-US" i="1" dirty="0">
-                <a:solidFill>
-                  <a:srgbClr val="7030A0"/>
-                </a:solidFill>
-              </a:rPr>
-              <a:t> .</a:t>
-            </a:r>
-            <a:r>
-              <a:rPr lang="en-US" i="1" dirty="0" err="1">
-                <a:solidFill>
-                  <a:srgbClr val="7030A0"/>
-                </a:solidFill>
-              </a:rPr>
-              <a:t>lnk</a:t>
-            </a:r>
-            <a:endParaRPr lang="en-US" i="1" dirty="0">
-              <a:solidFill>
-                <a:srgbClr val="7030A0"/>
-              </a:solidFill>
-            </a:endParaRPr>
-          </a:p>
-        </p:txBody>
-      </p:sp>
-      <p:pic>
-        <p:nvPicPr>
-          <p:cNvPr id="4" name="Picture 3"/>
-          <p:cNvPicPr>
-            <a:picLocks noChangeAspect="1"/>
-          </p:cNvPicPr>
-          <p:nvPr/>
-        </p:nvPicPr>
-        <p:blipFill>
-          <a:blip r:embed="rId4"/>
-          <a:stretch>
-            <a:fillRect/>
-          </a:stretch>
-        </p:blipFill>
-        <p:spPr>
-          <a:xfrm>
-            <a:off x="873540" y="4421260"/>
-            <a:ext cx="9701426" cy="1484327"/>
-          </a:xfrm>
-          <a:prstGeom prst="rect">
-            <a:avLst/>
-          </a:prstGeom>
-        </p:spPr>
-      </p:pic>
-      <p:sp>
-        <p:nvSpPr>
-          <p:cNvPr id="5" name="TextBox 4"/>
-          <p:cNvSpPr txBox="1"/>
-          <p:nvPr/>
-        </p:nvSpPr>
-        <p:spPr>
-          <a:xfrm>
-            <a:off x="873539" y="4051928"/>
-            <a:ext cx="1743747" cy="369332"/>
-          </a:xfrm>
-          <a:prstGeom prst="rect">
-            <a:avLst/>
-          </a:prstGeom>
-          <a:solidFill>
-            <a:srgbClr val="FFC000"/>
-          </a:solidFill>
-        </p:spPr>
-        <p:txBody>
-          <a:bodyPr wrap="none" rtlCol="0">
-            <a:spAutoFit/>
-          </a:bodyPr>
-          <a:lstStyle/>
-          <a:p>
-            <a:r>
-              <a:rPr lang="en-US" dirty="0"/>
-              <a:t>Check Office</a:t>
-            </a:r>
-            <a:r>
-              <a:rPr lang="en-US" i="1" dirty="0">
-                <a:solidFill>
-                  <a:srgbClr val="7030A0"/>
-                </a:solidFill>
-              </a:rPr>
-              <a:t> .</a:t>
-            </a:r>
-            <a:r>
-              <a:rPr lang="en-US" i="1" dirty="0" err="1">
-                <a:solidFill>
-                  <a:srgbClr val="7030A0"/>
-                </a:solidFill>
-              </a:rPr>
-              <a:t>lnk</a:t>
-            </a:r>
-            <a:endParaRPr lang="en-US" i="1" dirty="0">
-              <a:solidFill>
-                <a:srgbClr val="7030A0"/>
-              </a:solidFill>
-            </a:endParaRPr>
-          </a:p>
-        </p:txBody>
-      </p:sp>
-    </p:spTree>
-    <p:extLst>
-      <p:ext uri="{BB962C8B-B14F-4D97-AF65-F5344CB8AC3E}">
-        <p14:creationId xmlns:p14="http://schemas.microsoft.com/office/powerpoint/2010/main" val="2741262411"/>
-      </p:ext>
-    </p:extLst>
-  </p:cSld>
-  <p:clrMapOvr>
-    <a:masterClrMapping/>
-  </p:clrMapOvr>
-</p:sld>
-</file>
-
-<file path=ppt/slides/slide9.xml><?xml version="1.0" encoding="utf-8"?>
-<p:sld xmlns:a="http://schemas.openxmlformats.org/drawingml/2006/main" xmlns:r="http://schemas.openxmlformats.org/officeDocument/2006/relationships" xmlns:p="http://schemas.openxmlformats.org/presentationml/2006/main">
-  <p:cSld>
-    <p:spTree>
-      <p:nvGrpSpPr>
-        <p:cNvPr id="1" name=""/>
-        <p:cNvGrpSpPr/>
-        <p:nvPr/>
-      </p:nvGrpSpPr>
-      <p:grpSpPr>
-        <a:xfrm>
-          <a:off x="0" y="0"/>
-          <a:ext cx="0" cy="0"/>
-          <a:chOff x="0" y="0"/>
-          <a:chExt cx="0" cy="0"/>
-        </a:xfrm>
-      </p:grpSpPr>
-      <p:pic>
-        <p:nvPicPr>
-          <p:cNvPr id="2" name="Picture 1"/>
-          <p:cNvPicPr>
-            <a:picLocks noChangeAspect="1"/>
-          </p:cNvPicPr>
-          <p:nvPr/>
-        </p:nvPicPr>
-        <p:blipFill>
-          <a:blip r:embed="rId3"/>
-          <a:stretch>
-            <a:fillRect/>
-          </a:stretch>
-        </p:blipFill>
-        <p:spPr>
-          <a:xfrm>
-            <a:off x="838200" y="2129635"/>
-            <a:ext cx="9007621" cy="3574090"/>
-          </a:xfrm>
-          <a:prstGeom prst="rect">
-            <a:avLst/>
-          </a:prstGeom>
-        </p:spPr>
-      </p:pic>
-      <p:sp>
-        <p:nvSpPr>
-          <p:cNvPr id="3" name="TextBox 2"/>
-          <p:cNvSpPr txBox="1"/>
-          <p:nvPr/>
-        </p:nvSpPr>
-        <p:spPr>
-          <a:xfrm>
-            <a:off x="838200" y="1760303"/>
-            <a:ext cx="2567178" cy="369332"/>
-          </a:xfrm>
-          <a:prstGeom prst="rect">
-            <a:avLst/>
-          </a:prstGeom>
-          <a:solidFill>
-            <a:srgbClr val="FFC000"/>
-          </a:solidFill>
-        </p:spPr>
-        <p:txBody>
-          <a:bodyPr wrap="none" rtlCol="0">
-            <a:spAutoFit/>
-          </a:bodyPr>
-          <a:lstStyle/>
-          <a:p>
-            <a:r>
-              <a:rPr lang="en-US" dirty="0"/>
-              <a:t>View a </a:t>
-            </a:r>
-            <a:r>
-              <a:rPr lang="en-US" i="1" dirty="0">
-                <a:solidFill>
-                  <a:srgbClr val="7030A0"/>
-                </a:solidFill>
-              </a:rPr>
-              <a:t>.</a:t>
-            </a:r>
-            <a:r>
-              <a:rPr lang="en-US" i="1" dirty="0" err="1">
-                <a:solidFill>
-                  <a:srgbClr val="7030A0"/>
-                </a:solidFill>
-              </a:rPr>
-              <a:t>lnk</a:t>
-            </a:r>
-            <a:r>
-              <a:rPr lang="en-US" i="1" dirty="0">
-                <a:solidFill>
-                  <a:srgbClr val="7030A0"/>
-                </a:solidFill>
-              </a:rPr>
-              <a:t> </a:t>
-            </a:r>
-            <a:r>
-              <a:rPr lang="en-US" dirty="0"/>
-              <a:t>in binary form</a:t>
-            </a:r>
-          </a:p>
-        </p:txBody>
-      </p:sp>
-      <p:sp>
-        <p:nvSpPr>
-          <p:cNvPr id="4" name="Title 3"/>
-          <p:cNvSpPr>
-            <a:spLocks noGrp="1"/>
-          </p:cNvSpPr>
-          <p:nvPr>
-            <p:ph type="title"/>
-          </p:nvPr>
-        </p:nvSpPr>
-        <p:spPr/>
-        <p:txBody>
-          <a:bodyPr/>
-          <a:lstStyle/>
-          <a:p>
-            <a:r>
-              <a:rPr lang="en-US" dirty="0"/>
-              <a:t>How to view </a:t>
-            </a:r>
-            <a:r>
-              <a:rPr lang="en-US" i="1" dirty="0">
-                <a:solidFill>
-                  <a:srgbClr val="FF0000"/>
-                </a:solidFill>
-              </a:rPr>
-              <a:t>.</a:t>
-            </a:r>
-            <a:r>
-              <a:rPr lang="en-US" i="1" dirty="0" err="1">
-                <a:solidFill>
-                  <a:srgbClr val="FF0000"/>
-                </a:solidFill>
-              </a:rPr>
-              <a:t>lnk</a:t>
-            </a:r>
-            <a:endParaRPr lang="en-US" i="1" dirty="0">
-              <a:solidFill>
-                <a:srgbClr val="FF0000"/>
-              </a:solidFill>
-            </a:endParaRPr>
-          </a:p>
-        </p:txBody>
-      </p:sp>
-    </p:spTree>
-    <p:extLst>
-      <p:ext uri="{BB962C8B-B14F-4D97-AF65-F5344CB8AC3E}">
-        <p14:creationId xmlns:p14="http://schemas.microsoft.com/office/powerpoint/2010/main" val="3999839786"/>
       </p:ext>
     </p:extLst>
   </p:cSld>

--- a/NIST_Data_Leakage_Case/NIST_Data_Leakage_07_NetworkDrive_Cloud.pptx
+++ b/NIST_Data_Leakage_Case/NIST_Data_Leakage_07_NetworkDrive_Cloud.pptx
@@ -292,7 +292,7 @@
   <pc:docChgLst>
     <pc:chgData name="Weifeng Xu" userId="e7aed605-a3dd-4d5a-a692-a87037af107b" providerId="ADAL" clId="{C88A9641-6870-405A-ACD5-6A71A77EE40E}"/>
     <pc:docChg chg="undo redo custSel addSld delSld modSld">
-      <pc:chgData name="Weifeng Xu" userId="e7aed605-a3dd-4d5a-a692-a87037af107b" providerId="ADAL" clId="{C88A9641-6870-405A-ACD5-6A71A77EE40E}" dt="2021-11-16T23:33:46.374" v="680" actId="20577"/>
+      <pc:chgData name="Weifeng Xu" userId="e7aed605-a3dd-4d5a-a692-a87037af107b" providerId="ADAL" clId="{C88A9641-6870-405A-ACD5-6A71A77EE40E}" dt="2021-12-01T23:22:01.279" v="685"/>
       <pc:docMkLst>
         <pc:docMk/>
       </pc:docMkLst>
@@ -356,6 +356,20 @@
             <ac:cxnSpMk id="6" creationId="{4AF79A65-623F-4AD1-B0DE-6F391BA525FB}"/>
           </ac:cxnSpMkLst>
         </pc:cxnChg>
+      </pc:sldChg>
+      <pc:sldChg chg="modNotesTx">
+        <pc:chgData name="Weifeng Xu" userId="e7aed605-a3dd-4d5a-a692-a87037af107b" providerId="ADAL" clId="{C88A9641-6870-405A-ACD5-6A71A77EE40E}" dt="2021-12-01T23:09:25.481" v="684" actId="20577"/>
+        <pc:sldMkLst>
+          <pc:docMk/>
+          <pc:sldMk cId="1413077334" sldId="271"/>
+        </pc:sldMkLst>
+      </pc:sldChg>
+      <pc:sldChg chg="modNotesTx">
+        <pc:chgData name="Weifeng Xu" userId="e7aed605-a3dd-4d5a-a692-a87037af107b" providerId="ADAL" clId="{C88A9641-6870-405A-ACD5-6A71A77EE40E}" dt="2021-12-01T23:22:01.279" v="685"/>
+        <pc:sldMkLst>
+          <pc:docMk/>
+          <pc:sldMk cId="407093013" sldId="272"/>
+        </pc:sldMkLst>
       </pc:sldChg>
       <pc:sldChg chg="modSp mod">
         <pc:chgData name="Weifeng Xu" userId="e7aed605-a3dd-4d5a-a692-a87037af107b" providerId="ADAL" clId="{C88A9641-6870-405A-ACD5-6A71A77EE40E}" dt="2021-11-13T15:25:14.573" v="237" actId="20577"/>
@@ -841,7 +855,7 @@
           <a:p>
             <a:fld id="{EE41F6E3-57F9-402E-BDBA-5B2DE11C8530}" type="datetimeFigureOut">
               <a:rPr lang="en-US" smtClean="0"/>
-              <a:t>11/16/2021</a:t>
+              <a:t>12/1/2021</a:t>
             </a:fld>
             <a:endParaRPr lang="en-US"/>
           </a:p>
@@ -1691,7 +1705,7 @@
           <a:p>
             <a:r>
               <a:rPr lang="en-US" dirty="0"/>
-              <a:t>https://github.com/digitalsleuth/time_decode</a:t>
+              <a:t>https://github.com/digitalsleuth/time_decode.git</a:t>
             </a:r>
           </a:p>
           <a:p>
@@ -1783,51 +1797,19 @@
           <a:lstStyle/>
           <a:p>
             <a:r>
-              <a:rPr lang="en-US" dirty="0"/>
-              <a:t>find /media/root/C8CA0C8DCA0C7A48/Program\ Files\ \(x86\)/  -</a:t>
-            </a:r>
-            <a:r>
-              <a:rPr lang="en-US" dirty="0" err="1"/>
-              <a:t>regextype</a:t>
-            </a:r>
-            <a:r>
-              <a:rPr lang="en-US" dirty="0"/>
-              <a:t> grep  -regex  ".*google.*“</a:t>
-            </a:r>
-          </a:p>
-          <a:p>
+              <a:rPr lang="en-GB" dirty="0"/>
+              <a:t>time_decode.py --</a:t>
+            </a:r>
+            <a:r>
+              <a:rPr lang="en-GB" dirty="0" err="1"/>
+              <a:t>wh</a:t>
+            </a:r>
+            <a:r>
+              <a:rPr lang="en-GB" dirty="0"/>
+              <a:t> 01d065a7b4c94eec </a:t>
+            </a:r>
             <a:endParaRPr lang="en-US" dirty="0"/>
           </a:p>
-          <a:p>
-            <a:r>
-              <a:rPr lang="en-US" dirty="0"/>
-              <a:t>Review: </a:t>
-            </a:r>
-            <a:r>
-              <a:rPr lang="en-US" sz="1200" b="0" i="0" kern="1200" dirty="0">
-                <a:solidFill>
-                  <a:schemeClr val="tx1"/>
-                </a:solidFill>
-                <a:effectLst/>
-                <a:latin typeface="+mn-lt"/>
-                <a:ea typeface="+mn-ea"/>
-                <a:cs typeface="+mn-cs"/>
-              </a:rPr>
-              <a:t>find . -type f -exec grep "example" '{}' \; -print</a:t>
-            </a:r>
-          </a:p>
-          <a:p>
-            <a:r>
-              <a:rPr lang="en-US" dirty="0"/>
-              <a:t>https://www.linode.com/docs/guides/find-files-in-linux-using-the-command-line/</a:t>
-            </a:r>
-          </a:p>
-          <a:p>
-            <a:endParaRPr lang="en-US" dirty="0"/>
-          </a:p>
-          <a:p>
-            <a:endParaRPr lang="en-US" dirty="0"/>
-          </a:p>
         </p:txBody>
       </p:sp>
       <p:sp>
@@ -1837,7 +1819,7 @@
             <a:spLocks noGrp="1"/>
           </p:cNvSpPr>
           <p:nvPr>
-            <p:ph type="sldNum" sz="quarter" idx="10"/>
+            <p:ph type="sldNum" sz="quarter" idx="5"/>
           </p:nvPr>
         </p:nvSpPr>
         <p:spPr/>
@@ -1847,7 +1829,7 @@
           <a:p>
             <a:fld id="{DDBF98C7-164A-4723-84F0-B1E4B080DDEC}" type="slidenum">
               <a:rPr lang="en-US" smtClean="0"/>
-              <a:t>23</a:t>
+              <a:t>20</a:t>
             </a:fld>
             <a:endParaRPr lang="en-US"/>
           </a:p>
@@ -1856,7 +1838,7 @@
     </p:spTree>
     <p:extLst>
       <p:ext uri="{BB962C8B-B14F-4D97-AF65-F5344CB8AC3E}">
-        <p14:creationId xmlns:p14="http://schemas.microsoft.com/office/powerpoint/2010/main" val="3277255379"/>
+        <p14:creationId xmlns:p14="http://schemas.microsoft.com/office/powerpoint/2010/main" val="2614159275"/>
       </p:ext>
     </p:extLst>
   </p:cSld>
@@ -1912,45 +1894,42 @@
           <a:p>
             <a:r>
               <a:rPr lang="en-US" dirty="0"/>
-              <a:t>rip.pl -r SOFTWARE -p installer | grep -</a:t>
+              <a:t>find /media/root/C8CA0C8DCA0C7A48/Program\ Files\ \(x86\)/  -</a:t>
             </a:r>
             <a:r>
               <a:rPr lang="en-US" dirty="0" err="1"/>
-              <a:t>Ei</a:t>
-            </a:r>
-            <a:r>
-              <a:rPr lang="en-US" dirty="0"/>
-              <a:t> "</a:t>
-            </a:r>
-            <a:r>
-              <a:rPr lang="en-US" dirty="0" err="1"/>
-              <a:t>google|amazon|cloud|amazon</a:t>
-            </a:r>
-            <a:r>
-              <a:rPr lang="en-US" dirty="0"/>
-              <a:t>“</a:t>
-            </a:r>
-          </a:p>
-          <a:p>
-            <a:r>
-              <a:rPr lang="en-US" dirty="0"/>
-              <a:t>rip.pl -r SOFTWARE -p uninstall | grep -</a:t>
-            </a:r>
-            <a:r>
-              <a:rPr lang="en-US" dirty="0" err="1"/>
-              <a:t>Ei</a:t>
-            </a:r>
-            <a:r>
-              <a:rPr lang="en-US" dirty="0"/>
-              <a:t> "</a:t>
-            </a:r>
-            <a:r>
-              <a:rPr lang="en-US" dirty="0" err="1"/>
-              <a:t>google|amazon|cloud|amazon</a:t>
-            </a:r>
-            <a:r>
-              <a:rPr lang="en-US" dirty="0"/>
-              <a:t>"</a:t>
+              <a:t>regextype</a:t>
+            </a:r>
+            <a:r>
+              <a:rPr lang="en-US" dirty="0"/>
+              <a:t> grep  -regex  ".*google.*“</a:t>
+            </a:r>
+          </a:p>
+          <a:p>
+            <a:endParaRPr lang="en-US" dirty="0"/>
+          </a:p>
+          <a:p>
+            <a:r>
+              <a:rPr lang="en-US" dirty="0"/>
+              <a:t>Review: </a:t>
+            </a:r>
+            <a:r>
+              <a:rPr lang="en-US" sz="1200" b="0" i="0" kern="1200" dirty="0">
+                <a:solidFill>
+                  <a:schemeClr val="tx1"/>
+                </a:solidFill>
+                <a:effectLst/>
+                <a:latin typeface="+mn-lt"/>
+                <a:ea typeface="+mn-ea"/>
+                <a:cs typeface="+mn-cs"/>
+              </a:rPr>
+              <a:t>find . -type f -exec grep "example" '{}' \; -print</a:t>
+            </a:r>
+          </a:p>
+          <a:p>
+            <a:r>
+              <a:rPr lang="en-US" dirty="0"/>
+              <a:t>https://www.linode.com/docs/guides/find-files-in-linux-using-the-command-line/</a:t>
             </a:r>
           </a:p>
           <a:p>
@@ -1978,7 +1957,7 @@
           <a:p>
             <a:fld id="{DDBF98C7-164A-4723-84F0-B1E4B080DDEC}" type="slidenum">
               <a:rPr lang="en-US" smtClean="0"/>
-              <a:t>25</a:t>
+              <a:t>23</a:t>
             </a:fld>
             <a:endParaRPr lang="en-US"/>
           </a:p>
@@ -1987,7 +1966,7 @@
     </p:spTree>
     <p:extLst>
       <p:ext uri="{BB962C8B-B14F-4D97-AF65-F5344CB8AC3E}">
-        <p14:creationId xmlns:p14="http://schemas.microsoft.com/office/powerpoint/2010/main" val="3554835742"/>
+        <p14:creationId xmlns:p14="http://schemas.microsoft.com/office/powerpoint/2010/main" val="3277255379"/>
       </p:ext>
     </p:extLst>
   </p:cSld>
@@ -2043,8 +2022,52 @@
           <a:p>
             <a:r>
               <a:rPr lang="en-US" dirty="0"/>
-              <a:t>https://www.ghacks.net/2016/06/04/windows-automatic-startup-locations/</a:t>
-            </a:r>
+              <a:t>rip.pl -r SOFTWARE -p installer | grep -</a:t>
+            </a:r>
+            <a:r>
+              <a:rPr lang="en-US" dirty="0" err="1"/>
+              <a:t>Ei</a:t>
+            </a:r>
+            <a:r>
+              <a:rPr lang="en-US" dirty="0"/>
+              <a:t> "</a:t>
+            </a:r>
+            <a:r>
+              <a:rPr lang="en-US" dirty="0" err="1"/>
+              <a:t>google|amazon|cloud|amazon</a:t>
+            </a:r>
+            <a:r>
+              <a:rPr lang="en-US" dirty="0"/>
+              <a:t>“</a:t>
+            </a:r>
+          </a:p>
+          <a:p>
+            <a:r>
+              <a:rPr lang="en-US" dirty="0"/>
+              <a:t>rip.pl -r SOFTWARE -p uninstall | grep -</a:t>
+            </a:r>
+            <a:r>
+              <a:rPr lang="en-US" dirty="0" err="1"/>
+              <a:t>Ei</a:t>
+            </a:r>
+            <a:r>
+              <a:rPr lang="en-US" dirty="0"/>
+              <a:t> "</a:t>
+            </a:r>
+            <a:r>
+              <a:rPr lang="en-US" dirty="0" err="1"/>
+              <a:t>google|amazon|cloud|amazon</a:t>
+            </a:r>
+            <a:r>
+              <a:rPr lang="en-US" dirty="0"/>
+              <a:t>"</a:t>
+            </a:r>
+          </a:p>
+          <a:p>
+            <a:endParaRPr lang="en-US" dirty="0"/>
+          </a:p>
+          <a:p>
+            <a:endParaRPr lang="en-US" dirty="0"/>
           </a:p>
         </p:txBody>
       </p:sp>
@@ -2065,7 +2088,7 @@
           <a:p>
             <a:fld id="{DDBF98C7-164A-4723-84F0-B1E4B080DDEC}" type="slidenum">
               <a:rPr lang="en-US" smtClean="0"/>
-              <a:t>26</a:t>
+              <a:t>25</a:t>
             </a:fld>
             <a:endParaRPr lang="en-US"/>
           </a:p>
@@ -2074,7 +2097,7 @@
     </p:spTree>
     <p:extLst>
       <p:ext uri="{BB962C8B-B14F-4D97-AF65-F5344CB8AC3E}">
-        <p14:creationId xmlns:p14="http://schemas.microsoft.com/office/powerpoint/2010/main" val="4177426301"/>
+        <p14:creationId xmlns:p14="http://schemas.microsoft.com/office/powerpoint/2010/main" val="3554835742"/>
       </p:ext>
     </p:extLst>
   </p:cSld>
@@ -2130,7 +2153,7 @@
           <a:p>
             <a:r>
               <a:rPr lang="en-US" dirty="0"/>
-              <a:t>https://dpmforensics.com/2018/01/03/500-words-or-less-getting-more-from-google-accounts/</a:t>
+              <a:t>https://www.ghacks.net/2016/06/04/windows-automatic-startup-locations/</a:t>
             </a:r>
           </a:p>
         </p:txBody>
@@ -2152,7 +2175,7 @@
           <a:p>
             <a:fld id="{DDBF98C7-164A-4723-84F0-B1E4B080DDEC}" type="slidenum">
               <a:rPr lang="en-US" smtClean="0"/>
-              <a:t>29</a:t>
+              <a:t>26</a:t>
             </a:fld>
             <a:endParaRPr lang="en-US"/>
           </a:p>
@@ -2161,7 +2184,7 @@
     </p:spTree>
     <p:extLst>
       <p:ext uri="{BB962C8B-B14F-4D97-AF65-F5344CB8AC3E}">
-        <p14:creationId xmlns:p14="http://schemas.microsoft.com/office/powerpoint/2010/main" val="4156763489"/>
+        <p14:creationId xmlns:p14="http://schemas.microsoft.com/office/powerpoint/2010/main" val="4177426301"/>
       </p:ext>
     </p:extLst>
   </p:cSld>
@@ -2217,51 +2240,8 @@
           <a:p>
             <a:r>
               <a:rPr lang="en-US" dirty="0"/>
-              <a:t>grep -</a:t>
-            </a:r>
-            <a:r>
-              <a:rPr lang="en-US" dirty="0" err="1"/>
-              <a:t>Ei</a:t>
-            </a:r>
-            <a:r>
-              <a:rPr lang="en-US" dirty="0"/>
-              <a:t> "Received event </a:t>
-            </a:r>
-            <a:r>
-              <a:rPr lang="en-US" dirty="0" err="1"/>
-              <a:t>RawEvent</a:t>
-            </a:r>
-            <a:r>
-              <a:rPr lang="en-US" dirty="0"/>
-              <a:t>\((</a:t>
-            </a:r>
-            <a:r>
-              <a:rPr lang="en-US" dirty="0" err="1"/>
-              <a:t>delete|create</a:t>
-            </a:r>
-            <a:r>
-              <a:rPr lang="en-US" dirty="0"/>
-              <a:t>)"  /media/root/C8CA0C8DCA0C7A48/Users/informant/</a:t>
-            </a:r>
-            <a:r>
-              <a:rPr lang="en-US" dirty="0" err="1"/>
-              <a:t>AppData</a:t>
-            </a:r>
-            <a:r>
-              <a:rPr lang="en-US" dirty="0"/>
-              <a:t>/Local/Google/Drive/</a:t>
-            </a:r>
-            <a:r>
-              <a:rPr lang="en-US" dirty="0" err="1"/>
-              <a:t>user_default</a:t>
-            </a:r>
-            <a:r>
-              <a:rPr lang="en-US" dirty="0"/>
-              <a:t>/sync_log.log  --color</a:t>
-            </a:r>
-          </a:p>
-          <a:p>
-            <a:endParaRPr lang="en-US" dirty="0"/>
+              <a:t>https://dpmforensics.com/2018/01/03/500-words-or-less-getting-more-from-google-accounts/</a:t>
+            </a:r>
           </a:p>
         </p:txBody>
       </p:sp>
@@ -2282,7 +2262,7 @@
           <a:p>
             <a:fld id="{DDBF98C7-164A-4723-84F0-B1E4B080DDEC}" type="slidenum">
               <a:rPr lang="en-US" smtClean="0"/>
-              <a:t>30</a:t>
+              <a:t>29</a:t>
             </a:fld>
             <a:endParaRPr lang="en-US"/>
           </a:p>
@@ -2291,7 +2271,7 @@
     </p:spTree>
     <p:extLst>
       <p:ext uri="{BB962C8B-B14F-4D97-AF65-F5344CB8AC3E}">
-        <p14:creationId xmlns:p14="http://schemas.microsoft.com/office/powerpoint/2010/main" val="3725951935"/>
+        <p14:creationId xmlns:p14="http://schemas.microsoft.com/office/powerpoint/2010/main" val="4156763489"/>
       </p:ext>
     </p:extLst>
   </p:cSld>
@@ -2440,6 +2420,136 @@
           <a:bodyPr/>
           <a:lstStyle/>
           <a:p>
+            <a:r>
+              <a:rPr lang="en-US" dirty="0"/>
+              <a:t>grep -</a:t>
+            </a:r>
+            <a:r>
+              <a:rPr lang="en-US" dirty="0" err="1"/>
+              <a:t>Ei</a:t>
+            </a:r>
+            <a:r>
+              <a:rPr lang="en-US" dirty="0"/>
+              <a:t> "Received event </a:t>
+            </a:r>
+            <a:r>
+              <a:rPr lang="en-US" dirty="0" err="1"/>
+              <a:t>RawEvent</a:t>
+            </a:r>
+            <a:r>
+              <a:rPr lang="en-US" dirty="0"/>
+              <a:t>\((</a:t>
+            </a:r>
+            <a:r>
+              <a:rPr lang="en-US" dirty="0" err="1"/>
+              <a:t>delete|create</a:t>
+            </a:r>
+            <a:r>
+              <a:rPr lang="en-US" dirty="0"/>
+              <a:t>)"  /media/root/C8CA0C8DCA0C7A48/Users/informant/</a:t>
+            </a:r>
+            <a:r>
+              <a:rPr lang="en-US" dirty="0" err="1"/>
+              <a:t>AppData</a:t>
+            </a:r>
+            <a:r>
+              <a:rPr lang="en-US" dirty="0"/>
+              <a:t>/Local/Google/Drive/</a:t>
+            </a:r>
+            <a:r>
+              <a:rPr lang="en-US" dirty="0" err="1"/>
+              <a:t>user_default</a:t>
+            </a:r>
+            <a:r>
+              <a:rPr lang="en-US" dirty="0"/>
+              <a:t>/sync_log.log  --color</a:t>
+            </a:r>
+          </a:p>
+          <a:p>
+            <a:endParaRPr lang="en-US" dirty="0"/>
+          </a:p>
+        </p:txBody>
+      </p:sp>
+      <p:sp>
+        <p:nvSpPr>
+          <p:cNvPr id="4" name="Slide Number Placeholder 3"/>
+          <p:cNvSpPr>
+            <a:spLocks noGrp="1"/>
+          </p:cNvSpPr>
+          <p:nvPr>
+            <p:ph type="sldNum" sz="quarter" idx="10"/>
+          </p:nvPr>
+        </p:nvSpPr>
+        <p:spPr/>
+        <p:txBody>
+          <a:bodyPr/>
+          <a:lstStyle/>
+          <a:p>
+            <a:fld id="{DDBF98C7-164A-4723-84F0-B1E4B080DDEC}" type="slidenum">
+              <a:rPr lang="en-US" smtClean="0"/>
+              <a:t>30</a:t>
+            </a:fld>
+            <a:endParaRPr lang="en-US"/>
+          </a:p>
+        </p:txBody>
+      </p:sp>
+    </p:spTree>
+    <p:extLst>
+      <p:ext uri="{BB962C8B-B14F-4D97-AF65-F5344CB8AC3E}">
+        <p14:creationId xmlns:p14="http://schemas.microsoft.com/office/powerpoint/2010/main" val="3725951935"/>
+      </p:ext>
+    </p:extLst>
+  </p:cSld>
+  <p:clrMapOvr>
+    <a:masterClrMapping/>
+  </p:clrMapOvr>
+</p:notes>
+</file>
+
+<file path=ppt/notesSlides/notesSlide21.xml><?xml version="1.0" encoding="utf-8"?>
+<p:notes xmlns:a="http://schemas.openxmlformats.org/drawingml/2006/main" xmlns:r="http://schemas.openxmlformats.org/officeDocument/2006/relationships" xmlns:p="http://schemas.openxmlformats.org/presentationml/2006/main">
+  <p:cSld>
+    <p:spTree>
+      <p:nvGrpSpPr>
+        <p:cNvPr id="1" name=""/>
+        <p:cNvGrpSpPr/>
+        <p:nvPr/>
+      </p:nvGrpSpPr>
+      <p:grpSpPr>
+        <a:xfrm>
+          <a:off x="0" y="0"/>
+          <a:ext cx="0" cy="0"/>
+          <a:chOff x="0" y="0"/>
+          <a:chExt cx="0" cy="0"/>
+        </a:xfrm>
+      </p:grpSpPr>
+      <p:sp>
+        <p:nvSpPr>
+          <p:cNvPr id="2" name="Slide Image Placeholder 1"/>
+          <p:cNvSpPr>
+            <a:spLocks noGrp="1" noRot="1" noChangeAspect="1"/>
+          </p:cNvSpPr>
+          <p:nvPr>
+            <p:ph type="sldImg"/>
+          </p:nvPr>
+        </p:nvSpPr>
+        <p:spPr/>
+      </p:sp>
+      <p:sp>
+        <p:nvSpPr>
+          <p:cNvPr id="3" name="Notes Placeholder 2"/>
+          <p:cNvSpPr>
+            <a:spLocks noGrp="1"/>
+          </p:cNvSpPr>
+          <p:nvPr>
+            <p:ph type="body" idx="1"/>
+          </p:nvPr>
+        </p:nvSpPr>
+        <p:spPr/>
+        <p:txBody>
+          <a:bodyPr/>
+          <a:lstStyle/>
+          <a:p>
             <a:endParaRPr lang="en-US" dirty="0"/>
           </a:p>
         </p:txBody>
@@ -2480,7 +2590,7 @@
 </p:notes>
 </file>
 
-<file path=ppt/notesSlides/notesSlide21.xml><?xml version="1.0" encoding="utf-8"?>
+<file path=ppt/notesSlides/notesSlide22.xml><?xml version="1.0" encoding="utf-8"?>
 <p:notes xmlns:a="http://schemas.openxmlformats.org/drawingml/2006/main" xmlns:r="http://schemas.openxmlformats.org/officeDocument/2006/relationships" xmlns:p="http://schemas.openxmlformats.org/presentationml/2006/main">
   <p:cSld>
     <p:spTree>
@@ -3443,7 +3553,7 @@
           <a:p>
             <a:fld id="{4263717A-E3C1-4BED-ABE0-B7069385E023}" type="datetimeFigureOut">
               <a:rPr lang="en-US" smtClean="0"/>
-              <a:t>11/16/2021</a:t>
+              <a:t>12/1/2021</a:t>
             </a:fld>
             <a:endParaRPr lang="en-US"/>
           </a:p>
@@ -3616,7 +3726,7 @@
           <a:p>
             <a:fld id="{4263717A-E3C1-4BED-ABE0-B7069385E023}" type="datetimeFigureOut">
               <a:rPr lang="en-US" smtClean="0"/>
-              <a:t>11/16/2021</a:t>
+              <a:t>12/1/2021</a:t>
             </a:fld>
             <a:endParaRPr lang="en-US"/>
           </a:p>
@@ -3794,7 +3904,7 @@
           <a:p>
             <a:fld id="{4263717A-E3C1-4BED-ABE0-B7069385E023}" type="datetimeFigureOut">
               <a:rPr lang="en-US" smtClean="0"/>
-              <a:t>11/16/2021</a:t>
+              <a:t>12/1/2021</a:t>
             </a:fld>
             <a:endParaRPr lang="en-US"/>
           </a:p>
@@ -3962,7 +4072,7 @@
           <a:p>
             <a:fld id="{4263717A-E3C1-4BED-ABE0-B7069385E023}" type="datetimeFigureOut">
               <a:rPr lang="en-US" smtClean="0"/>
-              <a:t>11/16/2021</a:t>
+              <a:t>12/1/2021</a:t>
             </a:fld>
             <a:endParaRPr lang="en-US"/>
           </a:p>
@@ -4207,7 +4317,7 @@
           <a:p>
             <a:fld id="{4263717A-E3C1-4BED-ABE0-B7069385E023}" type="datetimeFigureOut">
               <a:rPr lang="en-US" smtClean="0"/>
-              <a:t>11/16/2021</a:t>
+              <a:t>12/1/2021</a:t>
             </a:fld>
             <a:endParaRPr lang="en-US"/>
           </a:p>
@@ -4436,7 +4546,7 @@
           <a:p>
             <a:fld id="{4263717A-E3C1-4BED-ABE0-B7069385E023}" type="datetimeFigureOut">
               <a:rPr lang="en-US" smtClean="0"/>
-              <a:t>11/16/2021</a:t>
+              <a:t>12/1/2021</a:t>
             </a:fld>
             <a:endParaRPr lang="en-US"/>
           </a:p>
@@ -4800,7 +4910,7 @@
           <a:p>
             <a:fld id="{4263717A-E3C1-4BED-ABE0-B7069385E023}" type="datetimeFigureOut">
               <a:rPr lang="en-US" smtClean="0"/>
-              <a:t>11/16/2021</a:t>
+              <a:t>12/1/2021</a:t>
             </a:fld>
             <a:endParaRPr lang="en-US"/>
           </a:p>
@@ -4917,7 +5027,7 @@
           <a:p>
             <a:fld id="{4263717A-E3C1-4BED-ABE0-B7069385E023}" type="datetimeFigureOut">
               <a:rPr lang="en-US" smtClean="0"/>
-              <a:t>11/16/2021</a:t>
+              <a:t>12/1/2021</a:t>
             </a:fld>
             <a:endParaRPr lang="en-US"/>
           </a:p>
@@ -5012,7 +5122,7 @@
           <a:p>
             <a:fld id="{4263717A-E3C1-4BED-ABE0-B7069385E023}" type="datetimeFigureOut">
               <a:rPr lang="en-US" smtClean="0"/>
-              <a:t>11/16/2021</a:t>
+              <a:t>12/1/2021</a:t>
             </a:fld>
             <a:endParaRPr lang="en-US"/>
           </a:p>
@@ -5287,7 +5397,7 @@
           <a:p>
             <a:fld id="{4263717A-E3C1-4BED-ABE0-B7069385E023}" type="datetimeFigureOut">
               <a:rPr lang="en-US" smtClean="0"/>
-              <a:t>11/16/2021</a:t>
+              <a:t>12/1/2021</a:t>
             </a:fld>
             <a:endParaRPr lang="en-US"/>
           </a:p>
@@ -5539,7 +5649,7 @@
           <a:p>
             <a:fld id="{4263717A-E3C1-4BED-ABE0-B7069385E023}" type="datetimeFigureOut">
               <a:rPr lang="en-US" smtClean="0"/>
-              <a:t>11/16/2021</a:t>
+              <a:t>12/1/2021</a:t>
             </a:fld>
             <a:endParaRPr lang="en-US"/>
           </a:p>
@@ -5750,7 +5860,7 @@
           <a:p>
             <a:fld id="{4263717A-E3C1-4BED-ABE0-B7069385E023}" type="datetimeFigureOut">
               <a:rPr lang="en-US" smtClean="0"/>
-              <a:t>11/16/2021</a:t>
+              <a:t>12/1/2021</a:t>
             </a:fld>
             <a:endParaRPr lang="en-US"/>
           </a:p>
@@ -8718,7 +8828,7 @@
           <p:nvPr/>
         </p:nvPicPr>
         <p:blipFill>
-          <a:blip r:embed="rId2"/>
+          <a:blip r:embed="rId3"/>
           <a:stretch>
             <a:fillRect/>
           </a:stretch>
@@ -8742,7 +8852,7 @@
           <p:nvPr/>
         </p:nvPicPr>
         <p:blipFill>
-          <a:blip r:embed="rId3"/>
+          <a:blip r:embed="rId4"/>
           <a:stretch>
             <a:fillRect/>
           </a:stretch>

--- a/NIST_Data_Leakage_Case/NIST_Data_Leakage_07_NetworkDrive_Cloud.pptx
+++ b/NIST_Data_Leakage_Case/NIST_Data_Leakage_07_NetworkDrive_Cloud.pptx
@@ -181,76 +181,6 @@
     </pc:docChg>
   </pc:docChgLst>
   <pc:docChgLst>
-    <pc:chgData name="Richard Wheeless" userId="S::id63la41@ubalt.edu::edf7d7f9-5d95-4eec-886d-0f745236a21b" providerId="AD" clId="Web-{958F2B95-A119-46FD-A9C8-D15EFF7E5855}"/>
-    <pc:docChg chg="sldOrd">
-      <pc:chgData name="Richard Wheeless" userId="S::id63la41@ubalt.edu::edf7d7f9-5d95-4eec-886d-0f745236a21b" providerId="AD" clId="Web-{958F2B95-A119-46FD-A9C8-D15EFF7E5855}" dt="2020-10-26T10:32:09.184" v="0"/>
-      <pc:docMkLst>
-        <pc:docMk/>
-      </pc:docMkLst>
-      <pc:sldChg chg="ord">
-        <pc:chgData name="Richard Wheeless" userId="S::id63la41@ubalt.edu::edf7d7f9-5d95-4eec-886d-0f745236a21b" providerId="AD" clId="Web-{958F2B95-A119-46FD-A9C8-D15EFF7E5855}" dt="2020-10-26T10:32:09.184" v="0"/>
-        <pc:sldMkLst>
-          <pc:docMk/>
-          <pc:sldMk cId="3280354511" sldId="273"/>
-        </pc:sldMkLst>
-      </pc:sldChg>
-    </pc:docChg>
-  </pc:docChgLst>
-  <pc:docChgLst>
-    <pc:chgData name="Weifeng Xu" userId="e7aed605-a3dd-4d5a-a692-a87037af107b" providerId="ADAL" clId="{CE8BBE06-8277-4287-8075-01C2813EE764}"/>
-    <pc:docChg chg="modSld">
-      <pc:chgData name="Weifeng Xu" userId="e7aed605-a3dd-4d5a-a692-a87037af107b" providerId="ADAL" clId="{CE8BBE06-8277-4287-8075-01C2813EE764}" dt="2021-01-30T00:15:46.129" v="8" actId="20577"/>
-      <pc:docMkLst>
-        <pc:docMk/>
-      </pc:docMkLst>
-      <pc:sldChg chg="modSp mod">
-        <pc:chgData name="Weifeng Xu" userId="e7aed605-a3dd-4d5a-a692-a87037af107b" providerId="ADAL" clId="{CE8BBE06-8277-4287-8075-01C2813EE764}" dt="2021-01-29T13:41:16.425" v="4" actId="6549"/>
-        <pc:sldMkLst>
-          <pc:docMk/>
-          <pc:sldMk cId="3149611631" sldId="264"/>
-        </pc:sldMkLst>
-        <pc:spChg chg="mod">
-          <ac:chgData name="Weifeng Xu" userId="e7aed605-a3dd-4d5a-a692-a87037af107b" providerId="ADAL" clId="{CE8BBE06-8277-4287-8075-01C2813EE764}" dt="2021-01-29T13:41:16.425" v="4" actId="6549"/>
-          <ac:spMkLst>
-            <pc:docMk/>
-            <pc:sldMk cId="3149611631" sldId="264"/>
-            <ac:spMk id="3" creationId="{00000000-0000-0000-0000-000000000000}"/>
-          </ac:spMkLst>
-        </pc:spChg>
-      </pc:sldChg>
-      <pc:sldChg chg="modSp mod">
-        <pc:chgData name="Weifeng Xu" userId="e7aed605-a3dd-4d5a-a692-a87037af107b" providerId="ADAL" clId="{CE8BBE06-8277-4287-8075-01C2813EE764}" dt="2021-01-29T20:59:22.315" v="6" actId="20577"/>
-        <pc:sldMkLst>
-          <pc:docMk/>
-          <pc:sldMk cId="137281088" sldId="276"/>
-        </pc:sldMkLst>
-        <pc:spChg chg="mod">
-          <ac:chgData name="Weifeng Xu" userId="e7aed605-a3dd-4d5a-a692-a87037af107b" providerId="ADAL" clId="{CE8BBE06-8277-4287-8075-01C2813EE764}" dt="2021-01-29T20:59:22.315" v="6" actId="20577"/>
-          <ac:spMkLst>
-            <pc:docMk/>
-            <pc:sldMk cId="137281088" sldId="276"/>
-            <ac:spMk id="2" creationId="{00000000-0000-0000-0000-000000000000}"/>
-          </ac:spMkLst>
-        </pc:spChg>
-      </pc:sldChg>
-      <pc:sldChg chg="modSp mod">
-        <pc:chgData name="Weifeng Xu" userId="e7aed605-a3dd-4d5a-a692-a87037af107b" providerId="ADAL" clId="{CE8BBE06-8277-4287-8075-01C2813EE764}" dt="2021-01-30T00:15:46.129" v="8" actId="20577"/>
-        <pc:sldMkLst>
-          <pc:docMk/>
-          <pc:sldMk cId="3593567398" sldId="281"/>
-        </pc:sldMkLst>
-        <pc:spChg chg="mod">
-          <ac:chgData name="Weifeng Xu" userId="e7aed605-a3dd-4d5a-a692-a87037af107b" providerId="ADAL" clId="{CE8BBE06-8277-4287-8075-01C2813EE764}" dt="2021-01-30T00:15:46.129" v="8" actId="20577"/>
-          <ac:spMkLst>
-            <pc:docMk/>
-            <pc:sldMk cId="3593567398" sldId="281"/>
-            <ac:spMk id="4" creationId="{00000000-0000-0000-0000-000000000000}"/>
-          </ac:spMkLst>
-        </pc:spChg>
-      </pc:sldChg>
-    </pc:docChg>
-  </pc:docChgLst>
-  <pc:docChgLst>
     <pc:chgData name="Richard Wheeless" userId="edf7d7f9-5d95-4eec-886d-0f745236a21b" providerId="ADAL" clId="{4E872F6F-B3FB-42B5-A1A5-17F0938186E6}"/>
     <pc:docChg chg="modSld sldOrd">
       <pc:chgData name="Richard Wheeless" userId="edf7d7f9-5d95-4eec-886d-0f745236a21b" providerId="ADAL" clId="{4E872F6F-B3FB-42B5-A1A5-17F0938186E6}" dt="2021-11-05T17:01:52.305" v="8" actId="1076"/>
@@ -283,6 +213,78 @@
           <ac:picMkLst>
             <pc:docMk/>
             <pc:sldMk cId="1081932749" sldId="285"/>
+            <ac:picMk id="4" creationId="{00000000-0000-0000-0000-000000000000}"/>
+          </ac:picMkLst>
+        </pc:picChg>
+      </pc:sldChg>
+    </pc:docChg>
+  </pc:docChgLst>
+  <pc:docChgLst>
+    <pc:chgData name="Richard Wheeless" userId="S::id63la41@ubalt.edu::edf7d7f9-5d95-4eec-886d-0f745236a21b" providerId="AD" clId="Web-{1145B16C-5E93-681B-B9BA-C7C9CDE20735}"/>
+    <pc:docChg chg="modSld">
+      <pc:chgData name="Richard Wheeless" userId="S::id63la41@ubalt.edu::edf7d7f9-5d95-4eec-886d-0f745236a21b" providerId="AD" clId="Web-{1145B16C-5E93-681B-B9BA-C7C9CDE20735}" dt="2020-10-22T20:25:25.022" v="9" actId="1076"/>
+      <pc:docMkLst>
+        <pc:docMk/>
+      </pc:docMkLst>
+      <pc:sldChg chg="modSp">
+        <pc:chgData name="Richard Wheeless" userId="S::id63la41@ubalt.edu::edf7d7f9-5d95-4eec-886d-0f745236a21b" providerId="AD" clId="Web-{1145B16C-5E93-681B-B9BA-C7C9CDE20735}" dt="2020-10-22T20:25:25.022" v="9" actId="1076"/>
+        <pc:sldMkLst>
+          <pc:docMk/>
+          <pc:sldMk cId="244327251" sldId="272"/>
+        </pc:sldMkLst>
+        <pc:picChg chg="mod">
+          <ac:chgData name="Richard Wheeless" userId="S::id63la41@ubalt.edu::edf7d7f9-5d95-4eec-886d-0f745236a21b" providerId="AD" clId="Web-{1145B16C-5E93-681B-B9BA-C7C9CDE20735}" dt="2020-10-22T20:25:25.022" v="9" actId="1076"/>
+          <ac:picMkLst>
+            <pc:docMk/>
+            <pc:sldMk cId="244327251" sldId="272"/>
+            <ac:picMk id="4" creationId="{00000000-0000-0000-0000-000000000000}"/>
+          </ac:picMkLst>
+        </pc:picChg>
+      </pc:sldChg>
+    </pc:docChg>
+  </pc:docChgLst>
+  <pc:docChgLst>
+    <pc:chgData name="Richard Wheeless" userId="S::id63la41@ubalt.edu::edf7d7f9-5d95-4eec-886d-0f745236a21b" providerId="AD" clId="Web-{958F2B95-A119-46FD-A9C8-D15EFF7E5855}"/>
+    <pc:docChg chg="sldOrd">
+      <pc:chgData name="Richard Wheeless" userId="S::id63la41@ubalt.edu::edf7d7f9-5d95-4eec-886d-0f745236a21b" providerId="AD" clId="Web-{958F2B95-A119-46FD-A9C8-D15EFF7E5855}" dt="2020-10-26T10:32:09.184" v="0"/>
+      <pc:docMkLst>
+        <pc:docMk/>
+      </pc:docMkLst>
+      <pc:sldChg chg="ord">
+        <pc:chgData name="Richard Wheeless" userId="S::id63la41@ubalt.edu::edf7d7f9-5d95-4eec-886d-0f745236a21b" providerId="AD" clId="Web-{958F2B95-A119-46FD-A9C8-D15EFF7E5855}" dt="2020-10-26T10:32:09.184" v="0"/>
+        <pc:sldMkLst>
+          <pc:docMk/>
+          <pc:sldMk cId="3280354511" sldId="273"/>
+        </pc:sldMkLst>
+      </pc:sldChg>
+    </pc:docChg>
+  </pc:docChgLst>
+  <pc:docChgLst>
+    <pc:chgData name="Richard Wheeless" userId="S::id63la41@ubalt.edu::edf7d7f9-5d95-4eec-886d-0f745236a21b" providerId="AD" clId="Web-{1CD4744B-46E9-485E-8B11-DDA791EF49FF}"/>
+    <pc:docChg chg="modSld">
+      <pc:chgData name="Richard Wheeless" userId="S::id63la41@ubalt.edu::edf7d7f9-5d95-4eec-886d-0f745236a21b" providerId="AD" clId="Web-{1CD4744B-46E9-485E-8B11-DDA791EF49FF}" dt="2020-10-19T08:22:19.562" v="6" actId="1076"/>
+      <pc:docMkLst>
+        <pc:docMk/>
+      </pc:docMkLst>
+      <pc:sldChg chg="modSp">
+        <pc:chgData name="Richard Wheeless" userId="S::id63la41@ubalt.edu::edf7d7f9-5d95-4eec-886d-0f745236a21b" providerId="AD" clId="Web-{1CD4744B-46E9-485E-8B11-DDA791EF49FF}" dt="2020-10-19T08:22:19.562" v="6" actId="1076"/>
+        <pc:sldMkLst>
+          <pc:docMk/>
+          <pc:sldMk cId="244327251" sldId="272"/>
+        </pc:sldMkLst>
+        <pc:spChg chg="mod">
+          <ac:chgData name="Richard Wheeless" userId="S::id63la41@ubalt.edu::edf7d7f9-5d95-4eec-886d-0f745236a21b" providerId="AD" clId="Web-{1CD4744B-46E9-485E-8B11-DDA791EF49FF}" dt="2020-10-19T08:22:17.656" v="5" actId="1076"/>
+          <ac:spMkLst>
+            <pc:docMk/>
+            <pc:sldMk cId="244327251" sldId="272"/>
+            <ac:spMk id="2" creationId="{00000000-0000-0000-0000-000000000000}"/>
+          </ac:spMkLst>
+        </pc:spChg>
+        <pc:picChg chg="mod">
+          <ac:chgData name="Richard Wheeless" userId="S::id63la41@ubalt.edu::edf7d7f9-5d95-4eec-886d-0f745236a21b" providerId="AD" clId="Web-{1CD4744B-46E9-485E-8B11-DDA791EF49FF}" dt="2020-10-19T08:22:19.562" v="6" actId="1076"/>
+          <ac:picMkLst>
+            <pc:docMk/>
+            <pc:sldMk cId="244327251" sldId="272"/>
             <ac:picMk id="4" creationId="{00000000-0000-0000-0000-000000000000}"/>
           </ac:picMkLst>
         </pc:picChg>
@@ -715,58 +717,56 @@
     </pc:docChg>
   </pc:docChgLst>
   <pc:docChgLst>
-    <pc:chgData name="Richard Wheeless" userId="S::id63la41@ubalt.edu::edf7d7f9-5d95-4eec-886d-0f745236a21b" providerId="AD" clId="Web-{1CD4744B-46E9-485E-8B11-DDA791EF49FF}"/>
+    <pc:chgData name="Weifeng Xu" userId="e7aed605-a3dd-4d5a-a692-a87037af107b" providerId="ADAL" clId="{CE8BBE06-8277-4287-8075-01C2813EE764}"/>
     <pc:docChg chg="modSld">
-      <pc:chgData name="Richard Wheeless" userId="S::id63la41@ubalt.edu::edf7d7f9-5d95-4eec-886d-0f745236a21b" providerId="AD" clId="Web-{1CD4744B-46E9-485E-8B11-DDA791EF49FF}" dt="2020-10-19T08:22:19.562" v="6" actId="1076"/>
+      <pc:chgData name="Weifeng Xu" userId="e7aed605-a3dd-4d5a-a692-a87037af107b" providerId="ADAL" clId="{CE8BBE06-8277-4287-8075-01C2813EE764}" dt="2021-01-30T00:15:46.129" v="8" actId="20577"/>
       <pc:docMkLst>
         <pc:docMk/>
       </pc:docMkLst>
-      <pc:sldChg chg="modSp">
-        <pc:chgData name="Richard Wheeless" userId="S::id63la41@ubalt.edu::edf7d7f9-5d95-4eec-886d-0f745236a21b" providerId="AD" clId="Web-{1CD4744B-46E9-485E-8B11-DDA791EF49FF}" dt="2020-10-19T08:22:19.562" v="6" actId="1076"/>
+      <pc:sldChg chg="modSp mod">
+        <pc:chgData name="Weifeng Xu" userId="e7aed605-a3dd-4d5a-a692-a87037af107b" providerId="ADAL" clId="{CE8BBE06-8277-4287-8075-01C2813EE764}" dt="2021-01-29T13:41:16.425" v="4" actId="6549"/>
         <pc:sldMkLst>
           <pc:docMk/>
-          <pc:sldMk cId="244327251" sldId="272"/>
+          <pc:sldMk cId="3149611631" sldId="264"/>
         </pc:sldMkLst>
         <pc:spChg chg="mod">
-          <ac:chgData name="Richard Wheeless" userId="S::id63la41@ubalt.edu::edf7d7f9-5d95-4eec-886d-0f745236a21b" providerId="AD" clId="Web-{1CD4744B-46E9-485E-8B11-DDA791EF49FF}" dt="2020-10-19T08:22:17.656" v="5" actId="1076"/>
+          <ac:chgData name="Weifeng Xu" userId="e7aed605-a3dd-4d5a-a692-a87037af107b" providerId="ADAL" clId="{CE8BBE06-8277-4287-8075-01C2813EE764}" dt="2021-01-29T13:41:16.425" v="4" actId="6549"/>
           <ac:spMkLst>
             <pc:docMk/>
-            <pc:sldMk cId="244327251" sldId="272"/>
+            <pc:sldMk cId="3149611631" sldId="264"/>
+            <ac:spMk id="3" creationId="{00000000-0000-0000-0000-000000000000}"/>
+          </ac:spMkLst>
+        </pc:spChg>
+      </pc:sldChg>
+      <pc:sldChg chg="modSp mod">
+        <pc:chgData name="Weifeng Xu" userId="e7aed605-a3dd-4d5a-a692-a87037af107b" providerId="ADAL" clId="{CE8BBE06-8277-4287-8075-01C2813EE764}" dt="2021-01-29T20:59:22.315" v="6" actId="20577"/>
+        <pc:sldMkLst>
+          <pc:docMk/>
+          <pc:sldMk cId="137281088" sldId="276"/>
+        </pc:sldMkLst>
+        <pc:spChg chg="mod">
+          <ac:chgData name="Weifeng Xu" userId="e7aed605-a3dd-4d5a-a692-a87037af107b" providerId="ADAL" clId="{CE8BBE06-8277-4287-8075-01C2813EE764}" dt="2021-01-29T20:59:22.315" v="6" actId="20577"/>
+          <ac:spMkLst>
+            <pc:docMk/>
+            <pc:sldMk cId="137281088" sldId="276"/>
             <ac:spMk id="2" creationId="{00000000-0000-0000-0000-000000000000}"/>
           </ac:spMkLst>
         </pc:spChg>
-        <pc:picChg chg="mod">
-          <ac:chgData name="Richard Wheeless" userId="S::id63la41@ubalt.edu::edf7d7f9-5d95-4eec-886d-0f745236a21b" providerId="AD" clId="Web-{1CD4744B-46E9-485E-8B11-DDA791EF49FF}" dt="2020-10-19T08:22:19.562" v="6" actId="1076"/>
-          <ac:picMkLst>
-            <pc:docMk/>
-            <pc:sldMk cId="244327251" sldId="272"/>
-            <ac:picMk id="4" creationId="{00000000-0000-0000-0000-000000000000}"/>
-          </ac:picMkLst>
-        </pc:picChg>
       </pc:sldChg>
-    </pc:docChg>
-  </pc:docChgLst>
-  <pc:docChgLst>
-    <pc:chgData name="Richard Wheeless" userId="S::id63la41@ubalt.edu::edf7d7f9-5d95-4eec-886d-0f745236a21b" providerId="AD" clId="Web-{1145B16C-5E93-681B-B9BA-C7C9CDE20735}"/>
-    <pc:docChg chg="modSld">
-      <pc:chgData name="Richard Wheeless" userId="S::id63la41@ubalt.edu::edf7d7f9-5d95-4eec-886d-0f745236a21b" providerId="AD" clId="Web-{1145B16C-5E93-681B-B9BA-C7C9CDE20735}" dt="2020-10-22T20:25:25.022" v="9" actId="1076"/>
-      <pc:docMkLst>
-        <pc:docMk/>
-      </pc:docMkLst>
-      <pc:sldChg chg="modSp">
-        <pc:chgData name="Richard Wheeless" userId="S::id63la41@ubalt.edu::edf7d7f9-5d95-4eec-886d-0f745236a21b" providerId="AD" clId="Web-{1145B16C-5E93-681B-B9BA-C7C9CDE20735}" dt="2020-10-22T20:25:25.022" v="9" actId="1076"/>
+      <pc:sldChg chg="modSp mod">
+        <pc:chgData name="Weifeng Xu" userId="e7aed605-a3dd-4d5a-a692-a87037af107b" providerId="ADAL" clId="{CE8BBE06-8277-4287-8075-01C2813EE764}" dt="2021-01-30T00:15:46.129" v="8" actId="20577"/>
         <pc:sldMkLst>
           <pc:docMk/>
-          <pc:sldMk cId="244327251" sldId="272"/>
+          <pc:sldMk cId="3593567398" sldId="281"/>
         </pc:sldMkLst>
-        <pc:picChg chg="mod">
-          <ac:chgData name="Richard Wheeless" userId="S::id63la41@ubalt.edu::edf7d7f9-5d95-4eec-886d-0f745236a21b" providerId="AD" clId="Web-{1145B16C-5E93-681B-B9BA-C7C9CDE20735}" dt="2020-10-22T20:25:25.022" v="9" actId="1076"/>
-          <ac:picMkLst>
+        <pc:spChg chg="mod">
+          <ac:chgData name="Weifeng Xu" userId="e7aed605-a3dd-4d5a-a692-a87037af107b" providerId="ADAL" clId="{CE8BBE06-8277-4287-8075-01C2813EE764}" dt="2021-01-30T00:15:46.129" v="8" actId="20577"/>
+          <ac:spMkLst>
             <pc:docMk/>
-            <pc:sldMk cId="244327251" sldId="272"/>
-            <ac:picMk id="4" creationId="{00000000-0000-0000-0000-000000000000}"/>
-          </ac:picMkLst>
-        </pc:picChg>
+            <pc:sldMk cId="3593567398" sldId="281"/>
+            <ac:spMk id="4" creationId="{00000000-0000-0000-0000-000000000000}"/>
+          </ac:spMkLst>
+        </pc:spChg>
       </pc:sldChg>
     </pc:docChg>
   </pc:docChgLst>
@@ -855,7 +855,7 @@
           <a:p>
             <a:fld id="{EE41F6E3-57F9-402E-BDBA-5B2DE11C8530}" type="datetimeFigureOut">
               <a:rPr lang="en-US" smtClean="0"/>
-              <a:t>12/1/2021</a:t>
+              <a:t>4/19/2022</a:t>
             </a:fld>
             <a:endParaRPr lang="en-US"/>
           </a:p>
@@ -3553,7 +3553,7 @@
           <a:p>
             <a:fld id="{4263717A-E3C1-4BED-ABE0-B7069385E023}" type="datetimeFigureOut">
               <a:rPr lang="en-US" smtClean="0"/>
-              <a:t>12/1/2021</a:t>
+              <a:t>4/19/2022</a:t>
             </a:fld>
             <a:endParaRPr lang="en-US"/>
           </a:p>
@@ -3726,7 +3726,7 @@
           <a:p>
             <a:fld id="{4263717A-E3C1-4BED-ABE0-B7069385E023}" type="datetimeFigureOut">
               <a:rPr lang="en-US" smtClean="0"/>
-              <a:t>12/1/2021</a:t>
+              <a:t>4/19/2022</a:t>
             </a:fld>
             <a:endParaRPr lang="en-US"/>
           </a:p>
@@ -3904,7 +3904,7 @@
           <a:p>
             <a:fld id="{4263717A-E3C1-4BED-ABE0-B7069385E023}" type="datetimeFigureOut">
               <a:rPr lang="en-US" smtClean="0"/>
-              <a:t>12/1/2021</a:t>
+              <a:t>4/19/2022</a:t>
             </a:fld>
             <a:endParaRPr lang="en-US"/>
           </a:p>
@@ -4072,7 +4072,7 @@
           <a:p>
             <a:fld id="{4263717A-E3C1-4BED-ABE0-B7069385E023}" type="datetimeFigureOut">
               <a:rPr lang="en-US" smtClean="0"/>
-              <a:t>12/1/2021</a:t>
+              <a:t>4/19/2022</a:t>
             </a:fld>
             <a:endParaRPr lang="en-US"/>
           </a:p>
@@ -4317,7 +4317,7 @@
           <a:p>
             <a:fld id="{4263717A-E3C1-4BED-ABE0-B7069385E023}" type="datetimeFigureOut">
               <a:rPr lang="en-US" smtClean="0"/>
-              <a:t>12/1/2021</a:t>
+              <a:t>4/19/2022</a:t>
             </a:fld>
             <a:endParaRPr lang="en-US"/>
           </a:p>
@@ -4546,7 +4546,7 @@
           <a:p>
             <a:fld id="{4263717A-E3C1-4BED-ABE0-B7069385E023}" type="datetimeFigureOut">
               <a:rPr lang="en-US" smtClean="0"/>
-              <a:t>12/1/2021</a:t>
+              <a:t>4/19/2022</a:t>
             </a:fld>
             <a:endParaRPr lang="en-US"/>
           </a:p>
@@ -4910,7 +4910,7 @@
           <a:p>
             <a:fld id="{4263717A-E3C1-4BED-ABE0-B7069385E023}" type="datetimeFigureOut">
               <a:rPr lang="en-US" smtClean="0"/>
-              <a:t>12/1/2021</a:t>
+              <a:t>4/19/2022</a:t>
             </a:fld>
             <a:endParaRPr lang="en-US"/>
           </a:p>
@@ -5027,7 +5027,7 @@
           <a:p>
             <a:fld id="{4263717A-E3C1-4BED-ABE0-B7069385E023}" type="datetimeFigureOut">
               <a:rPr lang="en-US" smtClean="0"/>
-              <a:t>12/1/2021</a:t>
+              <a:t>4/19/2022</a:t>
             </a:fld>
             <a:endParaRPr lang="en-US"/>
           </a:p>
@@ -5122,7 +5122,7 @@
           <a:p>
             <a:fld id="{4263717A-E3C1-4BED-ABE0-B7069385E023}" type="datetimeFigureOut">
               <a:rPr lang="en-US" smtClean="0"/>
-              <a:t>12/1/2021</a:t>
+              <a:t>4/19/2022</a:t>
             </a:fld>
             <a:endParaRPr lang="en-US"/>
           </a:p>
@@ -5397,7 +5397,7 @@
           <a:p>
             <a:fld id="{4263717A-E3C1-4BED-ABE0-B7069385E023}" type="datetimeFigureOut">
               <a:rPr lang="en-US" smtClean="0"/>
-              <a:t>12/1/2021</a:t>
+              <a:t>4/19/2022</a:t>
             </a:fld>
             <a:endParaRPr lang="en-US"/>
           </a:p>
@@ -5649,7 +5649,7 @@
           <a:p>
             <a:fld id="{4263717A-E3C1-4BED-ABE0-B7069385E023}" type="datetimeFigureOut">
               <a:rPr lang="en-US" smtClean="0"/>
-              <a:t>12/1/2021</a:t>
+              <a:t>4/19/2022</a:t>
             </a:fld>
             <a:endParaRPr lang="en-US"/>
           </a:p>
@@ -5860,7 +5860,7 @@
           <a:p>
             <a:fld id="{4263717A-E3C1-4BED-ABE0-B7069385E023}" type="datetimeFigureOut">
               <a:rPr lang="en-US" smtClean="0"/>
-              <a:t>12/1/2021</a:t>
+              <a:t>4/19/2022</a:t>
             </a:fld>
             <a:endParaRPr lang="en-US"/>
           </a:p>
@@ -8690,33 +8690,6 @@
             </a:r>
           </a:p>
           <a:p>
-            <a:pPr lvl="1"/>
-            <a:r>
-              <a:rPr lang="en-US" dirty="0" err="1"/>
-              <a:t>Jumplist</a:t>
-            </a:r>
-            <a:r>
-              <a:rPr lang="en-US" dirty="0"/>
-              <a:t> (</a:t>
-            </a:r>
-            <a:r>
-              <a:rPr lang="en-US" dirty="0" err="1"/>
-              <a:t>AutomaticDestinations</a:t>
-            </a:r>
-            <a:r>
-              <a:rPr lang="en-US" dirty="0"/>
-              <a:t>, </a:t>
-            </a:r>
-            <a:r>
-              <a:rPr lang="en-US" dirty="0" err="1"/>
-              <a:t>CustomDestinations</a:t>
-            </a:r>
-            <a:r>
-              <a:rPr lang="en-US" dirty="0"/>
-              <a:t>)</a:t>
-            </a:r>
-          </a:p>
-          <a:p>
             <a:r>
               <a:rPr lang="en-US" dirty="0"/>
               <a:t>Investigate artifacts that  traversed files </a:t>
@@ -10820,7 +10793,7 @@
           <p:nvPr/>
         </p:nvPicPr>
         <p:blipFill>
-          <a:blip r:embed="rId4">
+          <a:blip r:embed="rId4" cstate="print">
             <a:extLst>
               <a:ext uri="{28A0092B-C50C-407E-A947-70E740481C1C}">
                 <a14:useLocalDpi xmlns:a14="http://schemas.microsoft.com/office/drawing/2010/main" val="0"/>

--- a/NIST_Data_Leakage_Case/NIST_Data_Leakage_07_NetworkDrive_Cloud.pptx
+++ b/NIST_Data_Leakage_Case/NIST_Data_Leakage_07_NetworkDrive_Cloud.pptx
@@ -5,7 +5,7 @@
     <p:sldMasterId id="2147483648" r:id="rId1"/>
   </p:sldMasterIdLst>
   <p:notesMasterIdLst>
-    <p:notesMasterId r:id="rId34"/>
+    <p:notesMasterId r:id="rId35"/>
   </p:notesMasterIdLst>
   <p:sldIdLst>
     <p:sldId id="256" r:id="rId2"/>
@@ -40,6 +40,7 @@
     <p:sldId id="281" r:id="rId31"/>
     <p:sldId id="283" r:id="rId32"/>
     <p:sldId id="284" r:id="rId33"/>
+    <p:sldId id="290" r:id="rId34"/>
   </p:sldIdLst>
   <p:sldSz cx="12192000" cy="6858000"/>
   <p:notesSz cx="6858000" cy="9144000"/>
@@ -149,7 +150,7 @@
 <file path=ppt/revisionInfo.xml><?xml version="1.0" encoding="utf-8"?>
 <p1510:revInfo xmlns:a="http://schemas.openxmlformats.org/drawingml/2006/main" xmlns:r="http://schemas.openxmlformats.org/officeDocument/2006/relationships" xmlns:p1510="http://schemas.microsoft.com/office/powerpoint/2015/10/main">
   <p1510:revLst>
-    <p1510:client id="{C88A9641-6870-405A-ACD5-6A71A77EE40E}" v="19" dt="2021-11-17T00:45:11.840"/>
+    <p1510:client id="{C88A9641-6870-405A-ACD5-6A71A77EE40E}" v="28" dt="2022-04-19T14:24:49.050"/>
   </p1510:revLst>
 </p1510:revInfo>
 </file>
@@ -177,6 +178,76 @@
             <ac:picMk id="7" creationId="{00000000-0000-0000-0000-000000000000}"/>
           </ac:picMkLst>
         </pc:picChg>
+      </pc:sldChg>
+    </pc:docChg>
+  </pc:docChgLst>
+  <pc:docChgLst>
+    <pc:chgData name="Richard Wheeless" userId="S::id63la41@ubalt.edu::edf7d7f9-5d95-4eec-886d-0f745236a21b" providerId="AD" clId="Web-{958F2B95-A119-46FD-A9C8-D15EFF7E5855}"/>
+    <pc:docChg chg="sldOrd">
+      <pc:chgData name="Richard Wheeless" userId="S::id63la41@ubalt.edu::edf7d7f9-5d95-4eec-886d-0f745236a21b" providerId="AD" clId="Web-{958F2B95-A119-46FD-A9C8-D15EFF7E5855}" dt="2020-10-26T10:32:09.184" v="0"/>
+      <pc:docMkLst>
+        <pc:docMk/>
+      </pc:docMkLst>
+      <pc:sldChg chg="ord">
+        <pc:chgData name="Richard Wheeless" userId="S::id63la41@ubalt.edu::edf7d7f9-5d95-4eec-886d-0f745236a21b" providerId="AD" clId="Web-{958F2B95-A119-46FD-A9C8-D15EFF7E5855}" dt="2020-10-26T10:32:09.184" v="0"/>
+        <pc:sldMkLst>
+          <pc:docMk/>
+          <pc:sldMk cId="3280354511" sldId="273"/>
+        </pc:sldMkLst>
+      </pc:sldChg>
+    </pc:docChg>
+  </pc:docChgLst>
+  <pc:docChgLst>
+    <pc:chgData name="Weifeng Xu" userId="e7aed605-a3dd-4d5a-a692-a87037af107b" providerId="ADAL" clId="{CE8BBE06-8277-4287-8075-01C2813EE764}"/>
+    <pc:docChg chg="modSld">
+      <pc:chgData name="Weifeng Xu" userId="e7aed605-a3dd-4d5a-a692-a87037af107b" providerId="ADAL" clId="{CE8BBE06-8277-4287-8075-01C2813EE764}" dt="2021-01-30T00:15:46.129" v="8" actId="20577"/>
+      <pc:docMkLst>
+        <pc:docMk/>
+      </pc:docMkLst>
+      <pc:sldChg chg="modSp mod">
+        <pc:chgData name="Weifeng Xu" userId="e7aed605-a3dd-4d5a-a692-a87037af107b" providerId="ADAL" clId="{CE8BBE06-8277-4287-8075-01C2813EE764}" dt="2021-01-29T13:41:16.425" v="4" actId="6549"/>
+        <pc:sldMkLst>
+          <pc:docMk/>
+          <pc:sldMk cId="3149611631" sldId="264"/>
+        </pc:sldMkLst>
+        <pc:spChg chg="mod">
+          <ac:chgData name="Weifeng Xu" userId="e7aed605-a3dd-4d5a-a692-a87037af107b" providerId="ADAL" clId="{CE8BBE06-8277-4287-8075-01C2813EE764}" dt="2021-01-29T13:41:16.425" v="4" actId="6549"/>
+          <ac:spMkLst>
+            <pc:docMk/>
+            <pc:sldMk cId="3149611631" sldId="264"/>
+            <ac:spMk id="3" creationId="{00000000-0000-0000-0000-000000000000}"/>
+          </ac:spMkLst>
+        </pc:spChg>
+      </pc:sldChg>
+      <pc:sldChg chg="modSp mod">
+        <pc:chgData name="Weifeng Xu" userId="e7aed605-a3dd-4d5a-a692-a87037af107b" providerId="ADAL" clId="{CE8BBE06-8277-4287-8075-01C2813EE764}" dt="2021-01-29T20:59:22.315" v="6" actId="20577"/>
+        <pc:sldMkLst>
+          <pc:docMk/>
+          <pc:sldMk cId="137281088" sldId="276"/>
+        </pc:sldMkLst>
+        <pc:spChg chg="mod">
+          <ac:chgData name="Weifeng Xu" userId="e7aed605-a3dd-4d5a-a692-a87037af107b" providerId="ADAL" clId="{CE8BBE06-8277-4287-8075-01C2813EE764}" dt="2021-01-29T20:59:22.315" v="6" actId="20577"/>
+          <ac:spMkLst>
+            <pc:docMk/>
+            <pc:sldMk cId="137281088" sldId="276"/>
+            <ac:spMk id="2" creationId="{00000000-0000-0000-0000-000000000000}"/>
+          </ac:spMkLst>
+        </pc:spChg>
+      </pc:sldChg>
+      <pc:sldChg chg="modSp mod">
+        <pc:chgData name="Weifeng Xu" userId="e7aed605-a3dd-4d5a-a692-a87037af107b" providerId="ADAL" clId="{CE8BBE06-8277-4287-8075-01C2813EE764}" dt="2021-01-30T00:15:46.129" v="8" actId="20577"/>
+        <pc:sldMkLst>
+          <pc:docMk/>
+          <pc:sldMk cId="3593567398" sldId="281"/>
+        </pc:sldMkLst>
+        <pc:spChg chg="mod">
+          <ac:chgData name="Weifeng Xu" userId="e7aed605-a3dd-4d5a-a692-a87037af107b" providerId="ADAL" clId="{CE8BBE06-8277-4287-8075-01C2813EE764}" dt="2021-01-30T00:15:46.129" v="8" actId="20577"/>
+          <ac:spMkLst>
+            <pc:docMk/>
+            <pc:sldMk cId="3593567398" sldId="281"/>
+            <ac:spMk id="4" creationId="{00000000-0000-0000-0000-000000000000}"/>
+          </ac:spMkLst>
+        </pc:spChg>
       </pc:sldChg>
     </pc:docChg>
   </pc:docChgLst>
@@ -220,81 +291,9 @@
     </pc:docChg>
   </pc:docChgLst>
   <pc:docChgLst>
-    <pc:chgData name="Richard Wheeless" userId="S::id63la41@ubalt.edu::edf7d7f9-5d95-4eec-886d-0f745236a21b" providerId="AD" clId="Web-{1145B16C-5E93-681B-B9BA-C7C9CDE20735}"/>
-    <pc:docChg chg="modSld">
-      <pc:chgData name="Richard Wheeless" userId="S::id63la41@ubalt.edu::edf7d7f9-5d95-4eec-886d-0f745236a21b" providerId="AD" clId="Web-{1145B16C-5E93-681B-B9BA-C7C9CDE20735}" dt="2020-10-22T20:25:25.022" v="9" actId="1076"/>
-      <pc:docMkLst>
-        <pc:docMk/>
-      </pc:docMkLst>
-      <pc:sldChg chg="modSp">
-        <pc:chgData name="Richard Wheeless" userId="S::id63la41@ubalt.edu::edf7d7f9-5d95-4eec-886d-0f745236a21b" providerId="AD" clId="Web-{1145B16C-5E93-681B-B9BA-C7C9CDE20735}" dt="2020-10-22T20:25:25.022" v="9" actId="1076"/>
-        <pc:sldMkLst>
-          <pc:docMk/>
-          <pc:sldMk cId="244327251" sldId="272"/>
-        </pc:sldMkLst>
-        <pc:picChg chg="mod">
-          <ac:chgData name="Richard Wheeless" userId="S::id63la41@ubalt.edu::edf7d7f9-5d95-4eec-886d-0f745236a21b" providerId="AD" clId="Web-{1145B16C-5E93-681B-B9BA-C7C9CDE20735}" dt="2020-10-22T20:25:25.022" v="9" actId="1076"/>
-          <ac:picMkLst>
-            <pc:docMk/>
-            <pc:sldMk cId="244327251" sldId="272"/>
-            <ac:picMk id="4" creationId="{00000000-0000-0000-0000-000000000000}"/>
-          </ac:picMkLst>
-        </pc:picChg>
-      </pc:sldChg>
-    </pc:docChg>
-  </pc:docChgLst>
-  <pc:docChgLst>
-    <pc:chgData name="Richard Wheeless" userId="S::id63la41@ubalt.edu::edf7d7f9-5d95-4eec-886d-0f745236a21b" providerId="AD" clId="Web-{958F2B95-A119-46FD-A9C8-D15EFF7E5855}"/>
-    <pc:docChg chg="sldOrd">
-      <pc:chgData name="Richard Wheeless" userId="S::id63la41@ubalt.edu::edf7d7f9-5d95-4eec-886d-0f745236a21b" providerId="AD" clId="Web-{958F2B95-A119-46FD-A9C8-D15EFF7E5855}" dt="2020-10-26T10:32:09.184" v="0"/>
-      <pc:docMkLst>
-        <pc:docMk/>
-      </pc:docMkLst>
-      <pc:sldChg chg="ord">
-        <pc:chgData name="Richard Wheeless" userId="S::id63la41@ubalt.edu::edf7d7f9-5d95-4eec-886d-0f745236a21b" providerId="AD" clId="Web-{958F2B95-A119-46FD-A9C8-D15EFF7E5855}" dt="2020-10-26T10:32:09.184" v="0"/>
-        <pc:sldMkLst>
-          <pc:docMk/>
-          <pc:sldMk cId="3280354511" sldId="273"/>
-        </pc:sldMkLst>
-      </pc:sldChg>
-    </pc:docChg>
-  </pc:docChgLst>
-  <pc:docChgLst>
-    <pc:chgData name="Richard Wheeless" userId="S::id63la41@ubalt.edu::edf7d7f9-5d95-4eec-886d-0f745236a21b" providerId="AD" clId="Web-{1CD4744B-46E9-485E-8B11-DDA791EF49FF}"/>
-    <pc:docChg chg="modSld">
-      <pc:chgData name="Richard Wheeless" userId="S::id63la41@ubalt.edu::edf7d7f9-5d95-4eec-886d-0f745236a21b" providerId="AD" clId="Web-{1CD4744B-46E9-485E-8B11-DDA791EF49FF}" dt="2020-10-19T08:22:19.562" v="6" actId="1076"/>
-      <pc:docMkLst>
-        <pc:docMk/>
-      </pc:docMkLst>
-      <pc:sldChg chg="modSp">
-        <pc:chgData name="Richard Wheeless" userId="S::id63la41@ubalt.edu::edf7d7f9-5d95-4eec-886d-0f745236a21b" providerId="AD" clId="Web-{1CD4744B-46E9-485E-8B11-DDA791EF49FF}" dt="2020-10-19T08:22:19.562" v="6" actId="1076"/>
-        <pc:sldMkLst>
-          <pc:docMk/>
-          <pc:sldMk cId="244327251" sldId="272"/>
-        </pc:sldMkLst>
-        <pc:spChg chg="mod">
-          <ac:chgData name="Richard Wheeless" userId="S::id63la41@ubalt.edu::edf7d7f9-5d95-4eec-886d-0f745236a21b" providerId="AD" clId="Web-{1CD4744B-46E9-485E-8B11-DDA791EF49FF}" dt="2020-10-19T08:22:17.656" v="5" actId="1076"/>
-          <ac:spMkLst>
-            <pc:docMk/>
-            <pc:sldMk cId="244327251" sldId="272"/>
-            <ac:spMk id="2" creationId="{00000000-0000-0000-0000-000000000000}"/>
-          </ac:spMkLst>
-        </pc:spChg>
-        <pc:picChg chg="mod">
-          <ac:chgData name="Richard Wheeless" userId="S::id63la41@ubalt.edu::edf7d7f9-5d95-4eec-886d-0f745236a21b" providerId="AD" clId="Web-{1CD4744B-46E9-485E-8B11-DDA791EF49FF}" dt="2020-10-19T08:22:19.562" v="6" actId="1076"/>
-          <ac:picMkLst>
-            <pc:docMk/>
-            <pc:sldMk cId="244327251" sldId="272"/>
-            <ac:picMk id="4" creationId="{00000000-0000-0000-0000-000000000000}"/>
-          </ac:picMkLst>
-        </pc:picChg>
-      </pc:sldChg>
-    </pc:docChg>
-  </pc:docChgLst>
-  <pc:docChgLst>
     <pc:chgData name="Weifeng Xu" userId="e7aed605-a3dd-4d5a-a692-a87037af107b" providerId="ADAL" clId="{C88A9641-6870-405A-ACD5-6A71A77EE40E}"/>
     <pc:docChg chg="undo redo custSel addSld delSld modSld">
-      <pc:chgData name="Weifeng Xu" userId="e7aed605-a3dd-4d5a-a692-a87037af107b" providerId="ADAL" clId="{C88A9641-6870-405A-ACD5-6A71A77EE40E}" dt="2021-12-01T23:22:01.279" v="685"/>
+      <pc:chgData name="Weifeng Xu" userId="e7aed605-a3dd-4d5a-a692-a87037af107b" providerId="ADAL" clId="{C88A9641-6870-405A-ACD5-6A71A77EE40E}" dt="2022-04-19T14:37:02.235" v="920"/>
       <pc:docMkLst>
         <pc:docMk/>
       </pc:docMkLst>
@@ -309,6 +308,21 @@
           <ac:spMkLst>
             <pc:docMk/>
             <pc:sldMk cId="162022530" sldId="256"/>
+            <ac:spMk id="3" creationId="{00000000-0000-0000-0000-000000000000}"/>
+          </ac:spMkLst>
+        </pc:spChg>
+      </pc:sldChg>
+      <pc:sldChg chg="modSp mod">
+        <pc:chgData name="Weifeng Xu" userId="e7aed605-a3dd-4d5a-a692-a87037af107b" providerId="ADAL" clId="{C88A9641-6870-405A-ACD5-6A71A77EE40E}" dt="2022-04-13T14:59:10.635" v="693" actId="20577"/>
+        <pc:sldMkLst>
+          <pc:docMk/>
+          <pc:sldMk cId="209040179" sldId="263"/>
+        </pc:sldMkLst>
+        <pc:spChg chg="mod">
+          <ac:chgData name="Weifeng Xu" userId="e7aed605-a3dd-4d5a-a692-a87037af107b" providerId="ADAL" clId="{C88A9641-6870-405A-ACD5-6A71A77EE40E}" dt="2022-04-13T14:59:10.635" v="693" actId="20577"/>
+          <ac:spMkLst>
+            <pc:docMk/>
+            <pc:sldMk cId="209040179" sldId="263"/>
             <ac:spMk id="3" creationId="{00000000-0000-0000-0000-000000000000}"/>
           </ac:spMkLst>
         </pc:spChg>
@@ -359,19 +373,83 @@
           </ac:cxnSpMkLst>
         </pc:cxnChg>
       </pc:sldChg>
-      <pc:sldChg chg="modNotesTx">
-        <pc:chgData name="Weifeng Xu" userId="e7aed605-a3dd-4d5a-a692-a87037af107b" providerId="ADAL" clId="{C88A9641-6870-405A-ACD5-6A71A77EE40E}" dt="2021-12-01T23:09:25.481" v="684" actId="20577"/>
+      <pc:sldChg chg="addSp modSp mod modNotesTx">
+        <pc:chgData name="Weifeng Xu" userId="e7aed605-a3dd-4d5a-a692-a87037af107b" providerId="ADAL" clId="{C88A9641-6870-405A-ACD5-6A71A77EE40E}" dt="2022-04-13T15:19:01.507" v="734" actId="20577"/>
         <pc:sldMkLst>
           <pc:docMk/>
           <pc:sldMk cId="1413077334" sldId="271"/>
         </pc:sldMkLst>
+        <pc:spChg chg="mod">
+          <ac:chgData name="Weifeng Xu" userId="e7aed605-a3dd-4d5a-a692-a87037af107b" providerId="ADAL" clId="{C88A9641-6870-405A-ACD5-6A71A77EE40E}" dt="2022-04-13T15:12:14.469" v="724" actId="20577"/>
+          <ac:spMkLst>
+            <pc:docMk/>
+            <pc:sldMk cId="1413077334" sldId="271"/>
+            <ac:spMk id="2" creationId="{00000000-0000-0000-0000-000000000000}"/>
+          </ac:spMkLst>
+        </pc:spChg>
+        <pc:spChg chg="add mod">
+          <ac:chgData name="Weifeng Xu" userId="e7aed605-a3dd-4d5a-a692-a87037af107b" providerId="ADAL" clId="{C88A9641-6870-405A-ACD5-6A71A77EE40E}" dt="2022-04-13T15:12:23.524" v="726" actId="14100"/>
+          <ac:spMkLst>
+            <pc:docMk/>
+            <pc:sldMk cId="1413077334" sldId="271"/>
+            <ac:spMk id="6" creationId="{C85B06A0-1208-4D7F-8D07-B133850C92B7}"/>
+          </ac:spMkLst>
+        </pc:spChg>
+        <pc:picChg chg="mod">
+          <ac:chgData name="Weifeng Xu" userId="e7aed605-a3dd-4d5a-a692-a87037af107b" providerId="ADAL" clId="{C88A9641-6870-405A-ACD5-6A71A77EE40E}" dt="2022-04-13T15:12:01.872" v="720" actId="1076"/>
+          <ac:picMkLst>
+            <pc:docMk/>
+            <pc:sldMk cId="1413077334" sldId="271"/>
+            <ac:picMk id="3" creationId="{00000000-0000-0000-0000-000000000000}"/>
+          </ac:picMkLst>
+        </pc:picChg>
+        <pc:picChg chg="mod">
+          <ac:chgData name="Weifeng Xu" userId="e7aed605-a3dd-4d5a-a692-a87037af107b" providerId="ADAL" clId="{C88A9641-6870-405A-ACD5-6A71A77EE40E}" dt="2022-04-13T15:12:00.153" v="719" actId="1076"/>
+          <ac:picMkLst>
+            <pc:docMk/>
+            <pc:sldMk cId="1413077334" sldId="271"/>
+            <ac:picMk id="4" creationId="{00000000-0000-0000-0000-000000000000}"/>
+          </ac:picMkLst>
+        </pc:picChg>
       </pc:sldChg>
-      <pc:sldChg chg="modNotesTx">
-        <pc:chgData name="Weifeng Xu" userId="e7aed605-a3dd-4d5a-a692-a87037af107b" providerId="ADAL" clId="{C88A9641-6870-405A-ACD5-6A71A77EE40E}" dt="2021-12-01T23:22:01.279" v="685"/>
+      <pc:sldChg chg="addSp modSp mod modNotesTx">
+        <pc:chgData name="Weifeng Xu" userId="e7aed605-a3dd-4d5a-a692-a87037af107b" providerId="ADAL" clId="{C88A9641-6870-405A-ACD5-6A71A77EE40E}" dt="2022-04-19T14:20:36.446" v="869" actId="1076"/>
         <pc:sldMkLst>
           <pc:docMk/>
           <pc:sldMk cId="407093013" sldId="272"/>
         </pc:sldMkLst>
+        <pc:spChg chg="mod">
+          <ac:chgData name="Weifeng Xu" userId="e7aed605-a3dd-4d5a-a692-a87037af107b" providerId="ADAL" clId="{C88A9641-6870-405A-ACD5-6A71A77EE40E}" dt="2022-04-13T15:22:25.528" v="779" actId="20577"/>
+          <ac:spMkLst>
+            <pc:docMk/>
+            <pc:sldMk cId="407093013" sldId="272"/>
+            <ac:spMk id="2" creationId="{00000000-0000-0000-0000-000000000000}"/>
+          </ac:spMkLst>
+        </pc:spChg>
+        <pc:spChg chg="add mod">
+          <ac:chgData name="Weifeng Xu" userId="e7aed605-a3dd-4d5a-a692-a87037af107b" providerId="ADAL" clId="{C88A9641-6870-405A-ACD5-6A71A77EE40E}" dt="2022-04-19T14:20:36.446" v="869" actId="1076"/>
+          <ac:spMkLst>
+            <pc:docMk/>
+            <pc:sldMk cId="407093013" sldId="272"/>
+            <ac:spMk id="5" creationId="{FA7CD704-141E-4235-B59E-540E63821913}"/>
+          </ac:spMkLst>
+        </pc:spChg>
+        <pc:spChg chg="add mod">
+          <ac:chgData name="Weifeng Xu" userId="e7aed605-a3dd-4d5a-a692-a87037af107b" providerId="ADAL" clId="{C88A9641-6870-405A-ACD5-6A71A77EE40E}" dt="2022-04-19T14:20:28.768" v="868"/>
+          <ac:spMkLst>
+            <pc:docMk/>
+            <pc:sldMk cId="407093013" sldId="272"/>
+            <ac:spMk id="6" creationId="{2C63B9FB-B563-4959-B97B-8E9DC86AA335}"/>
+          </ac:spMkLst>
+        </pc:spChg>
+        <pc:picChg chg="mod">
+          <ac:chgData name="Weifeng Xu" userId="e7aed605-a3dd-4d5a-a692-a87037af107b" providerId="ADAL" clId="{C88A9641-6870-405A-ACD5-6A71A77EE40E}" dt="2022-04-13T15:21:26.335" v="768" actId="1076"/>
+          <ac:picMkLst>
+            <pc:docMk/>
+            <pc:sldMk cId="407093013" sldId="272"/>
+            <ac:picMk id="3" creationId="{00000000-0000-0000-0000-000000000000}"/>
+          </ac:picMkLst>
+        </pc:picChg>
       </pc:sldChg>
       <pc:sldChg chg="modSp mod">
         <pc:chgData name="Weifeng Xu" userId="e7aed605-a3dd-4d5a-a692-a87037af107b" providerId="ADAL" clId="{C88A9641-6870-405A-ACD5-6A71A77EE40E}" dt="2021-11-13T15:25:14.573" v="237" actId="20577"/>
@@ -384,6 +462,21 @@
           <ac:spMkLst>
             <pc:docMk/>
             <pc:sldMk cId="214669444" sldId="273"/>
+            <ac:spMk id="3" creationId="{00000000-0000-0000-0000-000000000000}"/>
+          </ac:spMkLst>
+        </pc:spChg>
+      </pc:sldChg>
+      <pc:sldChg chg="modSp mod">
+        <pc:chgData name="Weifeng Xu" userId="e7aed605-a3dd-4d5a-a692-a87037af107b" providerId="ADAL" clId="{C88A9641-6870-405A-ACD5-6A71A77EE40E}" dt="2022-04-19T14:25:30.738" v="904" actId="27636"/>
+        <pc:sldMkLst>
+          <pc:docMk/>
+          <pc:sldMk cId="798462610" sldId="279"/>
+        </pc:sldMkLst>
+        <pc:spChg chg="mod">
+          <ac:chgData name="Weifeng Xu" userId="e7aed605-a3dd-4d5a-a692-a87037af107b" providerId="ADAL" clId="{C88A9641-6870-405A-ACD5-6A71A77EE40E}" dt="2022-04-19T14:25:30.738" v="904" actId="27636"/>
+          <ac:spMkLst>
+            <pc:docMk/>
+            <pc:sldMk cId="798462610" sldId="279"/>
             <ac:spMk id="3" creationId="{00000000-0000-0000-0000-000000000000}"/>
           </ac:spMkLst>
         </pc:spChg>
@@ -460,13 +553,13 @@
         </pc:cxnChg>
       </pc:sldChg>
       <pc:sldChg chg="addSp modSp mod">
-        <pc:chgData name="Weifeng Xu" userId="e7aed605-a3dd-4d5a-a692-a87037af107b" providerId="ADAL" clId="{C88A9641-6870-405A-ACD5-6A71A77EE40E}" dt="2021-11-13T02:44:03.118" v="195" actId="20577"/>
+        <pc:chgData name="Weifeng Xu" userId="e7aed605-a3dd-4d5a-a692-a87037af107b" providerId="ADAL" clId="{C88A9641-6870-405A-ACD5-6A71A77EE40E}" dt="2022-04-19T14:29:23.874" v="911" actId="20577"/>
         <pc:sldMkLst>
           <pc:docMk/>
           <pc:sldMk cId="372015624" sldId="283"/>
         </pc:sldMkLst>
         <pc:spChg chg="mod">
-          <ac:chgData name="Weifeng Xu" userId="e7aed605-a3dd-4d5a-a692-a87037af107b" providerId="ADAL" clId="{C88A9641-6870-405A-ACD5-6A71A77EE40E}" dt="2021-11-13T02:44:03.118" v="195" actId="20577"/>
+          <ac:chgData name="Weifeng Xu" userId="e7aed605-a3dd-4d5a-a692-a87037af107b" providerId="ADAL" clId="{C88A9641-6870-405A-ACD5-6A71A77EE40E}" dt="2022-04-19T14:29:23.874" v="911" actId="20577"/>
           <ac:spMkLst>
             <pc:docMk/>
             <pc:sldMk cId="372015624" sldId="283"/>
@@ -482,8 +575,8 @@
           </ac:spMkLst>
         </pc:spChg>
       </pc:sldChg>
-      <pc:sldChg chg="addSp modSp mod">
-        <pc:chgData name="Weifeng Xu" userId="e7aed605-a3dd-4d5a-a692-a87037af107b" providerId="ADAL" clId="{C88A9641-6870-405A-ACD5-6A71A77EE40E}" dt="2021-10-29T02:25:28.049" v="18" actId="207"/>
+      <pc:sldChg chg="addSp modSp mod modNotesTx">
+        <pc:chgData name="Weifeng Xu" userId="e7aed605-a3dd-4d5a-a692-a87037af107b" providerId="ADAL" clId="{C88A9641-6870-405A-ACD5-6A71A77EE40E}" dt="2022-04-19T14:37:02.235" v="920"/>
         <pc:sldMkLst>
           <pc:docMk/>
           <pc:sldMk cId="2512399605" sldId="284"/>
@@ -584,7 +677,7 @@
         </pc:cxnChg>
       </pc:sldChg>
       <pc:sldChg chg="modSp new mod">
-        <pc:chgData name="Weifeng Xu" userId="e7aed605-a3dd-4d5a-a692-a87037af107b" providerId="ADAL" clId="{C88A9641-6870-405A-ACD5-6A71A77EE40E}" dt="2021-11-16T02:53:12.599" v="478" actId="6549"/>
+        <pc:chgData name="Weifeng Xu" userId="e7aed605-a3dd-4d5a-a692-a87037af107b" providerId="ADAL" clId="{C88A9641-6870-405A-ACD5-6A71A77EE40E}" dt="2022-04-19T13:02:00.954" v="867" actId="20577"/>
         <pc:sldMkLst>
           <pc:docMk/>
           <pc:sldMk cId="2772101945" sldId="287"/>
@@ -598,7 +691,7 @@
           </ac:spMkLst>
         </pc:spChg>
         <pc:spChg chg="mod">
-          <ac:chgData name="Weifeng Xu" userId="e7aed605-a3dd-4d5a-a692-a87037af107b" providerId="ADAL" clId="{C88A9641-6870-405A-ACD5-6A71A77EE40E}" dt="2021-11-16T02:53:12.599" v="478" actId="6549"/>
+          <ac:chgData name="Weifeng Xu" userId="e7aed605-a3dd-4d5a-a692-a87037af107b" providerId="ADAL" clId="{C88A9641-6870-405A-ACD5-6A71A77EE40E}" dt="2022-04-19T13:02:00.954" v="867" actId="20577"/>
           <ac:spMkLst>
             <pc:docMk/>
             <pc:sldMk cId="2772101945" sldId="287"/>
@@ -714,59 +807,116 @@
           <pc:sldMk cId="3784024112" sldId="290"/>
         </pc:sldMkLst>
       </pc:sldChg>
+      <pc:sldChg chg="addSp modSp new mod">
+        <pc:chgData name="Weifeng Xu" userId="e7aed605-a3dd-4d5a-a692-a87037af107b" providerId="ADAL" clId="{C88A9641-6870-405A-ACD5-6A71A77EE40E}" dt="2022-04-13T18:41:04.157" v="866" actId="14100"/>
+        <pc:sldMkLst>
+          <pc:docMk/>
+          <pc:sldMk cId="3786251496" sldId="290"/>
+        </pc:sldMkLst>
+        <pc:spChg chg="mod">
+          <ac:chgData name="Weifeng Xu" userId="e7aed605-a3dd-4d5a-a692-a87037af107b" providerId="ADAL" clId="{C88A9641-6870-405A-ACD5-6A71A77EE40E}" dt="2022-04-13T16:03:25.055" v="816" actId="20577"/>
+          <ac:spMkLst>
+            <pc:docMk/>
+            <pc:sldMk cId="3786251496" sldId="290"/>
+            <ac:spMk id="2" creationId="{2819E8FC-6C27-4136-9FEA-4BA741DD33D7}"/>
+          </ac:spMkLst>
+        </pc:spChg>
+        <pc:spChg chg="add mod">
+          <ac:chgData name="Weifeng Xu" userId="e7aed605-a3dd-4d5a-a692-a87037af107b" providerId="ADAL" clId="{C88A9641-6870-405A-ACD5-6A71A77EE40E}" dt="2022-04-13T18:40:50.735" v="864" actId="14100"/>
+          <ac:spMkLst>
+            <pc:docMk/>
+            <pc:sldMk cId="3786251496" sldId="290"/>
+            <ac:spMk id="7" creationId="{CCBC8FD2-90D7-4250-A8E1-E543BD9410CE}"/>
+          </ac:spMkLst>
+        </pc:spChg>
+        <pc:picChg chg="add mod">
+          <ac:chgData name="Weifeng Xu" userId="e7aed605-a3dd-4d5a-a692-a87037af107b" providerId="ADAL" clId="{C88A9641-6870-405A-ACD5-6A71A77EE40E}" dt="2022-04-13T16:02:43.480" v="800" actId="1076"/>
+          <ac:picMkLst>
+            <pc:docMk/>
+            <pc:sldMk cId="3786251496" sldId="290"/>
+            <ac:picMk id="4" creationId="{EC3FE147-E977-4044-BE2E-95CA061BB1EE}"/>
+          </ac:picMkLst>
+        </pc:picChg>
+        <pc:picChg chg="add mod">
+          <ac:chgData name="Weifeng Xu" userId="e7aed605-a3dd-4d5a-a692-a87037af107b" providerId="ADAL" clId="{C88A9641-6870-405A-ACD5-6A71A77EE40E}" dt="2022-04-13T16:03:15.692" v="803" actId="14100"/>
+          <ac:picMkLst>
+            <pc:docMk/>
+            <pc:sldMk cId="3786251496" sldId="290"/>
+            <ac:picMk id="6" creationId="{6BBF2FC4-59C6-4DF6-B7FB-CD055E7F0F7E}"/>
+          </ac:picMkLst>
+        </pc:picChg>
+        <pc:picChg chg="add mod">
+          <ac:chgData name="Weifeng Xu" userId="e7aed605-a3dd-4d5a-a692-a87037af107b" providerId="ADAL" clId="{C88A9641-6870-405A-ACD5-6A71A77EE40E}" dt="2022-04-13T16:06:55.985" v="821" actId="14100"/>
+          <ac:picMkLst>
+            <pc:docMk/>
+            <pc:sldMk cId="3786251496" sldId="290"/>
+            <ac:picMk id="1026" creationId="{53CE5109-B1FC-46D6-8D33-F116081B56E9}"/>
+          </ac:picMkLst>
+        </pc:picChg>
+        <pc:cxnChg chg="add mod">
+          <ac:chgData name="Weifeng Xu" userId="e7aed605-a3dd-4d5a-a692-a87037af107b" providerId="ADAL" clId="{C88A9641-6870-405A-ACD5-6A71A77EE40E}" dt="2022-04-13T18:41:04.157" v="866" actId="14100"/>
+          <ac:cxnSpMkLst>
+            <pc:docMk/>
+            <pc:sldMk cId="3786251496" sldId="290"/>
+            <ac:cxnSpMk id="9" creationId="{F44C3E90-D26A-4D4C-9A03-9797ECCE5AAE}"/>
+          </ac:cxnSpMkLst>
+        </pc:cxnChg>
+      </pc:sldChg>
     </pc:docChg>
   </pc:docChgLst>
   <pc:docChgLst>
-    <pc:chgData name="Weifeng Xu" userId="e7aed605-a3dd-4d5a-a692-a87037af107b" providerId="ADAL" clId="{CE8BBE06-8277-4287-8075-01C2813EE764}"/>
+    <pc:chgData name="Richard Wheeless" userId="S::id63la41@ubalt.edu::edf7d7f9-5d95-4eec-886d-0f745236a21b" providerId="AD" clId="Web-{1CD4744B-46E9-485E-8B11-DDA791EF49FF}"/>
     <pc:docChg chg="modSld">
-      <pc:chgData name="Weifeng Xu" userId="e7aed605-a3dd-4d5a-a692-a87037af107b" providerId="ADAL" clId="{CE8BBE06-8277-4287-8075-01C2813EE764}" dt="2021-01-30T00:15:46.129" v="8" actId="20577"/>
+      <pc:chgData name="Richard Wheeless" userId="S::id63la41@ubalt.edu::edf7d7f9-5d95-4eec-886d-0f745236a21b" providerId="AD" clId="Web-{1CD4744B-46E9-485E-8B11-DDA791EF49FF}" dt="2020-10-19T08:22:19.562" v="6" actId="1076"/>
       <pc:docMkLst>
         <pc:docMk/>
       </pc:docMkLst>
-      <pc:sldChg chg="modSp mod">
-        <pc:chgData name="Weifeng Xu" userId="e7aed605-a3dd-4d5a-a692-a87037af107b" providerId="ADAL" clId="{CE8BBE06-8277-4287-8075-01C2813EE764}" dt="2021-01-29T13:41:16.425" v="4" actId="6549"/>
+      <pc:sldChg chg="modSp">
+        <pc:chgData name="Richard Wheeless" userId="S::id63la41@ubalt.edu::edf7d7f9-5d95-4eec-886d-0f745236a21b" providerId="AD" clId="Web-{1CD4744B-46E9-485E-8B11-DDA791EF49FF}" dt="2020-10-19T08:22:19.562" v="6" actId="1076"/>
         <pc:sldMkLst>
           <pc:docMk/>
-          <pc:sldMk cId="3149611631" sldId="264"/>
+          <pc:sldMk cId="244327251" sldId="272"/>
         </pc:sldMkLst>
         <pc:spChg chg="mod">
-          <ac:chgData name="Weifeng Xu" userId="e7aed605-a3dd-4d5a-a692-a87037af107b" providerId="ADAL" clId="{CE8BBE06-8277-4287-8075-01C2813EE764}" dt="2021-01-29T13:41:16.425" v="4" actId="6549"/>
+          <ac:chgData name="Richard Wheeless" userId="S::id63la41@ubalt.edu::edf7d7f9-5d95-4eec-886d-0f745236a21b" providerId="AD" clId="Web-{1CD4744B-46E9-485E-8B11-DDA791EF49FF}" dt="2020-10-19T08:22:17.656" v="5" actId="1076"/>
           <ac:spMkLst>
             <pc:docMk/>
-            <pc:sldMk cId="3149611631" sldId="264"/>
-            <ac:spMk id="3" creationId="{00000000-0000-0000-0000-000000000000}"/>
-          </ac:spMkLst>
-        </pc:spChg>
-      </pc:sldChg>
-      <pc:sldChg chg="modSp mod">
-        <pc:chgData name="Weifeng Xu" userId="e7aed605-a3dd-4d5a-a692-a87037af107b" providerId="ADAL" clId="{CE8BBE06-8277-4287-8075-01C2813EE764}" dt="2021-01-29T20:59:22.315" v="6" actId="20577"/>
-        <pc:sldMkLst>
-          <pc:docMk/>
-          <pc:sldMk cId="137281088" sldId="276"/>
-        </pc:sldMkLst>
-        <pc:spChg chg="mod">
-          <ac:chgData name="Weifeng Xu" userId="e7aed605-a3dd-4d5a-a692-a87037af107b" providerId="ADAL" clId="{CE8BBE06-8277-4287-8075-01C2813EE764}" dt="2021-01-29T20:59:22.315" v="6" actId="20577"/>
-          <ac:spMkLst>
-            <pc:docMk/>
-            <pc:sldMk cId="137281088" sldId="276"/>
+            <pc:sldMk cId="244327251" sldId="272"/>
             <ac:spMk id="2" creationId="{00000000-0000-0000-0000-000000000000}"/>
           </ac:spMkLst>
         </pc:spChg>
+        <pc:picChg chg="mod">
+          <ac:chgData name="Richard Wheeless" userId="S::id63la41@ubalt.edu::edf7d7f9-5d95-4eec-886d-0f745236a21b" providerId="AD" clId="Web-{1CD4744B-46E9-485E-8B11-DDA791EF49FF}" dt="2020-10-19T08:22:19.562" v="6" actId="1076"/>
+          <ac:picMkLst>
+            <pc:docMk/>
+            <pc:sldMk cId="244327251" sldId="272"/>
+            <ac:picMk id="4" creationId="{00000000-0000-0000-0000-000000000000}"/>
+          </ac:picMkLst>
+        </pc:picChg>
       </pc:sldChg>
-      <pc:sldChg chg="modSp mod">
-        <pc:chgData name="Weifeng Xu" userId="e7aed605-a3dd-4d5a-a692-a87037af107b" providerId="ADAL" clId="{CE8BBE06-8277-4287-8075-01C2813EE764}" dt="2021-01-30T00:15:46.129" v="8" actId="20577"/>
+    </pc:docChg>
+  </pc:docChgLst>
+  <pc:docChgLst>
+    <pc:chgData name="Richard Wheeless" userId="S::id63la41@ubalt.edu::edf7d7f9-5d95-4eec-886d-0f745236a21b" providerId="AD" clId="Web-{1145B16C-5E93-681B-B9BA-C7C9CDE20735}"/>
+    <pc:docChg chg="modSld">
+      <pc:chgData name="Richard Wheeless" userId="S::id63la41@ubalt.edu::edf7d7f9-5d95-4eec-886d-0f745236a21b" providerId="AD" clId="Web-{1145B16C-5E93-681B-B9BA-C7C9CDE20735}" dt="2020-10-22T20:25:25.022" v="9" actId="1076"/>
+      <pc:docMkLst>
+        <pc:docMk/>
+      </pc:docMkLst>
+      <pc:sldChg chg="modSp">
+        <pc:chgData name="Richard Wheeless" userId="S::id63la41@ubalt.edu::edf7d7f9-5d95-4eec-886d-0f745236a21b" providerId="AD" clId="Web-{1145B16C-5E93-681B-B9BA-C7C9CDE20735}" dt="2020-10-22T20:25:25.022" v="9" actId="1076"/>
         <pc:sldMkLst>
           <pc:docMk/>
-          <pc:sldMk cId="3593567398" sldId="281"/>
+          <pc:sldMk cId="244327251" sldId="272"/>
         </pc:sldMkLst>
-        <pc:spChg chg="mod">
-          <ac:chgData name="Weifeng Xu" userId="e7aed605-a3dd-4d5a-a692-a87037af107b" providerId="ADAL" clId="{CE8BBE06-8277-4287-8075-01C2813EE764}" dt="2021-01-30T00:15:46.129" v="8" actId="20577"/>
-          <ac:spMkLst>
+        <pc:picChg chg="mod">
+          <ac:chgData name="Richard Wheeless" userId="S::id63la41@ubalt.edu::edf7d7f9-5d95-4eec-886d-0f745236a21b" providerId="AD" clId="Web-{1145B16C-5E93-681B-B9BA-C7C9CDE20735}" dt="2020-10-22T20:25:25.022" v="9" actId="1076"/>
+          <ac:picMkLst>
             <pc:docMk/>
-            <pc:sldMk cId="3593567398" sldId="281"/>
-            <ac:spMk id="4" creationId="{00000000-0000-0000-0000-000000000000}"/>
-          </ac:spMkLst>
-        </pc:spChg>
+            <pc:sldMk cId="244327251" sldId="272"/>
+            <ac:picMk id="4" creationId="{00000000-0000-0000-0000-000000000000}"/>
+          </ac:picMkLst>
+        </pc:picChg>
       </pc:sldChg>
     </pc:docChg>
   </pc:docChgLst>
@@ -1704,6 +1854,19 @@
           <a:lstStyle/>
           <a:p>
             <a:r>
+              <a:rPr lang="en-US" dirty="0" err="1"/>
+              <a:t>sudo</a:t>
+            </a:r>
+            <a:r>
+              <a:rPr lang="en-US" dirty="0"/>
+              <a:t> apt install python3-dateutilcd ..</a:t>
+            </a:r>
+          </a:p>
+          <a:p>
+            <a:endParaRPr lang="en-US" dirty="0"/>
+          </a:p>
+          <a:p>
+            <a:r>
               <a:rPr lang="en-US" dirty="0"/>
               <a:t>https://github.com/digitalsleuth/time_decode.git</a:t>
             </a:r>
@@ -2671,6 +2834,29 @@
               <a:rPr lang="en-US" dirty="0"/>
               <a:t>\w: [a-zA-Z0-9_]</a:t>
             </a:r>
+          </a:p>
+          <a:p>
+            <a:endParaRPr lang="en-US" dirty="0"/>
+          </a:p>
+          <a:p>
+            <a:r>
+              <a:rPr lang="pt-BR" dirty="0"/>
+              <a:t>echo "fxu@ubalt.edu" | grep -E "[a-z]+@[a-z]+\.edu"</a:t>
+            </a:r>
+            <a:endParaRPr lang="en-US" dirty="0"/>
+          </a:p>
+          <a:p>
+            <a:r>
+              <a:rPr lang="pt-BR" dirty="0"/>
+              <a:t>echo "test@test.com" | grep -E "[a-z]+@[a-z]+\.[a-zA-Z]{2,4}" </a:t>
+            </a:r>
+          </a:p>
+          <a:p>
+            <a:r>
+              <a:rPr lang="pt-BR"/>
+              <a:t>echo "fxu001@ubalt.com" | grep -E "[a-z0-9]+@[a-z]+\.(edu|com)"</a:t>
+            </a:r>
+            <a:endParaRPr lang="en-US" dirty="0"/>
           </a:p>
         </p:txBody>
       </p:sp>
@@ -6597,7 +6783,7 @@
                   <a:srgbClr val="7030A0"/>
                 </a:solidFill>
               </a:rPr>
-              <a:t>C:\Users\%USERNAME%\AppData\Roaming\Microsoft\Windows\Recent</a:t>
+              <a:t>C:\Users\%USERNAME%\AppData\Roaming\Microsoft\Windows\Recent (Items)</a:t>
             </a:r>
           </a:p>
           <a:p>
@@ -8509,19 +8695,15 @@
           <a:p>
             <a:r>
               <a:rPr lang="en-US" dirty="0"/>
-              <a:t>Install </a:t>
-            </a:r>
-            <a:r>
-              <a:rPr lang="en-US" i="1" dirty="0" err="1">
-                <a:solidFill>
-                  <a:schemeClr val="accent6"/>
-                </a:solidFill>
-              </a:rPr>
-              <a:t>time_decode</a:t>
-            </a:r>
-            <a:r>
-              <a:rPr lang="en-US" dirty="0"/>
-              <a:t> </a:t>
+              <a:t>How to view win32 </a:t>
+            </a:r>
+            <a:r>
+              <a:rPr lang="en-US" u="sng" dirty="0"/>
+              <a:t>FILETIME </a:t>
+            </a:r>
+            <a:r>
+              <a:rPr lang="en-US" dirty="0"/>
+              <a:t>(64 bits)</a:t>
             </a:r>
           </a:p>
         </p:txBody>
@@ -8542,7 +8724,7 @@
         </p:blipFill>
         <p:spPr>
           <a:xfrm>
-            <a:off x="838200" y="1848333"/>
+            <a:off x="838200" y="2253594"/>
             <a:ext cx="5606143" cy="1624458"/>
           </a:xfrm>
           <a:prstGeom prst="rect">
@@ -8566,7 +8748,7 @@
         </p:blipFill>
         <p:spPr>
           <a:xfrm>
-            <a:off x="838200" y="3867608"/>
+            <a:off x="838200" y="4141541"/>
             <a:ext cx="7420275" cy="2263227"/>
           </a:xfrm>
           <a:prstGeom prst="rect">
@@ -8574,6 +8756,52 @@
           </a:prstGeom>
         </p:spPr>
       </p:pic>
+      <p:sp>
+        <p:nvSpPr>
+          <p:cNvPr id="6" name="TextBox 5">
+            <a:extLst>
+              <a:ext uri="{FF2B5EF4-FFF2-40B4-BE49-F238E27FC236}">
+                <a16:creationId xmlns:a16="http://schemas.microsoft.com/office/drawing/2014/main" id="{C85B06A0-1208-4D7F-8D07-B133850C92B7}"/>
+              </a:ext>
+            </a:extLst>
+          </p:cNvPr>
+          <p:cNvSpPr txBox="1"/>
+          <p:nvPr/>
+        </p:nvSpPr>
+        <p:spPr>
+          <a:xfrm>
+            <a:off x="838201" y="1787475"/>
+            <a:ext cx="2514600" cy="369332"/>
+          </a:xfrm>
+          <a:prstGeom prst="rect">
+            <a:avLst/>
+          </a:prstGeom>
+          <a:solidFill>
+            <a:schemeClr val="accent4"/>
+          </a:solidFill>
+        </p:spPr>
+        <p:txBody>
+          <a:bodyPr wrap="square">
+            <a:spAutoFit/>
+          </a:bodyPr>
+          <a:lstStyle/>
+          <a:p>
+            <a:r>
+              <a:rPr lang="en-US" dirty="0"/>
+              <a:t>Install </a:t>
+            </a:r>
+            <a:r>
+              <a:rPr lang="en-US" i="1" dirty="0" err="1">
+                <a:solidFill>
+                  <a:schemeClr val="accent6"/>
+                </a:solidFill>
+              </a:rPr>
+              <a:t>time_decode</a:t>
+            </a:r>
+            <a:endParaRPr lang="en-US" dirty="0"/>
+          </a:p>
+        </p:txBody>
+      </p:sp>
     </p:spTree>
     <p:extLst>
       <p:ext uri="{BB962C8B-B14F-4D97-AF65-F5344CB8AC3E}">
@@ -8808,7 +9036,7 @@
         </p:blipFill>
         <p:spPr>
           <a:xfrm>
-            <a:off x="1844297" y="658990"/>
+            <a:off x="1969806" y="637218"/>
             <a:ext cx="7788316" cy="3791090"/>
           </a:xfrm>
           <a:prstGeom prst="rect">
@@ -8849,7 +9077,7 @@
         <p:spPr>
           <a:xfrm>
             <a:off x="7900087" y="1532239"/>
-            <a:ext cx="1364604" cy="338554"/>
+            <a:ext cx="1806007" cy="338554"/>
           </a:xfrm>
           <a:prstGeom prst="rect">
             <a:avLst/>
@@ -8885,7 +9113,85 @@
             </a:r>
             <a:r>
               <a:rPr lang="en-US" sz="1600" dirty="0"/>
-              <a:t>: Win Hex</a:t>
+              <a:t>: Windows Hex</a:t>
+            </a:r>
+          </a:p>
+        </p:txBody>
+      </p:sp>
+      <p:sp>
+        <p:nvSpPr>
+          <p:cNvPr id="5" name="TextBox 4">
+            <a:extLst>
+              <a:ext uri="{FF2B5EF4-FFF2-40B4-BE49-F238E27FC236}">
+                <a16:creationId xmlns:a16="http://schemas.microsoft.com/office/drawing/2014/main" id="{FA7CD704-141E-4235-B59E-540E63821913}"/>
+              </a:ext>
+            </a:extLst>
+          </p:cNvPr>
+          <p:cNvSpPr txBox="1"/>
+          <p:nvPr/>
+        </p:nvSpPr>
+        <p:spPr>
+          <a:xfrm>
+            <a:off x="3462111" y="4921731"/>
+            <a:ext cx="2460995" cy="369332"/>
+          </a:xfrm>
+          <a:prstGeom prst="rect">
+            <a:avLst/>
+          </a:prstGeom>
+          <a:noFill/>
+        </p:spPr>
+        <p:txBody>
+          <a:bodyPr wrap="none" rtlCol="0">
+            <a:spAutoFit/>
+          </a:bodyPr>
+          <a:lstStyle/>
+          <a:p>
+            <a:r>
+              <a:rPr lang="en-US" dirty="0">
+                <a:solidFill>
+                  <a:srgbClr val="FF0000"/>
+                </a:solidFill>
+              </a:rPr>
+              <a:t>python3 if throws errors</a:t>
+            </a:r>
+          </a:p>
+        </p:txBody>
+      </p:sp>
+      <p:sp>
+        <p:nvSpPr>
+          <p:cNvPr id="6" name="TextBox 5">
+            <a:extLst>
+              <a:ext uri="{FF2B5EF4-FFF2-40B4-BE49-F238E27FC236}">
+                <a16:creationId xmlns:a16="http://schemas.microsoft.com/office/drawing/2014/main" id="{2C63B9FB-B563-4959-B97B-8E9DC86AA335}"/>
+              </a:ext>
+            </a:extLst>
+          </p:cNvPr>
+          <p:cNvSpPr txBox="1"/>
+          <p:nvPr/>
+        </p:nvSpPr>
+        <p:spPr>
+          <a:xfrm>
+            <a:off x="3643086" y="1499973"/>
+            <a:ext cx="2460995" cy="369332"/>
+          </a:xfrm>
+          <a:prstGeom prst="rect">
+            <a:avLst/>
+          </a:prstGeom>
+          <a:noFill/>
+        </p:spPr>
+        <p:txBody>
+          <a:bodyPr wrap="none" rtlCol="0">
+            <a:spAutoFit/>
+          </a:bodyPr>
+          <a:lstStyle/>
+          <a:p>
+            <a:r>
+              <a:rPr lang="en-US" dirty="0">
+                <a:solidFill>
+                  <a:srgbClr val="FF0000"/>
+                </a:solidFill>
+              </a:rPr>
+              <a:t>python3 if throws errors</a:t>
             </a:r>
           </a:p>
         </p:txBody>
@@ -10225,7 +10531,9 @@
         </p:nvSpPr>
         <p:spPr/>
         <p:txBody>
-          <a:bodyPr/>
+          <a:bodyPr>
+            <a:normAutofit fontScale="92500" lnSpcReduction="10000"/>
+          </a:bodyPr>
           <a:lstStyle/>
           <a:p>
             <a:r>
@@ -10421,6 +10729,33 @@
             </a:r>
           </a:p>
           <a:p>
+            <a:r>
+              <a:rPr lang="en-US" dirty="0" err="1"/>
+              <a:t>wal</a:t>
+            </a:r>
+            <a:r>
+              <a:rPr lang="en-US" dirty="0"/>
+              <a:t>: </a:t>
+            </a:r>
+            <a:r>
+              <a:rPr lang="en-GB" dirty="0"/>
+              <a:t>Write Ahead Log</a:t>
+            </a:r>
+            <a:endParaRPr lang="en-US" dirty="0"/>
+          </a:p>
+          <a:p>
+            <a:pPr lvl="1"/>
+            <a:r>
+              <a:rPr lang="en-GB" dirty="0"/>
+              <a:t>Used in nearly all modern RDBMS systems to provide durable and atomic transactions. </a:t>
+            </a:r>
+          </a:p>
+          <a:p>
+            <a:pPr lvl="1"/>
+            <a:r>
+              <a:rPr lang="en-GB" dirty="0"/>
+              <a:t>Any transaction performed on the database is first written out as a WAL file, then applied to the actual on-disk table data files. </a:t>
+            </a:r>
             <a:endParaRPr lang="en-US" dirty="0"/>
           </a:p>
         </p:txBody>
@@ -10793,7 +11128,7 @@
           <p:nvPr/>
         </p:nvPicPr>
         <p:blipFill>
-          <a:blip r:embed="rId4" cstate="print">
+          <a:blip r:embed="rId4">
             <a:extLst>
               <a:ext uri="{28A0092B-C50C-407E-A947-70E740481C1C}">
                 <a14:useLocalDpi xmlns:a14="http://schemas.microsoft.com/office/drawing/2010/main" val="0"/>
@@ -11585,33 +11920,26 @@
           <a:p>
             <a:r>
               <a:rPr lang="en-US" dirty="0"/>
-              <a:t>Last two files are deleted because of the logoff activity.</a:t>
+              <a:t>If ‘</a:t>
+            </a:r>
+            <a:r>
+              <a:rPr lang="en-US" i="1" dirty="0">
+                <a:solidFill>
+                  <a:srgbClr val="7030A0"/>
+                </a:solidFill>
+              </a:rPr>
+              <a:t>sync_log.log</a:t>
+            </a:r>
+            <a:r>
+              <a:rPr lang="en-US" dirty="0"/>
+              <a:t>’ file is missing, deleted SQLite record recovery should be considered</a:t>
             </a:r>
           </a:p>
           <a:p>
             <a:pPr lvl="1"/>
             <a:r>
               <a:rPr lang="en-US" dirty="0"/>
-              <a:t> Need to recover records from unused area of SQLite file</a:t>
-            </a:r>
-          </a:p>
-          <a:p>
-            <a:pPr lvl="1"/>
-            <a:r>
-              <a:rPr lang="en-US" dirty="0"/>
-              <a:t> If ‘</a:t>
-            </a:r>
-            <a:r>
-              <a:rPr lang="en-US" i="1" dirty="0">
-                <a:solidFill>
-                  <a:srgbClr val="7030A0"/>
-                </a:solidFill>
-              </a:rPr>
-              <a:t>sync_log.log</a:t>
-            </a:r>
-            <a:r>
-              <a:rPr lang="en-US" dirty="0"/>
-              <a:t>’ file is missing, deleted SQLite record recovery should be considered(the topic will be covered in Volume Shadow Copy)</a:t>
+              <a:t>the topic will be covered in Volume Shadow Copy</a:t>
             </a:r>
           </a:p>
           <a:p>
@@ -11872,6 +12200,248 @@
     <p:extLst>
       <p:ext uri="{BB962C8B-B14F-4D97-AF65-F5344CB8AC3E}">
         <p14:creationId xmlns:p14="http://schemas.microsoft.com/office/powerpoint/2010/main" val="2512399605"/>
+      </p:ext>
+    </p:extLst>
+  </p:cSld>
+  <p:clrMapOvr>
+    <a:masterClrMapping/>
+  </p:clrMapOvr>
+</p:sld>
+</file>
+
+<file path=ppt/slides/slide33.xml><?xml version="1.0" encoding="utf-8"?>
+<p:sld xmlns:a="http://schemas.openxmlformats.org/drawingml/2006/main" xmlns:r="http://schemas.openxmlformats.org/officeDocument/2006/relationships" xmlns:p="http://schemas.openxmlformats.org/presentationml/2006/main">
+  <p:cSld>
+    <p:spTree>
+      <p:nvGrpSpPr>
+        <p:cNvPr id="1" name=""/>
+        <p:cNvGrpSpPr/>
+        <p:nvPr/>
+      </p:nvGrpSpPr>
+      <p:grpSpPr>
+        <a:xfrm>
+          <a:off x="0" y="0"/>
+          <a:ext cx="0" cy="0"/>
+          <a:chOff x="0" y="0"/>
+          <a:chExt cx="0" cy="0"/>
+        </a:xfrm>
+      </p:grpSpPr>
+      <p:sp>
+        <p:nvSpPr>
+          <p:cNvPr id="2" name="Title 1">
+            <a:extLst>
+              <a:ext uri="{FF2B5EF4-FFF2-40B4-BE49-F238E27FC236}">
+                <a16:creationId xmlns:a16="http://schemas.microsoft.com/office/drawing/2014/main" id="{2819E8FC-6C27-4136-9FEA-4BA741DD33D7}"/>
+              </a:ext>
+            </a:extLst>
+          </p:cNvPr>
+          <p:cNvSpPr>
+            <a:spLocks noGrp="1"/>
+          </p:cNvSpPr>
+          <p:nvPr>
+            <p:ph type="title"/>
+          </p:nvPr>
+        </p:nvSpPr>
+        <p:spPr/>
+        <p:txBody>
+          <a:bodyPr/>
+          <a:lstStyle/>
+          <a:p>
+            <a:r>
+              <a:rPr lang="en-US" dirty="0"/>
+              <a:t>New Google Drive Log location</a:t>
+            </a:r>
+          </a:p>
+        </p:txBody>
+      </p:sp>
+      <p:pic>
+        <p:nvPicPr>
+          <p:cNvPr id="4" name="Picture 3">
+            <a:extLst>
+              <a:ext uri="{FF2B5EF4-FFF2-40B4-BE49-F238E27FC236}">
+                <a16:creationId xmlns:a16="http://schemas.microsoft.com/office/drawing/2014/main" id="{EC3FE147-E977-4044-BE2E-95CA061BB1EE}"/>
+              </a:ext>
+            </a:extLst>
+          </p:cNvPr>
+          <p:cNvPicPr>
+            <a:picLocks noChangeAspect="1"/>
+          </p:cNvPicPr>
+          <p:nvPr/>
+        </p:nvPicPr>
+        <p:blipFill>
+          <a:blip r:embed="rId2"/>
+          <a:stretch>
+            <a:fillRect/>
+          </a:stretch>
+        </p:blipFill>
+        <p:spPr>
+          <a:xfrm>
+            <a:off x="947435" y="2037392"/>
+            <a:ext cx="1912786" cy="1798476"/>
+          </a:xfrm>
+          <a:prstGeom prst="rect">
+            <a:avLst/>
+          </a:prstGeom>
+        </p:spPr>
+      </p:pic>
+      <p:pic>
+        <p:nvPicPr>
+          <p:cNvPr id="6" name="Picture 5">
+            <a:extLst>
+              <a:ext uri="{FF2B5EF4-FFF2-40B4-BE49-F238E27FC236}">
+                <a16:creationId xmlns:a16="http://schemas.microsoft.com/office/drawing/2014/main" id="{6BBF2FC4-59C6-4DF6-B7FB-CD055E7F0F7E}"/>
+              </a:ext>
+            </a:extLst>
+          </p:cNvPr>
+          <p:cNvPicPr>
+            <a:picLocks noChangeAspect="1"/>
+          </p:cNvPicPr>
+          <p:nvPr/>
+        </p:nvPicPr>
+        <p:blipFill>
+          <a:blip r:embed="rId3"/>
+          <a:stretch>
+            <a:fillRect/>
+          </a:stretch>
+        </p:blipFill>
+        <p:spPr>
+          <a:xfrm>
+            <a:off x="3576768" y="1887092"/>
+            <a:ext cx="8123357" cy="3883980"/>
+          </a:xfrm>
+          <a:prstGeom prst="rect">
+            <a:avLst/>
+          </a:prstGeom>
+        </p:spPr>
+      </p:pic>
+      <p:pic>
+        <p:nvPicPr>
+          <p:cNvPr id="1026" name="Picture 2" descr="Free Post It Note Transparent Background, Download Free Post It Note  Transparent Background png images, Free ClipArts on Clipart Library">
+            <a:extLst>
+              <a:ext uri="{FF2B5EF4-FFF2-40B4-BE49-F238E27FC236}">
+                <a16:creationId xmlns:a16="http://schemas.microsoft.com/office/drawing/2014/main" id="{53CE5109-B1FC-46D6-8D33-F116081B56E9}"/>
+              </a:ext>
+            </a:extLst>
+          </p:cNvPr>
+          <p:cNvPicPr>
+            <a:picLocks noChangeAspect="1" noChangeArrowheads="1"/>
+          </p:cNvPicPr>
+          <p:nvPr/>
+        </p:nvPicPr>
+        <p:blipFill>
+          <a:blip r:embed="rId4">
+            <a:extLst>
+              <a:ext uri="{28A0092B-C50C-407E-A947-70E740481C1C}">
+                <a14:useLocalDpi xmlns:a14="http://schemas.microsoft.com/office/drawing/2010/main" val="0"/>
+              </a:ext>
+            </a:extLst>
+          </a:blip>
+          <a:srcRect/>
+          <a:stretch>
+            <a:fillRect/>
+          </a:stretch>
+        </p:blipFill>
+        <p:spPr bwMode="auto">
+          <a:xfrm>
+            <a:off x="60386" y="168721"/>
+            <a:ext cx="864042" cy="837515"/>
+          </a:xfrm>
+          <a:prstGeom prst="rect">
+            <a:avLst/>
+          </a:prstGeom>
+          <a:noFill/>
+          <a:extLst>
+            <a:ext uri="{909E8E84-426E-40DD-AFC4-6F175D3DCCD1}">
+              <a14:hiddenFill xmlns:a14="http://schemas.microsoft.com/office/drawing/2010/main">
+                <a:solidFill>
+                  <a:srgbClr val="FFFFFF"/>
+                </a:solidFill>
+              </a14:hiddenFill>
+            </a:ext>
+          </a:extLst>
+        </p:spPr>
+      </p:pic>
+      <p:sp>
+        <p:nvSpPr>
+          <p:cNvPr id="7" name="TextBox 6">
+            <a:extLst>
+              <a:ext uri="{FF2B5EF4-FFF2-40B4-BE49-F238E27FC236}">
+                <a16:creationId xmlns:a16="http://schemas.microsoft.com/office/drawing/2014/main" id="{CCBC8FD2-90D7-4250-A8E1-E543BD9410CE}"/>
+              </a:ext>
+            </a:extLst>
+          </p:cNvPr>
+          <p:cNvSpPr txBox="1"/>
+          <p:nvPr/>
+        </p:nvSpPr>
+        <p:spPr>
+          <a:xfrm flipH="1">
+            <a:off x="2224454" y="4664305"/>
+            <a:ext cx="2287161" cy="369332"/>
+          </a:xfrm>
+          <a:prstGeom prst="rect">
+            <a:avLst/>
+          </a:prstGeom>
+          <a:noFill/>
+        </p:spPr>
+        <p:txBody>
+          <a:bodyPr wrap="square" rtlCol="0">
+            <a:spAutoFit/>
+          </a:bodyPr>
+          <a:lstStyle/>
+          <a:p>
+            <a:r>
+              <a:rPr lang="en-US" dirty="0"/>
+              <a:t>changes are saved to </a:t>
+            </a:r>
+          </a:p>
+        </p:txBody>
+      </p:sp>
+      <p:cxnSp>
+        <p:nvCxnSpPr>
+          <p:cNvPr id="9" name="Straight Arrow Connector 8">
+            <a:extLst>
+              <a:ext uri="{FF2B5EF4-FFF2-40B4-BE49-F238E27FC236}">
+                <a16:creationId xmlns:a16="http://schemas.microsoft.com/office/drawing/2014/main" id="{F44C3E90-D26A-4D4C-9A03-9797ECCE5AAE}"/>
+              </a:ext>
+            </a:extLst>
+          </p:cNvPr>
+          <p:cNvCxnSpPr>
+            <a:cxnSpLocks/>
+            <a:stCxn id="7" idx="1"/>
+          </p:cNvCxnSpPr>
+          <p:nvPr/>
+        </p:nvCxnSpPr>
+        <p:spPr>
+          <a:xfrm flipV="1">
+            <a:off x="4511615" y="4632385"/>
+            <a:ext cx="629728" cy="216586"/>
+          </a:xfrm>
+          <a:prstGeom prst="straightConnector1">
+            <a:avLst/>
+          </a:prstGeom>
+          <a:ln>
+            <a:tailEnd type="triangle"/>
+          </a:ln>
+        </p:spPr>
+        <p:style>
+          <a:lnRef idx="1">
+            <a:schemeClr val="accent1"/>
+          </a:lnRef>
+          <a:fillRef idx="0">
+            <a:schemeClr val="accent1"/>
+          </a:fillRef>
+          <a:effectRef idx="0">
+            <a:schemeClr val="accent1"/>
+          </a:effectRef>
+          <a:fontRef idx="minor">
+            <a:schemeClr val="tx1"/>
+          </a:fontRef>
+        </p:style>
+      </p:cxnSp>
+    </p:spTree>
+    <p:extLst>
+      <p:ext uri="{BB962C8B-B14F-4D97-AF65-F5344CB8AC3E}">
+        <p14:creationId xmlns:p14="http://schemas.microsoft.com/office/powerpoint/2010/main" val="3786251496"/>
       </p:ext>
     </p:extLst>
   </p:cSld>

--- a/NIST_Data_Leakage_Case/NIST_Data_Leakage_07_NetworkDrive_Cloud.pptx
+++ b/NIST_Data_Leakage_Case/NIST_Data_Leakage_07_NetworkDrive_Cloud.pptx
@@ -5,42 +5,44 @@
     <p:sldMasterId id="2147483648" r:id="rId1"/>
   </p:sldMasterIdLst>
   <p:notesMasterIdLst>
-    <p:notesMasterId r:id="rId35"/>
+    <p:notesMasterId r:id="rId37"/>
   </p:notesMasterIdLst>
   <p:sldIdLst>
     <p:sldId id="256" r:id="rId2"/>
-    <p:sldId id="287" r:id="rId3"/>
-    <p:sldId id="257" r:id="rId4"/>
-    <p:sldId id="285" r:id="rId5"/>
-    <p:sldId id="286" r:id="rId6"/>
-    <p:sldId id="288" r:id="rId7"/>
-    <p:sldId id="289" r:id="rId8"/>
-    <p:sldId id="261" r:id="rId9"/>
-    <p:sldId id="262" r:id="rId10"/>
-    <p:sldId id="263" r:id="rId11"/>
-    <p:sldId id="260" r:id="rId12"/>
-    <p:sldId id="266" r:id="rId13"/>
-    <p:sldId id="265" r:id="rId14"/>
-    <p:sldId id="267" r:id="rId15"/>
-    <p:sldId id="268" r:id="rId16"/>
-    <p:sldId id="264" r:id="rId17"/>
-    <p:sldId id="269" r:id="rId18"/>
-    <p:sldId id="270" r:id="rId19"/>
-    <p:sldId id="271" r:id="rId20"/>
-    <p:sldId id="272" r:id="rId21"/>
-    <p:sldId id="273" r:id="rId22"/>
-    <p:sldId id="274" r:id="rId23"/>
-    <p:sldId id="275" r:id="rId24"/>
-    <p:sldId id="276" r:id="rId25"/>
-    <p:sldId id="278" r:id="rId26"/>
-    <p:sldId id="277" r:id="rId27"/>
-    <p:sldId id="279" r:id="rId28"/>
-    <p:sldId id="280" r:id="rId29"/>
-    <p:sldId id="282" r:id="rId30"/>
-    <p:sldId id="281" r:id="rId31"/>
-    <p:sldId id="283" r:id="rId32"/>
-    <p:sldId id="284" r:id="rId33"/>
-    <p:sldId id="290" r:id="rId34"/>
+    <p:sldId id="378" r:id="rId3"/>
+    <p:sldId id="287" r:id="rId4"/>
+    <p:sldId id="257" r:id="rId5"/>
+    <p:sldId id="285" r:id="rId6"/>
+    <p:sldId id="286" r:id="rId7"/>
+    <p:sldId id="288" r:id="rId8"/>
+    <p:sldId id="289" r:id="rId9"/>
+    <p:sldId id="261" r:id="rId10"/>
+    <p:sldId id="262" r:id="rId11"/>
+    <p:sldId id="263" r:id="rId12"/>
+    <p:sldId id="260" r:id="rId13"/>
+    <p:sldId id="266" r:id="rId14"/>
+    <p:sldId id="265" r:id="rId15"/>
+    <p:sldId id="267" r:id="rId16"/>
+    <p:sldId id="268" r:id="rId17"/>
+    <p:sldId id="264" r:id="rId18"/>
+    <p:sldId id="269" r:id="rId19"/>
+    <p:sldId id="270" r:id="rId20"/>
+    <p:sldId id="271" r:id="rId21"/>
+    <p:sldId id="272" r:id="rId22"/>
+    <p:sldId id="273" r:id="rId23"/>
+    <p:sldId id="274" r:id="rId24"/>
+    <p:sldId id="275" r:id="rId25"/>
+    <p:sldId id="276" r:id="rId26"/>
+    <p:sldId id="278" r:id="rId27"/>
+    <p:sldId id="277" r:id="rId28"/>
+    <p:sldId id="279" r:id="rId29"/>
+    <p:sldId id="280" r:id="rId30"/>
+    <p:sldId id="282" r:id="rId31"/>
+    <p:sldId id="281" r:id="rId32"/>
+    <p:sldId id="283" r:id="rId33"/>
+    <p:sldId id="284" r:id="rId34"/>
+    <p:sldId id="291" r:id="rId35"/>
+    <p:sldId id="290" r:id="rId36"/>
   </p:sldIdLst>
   <p:sldSz cx="12192000" cy="6858000"/>
   <p:notesSz cx="6858000" cy="9144000"/>
@@ -150,7 +152,7 @@
 <file path=ppt/revisionInfo.xml><?xml version="1.0" encoding="utf-8"?>
 <p1510:revInfo xmlns:a="http://schemas.openxmlformats.org/drawingml/2006/main" xmlns:r="http://schemas.openxmlformats.org/officeDocument/2006/relationships" xmlns:p1510="http://schemas.microsoft.com/office/powerpoint/2015/10/main">
   <p1510:revLst>
-    <p1510:client id="{C88A9641-6870-405A-ACD5-6A71A77EE40E}" v="28" dt="2022-04-19T14:24:49.050"/>
+    <p1510:client id="{C88A9641-6870-405A-ACD5-6A71A77EE40E}" v="74" dt="2022-11-14T16:27:46.585"/>
   </p1510:revLst>
 </p1510:revInfo>
 </file>
@@ -293,18 +295,18 @@
   <pc:docChgLst>
     <pc:chgData name="Weifeng Xu" userId="e7aed605-a3dd-4d5a-a692-a87037af107b" providerId="ADAL" clId="{C88A9641-6870-405A-ACD5-6A71A77EE40E}"/>
     <pc:docChg chg="undo redo custSel addSld delSld modSld">
-      <pc:chgData name="Weifeng Xu" userId="e7aed605-a3dd-4d5a-a692-a87037af107b" providerId="ADAL" clId="{C88A9641-6870-405A-ACD5-6A71A77EE40E}" dt="2022-04-19T14:37:02.235" v="920"/>
+      <pc:chgData name="Weifeng Xu" userId="e7aed605-a3dd-4d5a-a692-a87037af107b" providerId="ADAL" clId="{C88A9641-6870-405A-ACD5-6A71A77EE40E}" dt="2022-11-14T16:29:39.699" v="1161" actId="5793"/>
       <pc:docMkLst>
         <pc:docMk/>
       </pc:docMkLst>
       <pc:sldChg chg="modSp mod modNotesTx">
-        <pc:chgData name="Weifeng Xu" userId="e7aed605-a3dd-4d5a-a692-a87037af107b" providerId="ADAL" clId="{C88A9641-6870-405A-ACD5-6A71A77EE40E}" dt="2021-11-16T20:59:22.695" v="676" actId="6549"/>
+        <pc:chgData name="Weifeng Xu" userId="e7aed605-a3dd-4d5a-a692-a87037af107b" providerId="ADAL" clId="{C88A9641-6870-405A-ACD5-6A71A77EE40E}" dt="2022-11-14T16:28:12.349" v="1155" actId="6549"/>
         <pc:sldMkLst>
           <pc:docMk/>
           <pc:sldMk cId="162022530" sldId="256"/>
         </pc:sldMkLst>
         <pc:spChg chg="mod">
-          <ac:chgData name="Weifeng Xu" userId="e7aed605-a3dd-4d5a-a692-a87037af107b" providerId="ADAL" clId="{C88A9641-6870-405A-ACD5-6A71A77EE40E}" dt="2021-11-13T15:27:37.179" v="249" actId="20577"/>
+          <ac:chgData name="Weifeng Xu" userId="e7aed605-a3dd-4d5a-a692-a87037af107b" providerId="ADAL" clId="{C88A9641-6870-405A-ACD5-6A71A77EE40E}" dt="2022-11-14T16:28:12.349" v="1155" actId="6549"/>
           <ac:spMkLst>
             <pc:docMk/>
             <pc:sldMk cId="162022530" sldId="256"/>
@@ -312,14 +314,180 @@
           </ac:spMkLst>
         </pc:spChg>
       </pc:sldChg>
+      <pc:sldChg chg="addSp delSp modSp mod modNotesTx">
+        <pc:chgData name="Weifeng Xu" userId="e7aed605-a3dd-4d5a-a692-a87037af107b" providerId="ADAL" clId="{C88A9641-6870-405A-ACD5-6A71A77EE40E}" dt="2022-11-10T14:27:34.932" v="1113" actId="1076"/>
+        <pc:sldMkLst>
+          <pc:docMk/>
+          <pc:sldMk cId="367085107" sldId="257"/>
+        </pc:sldMkLst>
+        <pc:spChg chg="mod">
+          <ac:chgData name="Weifeng Xu" userId="e7aed605-a3dd-4d5a-a692-a87037af107b" providerId="ADAL" clId="{C88A9641-6870-405A-ACD5-6A71A77EE40E}" dt="2022-11-04T15:29:54.662" v="1049" actId="20577"/>
+          <ac:spMkLst>
+            <pc:docMk/>
+            <pc:sldMk cId="367085107" sldId="257"/>
+            <ac:spMk id="2" creationId="{00000000-0000-0000-0000-000000000000}"/>
+          </ac:spMkLst>
+        </pc:spChg>
+        <pc:spChg chg="mod">
+          <ac:chgData name="Weifeng Xu" userId="e7aed605-a3dd-4d5a-a692-a87037af107b" providerId="ADAL" clId="{C88A9641-6870-405A-ACD5-6A71A77EE40E}" dt="2022-11-10T13:48:44.555" v="1102" actId="20577"/>
+          <ac:spMkLst>
+            <pc:docMk/>
+            <pc:sldMk cId="367085107" sldId="257"/>
+            <ac:spMk id="7" creationId="{00000000-0000-0000-0000-000000000000}"/>
+          </ac:spMkLst>
+        </pc:spChg>
+        <pc:picChg chg="add del mod">
+          <ac:chgData name="Weifeng Xu" userId="e7aed605-a3dd-4d5a-a692-a87037af107b" providerId="ADAL" clId="{C88A9641-6870-405A-ACD5-6A71A77EE40E}" dt="2022-11-10T13:44:41.529" v="1073" actId="478"/>
+          <ac:picMkLst>
+            <pc:docMk/>
+            <pc:sldMk cId="367085107" sldId="257"/>
+            <ac:picMk id="1026" creationId="{7857BD46-644F-B824-C531-1B53DCA363C4}"/>
+          </ac:picMkLst>
+        </pc:picChg>
+        <pc:picChg chg="add del mod">
+          <ac:chgData name="Weifeng Xu" userId="e7aed605-a3dd-4d5a-a692-a87037af107b" providerId="ADAL" clId="{C88A9641-6870-405A-ACD5-6A71A77EE40E}" dt="2022-11-10T13:46:38.565" v="1094" actId="478"/>
+          <ac:picMkLst>
+            <pc:docMk/>
+            <pc:sldMk cId="367085107" sldId="257"/>
+            <ac:picMk id="1028" creationId="{BB0582C1-56D0-558E-8D8E-DE557088BAF7}"/>
+          </ac:picMkLst>
+        </pc:picChg>
+        <pc:picChg chg="add mod">
+          <ac:chgData name="Weifeng Xu" userId="e7aed605-a3dd-4d5a-a692-a87037af107b" providerId="ADAL" clId="{C88A9641-6870-405A-ACD5-6A71A77EE40E}" dt="2022-11-10T14:27:28.517" v="1111" actId="1076"/>
+          <ac:picMkLst>
+            <pc:docMk/>
+            <pc:sldMk cId="367085107" sldId="257"/>
+            <ac:picMk id="1030" creationId="{97A85408-02CF-6124-5055-695C8510A089}"/>
+          </ac:picMkLst>
+        </pc:picChg>
+        <pc:picChg chg="add del mod">
+          <ac:chgData name="Weifeng Xu" userId="e7aed605-a3dd-4d5a-a692-a87037af107b" providerId="ADAL" clId="{C88A9641-6870-405A-ACD5-6A71A77EE40E}" dt="2022-11-10T14:27:14.115" v="1103" actId="478"/>
+          <ac:picMkLst>
+            <pc:docMk/>
+            <pc:sldMk cId="367085107" sldId="257"/>
+            <ac:picMk id="1032" creationId="{B38200BF-5899-3D10-62A8-EF887F0E4551}"/>
+          </ac:picMkLst>
+        </pc:picChg>
+        <pc:picChg chg="add mod">
+          <ac:chgData name="Weifeng Xu" userId="e7aed605-a3dd-4d5a-a692-a87037af107b" providerId="ADAL" clId="{C88A9641-6870-405A-ACD5-6A71A77EE40E}" dt="2022-11-10T14:27:34.932" v="1113" actId="1076"/>
+          <ac:picMkLst>
+            <pc:docMk/>
+            <pc:sldMk cId="367085107" sldId="257"/>
+            <ac:picMk id="1034" creationId="{57B73879-8F87-31A6-ADDA-29EE7AD5581E}"/>
+          </ac:picMkLst>
+        </pc:picChg>
+      </pc:sldChg>
+      <pc:sldChg chg="addSp delSp modSp mod">
+        <pc:chgData name="Weifeng Xu" userId="e7aed605-a3dd-4d5a-a692-a87037af107b" providerId="ADAL" clId="{C88A9641-6870-405A-ACD5-6A71A77EE40E}" dt="2022-11-04T01:15:00.069" v="1047"/>
+        <pc:sldMkLst>
+          <pc:docMk/>
+          <pc:sldMk cId="3966440503" sldId="261"/>
+        </pc:sldMkLst>
+        <pc:spChg chg="mod">
+          <ac:chgData name="Weifeng Xu" userId="e7aed605-a3dd-4d5a-a692-a87037af107b" providerId="ADAL" clId="{C88A9641-6870-405A-ACD5-6A71A77EE40E}" dt="2022-11-04T01:14:06.433" v="1035" actId="27636"/>
+          <ac:spMkLst>
+            <pc:docMk/>
+            <pc:sldMk cId="3966440503" sldId="261"/>
+            <ac:spMk id="3" creationId="{00000000-0000-0000-0000-000000000000}"/>
+          </ac:spMkLst>
+        </pc:spChg>
+        <pc:grpChg chg="mod">
+          <ac:chgData name="Weifeng Xu" userId="e7aed605-a3dd-4d5a-a692-a87037af107b" providerId="ADAL" clId="{C88A9641-6870-405A-ACD5-6A71A77EE40E}" dt="2022-11-04T01:14:39.108" v="1041"/>
+          <ac:grpSpMkLst>
+            <pc:docMk/>
+            <pc:sldMk cId="3966440503" sldId="261"/>
+            <ac:grpSpMk id="8" creationId="{E19FB63C-22AB-4076-1CAF-441AB1ADF7D8}"/>
+          </ac:grpSpMkLst>
+        </pc:grpChg>
+        <pc:grpChg chg="mod">
+          <ac:chgData name="Weifeng Xu" userId="e7aed605-a3dd-4d5a-a692-a87037af107b" providerId="ADAL" clId="{C88A9641-6870-405A-ACD5-6A71A77EE40E}" dt="2022-11-04T01:14:42.515" v="1044"/>
+          <ac:grpSpMkLst>
+            <pc:docMk/>
+            <pc:sldMk cId="3966440503" sldId="261"/>
+            <ac:grpSpMk id="11" creationId="{E13D712A-AB0C-573E-3EAF-22DAEF06940F}"/>
+          </ac:grpSpMkLst>
+        </pc:grpChg>
+        <pc:grpChg chg="mod">
+          <ac:chgData name="Weifeng Xu" userId="e7aed605-a3dd-4d5a-a692-a87037af107b" providerId="ADAL" clId="{C88A9641-6870-405A-ACD5-6A71A77EE40E}" dt="2022-11-04T01:15:00.069" v="1047"/>
+          <ac:grpSpMkLst>
+            <pc:docMk/>
+            <pc:sldMk cId="3966440503" sldId="261"/>
+            <ac:grpSpMk id="14" creationId="{75D9662F-7FB7-3738-C8AF-1911A9CC72AA}"/>
+          </ac:grpSpMkLst>
+        </pc:grpChg>
+        <pc:picChg chg="mod">
+          <ac:chgData name="Weifeng Xu" userId="e7aed605-a3dd-4d5a-a692-a87037af107b" providerId="ADAL" clId="{C88A9641-6870-405A-ACD5-6A71A77EE40E}" dt="2022-11-04T01:13:52.694" v="1030" actId="1076"/>
+          <ac:picMkLst>
+            <pc:docMk/>
+            <pc:sldMk cId="3966440503" sldId="261"/>
+            <ac:picMk id="4" creationId="{00000000-0000-0000-0000-000000000000}"/>
+          </ac:picMkLst>
+        </pc:picChg>
+        <pc:picChg chg="add mod">
+          <ac:chgData name="Weifeng Xu" userId="e7aed605-a3dd-4d5a-a692-a87037af107b" providerId="ADAL" clId="{C88A9641-6870-405A-ACD5-6A71A77EE40E}" dt="2022-11-04T01:14:10.194" v="1036" actId="1076"/>
+          <ac:picMkLst>
+            <pc:docMk/>
+            <pc:sldMk cId="3966440503" sldId="261"/>
+            <ac:picMk id="5" creationId="{894C361B-C164-711D-C3C5-72C4F7ABAAB1}"/>
+          </ac:picMkLst>
+        </pc:picChg>
+        <pc:inkChg chg="add mod">
+          <ac:chgData name="Weifeng Xu" userId="e7aed605-a3dd-4d5a-a692-a87037af107b" providerId="ADAL" clId="{C88A9641-6870-405A-ACD5-6A71A77EE40E}" dt="2022-11-04T01:14:39.108" v="1041"/>
+          <ac:inkMkLst>
+            <pc:docMk/>
+            <pc:sldMk cId="3966440503" sldId="261"/>
+            <ac:inkMk id="6" creationId="{DE48163F-BF8E-B3B6-140B-D163A4E03DA2}"/>
+          </ac:inkMkLst>
+        </pc:inkChg>
+        <pc:inkChg chg="add del mod">
+          <ac:chgData name="Weifeng Xu" userId="e7aed605-a3dd-4d5a-a692-a87037af107b" providerId="ADAL" clId="{C88A9641-6870-405A-ACD5-6A71A77EE40E}" dt="2022-11-04T01:14:39.108" v="1041"/>
+          <ac:inkMkLst>
+            <pc:docMk/>
+            <pc:sldMk cId="3966440503" sldId="261"/>
+            <ac:inkMk id="7" creationId="{1BE86B6F-89B5-F1CF-1C56-603CC2FF0063}"/>
+          </ac:inkMkLst>
+        </pc:inkChg>
+        <pc:inkChg chg="add mod">
+          <ac:chgData name="Weifeng Xu" userId="e7aed605-a3dd-4d5a-a692-a87037af107b" providerId="ADAL" clId="{C88A9641-6870-405A-ACD5-6A71A77EE40E}" dt="2022-11-04T01:14:42.515" v="1044"/>
+          <ac:inkMkLst>
+            <pc:docMk/>
+            <pc:sldMk cId="3966440503" sldId="261"/>
+            <ac:inkMk id="9" creationId="{A7E09CF2-86F6-866A-4156-361D559EED49}"/>
+          </ac:inkMkLst>
+        </pc:inkChg>
+        <pc:inkChg chg="add mod">
+          <ac:chgData name="Weifeng Xu" userId="e7aed605-a3dd-4d5a-a692-a87037af107b" providerId="ADAL" clId="{C88A9641-6870-405A-ACD5-6A71A77EE40E}" dt="2022-11-04T01:14:42.515" v="1044"/>
+          <ac:inkMkLst>
+            <pc:docMk/>
+            <pc:sldMk cId="3966440503" sldId="261"/>
+            <ac:inkMk id="10" creationId="{057A7566-CA53-16A7-F1A6-07DEDFD3E999}"/>
+          </ac:inkMkLst>
+        </pc:inkChg>
+        <pc:inkChg chg="add mod">
+          <ac:chgData name="Weifeng Xu" userId="e7aed605-a3dd-4d5a-a692-a87037af107b" providerId="ADAL" clId="{C88A9641-6870-405A-ACD5-6A71A77EE40E}" dt="2022-11-04T01:15:00.069" v="1047"/>
+          <ac:inkMkLst>
+            <pc:docMk/>
+            <pc:sldMk cId="3966440503" sldId="261"/>
+            <ac:inkMk id="12" creationId="{3E2870B1-102A-8F28-2DF0-51A0D11881C9}"/>
+          </ac:inkMkLst>
+        </pc:inkChg>
+        <pc:inkChg chg="add mod">
+          <ac:chgData name="Weifeng Xu" userId="e7aed605-a3dd-4d5a-a692-a87037af107b" providerId="ADAL" clId="{C88A9641-6870-405A-ACD5-6A71A77EE40E}" dt="2022-11-04T01:15:00.069" v="1047"/>
+          <ac:inkMkLst>
+            <pc:docMk/>
+            <pc:sldMk cId="3966440503" sldId="261"/>
+            <ac:inkMk id="13" creationId="{BEBBD3A6-3B91-2AE9-F7B5-92E99C86A8A5}"/>
+          </ac:inkMkLst>
+        </pc:inkChg>
+      </pc:sldChg>
       <pc:sldChg chg="modSp mod">
-        <pc:chgData name="Weifeng Xu" userId="e7aed605-a3dd-4d5a-a692-a87037af107b" providerId="ADAL" clId="{C88A9641-6870-405A-ACD5-6A71A77EE40E}" dt="2022-04-13T14:59:10.635" v="693" actId="20577"/>
+        <pc:chgData name="Weifeng Xu" userId="e7aed605-a3dd-4d5a-a692-a87037af107b" providerId="ADAL" clId="{C88A9641-6870-405A-ACD5-6A71A77EE40E}" dt="2022-04-19T22:22:05.770" v="926" actId="6549"/>
         <pc:sldMkLst>
           <pc:docMk/>
           <pc:sldMk cId="209040179" sldId="263"/>
         </pc:sldMkLst>
         <pc:spChg chg="mod">
-          <ac:chgData name="Weifeng Xu" userId="e7aed605-a3dd-4d5a-a692-a87037af107b" providerId="ADAL" clId="{C88A9641-6870-405A-ACD5-6A71A77EE40E}" dt="2022-04-13T14:59:10.635" v="693" actId="20577"/>
+          <ac:chgData name="Weifeng Xu" userId="e7aed605-a3dd-4d5a-a692-a87037af107b" providerId="ADAL" clId="{C88A9641-6870-405A-ACD5-6A71A77EE40E}" dt="2022-04-19T22:22:05.770" v="926" actId="6549"/>
           <ac:spMkLst>
             <pc:docMk/>
             <pc:sldMk cId="209040179" sldId="263"/>
@@ -374,7 +542,7 @@
         </pc:cxnChg>
       </pc:sldChg>
       <pc:sldChg chg="addSp modSp mod modNotesTx">
-        <pc:chgData name="Weifeng Xu" userId="e7aed605-a3dd-4d5a-a692-a87037af107b" providerId="ADAL" clId="{C88A9641-6870-405A-ACD5-6A71A77EE40E}" dt="2022-04-13T15:19:01.507" v="734" actId="20577"/>
+        <pc:chgData name="Weifeng Xu" userId="e7aed605-a3dd-4d5a-a692-a87037af107b" providerId="ADAL" clId="{C88A9641-6870-405A-ACD5-6A71A77EE40E}" dt="2022-04-19T22:46:58.148" v="927" actId="20577"/>
         <pc:sldMkLst>
           <pc:docMk/>
           <pc:sldMk cId="1413077334" sldId="271"/>
@@ -413,7 +581,7 @@
         </pc:picChg>
       </pc:sldChg>
       <pc:sldChg chg="addSp modSp mod modNotesTx">
-        <pc:chgData name="Weifeng Xu" userId="e7aed605-a3dd-4d5a-a692-a87037af107b" providerId="ADAL" clId="{C88A9641-6870-405A-ACD5-6A71A77EE40E}" dt="2022-04-19T14:20:36.446" v="869" actId="1076"/>
+        <pc:chgData name="Weifeng Xu" userId="e7aed605-a3dd-4d5a-a692-a87037af107b" providerId="ADAL" clId="{C88A9641-6870-405A-ACD5-6A71A77EE40E}" dt="2022-11-04T01:22:32.739" v="1048" actId="1076"/>
         <pc:sldMkLst>
           <pc:docMk/>
           <pc:sldMk cId="407093013" sldId="272"/>
@@ -435,7 +603,7 @@
           </ac:spMkLst>
         </pc:spChg>
         <pc:spChg chg="add mod">
-          <ac:chgData name="Weifeng Xu" userId="e7aed605-a3dd-4d5a-a692-a87037af107b" providerId="ADAL" clId="{C88A9641-6870-405A-ACD5-6A71A77EE40E}" dt="2022-04-19T14:20:28.768" v="868"/>
+          <ac:chgData name="Weifeng Xu" userId="e7aed605-a3dd-4d5a-a692-a87037af107b" providerId="ADAL" clId="{C88A9641-6870-405A-ACD5-6A71A77EE40E}" dt="2022-11-04T01:22:32.739" v="1048" actId="1076"/>
           <ac:spMkLst>
             <pc:docMk/>
             <pc:sldMk cId="407093013" sldId="272"/>
@@ -591,7 +759,7 @@
         </pc:spChg>
       </pc:sldChg>
       <pc:sldChg chg="addSp modSp mod">
-        <pc:chgData name="Weifeng Xu" userId="e7aed605-a3dd-4d5a-a692-a87037af107b" providerId="ADAL" clId="{C88A9641-6870-405A-ACD5-6A71A77EE40E}" dt="2021-11-16T03:19:02.642" v="486" actId="14100"/>
+        <pc:chgData name="Weifeng Xu" userId="e7aed605-a3dd-4d5a-a692-a87037af107b" providerId="ADAL" clId="{C88A9641-6870-405A-ACD5-6A71A77EE40E}" dt="2022-11-10T13:48:36.048" v="1101" actId="732"/>
         <pc:sldMkLst>
           <pc:docMk/>
           <pc:sldMk cId="1081932749" sldId="285"/>
@@ -604,8 +772,8 @@
             <ac:spMk id="10" creationId="{4C0A2281-8345-4E76-A7AF-5CDEB96A71DE}"/>
           </ac:spMkLst>
         </pc:spChg>
-        <pc:picChg chg="mod">
-          <ac:chgData name="Weifeng Xu" userId="e7aed605-a3dd-4d5a-a692-a87037af107b" providerId="ADAL" clId="{C88A9641-6870-405A-ACD5-6A71A77EE40E}" dt="2021-11-16T03:16:53.567" v="481" actId="1076"/>
+        <pc:picChg chg="mod modCrop">
+          <ac:chgData name="Weifeng Xu" userId="e7aed605-a3dd-4d5a-a692-a87037af107b" providerId="ADAL" clId="{C88A9641-6870-405A-ACD5-6A71A77EE40E}" dt="2022-11-10T13:48:36.048" v="1101" actId="732"/>
           <ac:picMkLst>
             <pc:docMk/>
             <pc:sldMk cId="1081932749" sldId="285"/>
@@ -622,11 +790,19 @@
         </pc:cxnChg>
       </pc:sldChg>
       <pc:sldChg chg="addSp delSp modSp mod modNotesTx">
-        <pc:chgData name="Weifeng Xu" userId="e7aed605-a3dd-4d5a-a692-a87037af107b" providerId="ADAL" clId="{C88A9641-6870-405A-ACD5-6A71A77EE40E}" dt="2021-11-16T03:53:20.225" v="657" actId="14100"/>
+        <pc:chgData name="Weifeng Xu" userId="e7aed605-a3dd-4d5a-a692-a87037af107b" providerId="ADAL" clId="{C88A9641-6870-405A-ACD5-6A71A77EE40E}" dt="2022-04-19T19:25:34.718" v="925" actId="1076"/>
         <pc:sldMkLst>
           <pc:docMk/>
           <pc:sldMk cId="3299497375" sldId="286"/>
         </pc:sldMkLst>
+        <pc:spChg chg="mod">
+          <ac:chgData name="Weifeng Xu" userId="e7aed605-a3dd-4d5a-a692-a87037af107b" providerId="ADAL" clId="{C88A9641-6870-405A-ACD5-6A71A77EE40E}" dt="2022-04-19T19:25:08.338" v="921" actId="1076"/>
+          <ac:spMkLst>
+            <pc:docMk/>
+            <pc:sldMk cId="3299497375" sldId="286"/>
+            <ac:spMk id="4" creationId="{00000000-0000-0000-0000-000000000000}"/>
+          </ac:spMkLst>
+        </pc:spChg>
         <pc:spChg chg="del">
           <ac:chgData name="Weifeng Xu" userId="e7aed605-a3dd-4d5a-a692-a87037af107b" providerId="ADAL" clId="{C88A9641-6870-405A-ACD5-6A71A77EE40E}" dt="2021-11-16T03:28:00.279" v="491" actId="21"/>
           <ac:spMkLst>
@@ -636,7 +812,7 @@
           </ac:spMkLst>
         </pc:spChg>
         <pc:spChg chg="add mod">
-          <ac:chgData name="Weifeng Xu" userId="e7aed605-a3dd-4d5a-a692-a87037af107b" providerId="ADAL" clId="{C88A9641-6870-405A-ACD5-6A71A77EE40E}" dt="2021-11-16T03:44:29.743" v="622" actId="20577"/>
+          <ac:chgData name="Weifeng Xu" userId="e7aed605-a3dd-4d5a-a692-a87037af107b" providerId="ADAL" clId="{C88A9641-6870-405A-ACD5-6A71A77EE40E}" dt="2022-04-19T19:25:08.338" v="921" actId="1076"/>
           <ac:spMkLst>
             <pc:docMk/>
             <pc:sldMk cId="3299497375" sldId="286"/>
@@ -644,7 +820,7 @@
           </ac:spMkLst>
         </pc:spChg>
         <pc:spChg chg="add mod">
-          <ac:chgData name="Weifeng Xu" userId="e7aed605-a3dd-4d5a-a692-a87037af107b" providerId="ADAL" clId="{C88A9641-6870-405A-ACD5-6A71A77EE40E}" dt="2021-11-16T03:30:23.556" v="533" actId="14100"/>
+          <ac:chgData name="Weifeng Xu" userId="e7aed605-a3dd-4d5a-a692-a87037af107b" providerId="ADAL" clId="{C88A9641-6870-405A-ACD5-6A71A77EE40E}" dt="2022-04-19T19:25:08.338" v="921" actId="1076"/>
           <ac:spMkLst>
             <pc:docMk/>
             <pc:sldMk cId="3299497375" sldId="286"/>
@@ -652,13 +828,29 @@
           </ac:spMkLst>
         </pc:spChg>
         <pc:spChg chg="add mod">
-          <ac:chgData name="Weifeng Xu" userId="e7aed605-a3dd-4d5a-a692-a87037af107b" providerId="ADAL" clId="{C88A9641-6870-405A-ACD5-6A71A77EE40E}" dt="2021-11-16T03:30:33.016" v="536" actId="14100"/>
+          <ac:chgData name="Weifeng Xu" userId="e7aed605-a3dd-4d5a-a692-a87037af107b" providerId="ADAL" clId="{C88A9641-6870-405A-ACD5-6A71A77EE40E}" dt="2022-04-19T19:25:08.338" v="921" actId="1076"/>
           <ac:spMkLst>
             <pc:docMk/>
             <pc:sldMk cId="3299497375" sldId="286"/>
             <ac:spMk id="11" creationId="{E19AC702-D50F-4F43-987E-F9B6B1119D96}"/>
           </ac:spMkLst>
         </pc:spChg>
+        <pc:spChg chg="add mod">
+          <ac:chgData name="Weifeng Xu" userId="e7aed605-a3dd-4d5a-a692-a87037af107b" providerId="ADAL" clId="{C88A9641-6870-405A-ACD5-6A71A77EE40E}" dt="2022-04-19T19:25:34.718" v="925" actId="1076"/>
+          <ac:spMkLst>
+            <pc:docMk/>
+            <pc:sldMk cId="3299497375" sldId="286"/>
+            <ac:spMk id="12" creationId="{D20A93CF-243A-432B-8E6F-97EB756C04BE}"/>
+          </ac:spMkLst>
+        </pc:spChg>
+        <pc:picChg chg="mod">
+          <ac:chgData name="Weifeng Xu" userId="e7aed605-a3dd-4d5a-a692-a87037af107b" providerId="ADAL" clId="{C88A9641-6870-405A-ACD5-6A71A77EE40E}" dt="2022-04-19T19:25:08.338" v="921" actId="1076"/>
+          <ac:picMkLst>
+            <pc:docMk/>
+            <pc:sldMk cId="3299497375" sldId="286"/>
+            <ac:picMk id="3" creationId="{00000000-0000-0000-0000-000000000000}"/>
+          </ac:picMkLst>
+        </pc:picChg>
         <pc:picChg chg="del">
           <ac:chgData name="Weifeng Xu" userId="e7aed605-a3dd-4d5a-a692-a87037af107b" providerId="ADAL" clId="{C88A9641-6870-405A-ACD5-6A71A77EE40E}" dt="2021-11-16T03:28:00.279" v="491" actId="21"/>
           <ac:picMkLst>
@@ -667,8 +859,16 @@
             <ac:picMk id="5" creationId="{00000000-0000-0000-0000-000000000000}"/>
           </ac:picMkLst>
         </pc:picChg>
+        <pc:picChg chg="add mod">
+          <ac:chgData name="Weifeng Xu" userId="e7aed605-a3dd-4d5a-a692-a87037af107b" providerId="ADAL" clId="{C88A9641-6870-405A-ACD5-6A71A77EE40E}" dt="2022-04-19T19:25:19.509" v="923" actId="1076"/>
+          <ac:picMkLst>
+            <pc:docMk/>
+            <pc:sldMk cId="3299497375" sldId="286"/>
+            <ac:picMk id="13" creationId="{EDEC7EE7-7AEC-40E6-AC25-6EC194519983}"/>
+          </ac:picMkLst>
+        </pc:picChg>
         <pc:cxnChg chg="add mod">
-          <ac:chgData name="Weifeng Xu" userId="e7aed605-a3dd-4d5a-a692-a87037af107b" providerId="ADAL" clId="{C88A9641-6870-405A-ACD5-6A71A77EE40E}" dt="2021-11-16T03:53:20.225" v="657" actId="14100"/>
+          <ac:chgData name="Weifeng Xu" userId="e7aed605-a3dd-4d5a-a692-a87037af107b" providerId="ADAL" clId="{C88A9641-6870-405A-ACD5-6A71A77EE40E}" dt="2022-04-19T19:25:08.338" v="921" actId="1076"/>
           <ac:cxnSpMkLst>
             <pc:docMk/>
             <pc:sldMk cId="3299497375" sldId="286"/>
@@ -677,7 +877,7 @@
         </pc:cxnChg>
       </pc:sldChg>
       <pc:sldChg chg="modSp new mod">
-        <pc:chgData name="Weifeng Xu" userId="e7aed605-a3dd-4d5a-a692-a87037af107b" providerId="ADAL" clId="{C88A9641-6870-405A-ACD5-6A71A77EE40E}" dt="2022-04-19T13:02:00.954" v="867" actId="20577"/>
+        <pc:chgData name="Weifeng Xu" userId="e7aed605-a3dd-4d5a-a692-a87037af107b" providerId="ADAL" clId="{C88A9641-6870-405A-ACD5-6A71A77EE40E}" dt="2022-11-14T16:29:39.699" v="1161" actId="5793"/>
         <pc:sldMkLst>
           <pc:docMk/>
           <pc:sldMk cId="2772101945" sldId="287"/>
@@ -691,7 +891,7 @@
           </ac:spMkLst>
         </pc:spChg>
         <pc:spChg chg="mod">
-          <ac:chgData name="Weifeng Xu" userId="e7aed605-a3dd-4d5a-a692-a87037af107b" providerId="ADAL" clId="{C88A9641-6870-405A-ACD5-6A71A77EE40E}" dt="2022-04-19T13:02:00.954" v="867" actId="20577"/>
+          <ac:chgData name="Weifeng Xu" userId="e7aed605-a3dd-4d5a-a692-a87037af107b" providerId="ADAL" clId="{C88A9641-6870-405A-ACD5-6A71A77EE40E}" dt="2022-11-14T16:29:39.699" v="1161" actId="5793"/>
           <ac:spMkLst>
             <pc:docMk/>
             <pc:sldMk cId="2772101945" sldId="287"/>
@@ -862,6 +1062,68 @@
           </ac:cxnSpMkLst>
         </pc:cxnChg>
       </pc:sldChg>
+      <pc:sldChg chg="addSp delSp modSp new mod modClrScheme chgLayout modNotesTx">
+        <pc:chgData name="Weifeng Xu" userId="e7aed605-a3dd-4d5a-a692-a87037af107b" providerId="ADAL" clId="{C88A9641-6870-405A-ACD5-6A71A77EE40E}" dt="2022-04-20T00:05:01.775" v="1029" actId="1076"/>
+        <pc:sldMkLst>
+          <pc:docMk/>
+          <pc:sldMk cId="117981340" sldId="291"/>
+        </pc:sldMkLst>
+        <pc:spChg chg="del">
+          <ac:chgData name="Weifeng Xu" userId="e7aed605-a3dd-4d5a-a692-a87037af107b" providerId="ADAL" clId="{C88A9641-6870-405A-ACD5-6A71A77EE40E}" dt="2022-04-20T00:01:44.677" v="929" actId="700"/>
+          <ac:spMkLst>
+            <pc:docMk/>
+            <pc:sldMk cId="117981340" sldId="291"/>
+            <ac:spMk id="2" creationId="{0C7A8881-C239-4DFF-9B51-BAEF0ED8EE0A}"/>
+          </ac:spMkLst>
+        </pc:spChg>
+        <pc:spChg chg="add mod">
+          <ac:chgData name="Weifeng Xu" userId="e7aed605-a3dd-4d5a-a692-a87037af107b" providerId="ADAL" clId="{C88A9641-6870-405A-ACD5-6A71A77EE40E}" dt="2022-04-20T00:03:09.848" v="961" actId="1076"/>
+          <ac:spMkLst>
+            <pc:docMk/>
+            <pc:sldMk cId="117981340" sldId="291"/>
+            <ac:spMk id="6" creationId="{F5D3FFD4-CF1C-4C58-B0DC-4F1A2DAE2163}"/>
+          </ac:spMkLst>
+        </pc:spChg>
+        <pc:spChg chg="add mod">
+          <ac:chgData name="Weifeng Xu" userId="e7aed605-a3dd-4d5a-a692-a87037af107b" providerId="ADAL" clId="{C88A9641-6870-405A-ACD5-6A71A77EE40E}" dt="2022-04-20T00:05:01.775" v="1029" actId="1076"/>
+          <ac:spMkLst>
+            <pc:docMk/>
+            <pc:sldMk cId="117981340" sldId="291"/>
+            <ac:spMk id="7" creationId="{88139605-6B78-4242-B0B1-4211CE37667C}"/>
+          </ac:spMkLst>
+        </pc:spChg>
+        <pc:picChg chg="add mod">
+          <ac:chgData name="Weifeng Xu" userId="e7aed605-a3dd-4d5a-a692-a87037af107b" providerId="ADAL" clId="{C88A9641-6870-405A-ACD5-6A71A77EE40E}" dt="2022-04-20T00:03:11.517" v="962" actId="1076"/>
+          <ac:picMkLst>
+            <pc:docMk/>
+            <pc:sldMk cId="117981340" sldId="291"/>
+            <ac:picMk id="4" creationId="{B36738FE-528A-4686-8577-E2836703A847}"/>
+          </ac:picMkLst>
+        </pc:picChg>
+      </pc:sldChg>
+      <pc:sldChg chg="modSp add mod">
+        <pc:chgData name="Weifeng Xu" userId="e7aed605-a3dd-4d5a-a692-a87037af107b" providerId="ADAL" clId="{C88A9641-6870-405A-ACD5-6A71A77EE40E}" dt="2022-11-10T13:40:31.381" v="1068" actId="207"/>
+        <pc:sldMkLst>
+          <pc:docMk/>
+          <pc:sldMk cId="4145028640" sldId="378"/>
+        </pc:sldMkLst>
+        <pc:spChg chg="mod">
+          <ac:chgData name="Weifeng Xu" userId="e7aed605-a3dd-4d5a-a692-a87037af107b" providerId="ADAL" clId="{C88A9641-6870-405A-ACD5-6A71A77EE40E}" dt="2022-11-10T13:40:19.124" v="1063" actId="20577"/>
+          <ac:spMkLst>
+            <pc:docMk/>
+            <pc:sldMk cId="4145028640" sldId="378"/>
+            <ac:spMk id="2" creationId="{952D45C0-7FFB-0EB1-FB11-63E8A3ACB906}"/>
+          </ac:spMkLst>
+        </pc:spChg>
+        <pc:spChg chg="mod">
+          <ac:chgData name="Weifeng Xu" userId="e7aed605-a3dd-4d5a-a692-a87037af107b" providerId="ADAL" clId="{C88A9641-6870-405A-ACD5-6A71A77EE40E}" dt="2022-11-10T13:40:31.381" v="1068" actId="207"/>
+          <ac:spMkLst>
+            <pc:docMk/>
+            <pc:sldMk cId="4145028640" sldId="378"/>
+            <ac:spMk id="3" creationId="{F44BD025-7B0F-EC27-C3F4-87FAA4532BB5}"/>
+          </ac:spMkLst>
+        </pc:spChg>
+      </pc:sldChg>
     </pc:docChg>
   </pc:docChgLst>
   <pc:docChgLst>
@@ -923,6 +1185,146 @@
 </pc:chgInfo>
 </file>
 
+<file path=ppt/ink/ink1.xml><?xml version="1.0" encoding="utf-8"?>
+<inkml:ink xmlns:inkml="http://www.w3.org/2003/InkML">
+  <inkml:definitions>
+    <inkml:context xml:id="ctx0">
+      <inkml:inkSource xml:id="inkSrc0">
+        <inkml:traceFormat>
+          <inkml:channel name="X" type="integer" min="-2.14748E9" max="2.14748E9" units="cm"/>
+          <inkml:channel name="Y" type="integer" min="-2.14748E9" max="2.14748E9" units="cm"/>
+          <inkml:channel name="F" type="integer" max="32767" units="dev"/>
+        </inkml:traceFormat>
+        <inkml:channelProperties>
+          <inkml:channelProperty channel="X" name="resolution" value="1000" units="1/cm"/>
+          <inkml:channelProperty channel="Y" name="resolution" value="1000" units="1/cm"/>
+          <inkml:channelProperty channel="F" name="resolution" value="0" units="1/dev"/>
+        </inkml:channelProperties>
+      </inkml:inkSource>
+      <inkml:timestamp xml:id="ts0" timeString="2022-11-04T01:14:33.772"/>
+    </inkml:context>
+    <inkml:brush xml:id="br0">
+      <inkml:brushProperty name="width" value="0.05" units="cm"/>
+      <inkml:brushProperty name="height" value="0.05" units="cm"/>
+      <inkml:brushProperty name="color" value="#E71224"/>
+    </inkml:brush>
+  </inkml:definitions>
+  <inkml:trace contextRef="#ctx0" brushRef="#br0">1315 125 24575,'-1'-2'0,"1"1"0,-1 0 0,1-1 0,-1 1 0,1 0 0,-1-1 0,0 1 0,0 0 0,0 0 0,0 0 0,0 0 0,0 0 0,0 0 0,0 0 0,0 0 0,0 0 0,-1 0 0,1 0 0,0 1 0,0-1 0,-1 1 0,-1-2 0,-32-9 0,8 7 0,1 1 0,-1 2 0,-46 3 0,17-1 0,41 0 0,-1 1 0,-25 5 0,24-3 0,0-1 0,-19 1 0,15-2 0,-41 8 0,22-2 0,-4 0 0,23-3 0,-1-2 0,-34 2 0,24-3 0,0 2 0,0 0 0,-49 15 0,52-11 0,18-5 0,1 1 0,-1 0 0,-11 7 0,-28 10 0,35-15 0,-1 0 0,-19 11 0,3-1 0,24-12 0,0 1 0,0 0 0,1 0 0,0 0 0,-11 11 0,-18 15 0,30-27 0,1 1 0,1-1 0,-1 1 0,1 0 0,-1 0 0,2 1 0,-1-1 0,-4 10 0,4-9 0,1 0 0,-1 0 0,0 0 0,-1-1 0,1 1 0,-11 8 0,13-12 0,-1 0 0,1 1 0,-1-1 0,1 1 0,0-1 0,0 1 0,0 0 0,0 0 0,0 0 0,1 0 0,0 0 0,-1 1 0,0 3 0,-5 45 0,1-4 0,1-19 0,1 0 0,1 0 0,1 0 0,2 1 0,4 37 0,-3-60 0,1-1 0,-1 1 0,1-1 0,1 0 0,-1 0 0,1 0 0,0 0 0,1 0 0,-1-1 0,1 1 0,5 5 0,3 2 0,0 0 0,27 21 0,60 33 0,-53-39 0,4 0 0,-35-20 0,-1 0 0,1 0 0,15 14 0,-16-13 0,-1 0 0,1-2 0,0 1 0,1-2 0,24 8 0,221 63 0,-221-67 0,1-2 0,41 4 0,-78-12 0,70 6 0,111-6 0,-72-2 0,676 2-1136,-642-13 1136,-85 5 0,113-13-2,-110 12 155,-31 4 26,45-1 0,-46 4-26,39-6 0,-39 3 0,38-1-1,327 7-136,-374-2-16,0-1 0,24-6 0,-24 4 0,46-3 0,-50 7 0,4 1 0,-1-1 0,1-1 0,0-2 0,-1 0 0,1-1 0,39-13 0,-13 0 0,-29 11 0,0-1 0,-1-1 0,20-12 0,-30 15 0,0 0 0,-1-1 0,1-1 0,-1 1 0,-1-1 0,0 0 0,0-1 0,0 0 0,9-14 0,12-17 0,-20 30 0,-1-1 0,0 1 0,0-2 0,-1 1 0,-1-1 0,6-13 0,6-24 0,8-25 0,-19 44 0,0 0 0,-2-1 0,1-44 0,-3 21 0,-1 32 0,-1 0 0,0-1 0,-1 1 0,-5-23 0,3 36 0,0-1 0,0 1 0,0 1 0,-1-1 0,0 0 0,-1 1 0,-7-10 0,-44-46 0,8 10 0,36 42 0,0 0 0,-1 0 0,0 1 0,-1 1 0,0 0 0,0 0 0,-1 2 0,-24-10 0,9 4 0,-125-48 0,140 56 0,-1 1 0,1 0 0,-1 1 0,0 1 0,0 0 0,-16 1 0,-44-6 0,29-2 0,15 2 0,-1 1 0,-59-1 0,17 6 0,-75 3 0,138 0-227,1 0-1,0 0 1,0 1-1,0 0 1,-13 7-1,12-4-6598</inkml:trace>
+</inkml:ink>
+</file>
+
+<file path=ppt/ink/ink2.xml><?xml version="1.0" encoding="utf-8"?>
+<inkml:ink xmlns:inkml="http://www.w3.org/2003/InkML">
+  <inkml:definitions>
+    <inkml:context xml:id="ctx0">
+      <inkml:inkSource xml:id="inkSrc0">
+        <inkml:traceFormat>
+          <inkml:channel name="X" type="integer" min="-2.14748E9" max="2.14748E9" units="cm"/>
+          <inkml:channel name="Y" type="integer" min="-2.14748E9" max="2.14748E9" units="cm"/>
+          <inkml:channel name="F" type="integer" max="32767" units="dev"/>
+        </inkml:traceFormat>
+        <inkml:channelProperties>
+          <inkml:channelProperty channel="X" name="resolution" value="1000" units="1/cm"/>
+          <inkml:channelProperty channel="Y" name="resolution" value="1000" units="1/cm"/>
+          <inkml:channelProperty channel="F" name="resolution" value="0" units="1/dev"/>
+        </inkml:channelProperties>
+      </inkml:inkSource>
+      <inkml:timestamp xml:id="ts0" timeString="2022-11-04T01:14:40.983"/>
+    </inkml:context>
+    <inkml:brush xml:id="br0">
+      <inkml:brushProperty name="width" value="0.05" units="cm"/>
+      <inkml:brushProperty name="height" value="0.05" units="cm"/>
+      <inkml:brushProperty name="color" value="#E71224"/>
+    </inkml:brush>
+  </inkml:definitions>
+  <inkml:trace contextRef="#ctx0" brushRef="#br0">1 45 24575,'0'-1'0,"0"0"0,0 0 0,1 1 0,-1-1 0,0 0 0,1 0 0,-1 1 0,1-1 0,-1 1 0,1-1 0,-1 0 0,1 1 0,-1-1 0,1 1 0,-1-1 0,1 1 0,0-1 0,-1 1 0,1 0 0,0-1 0,0 1 0,-1 0 0,1-1 0,1 1 0,26-7 0,-15 4 0,6-2 0,0 0 0,0 1 0,0 1 0,28-1 0,82 6 0,-46 0 0,428-2 0,-485 1 0,45 8 0,-43-4 0,35 1 0,-4-5-91,200 14-827,-137 1 506,247 40-1830,-139-13 1550,24-15 692,-102-15 0,607 81-1956,-687-84 2004,244 21-1094,409 45 1030,-449-36-938,174 22 760,-327-43 194,84 8 0,93 6 860,-168-15-614,23-1-175,168 26 167,-179-10-224,29 5-17,94 9 3,-52-9 0,240 41 0,-52-26 0,116 30 0,-386-58-42,114 25-68,-33-13 483,1 0 2,8 14-375,-125-34 249,-71-14-134,0 1 0,0 2 0,37 12 0,234 91 1538,-279-100-848,0 0 1,30 20-1,6 3 143,321 157-223,-214-94-725,-123-71-225,1-2-1,58 23 1,1 0 247,28 25-760,21 10 588,-125-68 635,27 20 1,17 10-80,-49-33-408,-5-1 35,1-1 1,0-1-1,0-1 1,17 5-1,-21-6-33,0 0 0,-1 0 0,0 1 0,0 0 0,0 0 0,-1 1 0,0 0 0,0 1 0,0 0 0,9 11 0,-6-7 0,0 0 0,1-1 0,23 15 0,-16-14 0,-1 1 0,-1 1 0,0 0 0,0 2 0,-1 0 0,-1 0 0,24 33 0,-33-40 0,0-1 0,1 0 0,12 11 0,-13-13 0,0 0 0,0 0 0,-1 1 0,0 0 0,0 0 0,8 13 0,13 26 0,41 57 0,-19-33 0,-6-18 0,-30-39 0,-1 1 0,11 16 0,49 105 0,-39-70 0,-20-44 0,22 31 0,-22-36 0,-1 1 0,0 1 0,9 20 0,8 25 0,-7-17 0,20 60 0,-35-86 0,2 0 0,15 26 0,-15-30 0,0 0 0,-1 0 0,-1 1 0,7 25 0,-6-14 0,2 1 0,1-2 0,26 49 0,-1-4 0,-26-48 0,2 1 0,-1 0 0,12 47 0,-16-49 0,1-1 0,1 0 0,16 29 0,7 20 0,19 70 0,-24-83 0,-17-39 0,13 37 0,-15-36 0,1 0 0,1 0 0,14 23 0,1 0 0,-19-33 0,1-1 0,-1 1 0,2-1 0,-1-1 0,1 1 0,0-1 0,11 9 0,-5-5 0,4 6 0,-1 1 0,25 35 0,3 4 0,-17-14 0,-6-9 0,-11-22 0,0 0 0,0-1 0,2-1 0,16 14 0,-3-4 0,13 17 0,-29-27 0,1 0 0,0 0 0,19 12 0,-12-8 0,-15-12 0,-1 0 0,1 0 0,0 0 0,1-1 0,-1 1 0,0-1 0,0 1 0,5 1 0,1-7 0,-3-14 0,-4-19-1365,-1 18-5461</inkml:trace>
+</inkml:ink>
+</file>
+
+<file path=ppt/ink/ink3.xml><?xml version="1.0" encoding="utf-8"?>
+<inkml:ink xmlns:inkml="http://www.w3.org/2003/InkML">
+  <inkml:definitions>
+    <inkml:context xml:id="ctx0">
+      <inkml:inkSource xml:id="inkSrc0">
+        <inkml:traceFormat>
+          <inkml:channel name="X" type="integer" min="-2.14748E9" max="2.14748E9" units="cm"/>
+          <inkml:channel name="Y" type="integer" min="-2.14748E9" max="2.14748E9" units="cm"/>
+          <inkml:channel name="F" type="integer" max="32767" units="dev"/>
+        </inkml:traceFormat>
+        <inkml:channelProperties>
+          <inkml:channelProperty channel="X" name="resolution" value="1000" units="1/cm"/>
+          <inkml:channelProperty channel="Y" name="resolution" value="1000" units="1/cm"/>
+          <inkml:channelProperty channel="F" name="resolution" value="0" units="1/dev"/>
+        </inkml:channelProperties>
+      </inkml:inkSource>
+      <inkml:timestamp xml:id="ts0" timeString="2022-11-04T01:14:41.955"/>
+    </inkml:context>
+    <inkml:brush xml:id="br0">
+      <inkml:brushProperty name="width" value="0.05" units="cm"/>
+      <inkml:brushProperty name="height" value="0.05" units="cm"/>
+      <inkml:brushProperty name="color" value="#E71224"/>
+    </inkml:brush>
+  </inkml:definitions>
+  <inkml:trace contextRef="#ctx0" brushRef="#br0">223 1 24575,'1'4'0,"-1"1"0,1 0 0,0-1 0,0 1 0,0 0 0,1-1 0,-1 1 0,1-1 0,1 0 0,-1 1 0,3 3 0,57 96 0,-16-24 0,-44-76 0,1 1 0,-1-1 0,0 1 0,-1 0 0,1 0 0,-1-1 0,0 1 0,0 0 0,0 0 0,-1 0 0,0 0 0,0 10 0,-1-13 0,1 1 0,0-1 0,-1 1 0,0-1 0,1 0 0,-1 1 0,0-1 0,0 1 0,0-1 0,0 0 0,-1 0 0,1 0 0,-1 0 0,1 0 0,-1 0 0,0 0 0,0 0 0,0-1 0,0 1 0,0-1 0,0 1 0,0-1 0,0 0 0,0 0 0,-1 0 0,-3 2 0,-45 11 0,-45 11 0,69-22-52,0-1-1,-43-2 1,35-1-1156,17 1-5618</inkml:trace>
+</inkml:ink>
+</file>
+
+<file path=ppt/ink/ink4.xml><?xml version="1.0" encoding="utf-8"?>
+<inkml:ink xmlns:inkml="http://www.w3.org/2003/InkML">
+  <inkml:definitions>
+    <inkml:context xml:id="ctx0">
+      <inkml:inkSource xml:id="inkSrc0">
+        <inkml:traceFormat>
+          <inkml:channel name="X" type="integer" min="-2.14748E9" max="2.14748E9" units="cm"/>
+          <inkml:channel name="Y" type="integer" min="-2.14748E9" max="2.14748E9" units="cm"/>
+          <inkml:channel name="F" type="integer" max="32767" units="dev"/>
+        </inkml:traceFormat>
+        <inkml:channelProperties>
+          <inkml:channelProperty channel="X" name="resolution" value="1000" units="1/cm"/>
+          <inkml:channelProperty channel="Y" name="resolution" value="1000" units="1/cm"/>
+          <inkml:channelProperty channel="F" name="resolution" value="0" units="1/dev"/>
+        </inkml:channelProperties>
+      </inkml:inkSource>
+      <inkml:timestamp xml:id="ts0" timeString="2022-11-04T01:14:56.634"/>
+    </inkml:context>
+    <inkml:brush xml:id="br0">
+      <inkml:brushProperty name="width" value="0.05" units="cm"/>
+      <inkml:brushProperty name="height" value="0.05" units="cm"/>
+      <inkml:brushProperty name="color" value="#004F8B"/>
+    </inkml:brush>
+  </inkml:definitions>
+  <inkml:trace contextRef="#ctx0" brushRef="#br0">473 183 24575,'-1'4'0,"0"1"0,0-1 0,0 0 0,0 1 0,-1-1 0,0 0 0,1 0 0,-2 0 0,1 0 0,0 0 0,-1-1 0,-5 7 0,-50 49 0,36-38 0,9-10 0,-1-2 0,0 1 0,0-2 0,0 0 0,-31 11 0,27-11 0,-8 2 0,22-9 0,0 0 0,0 1 0,-1-1 0,1 1 0,0 0 0,0 0 0,1 0 0,-1 1 0,0-1 0,1 1 0,-1 0 0,-4 5 0,-14 20 0,9-12 0,-22 34 0,23-28 0,1 1 0,1 0 0,1 1 0,1 0 0,-8 39 0,10-22 0,1-1 0,1 70 0,4-77 0,0-7 0,0-1 0,8 47 0,-6-64 0,0 1 0,1-1 0,0 0 0,0 0 0,1 0 0,0 0 0,0 0 0,0-1 0,1 0 0,1 0 0,-1 0 0,8 7 0,4 2 0,-1 1 0,0-2 0,1 0 0,0 0 0,1-2 0,1 0 0,0-1 0,24 10 0,17-1 0,92 20 0,-30-21 0,-84-14 0,-1-2 0,0-2 0,68-4 0,-22-1 0,10 2 0,101 3 0,-141 7 0,-42-6 0,0-1 0,-1 0 0,1-1 0,17 0 0,-24-2 0,1 0 0,-1 1 0,1-1 0,-1-1 0,0 1 0,0-1 0,1 1 0,-1-1 0,0-1 0,0 1 0,-1 0 0,1-1 0,0 0 0,5-5 0,35-42 0,-33 36 0,0 1 0,1 0 0,18-15 0,-22 21 0,0 0 0,-1-1 0,0 0 0,0 0 0,-1-1 0,7-12 0,27-58 0,-39 77 0,60-142 0,-38 93 0,22-76 0,-40 101 0,-2 0 0,0-1 0,-2 0 0,0 0 0,-5-27 0,2-18 0,3 42 0,-1 14 0,0 0 0,-3-26 0,2 36 0,0 1 0,-1 0 0,1 0 0,-1 0 0,0 0 0,0 1 0,-1-1 0,1 0 0,-1 1 0,0 0 0,0 0 0,-5-5 0,-8-9 0,-21-30 0,25 32 0,0 0 0,0 1 0,-21-19 0,-2 6 0,-1 1 0,-1 3 0,-2 1 0,-79-36 0,102 54 0,1 0 0,-1 2 0,-32-5 0,11 3 0,-91-18-1365,114 20-5461</inkml:trace>
+</inkml:ink>
+</file>
+
+<file path=ppt/ink/ink5.xml><?xml version="1.0" encoding="utf-8"?>
+<inkml:ink xmlns:inkml="http://www.w3.org/2003/InkML">
+  <inkml:definitions>
+    <inkml:context xml:id="ctx0">
+      <inkml:inkSource xml:id="inkSrc0">
+        <inkml:traceFormat>
+          <inkml:channel name="X" type="integer" min="-2.14748E9" max="2.14748E9" units="cm"/>
+          <inkml:channel name="Y" type="integer" min="-2.14748E9" max="2.14748E9" units="cm"/>
+          <inkml:channel name="F" type="integer" max="32767" units="dev"/>
+        </inkml:traceFormat>
+        <inkml:channelProperties>
+          <inkml:channelProperty channel="X" name="resolution" value="1000" units="1/cm"/>
+          <inkml:channelProperty channel="Y" name="resolution" value="1000" units="1/cm"/>
+          <inkml:channelProperty channel="F" name="resolution" value="0" units="1/dev"/>
+        </inkml:channelProperties>
+      </inkml:inkSource>
+      <inkml:timestamp xml:id="ts0" timeString="2022-11-04T01:14:59.433"/>
+    </inkml:context>
+    <inkml:brush xml:id="br0">
+      <inkml:brushProperty name="width" value="0.05" units="cm"/>
+      <inkml:brushProperty name="height" value="0.05" units="cm"/>
+      <inkml:brushProperty name="color" value="#004F8B"/>
+    </inkml:brush>
+  </inkml:definitions>
+  <inkml:trace contextRef="#ctx0" brushRef="#br0">8872 0 24575,'1'7'0,"0"0"0,0 0 0,1 0 0,0 0 0,0 0 0,1-1 0,5 12 0,-4-10 0,0 0 0,-1 0 0,0 0 0,-1 0 0,2 10 0,1 38 0,-4-33 0,2 0 0,0 0 0,1 0 0,9 26 0,-7-25 0,-2-1 0,0 1 0,-1 0 0,-2 0 0,0 0 0,-5 37 0,2 10 0,2 400 0,-2-452 0,-1 0 0,0 1 0,-1-1 0,-1-1 0,-1 1 0,-1-1 0,-11 21 0,-7 23 0,22-49 0,-1 0 0,2 0 0,-2 20 0,3-20 0,-1-1 0,0 0 0,0 0 0,-7 19 0,-22 61 0,14-35 0,11-38 0,2 2 0,0-1 0,-1 31 0,-3 21 0,6-60 0,0 0 0,-1 0 0,-1-1 0,0 1 0,0-1 0,-1 1 0,0-2 0,-1 1 0,-1 0 0,0-1 0,0 0 0,-1-1 0,-10 11 0,-22 20 0,3 2 0,-33 46 0,60-75 0,-1-1 0,0-1 0,-1 0 0,-22 15 0,20-15 0,0 0 0,0 2 0,-16 17 0,10-6 0,-2-1 0,-33 28 0,4-5 0,30-25 0,-2-2 0,-32 23 0,20-20 0,1 2 0,2 1 0,0 2 0,2 1 0,-31 36 0,50-52 0,-1-1 0,-20 16 0,-6 5 0,-5 3 0,32-26 0,-1 0 0,2 0 0,-1 1 0,-9 13 0,-56 88 0,40-57 0,30-46 0,-2 0 0,1 0 0,-1-1 0,0 0 0,0 0 0,-1-1 0,0 0 0,0 0 0,-1-1 0,0-1 0,-19 8 0,15-6 0,-12 8 0,1 0 0,1 2 0,1 1 0,-28 25 0,47-38 0,-43 32 0,-58 34 0,59-42 0,-76 63 0,96-72 0,0 0 0,-52 29 0,46-31 0,-52 40 0,76-50 0,0 1 0,0 0 0,-9 14 0,11-13 0,-1 0 0,0-1 0,-16 14 0,-173 119 0,107-79 0,46-35 0,-2-2 0,-80 33 0,73-35 0,35-14 0,1 0 0,1 1 0,0 0 0,-16 15 0,-15 11 0,-8-8 0,43-23 0,0 0 0,0 0 0,1 1 0,-12 9 0,-68 52 0,82-61 0,-1-1 0,1 0 0,-1 0 0,0-1 0,-1-1 0,1 1 0,-16 2 0,-22 10 0,-4 1 0,39-14 0,1 1 0,0 0 0,0 0 0,1 1 0,-1 0 0,1 1 0,-12 9 0,5-3 0,-1 0 0,0-1 0,-29 12 0,31-15 0,0 0 0,0 0 0,1 2 0,0-1 0,-22 21 0,16-10 0,9-8 0,0 0 0,0 0 0,-19 27 0,27-33 0,-1-1 0,0 0 0,-1 0 0,1-1 0,-1 0 0,0 0 0,0 0 0,-1-1 0,1 1 0,-1-2 0,-9 4 0,-22 11 0,-19 13 0,28-15 0,-1 1 0,-44 32 0,47-28 0,-2-2 0,0-1 0,-37 16 0,-7 4 0,32-17 0,-54 18 0,-16 8 0,68-26 0,-66 36 0,95-48 0,-1-1 0,-27 10 0,-16 7 0,8 12 0,42-29 0,0-1 0,-1 0 0,1 0 0,-1-1 0,-1 0 0,-12 5 0,-28 6 0,2 2 0,-76 38 0,106-43 0,0 0 0,1 2 0,0 0 0,-16 21 0,20-23 0,1-1 0,3-1 0,0-1 0,0-1 0,-1 0 0,-1 0 0,1-1 0,-1 0 0,-1-1 0,-20 10 0,4-7 0,-47 10 0,18-6 0,47-11 0,1 1 0,0 1 0,0-1 0,0 1 0,-10 8 0,-27 15 0,-9-4 0,18-9 0,0 3 0,-48 29 0,-46 40 0,112-76 0,3-1 0,-1 0 0,-34 13 0,31-17 0,2 2 0,-1 0 0,1 2 0,0 0 0,1 0 0,-28 24 0,12-9 0,24-19 0,0 1 0,1 0 0,0 0 0,-14 17 0,7-7 0,0 0 0,0-1 0,-2 0 0,0-1 0,0-1 0,-2-1 0,0 0 0,-32 15 0,-100 61 0,102-58 0,19-13 0,-2 1 0,-54 43 0,77-54 0,-4 4 0,-1-1 0,0 0 0,0 0 0,-1-2 0,-24 12 0,19-10 0,0 0 0,0 2 0,-31 26 0,27-21 0,-33 21 0,-7 11 0,-107 82 0,69-50 0,71-60 0,11-9 0,1 1 0,0 1 0,-18 19 0,11-6 0,12-11 0,-1-1 0,-33 27 0,-17-6 0,-28 24 0,-23 16 0,-38 29 0,144-100 0,0 0 0,-1-1 0,1 0 0,-17 5 0,19-8 0,-1 1 0,1 0 0,0 1 0,0 0 0,0 0 0,0 0 0,1 1 0,0 1 0,-8 6 0,11-7 0,0 1 0,1-1 0,-1 1 0,1 0 0,-2 6 0,-18 28 0,11-26 0,-1 0 0,0-1 0,-1-1 0,-18 13 0,-113 71 0,76-58 0,42-18 0,1 1 0,1 1 0,-26 30 0,46-47 0,0-1 0,0 0 0,0 0 0,0 0 0,-1-1 0,-7 4 0,7-4 0,0 0 0,0 1 0,0 0 0,0 0 0,-5 5 0,-6 2-80,17-10 87,0-1 1,-1 0-1,1 0 0,-1 0 1,1 0-1,0 0 1,-1 0-1,1-1 1,-1 1-1,1 0 0,0 0 1,-1 0-1,1 0 1,-1 0-1,1-1 0,0 1 1,-1 0-1,1 0 1,0 0-1,-1-1 1,1 1-1,0 0 0,-1-1 1,1 1-1,0 0 1,-1-1-1,0-2-172,0 0 0,0 0 0,0 0 0,0 0 0,1 0 0,-1-1 0,1 1 0,-1-6 0,1-8-6661</inkml:trace>
+</inkml:ink>
+</file>
+
 <file path=ppt/notesMasters/notesMaster1.xml><?xml version="1.0" encoding="utf-8"?>
 <p:notesMaster xmlns:a="http://schemas.openxmlformats.org/drawingml/2006/main" xmlns:r="http://schemas.openxmlformats.org/officeDocument/2006/relationships" xmlns:p="http://schemas.openxmlformats.org/presentationml/2006/main">
   <p:cSld>
@@ -1005,7 +1407,7 @@
           <a:p>
             <a:fld id="{EE41F6E3-57F9-402E-BDBA-5B2DE11C8530}" type="datetimeFigureOut">
               <a:rPr lang="en-US" smtClean="0"/>
-              <a:t>4/19/2022</a:t>
+              <a:t>11/14/2022</a:t>
             </a:fld>
             <a:endParaRPr lang="en-US"/>
           </a:p>
@@ -1450,7 +1852,7 @@
           <a:p>
             <a:fld id="{DDBF98C7-164A-4723-84F0-B1E4B080DDEC}" type="slidenum">
               <a:rPr lang="en-US" smtClean="0"/>
-              <a:t>14</a:t>
+              <a:t>15</a:t>
             </a:fld>
             <a:endParaRPr lang="en-US"/>
           </a:p>
@@ -1565,7 +1967,7 @@
           <a:p>
             <a:fld id="{DDBF98C7-164A-4723-84F0-B1E4B080DDEC}" type="slidenum">
               <a:rPr lang="en-US" smtClean="0"/>
-              <a:t>15</a:t>
+              <a:t>16</a:t>
             </a:fld>
             <a:endParaRPr lang="en-US"/>
           </a:p>
@@ -1697,7 +2099,7 @@
           <a:p>
             <a:fld id="{DDBF98C7-164A-4723-84F0-B1E4B080DDEC}" type="slidenum">
               <a:rPr lang="en-US" smtClean="0"/>
-              <a:t>17</a:t>
+              <a:t>18</a:t>
             </a:fld>
             <a:endParaRPr lang="en-US"/>
           </a:p>
@@ -1790,7 +2192,7 @@
           <a:p>
             <a:fld id="{DDBF98C7-164A-4723-84F0-B1E4B080DDEC}" type="slidenum">
               <a:rPr lang="en-US" smtClean="0"/>
-              <a:t>18</a:t>
+              <a:t>19</a:t>
             </a:fld>
             <a:endParaRPr lang="en-US"/>
           </a:p>
@@ -1859,7 +2261,13 @@
             </a:r>
             <a:r>
               <a:rPr lang="en-US" dirty="0"/>
-              <a:t> apt install python3-dateutilcd ..</a:t>
+              <a:t> apt install python3-dateutil</a:t>
+            </a:r>
+          </a:p>
+          <a:p>
+            <a:r>
+              <a:rPr lang="en-US" dirty="0"/>
+              <a:t>cd ..</a:t>
             </a:r>
           </a:p>
           <a:p>
@@ -1896,7 +2304,7 @@
           <a:p>
             <a:fld id="{DDBF98C7-164A-4723-84F0-B1E4B080DDEC}" type="slidenum">
               <a:rPr lang="en-US" smtClean="0"/>
-              <a:t>19</a:t>
+              <a:t>20</a:t>
             </a:fld>
             <a:endParaRPr lang="en-US"/>
           </a:p>
@@ -1992,7 +2400,7 @@
           <a:p>
             <a:fld id="{DDBF98C7-164A-4723-84F0-B1E4B080DDEC}" type="slidenum">
               <a:rPr lang="en-US" smtClean="0"/>
-              <a:t>20</a:t>
+              <a:t>21</a:t>
             </a:fld>
             <a:endParaRPr lang="en-US"/>
           </a:p>
@@ -2120,7 +2528,7 @@
           <a:p>
             <a:fld id="{DDBF98C7-164A-4723-84F0-B1E4B080DDEC}" type="slidenum">
               <a:rPr lang="en-US" smtClean="0"/>
-              <a:t>23</a:t>
+              <a:t>24</a:t>
             </a:fld>
             <a:endParaRPr lang="en-US"/>
           </a:p>
@@ -2251,7 +2659,7 @@
           <a:p>
             <a:fld id="{DDBF98C7-164A-4723-84F0-B1E4B080DDEC}" type="slidenum">
               <a:rPr lang="en-US" smtClean="0"/>
-              <a:t>25</a:t>
+              <a:t>26</a:t>
             </a:fld>
             <a:endParaRPr lang="en-US"/>
           </a:p>
@@ -2338,7 +2746,7 @@
           <a:p>
             <a:fld id="{DDBF98C7-164A-4723-84F0-B1E4B080DDEC}" type="slidenum">
               <a:rPr lang="en-US" smtClean="0"/>
-              <a:t>26</a:t>
+              <a:t>27</a:t>
             </a:fld>
             <a:endParaRPr lang="en-US"/>
           </a:p>
@@ -2425,7 +2833,7 @@
           <a:p>
             <a:fld id="{DDBF98C7-164A-4723-84F0-B1E4B080DDEC}" type="slidenum">
               <a:rPr lang="en-US" smtClean="0"/>
-              <a:t>29</a:t>
+              <a:t>30</a:t>
             </a:fld>
             <a:endParaRPr lang="en-US"/>
           </a:p>
@@ -2501,6 +2909,32 @@
               <a:t> | grep 10.11.11.128</a:t>
             </a:r>
           </a:p>
+          <a:p>
+            <a:pPr marL="0" marR="0" lvl="0" indent="0" algn="l" defTabSz="914400" rtl="0" eaLnBrk="1" fontAlgn="auto" latinLnBrk="0" hangingPunct="1">
+              <a:lnSpc>
+                <a:spcPct val="100000"/>
+              </a:lnSpc>
+              <a:spcBef>
+                <a:spcPts val="0"/>
+              </a:spcBef>
+              <a:spcAft>
+                <a:spcPts val="0"/>
+              </a:spcAft>
+              <a:buClrTx/>
+              <a:buSzTx/>
+              <a:buFontTx/>
+              <a:buNone/>
+              <a:tabLst/>
+              <a:defRPr/>
+            </a:pPr>
+            <a:r>
+              <a:rPr lang="en-US" dirty="0"/>
+              <a:t>- ‘Timestamp’ may not be accurate.</a:t>
+            </a:r>
+          </a:p>
+          <a:p>
+            <a:endParaRPr lang="en-US" dirty="0"/>
+          </a:p>
         </p:txBody>
       </p:sp>
       <p:sp>
@@ -2520,7 +2954,7 @@
           <a:p>
             <a:fld id="{DDBF98C7-164A-4723-84F0-B1E4B080DDEC}" type="slidenum">
               <a:rPr lang="en-US" smtClean="0"/>
-              <a:t>3</a:t>
+              <a:t>4</a:t>
             </a:fld>
             <a:endParaRPr lang="en-US"/>
           </a:p>
@@ -2650,7 +3084,7 @@
           <a:p>
             <a:fld id="{DDBF98C7-164A-4723-84F0-B1E4B080DDEC}" type="slidenum">
               <a:rPr lang="en-US" smtClean="0"/>
-              <a:t>30</a:t>
+              <a:t>31</a:t>
             </a:fld>
             <a:endParaRPr lang="en-US"/>
           </a:p>
@@ -2734,7 +3168,7 @@
           <a:p>
             <a:fld id="{DDBF98C7-164A-4723-84F0-B1E4B080DDEC}" type="slidenum">
               <a:rPr lang="en-US" smtClean="0"/>
-              <a:t>31</a:t>
+              <a:t>32</a:t>
             </a:fld>
             <a:endParaRPr lang="en-US"/>
           </a:p>
@@ -2877,7 +3311,7 @@
           <a:p>
             <a:fld id="{DDBF98C7-164A-4723-84F0-B1E4B080DDEC}" type="slidenum">
               <a:rPr lang="en-US" smtClean="0"/>
-              <a:t>32</a:t>
+              <a:t>33</a:t>
             </a:fld>
             <a:endParaRPr lang="en-US"/>
           </a:p>
@@ -2887,6 +3321,94 @@
     <p:extLst>
       <p:ext uri="{BB962C8B-B14F-4D97-AF65-F5344CB8AC3E}">
         <p14:creationId xmlns:p14="http://schemas.microsoft.com/office/powerpoint/2010/main" val="2392600854"/>
+      </p:ext>
+    </p:extLst>
+  </p:cSld>
+  <p:clrMapOvr>
+    <a:masterClrMapping/>
+  </p:clrMapOvr>
+</p:notes>
+</file>
+
+<file path=ppt/notesSlides/notesSlide23.xml><?xml version="1.0" encoding="utf-8"?>
+<p:notes xmlns:a="http://schemas.openxmlformats.org/drawingml/2006/main" xmlns:r="http://schemas.openxmlformats.org/officeDocument/2006/relationships" xmlns:p="http://schemas.openxmlformats.org/presentationml/2006/main">
+  <p:cSld>
+    <p:spTree>
+      <p:nvGrpSpPr>
+        <p:cNvPr id="1" name=""/>
+        <p:cNvGrpSpPr/>
+        <p:nvPr/>
+      </p:nvGrpSpPr>
+      <p:grpSpPr>
+        <a:xfrm>
+          <a:off x="0" y="0"/>
+          <a:ext cx="0" cy="0"/>
+          <a:chOff x="0" y="0"/>
+          <a:chExt cx="0" cy="0"/>
+        </a:xfrm>
+      </p:grpSpPr>
+      <p:sp>
+        <p:nvSpPr>
+          <p:cNvPr id="2" name="Slide Image Placeholder 1"/>
+          <p:cNvSpPr>
+            <a:spLocks noGrp="1" noRot="1" noChangeAspect="1"/>
+          </p:cNvSpPr>
+          <p:nvPr>
+            <p:ph type="sldImg"/>
+          </p:nvPr>
+        </p:nvSpPr>
+        <p:spPr/>
+      </p:sp>
+      <p:sp>
+        <p:nvSpPr>
+          <p:cNvPr id="3" name="Notes Placeholder 2"/>
+          <p:cNvSpPr>
+            <a:spLocks noGrp="1"/>
+          </p:cNvSpPr>
+          <p:nvPr>
+            <p:ph type="body" idx="1"/>
+          </p:nvPr>
+        </p:nvSpPr>
+        <p:spPr/>
+        <p:txBody>
+          <a:bodyPr/>
+          <a:lstStyle/>
+          <a:p>
+            <a:r>
+              <a:rPr lang="pt-BR" dirty="0"/>
+              <a:t>grep -r -E -h -o -a "\b[a-zA-Z0-9.]+@[a-zA-Z]+\.[a-zA-Z]{3,4}\b" . </a:t>
+            </a:r>
+            <a:endParaRPr lang="en-US" dirty="0"/>
+          </a:p>
+        </p:txBody>
+      </p:sp>
+      <p:sp>
+        <p:nvSpPr>
+          <p:cNvPr id="4" name="Slide Number Placeholder 3"/>
+          <p:cNvSpPr>
+            <a:spLocks noGrp="1"/>
+          </p:cNvSpPr>
+          <p:nvPr>
+            <p:ph type="sldNum" sz="quarter" idx="5"/>
+          </p:nvPr>
+        </p:nvSpPr>
+        <p:spPr/>
+        <p:txBody>
+          <a:bodyPr/>
+          <a:lstStyle/>
+          <a:p>
+            <a:fld id="{DDBF98C7-164A-4723-84F0-B1E4B080DDEC}" type="slidenum">
+              <a:rPr lang="en-US" smtClean="0"/>
+              <a:t>34</a:t>
+            </a:fld>
+            <a:endParaRPr lang="en-US"/>
+          </a:p>
+        </p:txBody>
+      </p:sp>
+    </p:spTree>
+    <p:extLst>
+      <p:ext uri="{BB962C8B-B14F-4D97-AF65-F5344CB8AC3E}">
+        <p14:creationId xmlns:p14="http://schemas.microsoft.com/office/powerpoint/2010/main" val="1794849213"/>
       </p:ext>
     </p:extLst>
   </p:cSld>
@@ -2972,7 +3494,7 @@
           <a:p>
             <a:fld id="{DDBF98C7-164A-4723-84F0-B1E4B080DDEC}" type="slidenum">
               <a:rPr lang="en-US" smtClean="0"/>
-              <a:t>4</a:t>
+              <a:t>5</a:t>
             </a:fld>
             <a:endParaRPr lang="en-US"/>
           </a:p>
@@ -3067,7 +3589,7 @@
           <a:p>
             <a:fld id="{DDBF98C7-164A-4723-84F0-B1E4B080DDEC}" type="slidenum">
               <a:rPr lang="en-US" smtClean="0"/>
-              <a:t>5</a:t>
+              <a:t>6</a:t>
             </a:fld>
             <a:endParaRPr lang="en-US"/>
           </a:p>
@@ -3151,7 +3673,7 @@
           <a:p>
             <a:fld id="{DDBF98C7-164A-4723-84F0-B1E4B080DDEC}" type="slidenum">
               <a:rPr lang="en-US" smtClean="0"/>
-              <a:t>6</a:t>
+              <a:t>7</a:t>
             </a:fld>
             <a:endParaRPr lang="en-US"/>
           </a:p>
@@ -3266,7 +3788,7 @@
           <a:p>
             <a:fld id="{DDBF98C7-164A-4723-84F0-B1E4B080DDEC}" type="slidenum">
               <a:rPr lang="en-US" smtClean="0"/>
-              <a:t>7</a:t>
+              <a:t>8</a:t>
             </a:fld>
             <a:endParaRPr lang="en-US"/>
           </a:p>
@@ -3378,7 +3900,7 @@
           <a:p>
             <a:fld id="{DDBF98C7-164A-4723-84F0-B1E4B080DDEC}" type="slidenum">
               <a:rPr lang="en-US" smtClean="0"/>
-              <a:t>11</a:t>
+              <a:t>12</a:t>
             </a:fld>
             <a:endParaRPr lang="en-US"/>
           </a:p>
@@ -3499,7 +4021,7 @@
           <a:p>
             <a:fld id="{DDBF98C7-164A-4723-84F0-B1E4B080DDEC}" type="slidenum">
               <a:rPr lang="en-US" smtClean="0"/>
-              <a:t>12</a:t>
+              <a:t>13</a:t>
             </a:fld>
             <a:endParaRPr lang="en-US"/>
           </a:p>
@@ -3591,7 +4113,7 @@
           <a:p>
             <a:fld id="{DDBF98C7-164A-4723-84F0-B1E4B080DDEC}" type="slidenum">
               <a:rPr lang="en-US" smtClean="0"/>
-              <a:t>13</a:t>
+              <a:t>14</a:t>
             </a:fld>
             <a:endParaRPr lang="en-US"/>
           </a:p>
@@ -3739,7 +4261,7 @@
           <a:p>
             <a:fld id="{4263717A-E3C1-4BED-ABE0-B7069385E023}" type="datetimeFigureOut">
               <a:rPr lang="en-US" smtClean="0"/>
-              <a:t>4/19/2022</a:t>
+              <a:t>11/14/2022</a:t>
             </a:fld>
             <a:endParaRPr lang="en-US"/>
           </a:p>
@@ -3912,7 +4434,7 @@
           <a:p>
             <a:fld id="{4263717A-E3C1-4BED-ABE0-B7069385E023}" type="datetimeFigureOut">
               <a:rPr lang="en-US" smtClean="0"/>
-              <a:t>4/19/2022</a:t>
+              <a:t>11/14/2022</a:t>
             </a:fld>
             <a:endParaRPr lang="en-US"/>
           </a:p>
@@ -4090,7 +4612,7 @@
           <a:p>
             <a:fld id="{4263717A-E3C1-4BED-ABE0-B7069385E023}" type="datetimeFigureOut">
               <a:rPr lang="en-US" smtClean="0"/>
-              <a:t>4/19/2022</a:t>
+              <a:t>11/14/2022</a:t>
             </a:fld>
             <a:endParaRPr lang="en-US"/>
           </a:p>
@@ -4258,7 +4780,7 @@
           <a:p>
             <a:fld id="{4263717A-E3C1-4BED-ABE0-B7069385E023}" type="datetimeFigureOut">
               <a:rPr lang="en-US" smtClean="0"/>
-              <a:t>4/19/2022</a:t>
+              <a:t>11/14/2022</a:t>
             </a:fld>
             <a:endParaRPr lang="en-US"/>
           </a:p>
@@ -4503,7 +5025,7 @@
           <a:p>
             <a:fld id="{4263717A-E3C1-4BED-ABE0-B7069385E023}" type="datetimeFigureOut">
               <a:rPr lang="en-US" smtClean="0"/>
-              <a:t>4/19/2022</a:t>
+              <a:t>11/14/2022</a:t>
             </a:fld>
             <a:endParaRPr lang="en-US"/>
           </a:p>
@@ -4732,7 +5254,7 @@
           <a:p>
             <a:fld id="{4263717A-E3C1-4BED-ABE0-B7069385E023}" type="datetimeFigureOut">
               <a:rPr lang="en-US" smtClean="0"/>
-              <a:t>4/19/2022</a:t>
+              <a:t>11/14/2022</a:t>
             </a:fld>
             <a:endParaRPr lang="en-US"/>
           </a:p>
@@ -5096,7 +5618,7 @@
           <a:p>
             <a:fld id="{4263717A-E3C1-4BED-ABE0-B7069385E023}" type="datetimeFigureOut">
               <a:rPr lang="en-US" smtClean="0"/>
-              <a:t>4/19/2022</a:t>
+              <a:t>11/14/2022</a:t>
             </a:fld>
             <a:endParaRPr lang="en-US"/>
           </a:p>
@@ -5213,7 +5735,7 @@
           <a:p>
             <a:fld id="{4263717A-E3C1-4BED-ABE0-B7069385E023}" type="datetimeFigureOut">
               <a:rPr lang="en-US" smtClean="0"/>
-              <a:t>4/19/2022</a:t>
+              <a:t>11/14/2022</a:t>
             </a:fld>
             <a:endParaRPr lang="en-US"/>
           </a:p>
@@ -5308,7 +5830,7 @@
           <a:p>
             <a:fld id="{4263717A-E3C1-4BED-ABE0-B7069385E023}" type="datetimeFigureOut">
               <a:rPr lang="en-US" smtClean="0"/>
-              <a:t>4/19/2022</a:t>
+              <a:t>11/14/2022</a:t>
             </a:fld>
             <a:endParaRPr lang="en-US"/>
           </a:p>
@@ -5583,7 +6105,7 @@
           <a:p>
             <a:fld id="{4263717A-E3C1-4BED-ABE0-B7069385E023}" type="datetimeFigureOut">
               <a:rPr lang="en-US" smtClean="0"/>
-              <a:t>4/19/2022</a:t>
+              <a:t>11/14/2022</a:t>
             </a:fld>
             <a:endParaRPr lang="en-US"/>
           </a:p>
@@ -5835,7 +6357,7 @@
           <a:p>
             <a:fld id="{4263717A-E3C1-4BED-ABE0-B7069385E023}" type="datetimeFigureOut">
               <a:rPr lang="en-US" smtClean="0"/>
-              <a:t>4/19/2022</a:t>
+              <a:t>11/14/2022</a:t>
             </a:fld>
             <a:endParaRPr lang="en-US"/>
           </a:p>
@@ -6046,7 +6568,7 @@
           <a:p>
             <a:fld id="{4263717A-E3C1-4BED-ABE0-B7069385E023}" type="datetimeFigureOut">
               <a:rPr lang="en-US" smtClean="0"/>
-              <a:t>4/19/2022</a:t>
+              <a:t>11/14/2022</a:t>
             </a:fld>
             <a:endParaRPr lang="en-US"/>
           </a:p>
@@ -6654,7 +7176,17 @@
           <a:p>
             <a:r>
               <a:rPr lang="en-US" dirty="0"/>
-              <a:t>Keywords: Traversing directories in network drive, Cloud</a:t>
+              <a:t>Keywords: Traversing directories in network drive</a:t>
+            </a:r>
+          </a:p>
+          <a:p>
+            <a:r>
+              <a:rPr lang="en-US" altLang="zh-CN" dirty="0"/>
+              <a:t>File transferring evidence in </a:t>
+            </a:r>
+            <a:r>
+              <a:rPr lang="en-US" dirty="0"/>
+              <a:t>Cloud</a:t>
             </a:r>
           </a:p>
           <a:p>
@@ -6692,134 +7224,44 @@
           <a:chExt cx="0" cy="0"/>
         </a:xfrm>
       </p:grpSpPr>
-      <p:sp>
-        <p:nvSpPr>
-          <p:cNvPr id="2" name="Title 1"/>
-          <p:cNvSpPr>
-            <a:spLocks noGrp="1"/>
-          </p:cNvSpPr>
-          <p:nvPr>
-            <p:ph type="title"/>
-          </p:nvPr>
-        </p:nvSpPr>
-        <p:spPr/>
-        <p:txBody>
-          <a:bodyPr/>
-          <a:lstStyle/>
-          <a:p>
-            <a:r>
-              <a:rPr lang="en-US" dirty="0"/>
-              <a:t>Link </a:t>
-            </a:r>
-            <a:r>
-              <a:rPr lang="en-US" i="1" dirty="0">
-                <a:solidFill>
-                  <a:srgbClr val="FF0000"/>
-                </a:solidFill>
-              </a:rPr>
-              <a:t>.</a:t>
-            </a:r>
-            <a:r>
-              <a:rPr lang="en-US" i="1" dirty="0" err="1">
-                <a:solidFill>
-                  <a:srgbClr val="FF0000"/>
-                </a:solidFill>
-              </a:rPr>
-              <a:t>lnk</a:t>
-            </a:r>
-            <a:r>
-              <a:rPr lang="en-US" i="1" dirty="0">
-                <a:solidFill>
-                  <a:srgbClr val="FF0000"/>
-                </a:solidFill>
-              </a:rPr>
-              <a:t> </a:t>
-            </a:r>
-            <a:r>
-              <a:rPr lang="en-US" dirty="0"/>
-              <a:t>Files Location</a:t>
-            </a:r>
-          </a:p>
-        </p:txBody>
-      </p:sp>
-      <p:sp>
-        <p:nvSpPr>
-          <p:cNvPr id="3" name="Content Placeholder 2"/>
-          <p:cNvSpPr>
-            <a:spLocks noGrp="1"/>
-          </p:cNvSpPr>
-          <p:nvPr>
-            <p:ph idx="1"/>
-          </p:nvPr>
-        </p:nvSpPr>
-        <p:spPr/>
-        <p:txBody>
-          <a:bodyPr/>
-          <a:lstStyle/>
-          <a:p>
-            <a:r>
-              <a:rPr lang="en-US" dirty="0"/>
-              <a:t>Recently used files via links</a:t>
-            </a:r>
-          </a:p>
-          <a:p>
-            <a:pPr lvl="1"/>
-            <a:r>
-              <a:rPr lang="en-US" dirty="0"/>
-              <a:t>Windows and Office</a:t>
-            </a:r>
-          </a:p>
-          <a:p>
-            <a:r>
-              <a:rPr lang="en-US" dirty="0"/>
-              <a:t>Windows 7 to 10 </a:t>
-            </a:r>
-          </a:p>
-          <a:p>
-            <a:pPr lvl="1"/>
-            <a:r>
-              <a:rPr lang="en-US" i="1" dirty="0">
-                <a:solidFill>
-                  <a:srgbClr val="7030A0"/>
-                </a:solidFill>
-              </a:rPr>
-              <a:t>C:\Users\%USERNAME%\AppData\Roaming\Microsoft\Windows\Recent (Items)</a:t>
-            </a:r>
-          </a:p>
-          <a:p>
-            <a:pPr lvl="1"/>
-            <a:r>
-              <a:rPr lang="en-US" i="1" dirty="0">
-                <a:solidFill>
-                  <a:srgbClr val="7030A0"/>
-                </a:solidFill>
-              </a:rPr>
-              <a:t>C:\Users\%USERNAME%\AppData\Roaming\Microsoft\Office\Recent\</a:t>
-            </a:r>
-          </a:p>
-          <a:p>
-            <a:r>
-              <a:rPr lang="en-US" dirty="0"/>
-              <a:t>Windows XP</a:t>
-            </a:r>
-          </a:p>
-          <a:p>
-            <a:pPr lvl="1"/>
-            <a:r>
-              <a:rPr lang="en-US" i="1" dirty="0">
-                <a:solidFill>
-                  <a:srgbClr val="7030A0"/>
-                </a:solidFill>
-              </a:rPr>
-              <a:t>C:\Documents and Settings\%USERNAME%\Recent</a:t>
-            </a:r>
-          </a:p>
-        </p:txBody>
-      </p:sp>
+      <p:pic>
+        <p:nvPicPr>
+          <p:cNvPr id="4" name="Picture 3"/>
+          <p:cNvPicPr>
+            <a:picLocks noChangeAspect="1"/>
+          </p:cNvPicPr>
+          <p:nvPr/>
+        </p:nvPicPr>
+        <p:blipFill>
+          <a:blip r:embed="rId2"/>
+          <a:stretch>
+            <a:fillRect/>
+          </a:stretch>
+        </p:blipFill>
+        <p:spPr>
+          <a:xfrm>
+            <a:off x="2732085" y="520458"/>
+            <a:ext cx="5616427" cy="5707875"/>
+          </a:xfrm>
+          <a:prstGeom prst="rect">
+            <a:avLst/>
+          </a:prstGeom>
+          <a:ln>
+            <a:noFill/>
+          </a:ln>
+          <a:effectLst>
+            <a:outerShdw blurRad="292100" dist="139700" dir="2700000" algn="tl" rotWithShape="0">
+              <a:srgbClr val="333333">
+                <a:alpha val="65000"/>
+              </a:srgbClr>
+            </a:outerShdw>
+          </a:effectLst>
+        </p:spPr>
+      </p:pic>
     </p:spTree>
     <p:extLst>
       <p:ext uri="{BB962C8B-B14F-4D97-AF65-F5344CB8AC3E}">
-        <p14:creationId xmlns:p14="http://schemas.microsoft.com/office/powerpoint/2010/main" val="209040179"/>
+        <p14:creationId xmlns:p14="http://schemas.microsoft.com/office/powerpoint/2010/main" val="770036564"/>
       </p:ext>
     </p:extLst>
   </p:cSld>
@@ -6846,162 +7288,123 @@
           <a:chExt cx="0" cy="0"/>
         </a:xfrm>
       </p:grpSpPr>
-      <p:pic>
-        <p:nvPicPr>
-          <p:cNvPr id="2" name="Picture 1"/>
-          <p:cNvPicPr>
-            <a:picLocks noChangeAspect="1"/>
-          </p:cNvPicPr>
-          <p:nvPr/>
-        </p:nvPicPr>
-        <p:blipFill>
-          <a:blip r:embed="rId3"/>
-          <a:stretch>
-            <a:fillRect/>
-          </a:stretch>
-        </p:blipFill>
-        <p:spPr>
-          <a:xfrm>
-            <a:off x="873539" y="1248343"/>
-            <a:ext cx="9631840" cy="2486943"/>
-          </a:xfrm>
-          <a:prstGeom prst="rect">
-            <a:avLst/>
-          </a:prstGeom>
-        </p:spPr>
-      </p:pic>
-      <p:sp>
-        <p:nvSpPr>
-          <p:cNvPr id="3" name="TextBox 2"/>
-          <p:cNvSpPr txBox="1"/>
-          <p:nvPr/>
-        </p:nvSpPr>
-        <p:spPr>
-          <a:xfrm>
-            <a:off x="873539" y="879011"/>
-            <a:ext cx="2054217" cy="369332"/>
-          </a:xfrm>
-          <a:prstGeom prst="rect">
-            <a:avLst/>
-          </a:prstGeom>
-          <a:solidFill>
-            <a:srgbClr val="FFC000"/>
-          </a:solidFill>
-        </p:spPr>
-        <p:txBody>
-          <a:bodyPr wrap="none" rtlCol="0">
-            <a:spAutoFit/>
-          </a:bodyPr>
-          <a:lstStyle/>
-          <a:p>
-            <a:r>
-              <a:rPr lang="en-US" dirty="0"/>
-              <a:t>Check Windows</a:t>
+      <p:sp>
+        <p:nvSpPr>
+          <p:cNvPr id="2" name="Title 1"/>
+          <p:cNvSpPr>
+            <a:spLocks noGrp="1"/>
+          </p:cNvSpPr>
+          <p:nvPr>
+            <p:ph type="title"/>
+          </p:nvPr>
+        </p:nvSpPr>
+        <p:spPr/>
+        <p:txBody>
+          <a:bodyPr/>
+          <a:lstStyle/>
+          <a:p>
+            <a:r>
+              <a:rPr lang="en-US" dirty="0"/>
+              <a:t>Link </a:t>
             </a:r>
             <a:r>
               <a:rPr lang="en-US" i="1" dirty="0">
                 <a:solidFill>
+                  <a:srgbClr val="FF0000"/>
+                </a:solidFill>
+              </a:rPr>
+              <a:t>.</a:t>
+            </a:r>
+            <a:r>
+              <a:rPr lang="en-US" i="1" dirty="0" err="1">
+                <a:solidFill>
+                  <a:srgbClr val="FF0000"/>
+                </a:solidFill>
+              </a:rPr>
+              <a:t>lnk</a:t>
+            </a:r>
+            <a:r>
+              <a:rPr lang="en-US" i="1" dirty="0">
+                <a:solidFill>
+                  <a:srgbClr val="FF0000"/>
+                </a:solidFill>
+              </a:rPr>
+              <a:t> </a:t>
+            </a:r>
+            <a:r>
+              <a:rPr lang="en-US" dirty="0"/>
+              <a:t>Files Location</a:t>
+            </a:r>
+          </a:p>
+        </p:txBody>
+      </p:sp>
+      <p:sp>
+        <p:nvSpPr>
+          <p:cNvPr id="3" name="Content Placeholder 2"/>
+          <p:cNvSpPr>
+            <a:spLocks noGrp="1"/>
+          </p:cNvSpPr>
+          <p:nvPr>
+            <p:ph idx="1"/>
+          </p:nvPr>
+        </p:nvSpPr>
+        <p:spPr/>
+        <p:txBody>
+          <a:bodyPr/>
+          <a:lstStyle/>
+          <a:p>
+            <a:r>
+              <a:rPr lang="en-US" dirty="0"/>
+              <a:t>Recently used files via links</a:t>
+            </a:r>
+          </a:p>
+          <a:p>
+            <a:pPr lvl="1"/>
+            <a:r>
+              <a:rPr lang="en-US" dirty="0"/>
+              <a:t>Windows and Office</a:t>
+            </a:r>
+          </a:p>
+          <a:p>
+            <a:r>
+              <a:rPr lang="en-US" dirty="0"/>
+              <a:t>Windows 7 to 10 </a:t>
+            </a:r>
+          </a:p>
+          <a:p>
+            <a:pPr lvl="1"/>
+            <a:r>
+              <a:rPr lang="en-US" i="1" dirty="0">
+                <a:solidFill>
                   <a:srgbClr val="7030A0"/>
                 </a:solidFill>
               </a:rPr>
-              <a:t> .</a:t>
-            </a:r>
-            <a:r>
-              <a:rPr lang="en-US" i="1" dirty="0" err="1">
+              <a:t>C:\Users\%USERNAME%\AppData\Roaming\Microsoft\Windows\Recent C:\Users\%USERNAME%\AppData\Roaming\Microsoft\Office\Recent\</a:t>
+            </a:r>
+          </a:p>
+          <a:p>
+            <a:r>
+              <a:rPr lang="en-US" dirty="0"/>
+              <a:t>Windows XP</a:t>
+            </a:r>
+          </a:p>
+          <a:p>
+            <a:pPr lvl="1"/>
+            <a:r>
+              <a:rPr lang="en-US" i="1" dirty="0">
                 <a:solidFill>
                   <a:srgbClr val="7030A0"/>
                 </a:solidFill>
               </a:rPr>
-              <a:t>lnk</a:t>
-            </a:r>
-            <a:endParaRPr lang="en-US" i="1" dirty="0">
-              <a:solidFill>
-                <a:srgbClr val="7030A0"/>
-              </a:solidFill>
-            </a:endParaRPr>
-          </a:p>
-        </p:txBody>
-      </p:sp>
-      <p:pic>
-        <p:nvPicPr>
-          <p:cNvPr id="4" name="Picture 3"/>
-          <p:cNvPicPr>
-            <a:picLocks noChangeAspect="1"/>
-          </p:cNvPicPr>
-          <p:nvPr/>
-        </p:nvPicPr>
-        <p:blipFill>
-          <a:blip r:embed="rId4"/>
-          <a:stretch>
-            <a:fillRect/>
-          </a:stretch>
-        </p:blipFill>
-        <p:spPr>
-          <a:xfrm>
-            <a:off x="873540" y="4421260"/>
-            <a:ext cx="9701426" cy="1484327"/>
-          </a:xfrm>
-          <a:prstGeom prst="rect">
-            <a:avLst/>
-          </a:prstGeom>
-        </p:spPr>
-      </p:pic>
-      <p:sp>
-        <p:nvSpPr>
-          <p:cNvPr id="5" name="TextBox 4"/>
-          <p:cNvSpPr txBox="1"/>
-          <p:nvPr/>
-        </p:nvSpPr>
-        <p:spPr>
-          <a:xfrm>
-            <a:off x="873539" y="4051928"/>
-            <a:ext cx="1743747" cy="369332"/>
-          </a:xfrm>
-          <a:prstGeom prst="rect">
-            <a:avLst/>
-          </a:prstGeom>
-          <a:solidFill>
-            <a:srgbClr val="FFC000"/>
-          </a:solidFill>
-        </p:spPr>
-        <p:txBody>
-          <a:bodyPr wrap="none" rtlCol="0">
-            <a:spAutoFit/>
-          </a:bodyPr>
-          <a:lstStyle/>
-          <a:p>
-            <a:r>
-              <a:rPr lang="en-US" dirty="0"/>
-              <a:t>Check Office</a:t>
-            </a:r>
-            <a:r>
-              <a:rPr lang="en-US" i="1" dirty="0">
-                <a:solidFill>
-                  <a:srgbClr val="7030A0"/>
-                </a:solidFill>
-              </a:rPr>
-              <a:t> .</a:t>
-            </a:r>
-            <a:r>
-              <a:rPr lang="en-US" i="1" dirty="0" err="1">
-                <a:solidFill>
-                  <a:srgbClr val="7030A0"/>
-                </a:solidFill>
-              </a:rPr>
-              <a:t>lnk</a:t>
-            </a:r>
-            <a:endParaRPr lang="en-US" i="1" dirty="0">
-              <a:solidFill>
-                <a:srgbClr val="7030A0"/>
-              </a:solidFill>
-            </a:endParaRPr>
+              <a:t>C:\Documents and Settings\%USERNAME%\Recent</a:t>
+            </a:r>
           </a:p>
         </p:txBody>
       </p:sp>
     </p:spTree>
     <p:extLst>
       <p:ext uri="{BB962C8B-B14F-4D97-AF65-F5344CB8AC3E}">
-        <p14:creationId xmlns:p14="http://schemas.microsoft.com/office/powerpoint/2010/main" val="2741262411"/>
+        <p14:creationId xmlns:p14="http://schemas.microsoft.com/office/powerpoint/2010/main" val="209040179"/>
       </p:ext>
     </p:extLst>
   </p:cSld>
@@ -7044,8 +7447,8 @@
         </p:blipFill>
         <p:spPr>
           <a:xfrm>
-            <a:off x="838200" y="2129635"/>
-            <a:ext cx="9007621" cy="3574090"/>
+            <a:off x="873539" y="1248343"/>
+            <a:ext cx="9631840" cy="2486943"/>
           </a:xfrm>
           <a:prstGeom prst="rect">
             <a:avLst/>
@@ -7060,8 +7463,8 @@
         </p:nvSpPr>
         <p:spPr>
           <a:xfrm>
-            <a:off x="838200" y="1760303"/>
-            <a:ext cx="2567178" cy="369332"/>
+            <a:off x="873539" y="879011"/>
+            <a:ext cx="2054217" cy="369332"/>
           </a:xfrm>
           <a:prstGeom prst="rect">
             <a:avLst/>
@@ -7078,7 +7481,7 @@
           <a:p>
             <a:r>
               <a:rPr lang="en-US" dirty="0"/>
-              <a:t>View a </a:t>
+              <a:t>Check Windows</a:t>
             </a:r>
             <a:r>
               <a:rPr lang="en-US" i="1" dirty="0">
@@ -7086,69 +7489,95 @@
                   <a:srgbClr val="7030A0"/>
                 </a:solidFill>
               </a:rPr>
-              <a:t>.</a:t>
+              <a:t> .</a:t>
             </a:r>
             <a:r>
               <a:rPr lang="en-US" i="1" dirty="0" err="1">
                 <a:solidFill>
                   <a:srgbClr val="7030A0"/>
-                </a:solidFill>
-              </a:rPr>
-              <a:t>lnk</a:t>
-            </a:r>
-            <a:r>
-              <a:rPr lang="en-US" i="1" dirty="0">
-                <a:solidFill>
-                  <a:srgbClr val="7030A0"/>
-                </a:solidFill>
-              </a:rPr>
-              <a:t> </a:t>
-            </a:r>
-            <a:r>
-              <a:rPr lang="en-US" dirty="0"/>
-              <a:t>in binary form</a:t>
-            </a:r>
-          </a:p>
-        </p:txBody>
-      </p:sp>
-      <p:sp>
-        <p:nvSpPr>
-          <p:cNvPr id="4" name="Title 3"/>
-          <p:cNvSpPr>
-            <a:spLocks noGrp="1"/>
-          </p:cNvSpPr>
-          <p:nvPr>
-            <p:ph type="title"/>
-          </p:nvPr>
-        </p:nvSpPr>
-        <p:spPr/>
-        <p:txBody>
-          <a:bodyPr/>
-          <a:lstStyle/>
-          <a:p>
-            <a:r>
-              <a:rPr lang="en-US" dirty="0"/>
-              <a:t>How to view </a:t>
-            </a:r>
-            <a:r>
-              <a:rPr lang="en-US" i="1" dirty="0">
-                <a:solidFill>
-                  <a:srgbClr val="FF0000"/>
-                </a:solidFill>
-              </a:rPr>
-              <a:t>.</a:t>
-            </a:r>
-            <a:r>
-              <a:rPr lang="en-US" i="1" dirty="0" err="1">
-                <a:solidFill>
-                  <a:srgbClr val="FF0000"/>
                 </a:solidFill>
               </a:rPr>
               <a:t>lnk</a:t>
             </a:r>
             <a:endParaRPr lang="en-US" i="1" dirty="0">
               <a:solidFill>
-                <a:srgbClr val="FF0000"/>
+                <a:srgbClr val="7030A0"/>
+              </a:solidFill>
+            </a:endParaRPr>
+          </a:p>
+        </p:txBody>
+      </p:sp>
+      <p:pic>
+        <p:nvPicPr>
+          <p:cNvPr id="4" name="Picture 3"/>
+          <p:cNvPicPr>
+            <a:picLocks noChangeAspect="1"/>
+          </p:cNvPicPr>
+          <p:nvPr/>
+        </p:nvPicPr>
+        <p:blipFill>
+          <a:blip r:embed="rId4"/>
+          <a:stretch>
+            <a:fillRect/>
+          </a:stretch>
+        </p:blipFill>
+        <p:spPr>
+          <a:xfrm>
+            <a:off x="873540" y="4421260"/>
+            <a:ext cx="9701426" cy="1484327"/>
+          </a:xfrm>
+          <a:prstGeom prst="rect">
+            <a:avLst/>
+          </a:prstGeom>
+        </p:spPr>
+      </p:pic>
+      <p:sp>
+        <p:nvSpPr>
+          <p:cNvPr id="5" name="TextBox 4"/>
+          <p:cNvSpPr txBox="1"/>
+          <p:nvPr/>
+        </p:nvSpPr>
+        <p:spPr>
+          <a:xfrm>
+            <a:off x="873539" y="4051928"/>
+            <a:ext cx="1743747" cy="369332"/>
+          </a:xfrm>
+          <a:prstGeom prst="rect">
+            <a:avLst/>
+          </a:prstGeom>
+          <a:solidFill>
+            <a:srgbClr val="FFC000"/>
+          </a:solidFill>
+        </p:spPr>
+        <p:txBody>
+          <a:bodyPr wrap="none" rtlCol="0">
+            <a:spAutoFit/>
+          </a:bodyPr>
+          <a:lstStyle/>
+          <a:p>
+            <a:r>
+              <a:rPr lang="en-US" dirty="0"/>
+              <a:t>Check Office</a:t>
+            </a:r>
+            <a:r>
+              <a:rPr lang="en-US" i="1" dirty="0">
+                <a:solidFill>
+                  <a:srgbClr val="7030A0"/>
+                </a:solidFill>
+              </a:rPr>
+              <a:t> .</a:t>
+            </a:r>
+            <a:r>
+              <a:rPr lang="en-US" i="1" dirty="0" err="1">
+                <a:solidFill>
+                  <a:srgbClr val="7030A0"/>
+                </a:solidFill>
+              </a:rPr>
+              <a:t>lnk</a:t>
+            </a:r>
+            <a:endParaRPr lang="en-US" i="1" dirty="0">
+              <a:solidFill>
+                <a:srgbClr val="7030A0"/>
               </a:solidFill>
             </a:endParaRPr>
           </a:p>
@@ -7157,7 +7586,7 @@
     </p:spTree>
     <p:extLst>
       <p:ext uri="{BB962C8B-B14F-4D97-AF65-F5344CB8AC3E}">
-        <p14:creationId xmlns:p14="http://schemas.microsoft.com/office/powerpoint/2010/main" val="3999839786"/>
+        <p14:creationId xmlns:p14="http://schemas.microsoft.com/office/powerpoint/2010/main" val="2741262411"/>
       </p:ext>
     </p:extLst>
   </p:cSld>
@@ -7184,6 +7613,162 @@
           <a:chExt cx="0" cy="0"/>
         </a:xfrm>
       </p:grpSpPr>
+      <p:pic>
+        <p:nvPicPr>
+          <p:cNvPr id="2" name="Picture 1"/>
+          <p:cNvPicPr>
+            <a:picLocks noChangeAspect="1"/>
+          </p:cNvPicPr>
+          <p:nvPr/>
+        </p:nvPicPr>
+        <p:blipFill>
+          <a:blip r:embed="rId3"/>
+          <a:stretch>
+            <a:fillRect/>
+          </a:stretch>
+        </p:blipFill>
+        <p:spPr>
+          <a:xfrm>
+            <a:off x="838200" y="2129635"/>
+            <a:ext cx="9007621" cy="3574090"/>
+          </a:xfrm>
+          <a:prstGeom prst="rect">
+            <a:avLst/>
+          </a:prstGeom>
+        </p:spPr>
+      </p:pic>
+      <p:sp>
+        <p:nvSpPr>
+          <p:cNvPr id="3" name="TextBox 2"/>
+          <p:cNvSpPr txBox="1"/>
+          <p:nvPr/>
+        </p:nvSpPr>
+        <p:spPr>
+          <a:xfrm>
+            <a:off x="838200" y="1760303"/>
+            <a:ext cx="2567178" cy="369332"/>
+          </a:xfrm>
+          <a:prstGeom prst="rect">
+            <a:avLst/>
+          </a:prstGeom>
+          <a:solidFill>
+            <a:srgbClr val="FFC000"/>
+          </a:solidFill>
+        </p:spPr>
+        <p:txBody>
+          <a:bodyPr wrap="none" rtlCol="0">
+            <a:spAutoFit/>
+          </a:bodyPr>
+          <a:lstStyle/>
+          <a:p>
+            <a:r>
+              <a:rPr lang="en-US" dirty="0"/>
+              <a:t>View a </a:t>
+            </a:r>
+            <a:r>
+              <a:rPr lang="en-US" i="1" dirty="0">
+                <a:solidFill>
+                  <a:srgbClr val="7030A0"/>
+                </a:solidFill>
+              </a:rPr>
+              <a:t>.</a:t>
+            </a:r>
+            <a:r>
+              <a:rPr lang="en-US" i="1" dirty="0" err="1">
+                <a:solidFill>
+                  <a:srgbClr val="7030A0"/>
+                </a:solidFill>
+              </a:rPr>
+              <a:t>lnk</a:t>
+            </a:r>
+            <a:r>
+              <a:rPr lang="en-US" i="1" dirty="0">
+                <a:solidFill>
+                  <a:srgbClr val="7030A0"/>
+                </a:solidFill>
+              </a:rPr>
+              <a:t> </a:t>
+            </a:r>
+            <a:r>
+              <a:rPr lang="en-US" dirty="0"/>
+              <a:t>in binary form</a:t>
+            </a:r>
+          </a:p>
+        </p:txBody>
+      </p:sp>
+      <p:sp>
+        <p:nvSpPr>
+          <p:cNvPr id="4" name="Title 3"/>
+          <p:cNvSpPr>
+            <a:spLocks noGrp="1"/>
+          </p:cNvSpPr>
+          <p:nvPr>
+            <p:ph type="title"/>
+          </p:nvPr>
+        </p:nvSpPr>
+        <p:spPr/>
+        <p:txBody>
+          <a:bodyPr/>
+          <a:lstStyle/>
+          <a:p>
+            <a:r>
+              <a:rPr lang="en-US" dirty="0"/>
+              <a:t>How to view </a:t>
+            </a:r>
+            <a:r>
+              <a:rPr lang="en-US" i="1" dirty="0">
+                <a:solidFill>
+                  <a:srgbClr val="FF0000"/>
+                </a:solidFill>
+              </a:rPr>
+              <a:t>.</a:t>
+            </a:r>
+            <a:r>
+              <a:rPr lang="en-US" i="1" dirty="0" err="1">
+                <a:solidFill>
+                  <a:srgbClr val="FF0000"/>
+                </a:solidFill>
+              </a:rPr>
+              <a:t>lnk</a:t>
+            </a:r>
+            <a:endParaRPr lang="en-US" i="1" dirty="0">
+              <a:solidFill>
+                <a:srgbClr val="FF0000"/>
+              </a:solidFill>
+            </a:endParaRPr>
+          </a:p>
+        </p:txBody>
+      </p:sp>
+    </p:spTree>
+    <p:extLst>
+      <p:ext uri="{BB962C8B-B14F-4D97-AF65-F5344CB8AC3E}">
+        <p14:creationId xmlns:p14="http://schemas.microsoft.com/office/powerpoint/2010/main" val="3999839786"/>
+      </p:ext>
+    </p:extLst>
+  </p:cSld>
+  <p:clrMapOvr>
+    <a:masterClrMapping/>
+  </p:clrMapOvr>
+</p:sld>
+</file>
+
+<file path=ppt/slides/slide14.xml><?xml version="1.0" encoding="utf-8"?>
+<p:sld xmlns:a="http://schemas.openxmlformats.org/drawingml/2006/main" xmlns:r="http://schemas.openxmlformats.org/officeDocument/2006/relationships" xmlns:p="http://schemas.openxmlformats.org/presentationml/2006/main">
+  <p:cSld>
+    <p:spTree>
+      <p:nvGrpSpPr>
+        <p:cNvPr id="1" name=""/>
+        <p:cNvGrpSpPr/>
+        <p:nvPr/>
+      </p:nvGrpSpPr>
+      <p:grpSpPr>
+        <a:xfrm>
+          <a:off x="0" y="0"/>
+          <a:ext cx="0" cy="0"/>
+          <a:chOff x="0" y="0"/>
+          <a:chExt cx="0" cy="0"/>
+        </a:xfrm>
+      </p:grpSpPr>
       <p:sp>
         <p:nvSpPr>
           <p:cNvPr id="2" name="Title 1"/>
@@ -7381,7 +7966,7 @@
 </p:sld>
 </file>
 
-<file path=ppt/slides/slide14.xml><?xml version="1.0" encoding="utf-8"?>
+<file path=ppt/slides/slide15.xml><?xml version="1.0" encoding="utf-8"?>
 <p:sld xmlns:a="http://schemas.openxmlformats.org/drawingml/2006/main" xmlns:r="http://schemas.openxmlformats.org/officeDocument/2006/relationships" xmlns:p="http://schemas.openxmlformats.org/presentationml/2006/main">
   <p:cSld>
     <p:spTree>
@@ -7562,7 +8147,7 @@
 </p:sld>
 </file>
 
-<file path=ppt/slides/slide15.xml><?xml version="1.0" encoding="utf-8"?>
+<file path=ppt/slides/slide16.xml><?xml version="1.0" encoding="utf-8"?>
 <p:sld xmlns:a="http://schemas.openxmlformats.org/drawingml/2006/main" xmlns:r="http://schemas.openxmlformats.org/officeDocument/2006/relationships" xmlns:p="http://schemas.openxmlformats.org/presentationml/2006/main">
   <p:cSld>
     <p:spTree>
@@ -7662,7 +8247,7 @@
 </p:sld>
 </file>
 
-<file path=ppt/slides/slide16.xml><?xml version="1.0" encoding="utf-8"?>
+<file path=ppt/slides/slide17.xml><?xml version="1.0" encoding="utf-8"?>
 <p:sld xmlns:a="http://schemas.openxmlformats.org/drawingml/2006/main" xmlns:r="http://schemas.openxmlformats.org/officeDocument/2006/relationships" xmlns:p="http://schemas.openxmlformats.org/presentationml/2006/main">
   <p:cSld>
     <p:spTree>
@@ -7991,7 +8576,7 @@
 </p:sld>
 </file>
 
-<file path=ppt/slides/slide17.xml><?xml version="1.0" encoding="utf-8"?>
+<file path=ppt/slides/slide18.xml><?xml version="1.0" encoding="utf-8"?>
 <p:sld xmlns:a="http://schemas.openxmlformats.org/drawingml/2006/main" xmlns:r="http://schemas.openxmlformats.org/officeDocument/2006/relationships" xmlns:p="http://schemas.openxmlformats.org/presentationml/2006/main">
   <p:cSld>
     <p:spTree>
@@ -8067,7 +8652,7 @@
 </p:sld>
 </file>
 
-<file path=ppt/slides/slide18.xml><?xml version="1.0" encoding="utf-8"?>
+<file path=ppt/slides/slide19.xml><?xml version="1.0" encoding="utf-8"?>
 <p:sld xmlns:a="http://schemas.openxmlformats.org/drawingml/2006/main" xmlns:r="http://schemas.openxmlformats.org/officeDocument/2006/relationships" xmlns:p="http://schemas.openxmlformats.org/presentationml/2006/main">
   <p:cSld>
     <p:spTree>
@@ -8661,7 +9246,300 @@
 </p:sld>
 </file>
 
-<file path=ppt/slides/slide19.xml><?xml version="1.0" encoding="utf-8"?>
+<file path=ppt/slides/slide2.xml><?xml version="1.0" encoding="utf-8"?>
+<p:sld xmlns:a="http://schemas.openxmlformats.org/drawingml/2006/main" xmlns:r="http://schemas.openxmlformats.org/officeDocument/2006/relationships" xmlns:p="http://schemas.openxmlformats.org/presentationml/2006/main">
+  <p:cSld>
+    <p:spTree>
+      <p:nvGrpSpPr>
+        <p:cNvPr id="1" name=""/>
+        <p:cNvGrpSpPr/>
+        <p:nvPr/>
+      </p:nvGrpSpPr>
+      <p:grpSpPr>
+        <a:xfrm>
+          <a:off x="0" y="0"/>
+          <a:ext cx="0" cy="0"/>
+          <a:chOff x="0" y="0"/>
+          <a:chExt cx="0" cy="0"/>
+        </a:xfrm>
+      </p:grpSpPr>
+      <p:sp>
+        <p:nvSpPr>
+          <p:cNvPr id="2" name="Title 1">
+            <a:extLst>
+              <a:ext uri="{FF2B5EF4-FFF2-40B4-BE49-F238E27FC236}">
+                <a16:creationId xmlns:a16="http://schemas.microsoft.com/office/drawing/2014/main" id="{952D45C0-7FFB-0EB1-FB11-63E8A3ACB906}"/>
+              </a:ext>
+            </a:extLst>
+          </p:cNvPr>
+          <p:cNvSpPr>
+            <a:spLocks noGrp="1"/>
+          </p:cNvSpPr>
+          <p:nvPr>
+            <p:ph type="title"/>
+          </p:nvPr>
+        </p:nvSpPr>
+        <p:spPr/>
+        <p:txBody>
+          <a:bodyPr/>
+          <a:lstStyle/>
+          <a:p>
+            <a:r>
+              <a:rPr lang="en-US" dirty="0"/>
+              <a:t>Recap</a:t>
+            </a:r>
+          </a:p>
+        </p:txBody>
+      </p:sp>
+      <p:sp>
+        <p:nvSpPr>
+          <p:cNvPr id="3" name="Content Placeholder 2">
+            <a:extLst>
+              <a:ext uri="{FF2B5EF4-FFF2-40B4-BE49-F238E27FC236}">
+                <a16:creationId xmlns:a16="http://schemas.microsoft.com/office/drawing/2014/main" id="{F44BD025-7B0F-EC27-C3F4-87FAA4532BB5}"/>
+              </a:ext>
+            </a:extLst>
+          </p:cNvPr>
+          <p:cNvSpPr>
+            <a:spLocks noGrp="1"/>
+          </p:cNvSpPr>
+          <p:nvPr>
+            <p:ph idx="1"/>
+          </p:nvPr>
+        </p:nvSpPr>
+        <p:spPr>
+          <a:xfrm>
+            <a:off x="838200" y="1825625"/>
+            <a:ext cx="6409544" cy="4351338"/>
+          </a:xfrm>
+        </p:spPr>
+        <p:txBody>
+          <a:bodyPr/>
+          <a:lstStyle/>
+          <a:p>
+            <a:r>
+              <a:rPr lang="en-US" dirty="0"/>
+              <a:t>How to find mapped network device IP</a:t>
+            </a:r>
+          </a:p>
+          <a:p>
+            <a:r>
+              <a:rPr lang="en-US" dirty="0"/>
+              <a:t>Recover a user’s traverse (viewed folders) history </a:t>
+            </a:r>
+          </a:p>
+          <a:p>
+            <a:pPr lvl="1"/>
+            <a:r>
+              <a:rPr lang="en-US" dirty="0"/>
+              <a:t>folders in mounted devices</a:t>
+            </a:r>
+          </a:p>
+          <a:p>
+            <a:pPr lvl="1"/>
+            <a:r>
+              <a:rPr lang="en-US" dirty="0">
+                <a:solidFill>
+                  <a:srgbClr val="FF0000"/>
+                </a:solidFill>
+              </a:rPr>
+              <a:t>folders in mapped network devices (this PPT)</a:t>
+            </a:r>
+          </a:p>
+          <a:p>
+            <a:r>
+              <a:rPr lang="en-US" dirty="0"/>
+              <a:t>Find whether a user clicked (opened) a file</a:t>
+            </a:r>
+          </a:p>
+          <a:p>
+            <a:endParaRPr lang="en-US" dirty="0"/>
+          </a:p>
+        </p:txBody>
+      </p:sp>
+      <p:pic>
+        <p:nvPicPr>
+          <p:cNvPr id="4" name="Picture 14" descr="Yes We're Open&quot; Images – Browse 63 Stock Photos, Vectors, and Video | Adobe  Stock">
+            <a:extLst>
+              <a:ext uri="{FF2B5EF4-FFF2-40B4-BE49-F238E27FC236}">
+                <a16:creationId xmlns:a16="http://schemas.microsoft.com/office/drawing/2014/main" id="{2E4D474F-E2C6-3A40-65EB-1186FCA30FC1}"/>
+              </a:ext>
+            </a:extLst>
+          </p:cNvPr>
+          <p:cNvPicPr>
+            <a:picLocks noChangeAspect="1" noChangeArrowheads="1"/>
+          </p:cNvPicPr>
+          <p:nvPr/>
+        </p:nvPicPr>
+        <p:blipFill rotWithShape="1">
+          <a:blip r:embed="rId2">
+            <a:extLst>
+              <a:ext uri="{28A0092B-C50C-407E-A947-70E740481C1C}">
+                <a14:useLocalDpi xmlns:a14="http://schemas.microsoft.com/office/drawing/2010/main" val="0"/>
+              </a:ext>
+            </a:extLst>
+          </a:blip>
+          <a:srcRect t="7522" b="9662"/>
+          <a:stretch/>
+        </p:blipFill>
+        <p:spPr bwMode="auto">
+          <a:xfrm>
+            <a:off x="9589396" y="4217428"/>
+            <a:ext cx="1600912" cy="1325817"/>
+          </a:xfrm>
+          <a:prstGeom prst="rect">
+            <a:avLst/>
+          </a:prstGeom>
+          <a:noFill/>
+          <a:extLst>
+            <a:ext uri="{909E8E84-426E-40DD-AFC4-6F175D3DCCD1}">
+              <a14:hiddenFill xmlns:a14="http://schemas.microsoft.com/office/drawing/2010/main">
+                <a:solidFill>
+                  <a:srgbClr val="FFFFFF"/>
+                </a:solidFill>
+              </a14:hiddenFill>
+            </a:ext>
+          </a:extLst>
+        </p:spPr>
+      </p:pic>
+      <p:pic>
+        <p:nvPicPr>
+          <p:cNvPr id="5" name="Picture 6" descr="Open, file Icon in Flatastic 10 Icons">
+            <a:extLst>
+              <a:ext uri="{FF2B5EF4-FFF2-40B4-BE49-F238E27FC236}">
+                <a16:creationId xmlns:a16="http://schemas.microsoft.com/office/drawing/2014/main" id="{7C965C3C-19E7-FEE3-A655-DE46C78AA0CF}"/>
+              </a:ext>
+            </a:extLst>
+          </p:cNvPr>
+          <p:cNvPicPr>
+            <a:picLocks noChangeAspect="1" noChangeArrowheads="1"/>
+          </p:cNvPicPr>
+          <p:nvPr/>
+        </p:nvPicPr>
+        <p:blipFill>
+          <a:blip r:embed="rId3">
+            <a:extLst>
+              <a:ext uri="{28A0092B-C50C-407E-A947-70E740481C1C}">
+                <a14:useLocalDpi xmlns:a14="http://schemas.microsoft.com/office/drawing/2010/main" val="0"/>
+              </a:ext>
+            </a:extLst>
+          </a:blip>
+          <a:srcRect/>
+          <a:stretch>
+            <a:fillRect/>
+          </a:stretch>
+        </p:blipFill>
+        <p:spPr bwMode="auto">
+          <a:xfrm>
+            <a:off x="7110262" y="1486980"/>
+            <a:ext cx="1694682" cy="1694682"/>
+          </a:xfrm>
+          <a:prstGeom prst="rect">
+            <a:avLst/>
+          </a:prstGeom>
+          <a:noFill/>
+          <a:extLst>
+            <a:ext uri="{909E8E84-426E-40DD-AFC4-6F175D3DCCD1}">
+              <a14:hiddenFill xmlns:a14="http://schemas.microsoft.com/office/drawing/2010/main">
+                <a:solidFill>
+                  <a:srgbClr val="FFFFFF"/>
+                </a:solidFill>
+              </a14:hiddenFill>
+            </a:ext>
+          </a:extLst>
+        </p:spPr>
+      </p:pic>
+      <p:pic>
+        <p:nvPicPr>
+          <p:cNvPr id="6" name="Picture 8" descr="Secure File Sharing | Share Files With Anyone - Box">
+            <a:extLst>
+              <a:ext uri="{FF2B5EF4-FFF2-40B4-BE49-F238E27FC236}">
+                <a16:creationId xmlns:a16="http://schemas.microsoft.com/office/drawing/2014/main" id="{476B3A7F-D726-704A-16EF-E2D17A6F5E7D}"/>
+              </a:ext>
+            </a:extLst>
+          </p:cNvPr>
+          <p:cNvPicPr>
+            <a:picLocks noChangeAspect="1" noChangeArrowheads="1"/>
+          </p:cNvPicPr>
+          <p:nvPr/>
+        </p:nvPicPr>
+        <p:blipFill>
+          <a:blip r:embed="rId4">
+            <a:extLst>
+              <a:ext uri="{28A0092B-C50C-407E-A947-70E740481C1C}">
+                <a14:useLocalDpi xmlns:a14="http://schemas.microsoft.com/office/drawing/2010/main" val="0"/>
+              </a:ext>
+            </a:extLst>
+          </a:blip>
+          <a:srcRect/>
+          <a:stretch>
+            <a:fillRect/>
+          </a:stretch>
+        </p:blipFill>
+        <p:spPr bwMode="auto">
+          <a:xfrm>
+            <a:off x="7256282" y="4217428"/>
+            <a:ext cx="1655762" cy="1655762"/>
+          </a:xfrm>
+          <a:prstGeom prst="rect">
+            <a:avLst/>
+          </a:prstGeom>
+          <a:noFill/>
+          <a:extLst>
+            <a:ext uri="{909E8E84-426E-40DD-AFC4-6F175D3DCCD1}">
+              <a14:hiddenFill xmlns:a14="http://schemas.microsoft.com/office/drawing/2010/main">
+                <a:solidFill>
+                  <a:srgbClr val="FFFFFF"/>
+                </a:solidFill>
+              </a14:hiddenFill>
+            </a:ext>
+          </a:extLst>
+        </p:spPr>
+      </p:pic>
+      <p:pic>
+        <p:nvPicPr>
+          <p:cNvPr id="7" name="Picture 6">
+            <a:extLst>
+              <a:ext uri="{FF2B5EF4-FFF2-40B4-BE49-F238E27FC236}">
+                <a16:creationId xmlns:a16="http://schemas.microsoft.com/office/drawing/2014/main" id="{F4C120E0-9FCC-3988-A612-7D527BF203D4}"/>
+              </a:ext>
+            </a:extLst>
+          </p:cNvPr>
+          <p:cNvPicPr>
+            <a:picLocks noChangeAspect="1"/>
+          </p:cNvPicPr>
+          <p:nvPr/>
+        </p:nvPicPr>
+        <p:blipFill>
+          <a:blip r:embed="rId5"/>
+          <a:stretch>
+            <a:fillRect/>
+          </a:stretch>
+        </p:blipFill>
+        <p:spPr>
+          <a:xfrm>
+            <a:off x="9127757" y="2069480"/>
+            <a:ext cx="2713782" cy="1277074"/>
+          </a:xfrm>
+          <a:prstGeom prst="rect">
+            <a:avLst/>
+          </a:prstGeom>
+        </p:spPr>
+      </p:pic>
+    </p:spTree>
+    <p:extLst>
+      <p:ext uri="{BB962C8B-B14F-4D97-AF65-F5344CB8AC3E}">
+        <p14:creationId xmlns:p14="http://schemas.microsoft.com/office/powerpoint/2010/main" val="4145028640"/>
+      </p:ext>
+    </p:extLst>
+  </p:cSld>
+  <p:clrMapOvr>
+    <a:masterClrMapping/>
+  </p:clrMapOvr>
+</p:sld>
+</file>
+
+<file path=ppt/slides/slide20.xml><?xml version="1.0" encoding="utf-8"?>
 <p:sld xmlns:a="http://schemas.openxmlformats.org/drawingml/2006/main" xmlns:r="http://schemas.openxmlformats.org/officeDocument/2006/relationships" xmlns:p="http://schemas.openxmlformats.org/presentationml/2006/main">
   <p:cSld>
     <p:spTree>
@@ -8815,195 +9693,7 @@
 </p:sld>
 </file>
 
-<file path=ppt/slides/slide2.xml><?xml version="1.0" encoding="utf-8"?>
-<p:sld xmlns:a="http://schemas.openxmlformats.org/drawingml/2006/main" xmlns:r="http://schemas.openxmlformats.org/officeDocument/2006/relationships" xmlns:p="http://schemas.openxmlformats.org/presentationml/2006/main">
-  <p:cSld>
-    <p:spTree>
-      <p:nvGrpSpPr>
-        <p:cNvPr id="1" name=""/>
-        <p:cNvGrpSpPr/>
-        <p:nvPr/>
-      </p:nvGrpSpPr>
-      <p:grpSpPr>
-        <a:xfrm>
-          <a:off x="0" y="0"/>
-          <a:ext cx="0" cy="0"/>
-          <a:chOff x="0" y="0"/>
-          <a:chExt cx="0" cy="0"/>
-        </a:xfrm>
-      </p:grpSpPr>
-      <p:sp>
-        <p:nvSpPr>
-          <p:cNvPr id="2" name="Title 1">
-            <a:extLst>
-              <a:ext uri="{FF2B5EF4-FFF2-40B4-BE49-F238E27FC236}">
-                <a16:creationId xmlns:a16="http://schemas.microsoft.com/office/drawing/2014/main" id="{CA125AEA-7A84-4F6A-A146-D497F71BE68F}"/>
-              </a:ext>
-            </a:extLst>
-          </p:cNvPr>
-          <p:cNvSpPr>
-            <a:spLocks noGrp="1"/>
-          </p:cNvSpPr>
-          <p:nvPr>
-            <p:ph type="title"/>
-          </p:nvPr>
-        </p:nvSpPr>
-        <p:spPr/>
-        <p:txBody>
-          <a:bodyPr/>
-          <a:lstStyle/>
-          <a:p>
-            <a:r>
-              <a:rPr lang="en-US" dirty="0"/>
-              <a:t>Evidence related to traversed directories </a:t>
-            </a:r>
-          </a:p>
-        </p:txBody>
-      </p:sp>
-      <p:sp>
-        <p:nvSpPr>
-          <p:cNvPr id="3" name="Content Placeholder 2">
-            <a:extLst>
-              <a:ext uri="{FF2B5EF4-FFF2-40B4-BE49-F238E27FC236}">
-                <a16:creationId xmlns:a16="http://schemas.microsoft.com/office/drawing/2014/main" id="{53A2B3A9-CADA-4EE7-963F-CCF7898F9DD2}"/>
-              </a:ext>
-            </a:extLst>
-          </p:cNvPr>
-          <p:cNvSpPr>
-            <a:spLocks noGrp="1"/>
-          </p:cNvSpPr>
-          <p:nvPr>
-            <p:ph idx="1"/>
-          </p:nvPr>
-        </p:nvSpPr>
-        <p:spPr/>
-        <p:txBody>
-          <a:bodyPr/>
-          <a:lstStyle/>
-          <a:p>
-            <a:r>
-              <a:rPr lang="en-US" dirty="0"/>
-              <a:t>Investigate artifacts that contain </a:t>
-            </a:r>
-            <a:r>
-              <a:rPr lang="en-US" dirty="0">
-                <a:solidFill>
-                  <a:srgbClr val="7030A0"/>
-                </a:solidFill>
-              </a:rPr>
-              <a:t>only</a:t>
-            </a:r>
-            <a:r>
-              <a:rPr lang="en-US" dirty="0"/>
-              <a:t> </a:t>
-            </a:r>
-            <a:r>
-              <a:rPr lang="en-US" dirty="0">
-                <a:solidFill>
-                  <a:srgbClr val="FF0000"/>
-                </a:solidFill>
-              </a:rPr>
-              <a:t>traversed directories</a:t>
-            </a:r>
-          </a:p>
-          <a:p>
-            <a:pPr lvl="1"/>
-            <a:r>
-              <a:rPr lang="en-US" dirty="0" err="1"/>
-              <a:t>shellbag</a:t>
-            </a:r>
-            <a:r>
-              <a:rPr lang="en-US" dirty="0"/>
-              <a:t>, </a:t>
-            </a:r>
-          </a:p>
-          <a:p>
-            <a:r>
-              <a:rPr lang="en-US" dirty="0"/>
-              <a:t>Investigate artifacts that  traversed files </a:t>
-            </a:r>
-            <a:r>
-              <a:rPr lang="en-US" dirty="0">
-                <a:solidFill>
-                  <a:srgbClr val="7030A0"/>
-                </a:solidFill>
-              </a:rPr>
-              <a:t>also</a:t>
-            </a:r>
-            <a:r>
-              <a:rPr lang="en-US" dirty="0"/>
-              <a:t> contain </a:t>
-            </a:r>
-            <a:r>
-              <a:rPr lang="en-US" dirty="0">
-                <a:solidFill>
-                  <a:srgbClr val="FF0000"/>
-                </a:solidFill>
-              </a:rPr>
-              <a:t>traversed directories</a:t>
-            </a:r>
-          </a:p>
-          <a:p>
-            <a:pPr lvl="1"/>
-            <a:r>
-              <a:rPr lang="en-US" dirty="0" err="1"/>
-              <a:t>Jumplist</a:t>
-            </a:r>
-            <a:r>
-              <a:rPr lang="en-US" dirty="0"/>
-              <a:t> (</a:t>
-            </a:r>
-            <a:r>
-              <a:rPr lang="en-US" dirty="0" err="1"/>
-              <a:t>AutomaticDestinations</a:t>
-            </a:r>
-            <a:r>
-              <a:rPr lang="en-US" dirty="0"/>
-              <a:t>, </a:t>
-            </a:r>
-            <a:r>
-              <a:rPr lang="en-US" dirty="0" err="1"/>
-              <a:t>CustomDestinations</a:t>
-            </a:r>
-            <a:r>
-              <a:rPr lang="en-US" dirty="0"/>
-              <a:t>)</a:t>
-            </a:r>
-          </a:p>
-          <a:p>
-            <a:pPr lvl="1"/>
-            <a:r>
-              <a:rPr lang="en-US" dirty="0"/>
-              <a:t>Links</a:t>
-            </a:r>
-          </a:p>
-          <a:p>
-            <a:pPr lvl="1"/>
-            <a:endParaRPr lang="en-US" dirty="0"/>
-          </a:p>
-          <a:p>
-            <a:pPr lvl="1"/>
-            <a:endParaRPr lang="en-US" dirty="0"/>
-          </a:p>
-          <a:p>
-            <a:endParaRPr lang="en-US" dirty="0"/>
-          </a:p>
-        </p:txBody>
-      </p:sp>
-    </p:spTree>
-    <p:extLst>
-      <p:ext uri="{BB962C8B-B14F-4D97-AF65-F5344CB8AC3E}">
-        <p14:creationId xmlns:p14="http://schemas.microsoft.com/office/powerpoint/2010/main" val="2772101945"/>
-      </p:ext>
-    </p:extLst>
-  </p:cSld>
-  <p:clrMapOvr>
-    <a:masterClrMapping/>
-  </p:clrMapOvr>
-</p:sld>
-</file>
-
-<file path=ppt/slides/slide20.xml><?xml version="1.0" encoding="utf-8"?>
+<file path=ppt/slides/slide21.xml><?xml version="1.0" encoding="utf-8"?>
 <p:sld xmlns:a="http://schemas.openxmlformats.org/drawingml/2006/main" xmlns:r="http://schemas.openxmlformats.org/officeDocument/2006/relationships" xmlns:p="http://schemas.openxmlformats.org/presentationml/2006/main">
   <p:cSld>
     <p:spTree>
@@ -9171,7 +9861,7 @@
         </p:nvSpPr>
         <p:spPr>
           <a:xfrm>
-            <a:off x="3643086" y="1499973"/>
+            <a:off x="3635005" y="1382271"/>
             <a:ext cx="2460995" cy="369332"/>
           </a:xfrm>
           <a:prstGeom prst="rect">
@@ -9200,206 +9890,6 @@
     <p:extLst>
       <p:ext uri="{BB962C8B-B14F-4D97-AF65-F5344CB8AC3E}">
         <p14:creationId xmlns:p14="http://schemas.microsoft.com/office/powerpoint/2010/main" val="407093013"/>
-      </p:ext>
-    </p:extLst>
-  </p:cSld>
-  <p:clrMapOvr>
-    <a:masterClrMapping/>
-  </p:clrMapOvr>
-</p:sld>
-</file>
-
-<file path=ppt/slides/slide21.xml><?xml version="1.0" encoding="utf-8"?>
-<p:sld xmlns:a="http://schemas.openxmlformats.org/drawingml/2006/main" xmlns:r="http://schemas.openxmlformats.org/officeDocument/2006/relationships" xmlns:p="http://schemas.openxmlformats.org/presentationml/2006/main">
-  <p:cSld>
-    <p:spTree>
-      <p:nvGrpSpPr>
-        <p:cNvPr id="1" name=""/>
-        <p:cNvGrpSpPr/>
-        <p:nvPr/>
-      </p:nvGrpSpPr>
-      <p:grpSpPr>
-        <a:xfrm>
-          <a:off x="0" y="0"/>
-          <a:ext cx="0" cy="0"/>
-          <a:chOff x="0" y="0"/>
-          <a:chExt cx="0" cy="0"/>
-        </a:xfrm>
-      </p:grpSpPr>
-      <p:sp>
-        <p:nvSpPr>
-          <p:cNvPr id="2" name="Title 1"/>
-          <p:cNvSpPr>
-            <a:spLocks noGrp="1"/>
-          </p:cNvSpPr>
-          <p:nvPr>
-            <p:ph type="title"/>
-          </p:nvPr>
-        </p:nvSpPr>
-        <p:spPr/>
-        <p:txBody>
-          <a:bodyPr/>
-          <a:lstStyle/>
-          <a:p>
-            <a:r>
-              <a:rPr lang="en-US" dirty="0">
-                <a:solidFill>
-                  <a:srgbClr val="FF0000"/>
-                </a:solidFill>
-              </a:rPr>
-              <a:t>29.</a:t>
-            </a:r>
-            <a:r>
-              <a:rPr lang="en-US" dirty="0"/>
-              <a:t>	Find traces related to cloud services on PC (Service name, log files...)</a:t>
-            </a:r>
-          </a:p>
-        </p:txBody>
-      </p:sp>
-      <p:sp>
-        <p:nvSpPr>
-          <p:cNvPr id="3" name="Content Placeholder 2"/>
-          <p:cNvSpPr>
-            <a:spLocks noGrp="1"/>
-          </p:cNvSpPr>
-          <p:nvPr>
-            <p:ph idx="1"/>
-          </p:nvPr>
-        </p:nvSpPr>
-        <p:spPr/>
-        <p:txBody>
-          <a:bodyPr>
-            <a:normAutofit/>
-          </a:bodyPr>
-          <a:lstStyle/>
-          <a:p>
-            <a:r>
-              <a:rPr lang="en-US" dirty="0"/>
-              <a:t>Download directory</a:t>
-            </a:r>
-          </a:p>
-          <a:p>
-            <a:pPr lvl="1"/>
-            <a:r>
-              <a:rPr lang="en-US" sz="2000" i="1" dirty="0">
-                <a:solidFill>
-                  <a:srgbClr val="7030A0"/>
-                </a:solidFill>
-              </a:rPr>
-              <a:t>\User\informant\Downloads\icloudsetup.exe</a:t>
-            </a:r>
-          </a:p>
-          <a:p>
-            <a:pPr lvl="1"/>
-            <a:r>
-              <a:rPr lang="en-US" sz="2000" i="1" dirty="0">
-                <a:solidFill>
-                  <a:srgbClr val="7030A0"/>
-                </a:solidFill>
-              </a:rPr>
-              <a:t>\User\informant\Downloads\googledrivesync.exe</a:t>
-            </a:r>
-          </a:p>
-          <a:p>
-            <a:r>
-              <a:rPr lang="en-US" dirty="0"/>
-              <a:t>Installed directory</a:t>
-            </a:r>
-          </a:p>
-          <a:p>
-            <a:pPr lvl="1"/>
-            <a:r>
-              <a:rPr lang="en-US" sz="2000" i="1" dirty="0">
-                <a:solidFill>
-                  <a:srgbClr val="7030A0"/>
-                </a:solidFill>
-              </a:rPr>
-              <a:t>User\informant\</a:t>
-            </a:r>
-            <a:r>
-              <a:rPr lang="en-US" sz="2000" i="1" dirty="0" err="1">
-                <a:solidFill>
-                  <a:srgbClr val="7030A0"/>
-                </a:solidFill>
-              </a:rPr>
-              <a:t>AppData</a:t>
-            </a:r>
-            <a:r>
-              <a:rPr lang="en-US" sz="2000" i="1" dirty="0">
-                <a:solidFill>
-                  <a:srgbClr val="7030A0"/>
-                </a:solidFill>
-              </a:rPr>
-              <a:t>\Google\Drive\</a:t>
-            </a:r>
-            <a:r>
-              <a:rPr lang="en-US" sz="2000" i="1" dirty="0" err="1">
-                <a:solidFill>
-                  <a:srgbClr val="7030A0"/>
-                </a:solidFill>
-              </a:rPr>
-              <a:t>user_default</a:t>
-            </a:r>
-            <a:r>
-              <a:rPr lang="en-US" sz="2000" i="1" dirty="0">
-                <a:solidFill>
-                  <a:srgbClr val="7030A0"/>
-                </a:solidFill>
-              </a:rPr>
-              <a:t>\</a:t>
-            </a:r>
-          </a:p>
-          <a:p>
-            <a:r>
-              <a:rPr lang="en-US" dirty="0"/>
-              <a:t>Registry that related to Installation/Uninstall/Execution</a:t>
-            </a:r>
-          </a:p>
-          <a:p>
-            <a:pPr lvl="1"/>
-            <a:r>
-              <a:rPr lang="en-US" dirty="0"/>
-              <a:t>Configuration</a:t>
-            </a:r>
-          </a:p>
-          <a:p>
-            <a:pPr lvl="1"/>
-            <a:r>
-              <a:rPr lang="en-US" dirty="0" err="1"/>
-              <a:t>Autoruns</a:t>
-            </a:r>
-            <a:endParaRPr lang="en-US" dirty="0"/>
-          </a:p>
-          <a:p>
-            <a:pPr lvl="1"/>
-            <a:r>
-              <a:rPr lang="en-US" dirty="0" err="1"/>
-              <a:t>UserAssist</a:t>
-            </a:r>
-            <a:r>
-              <a:rPr lang="en-US" dirty="0"/>
-              <a:t>, </a:t>
-            </a:r>
-          </a:p>
-          <a:p>
-            <a:pPr lvl="1"/>
-            <a:r>
-              <a:rPr lang="en-US" dirty="0"/>
-              <a:t>Classes…</a:t>
-            </a:r>
-          </a:p>
-          <a:p>
-            <a:endParaRPr lang="en-US" dirty="0"/>
-          </a:p>
-          <a:p>
-            <a:endParaRPr lang="en-US" dirty="0"/>
-          </a:p>
-        </p:txBody>
-      </p:sp>
-    </p:spTree>
-    <p:extLst>
-      <p:ext uri="{BB962C8B-B14F-4D97-AF65-F5344CB8AC3E}">
-        <p14:creationId xmlns:p14="http://schemas.microsoft.com/office/powerpoint/2010/main" val="214669444"/>
       </p:ext>
     </p:extLst>
   </p:cSld>
@@ -9428,7 +9918,7 @@
       </p:grpSpPr>
       <p:sp>
         <p:nvSpPr>
-          <p:cNvPr id="4" name="Title 3"/>
+          <p:cNvPr id="2" name="Title 1"/>
           <p:cNvSpPr>
             <a:spLocks noGrp="1"/>
           </p:cNvSpPr>
@@ -9447,80 +9937,159 @@
                   <a:srgbClr val="FF0000"/>
                 </a:solidFill>
               </a:rPr>
-              <a:t>29.1</a:t>
-            </a:r>
-            <a:r>
-              <a:rPr lang="en-US" dirty="0"/>
-              <a:t> Search download folder</a:t>
-            </a:r>
-          </a:p>
-        </p:txBody>
-      </p:sp>
-      <p:pic>
-        <p:nvPicPr>
-          <p:cNvPr id="5" name="Picture 4"/>
-          <p:cNvPicPr>
-            <a:picLocks noChangeAspect="1"/>
-          </p:cNvPicPr>
-          <p:nvPr/>
-        </p:nvPicPr>
-        <p:blipFill>
-          <a:blip r:embed="rId2"/>
-          <a:stretch>
-            <a:fillRect/>
-          </a:stretch>
-        </p:blipFill>
-        <p:spPr>
-          <a:xfrm>
-            <a:off x="838199" y="2238349"/>
-            <a:ext cx="8209765" cy="1765240"/>
-          </a:xfrm>
-          <a:prstGeom prst="rect">
-            <a:avLst/>
-          </a:prstGeom>
-        </p:spPr>
-      </p:pic>
-      <p:sp>
-        <p:nvSpPr>
-          <p:cNvPr id="6" name="TextBox 5">
-            <a:extLst>
-              <a:ext uri="{FF2B5EF4-FFF2-40B4-BE49-F238E27FC236}">
-                <a16:creationId xmlns:a16="http://schemas.microsoft.com/office/drawing/2014/main" id="{30DE6E35-3EC5-4401-BB58-9C55EEE7DE01}"/>
-              </a:ext>
-            </a:extLst>
-          </p:cNvPr>
-          <p:cNvSpPr txBox="1"/>
-          <p:nvPr/>
-        </p:nvSpPr>
-        <p:spPr>
-          <a:xfrm>
-            <a:off x="838200" y="1847207"/>
-            <a:ext cx="3514725" cy="369332"/>
-          </a:xfrm>
-          <a:prstGeom prst="rect">
-            <a:avLst/>
-          </a:prstGeom>
-          <a:solidFill>
-            <a:srgbClr val="FFC000"/>
-          </a:solidFill>
-        </p:spPr>
-        <p:txBody>
-          <a:bodyPr wrap="square" rtlCol="0">
-            <a:spAutoFit/>
+              <a:t>29.</a:t>
+            </a:r>
+            <a:r>
+              <a:rPr lang="en-US" dirty="0"/>
+              <a:t>	Find traces related to cloud services on PC (Service name, log files...)</a:t>
+            </a:r>
+          </a:p>
+        </p:txBody>
+      </p:sp>
+      <p:sp>
+        <p:nvSpPr>
+          <p:cNvPr id="3" name="Content Placeholder 2"/>
+          <p:cNvSpPr>
+            <a:spLocks noGrp="1"/>
+          </p:cNvSpPr>
+          <p:nvPr>
+            <p:ph idx="1"/>
+          </p:nvPr>
+        </p:nvSpPr>
+        <p:spPr/>
+        <p:txBody>
+          <a:bodyPr>
+            <a:normAutofit/>
           </a:bodyPr>
           <a:lstStyle/>
           <a:p>
             <a:r>
               <a:rPr lang="en-US" dirty="0"/>
-              <a:t>Find traces in download directory</a:t>
-            </a:r>
+              <a:t>Download directory</a:t>
+            </a:r>
+          </a:p>
+          <a:p>
+            <a:pPr lvl="1"/>
+            <a:r>
+              <a:rPr lang="en-US" sz="2000" i="1" dirty="0">
+                <a:solidFill>
+                  <a:srgbClr val="7030A0"/>
+                </a:solidFill>
+              </a:rPr>
+              <a:t>\User\informant\Downloads\icloudsetup.exe</a:t>
+            </a:r>
+          </a:p>
+          <a:p>
+            <a:pPr lvl="1"/>
+            <a:r>
+              <a:rPr lang="en-US" sz="2000" i="1" dirty="0">
+                <a:solidFill>
+                  <a:srgbClr val="7030A0"/>
+                </a:solidFill>
+              </a:rPr>
+              <a:t>\User\informant\Downloads\googledrivesync.exe</a:t>
+            </a:r>
+          </a:p>
+          <a:p>
+            <a:r>
+              <a:rPr lang="en-US" dirty="0"/>
+              <a:t>Installed directory</a:t>
+            </a:r>
+          </a:p>
+          <a:p>
+            <a:pPr lvl="1"/>
+            <a:r>
+              <a:rPr lang="en-US" sz="2000" i="1" dirty="0">
+                <a:solidFill>
+                  <a:srgbClr val="7030A0"/>
+                </a:solidFill>
+              </a:rPr>
+              <a:t>User\informant\</a:t>
+            </a:r>
+            <a:r>
+              <a:rPr lang="en-US" sz="2000" i="1" dirty="0" err="1">
+                <a:solidFill>
+                  <a:srgbClr val="7030A0"/>
+                </a:solidFill>
+              </a:rPr>
+              <a:t>AppData</a:t>
+            </a:r>
+            <a:r>
+              <a:rPr lang="en-US" sz="2000" i="1" dirty="0">
+                <a:solidFill>
+                  <a:srgbClr val="7030A0"/>
+                </a:solidFill>
+              </a:rPr>
+              <a:t>\Google\Drive\</a:t>
+            </a:r>
+            <a:r>
+              <a:rPr lang="en-US" sz="2000" i="1" dirty="0" err="1">
+                <a:solidFill>
+                  <a:srgbClr val="7030A0"/>
+                </a:solidFill>
+              </a:rPr>
+              <a:t>user_default</a:t>
+            </a:r>
+            <a:r>
+              <a:rPr lang="en-US" sz="2000" i="1" dirty="0">
+                <a:solidFill>
+                  <a:srgbClr val="7030A0"/>
+                </a:solidFill>
+              </a:rPr>
+              <a:t>\</a:t>
+            </a:r>
+          </a:p>
+          <a:p>
+            <a:r>
+              <a:rPr lang="en-US" dirty="0"/>
+              <a:t>Registry that related to Installation/Uninstall/Execution</a:t>
+            </a:r>
+          </a:p>
+          <a:p>
+            <a:pPr lvl="1"/>
+            <a:r>
+              <a:rPr lang="en-US" dirty="0"/>
+              <a:t>Configuration</a:t>
+            </a:r>
+          </a:p>
+          <a:p>
+            <a:pPr lvl="1"/>
+            <a:r>
+              <a:rPr lang="en-US" dirty="0" err="1"/>
+              <a:t>Autoruns</a:t>
+            </a:r>
+            <a:endParaRPr lang="en-US" dirty="0"/>
+          </a:p>
+          <a:p>
+            <a:pPr lvl="1"/>
+            <a:r>
+              <a:rPr lang="en-US" dirty="0" err="1"/>
+              <a:t>UserAssist</a:t>
+            </a:r>
+            <a:r>
+              <a:rPr lang="en-US" dirty="0"/>
+              <a:t>, </a:t>
+            </a:r>
+          </a:p>
+          <a:p>
+            <a:pPr lvl="1"/>
+            <a:r>
+              <a:rPr lang="en-US" dirty="0"/>
+              <a:t>Classes…</a:t>
+            </a:r>
+          </a:p>
+          <a:p>
+            <a:endParaRPr lang="en-US" dirty="0"/>
+          </a:p>
+          <a:p>
+            <a:endParaRPr lang="en-US" dirty="0"/>
           </a:p>
         </p:txBody>
       </p:sp>
     </p:spTree>
     <p:extLst>
       <p:ext uri="{BB962C8B-B14F-4D97-AF65-F5344CB8AC3E}">
-        <p14:creationId xmlns:p14="http://schemas.microsoft.com/office/powerpoint/2010/main" val="707937518"/>
+        <p14:creationId xmlns:p14="http://schemas.microsoft.com/office/powerpoint/2010/main" val="214669444"/>
       </p:ext>
     </p:extLst>
   </p:cSld>
@@ -9549,6 +10118,127 @@
       </p:grpSpPr>
       <p:sp>
         <p:nvSpPr>
+          <p:cNvPr id="4" name="Title 3"/>
+          <p:cNvSpPr>
+            <a:spLocks noGrp="1"/>
+          </p:cNvSpPr>
+          <p:nvPr>
+            <p:ph type="title"/>
+          </p:nvPr>
+        </p:nvSpPr>
+        <p:spPr/>
+        <p:txBody>
+          <a:bodyPr/>
+          <a:lstStyle/>
+          <a:p>
+            <a:r>
+              <a:rPr lang="en-US" dirty="0">
+                <a:solidFill>
+                  <a:srgbClr val="FF0000"/>
+                </a:solidFill>
+              </a:rPr>
+              <a:t>29.1</a:t>
+            </a:r>
+            <a:r>
+              <a:rPr lang="en-US" dirty="0"/>
+              <a:t> Search download folder</a:t>
+            </a:r>
+          </a:p>
+        </p:txBody>
+      </p:sp>
+      <p:pic>
+        <p:nvPicPr>
+          <p:cNvPr id="5" name="Picture 4"/>
+          <p:cNvPicPr>
+            <a:picLocks noChangeAspect="1"/>
+          </p:cNvPicPr>
+          <p:nvPr/>
+        </p:nvPicPr>
+        <p:blipFill>
+          <a:blip r:embed="rId2"/>
+          <a:stretch>
+            <a:fillRect/>
+          </a:stretch>
+        </p:blipFill>
+        <p:spPr>
+          <a:xfrm>
+            <a:off x="838199" y="2238349"/>
+            <a:ext cx="8209765" cy="1765240"/>
+          </a:xfrm>
+          <a:prstGeom prst="rect">
+            <a:avLst/>
+          </a:prstGeom>
+        </p:spPr>
+      </p:pic>
+      <p:sp>
+        <p:nvSpPr>
+          <p:cNvPr id="6" name="TextBox 5">
+            <a:extLst>
+              <a:ext uri="{FF2B5EF4-FFF2-40B4-BE49-F238E27FC236}">
+                <a16:creationId xmlns:a16="http://schemas.microsoft.com/office/drawing/2014/main" id="{30DE6E35-3EC5-4401-BB58-9C55EEE7DE01}"/>
+              </a:ext>
+            </a:extLst>
+          </p:cNvPr>
+          <p:cNvSpPr txBox="1"/>
+          <p:nvPr/>
+        </p:nvSpPr>
+        <p:spPr>
+          <a:xfrm>
+            <a:off x="838200" y="1847207"/>
+            <a:ext cx="3514725" cy="369332"/>
+          </a:xfrm>
+          <a:prstGeom prst="rect">
+            <a:avLst/>
+          </a:prstGeom>
+          <a:solidFill>
+            <a:srgbClr val="FFC000"/>
+          </a:solidFill>
+        </p:spPr>
+        <p:txBody>
+          <a:bodyPr wrap="square" rtlCol="0">
+            <a:spAutoFit/>
+          </a:bodyPr>
+          <a:lstStyle/>
+          <a:p>
+            <a:r>
+              <a:rPr lang="en-US" dirty="0"/>
+              <a:t>Find traces in download directory</a:t>
+            </a:r>
+          </a:p>
+        </p:txBody>
+      </p:sp>
+    </p:spTree>
+    <p:extLst>
+      <p:ext uri="{BB962C8B-B14F-4D97-AF65-F5344CB8AC3E}">
+        <p14:creationId xmlns:p14="http://schemas.microsoft.com/office/powerpoint/2010/main" val="707937518"/>
+      </p:ext>
+    </p:extLst>
+  </p:cSld>
+  <p:clrMapOvr>
+    <a:masterClrMapping/>
+  </p:clrMapOvr>
+</p:sld>
+</file>
+
+<file path=ppt/slides/slide24.xml><?xml version="1.0" encoding="utf-8"?>
+<p:sld xmlns:a="http://schemas.openxmlformats.org/drawingml/2006/main" xmlns:r="http://schemas.openxmlformats.org/officeDocument/2006/relationships" xmlns:p="http://schemas.openxmlformats.org/presentationml/2006/main">
+  <p:cSld>
+    <p:spTree>
+      <p:nvGrpSpPr>
+        <p:cNvPr id="1" name=""/>
+        <p:cNvGrpSpPr/>
+        <p:nvPr/>
+      </p:nvGrpSpPr>
+      <p:grpSpPr>
+        <a:xfrm>
+          <a:off x="0" y="0"/>
+          <a:ext cx="0" cy="0"/>
+          <a:chOff x="0" y="0"/>
+          <a:chExt cx="0" cy="0"/>
+        </a:xfrm>
+      </p:grpSpPr>
+      <p:sp>
+        <p:nvSpPr>
           <p:cNvPr id="2" name="Title 1"/>
           <p:cNvSpPr>
             <a:spLocks noGrp="1"/>
@@ -9871,7 +10561,7 @@
 </p:sld>
 </file>
 
-<file path=ppt/slides/slide24.xml><?xml version="1.0" encoding="utf-8"?>
+<file path=ppt/slides/slide25.xml><?xml version="1.0" encoding="utf-8"?>
 <p:sld xmlns:a="http://schemas.openxmlformats.org/drawingml/2006/main" xmlns:r="http://schemas.openxmlformats.org/officeDocument/2006/relationships" xmlns:p="http://schemas.openxmlformats.org/presentationml/2006/main">
   <p:cSld>
     <p:spTree>
@@ -9955,7 +10645,7 @@
 </p:sld>
 </file>
 
-<file path=ppt/slides/slide25.xml><?xml version="1.0" encoding="utf-8"?>
+<file path=ppt/slides/slide26.xml><?xml version="1.0" encoding="utf-8"?>
 <p:sld xmlns:a="http://schemas.openxmlformats.org/drawingml/2006/main" xmlns:r="http://schemas.openxmlformats.org/officeDocument/2006/relationships" xmlns:p="http://schemas.openxmlformats.org/presentationml/2006/main">
   <p:cSld>
     <p:spTree>
@@ -10129,349 +10819,6 @@
 </p:sld>
 </file>
 
-<file path=ppt/slides/slide26.xml><?xml version="1.0" encoding="utf-8"?>
-<p:sld xmlns:a="http://schemas.openxmlformats.org/drawingml/2006/main" xmlns:r="http://schemas.openxmlformats.org/officeDocument/2006/relationships" xmlns:p="http://schemas.openxmlformats.org/presentationml/2006/main">
-  <p:cSld>
-    <p:spTree>
-      <p:nvGrpSpPr>
-        <p:cNvPr id="1" name=""/>
-        <p:cNvGrpSpPr/>
-        <p:nvPr/>
-      </p:nvGrpSpPr>
-      <p:grpSpPr>
-        <a:xfrm>
-          <a:off x="0" y="0"/>
-          <a:ext cx="0" cy="0"/>
-          <a:chOff x="0" y="0"/>
-          <a:chExt cx="0" cy="0"/>
-        </a:xfrm>
-      </p:grpSpPr>
-      <p:sp>
-        <p:nvSpPr>
-          <p:cNvPr id="2" name="Title 1"/>
-          <p:cNvSpPr>
-            <a:spLocks noGrp="1"/>
-          </p:cNvSpPr>
-          <p:nvPr>
-            <p:ph type="title"/>
-          </p:nvPr>
-        </p:nvSpPr>
-        <p:spPr/>
-        <p:txBody>
-          <a:bodyPr/>
-          <a:lstStyle/>
-          <a:p>
-            <a:r>
-              <a:rPr lang="en-US" dirty="0"/>
-              <a:t>Windows Automatic Startup Registry</a:t>
-            </a:r>
-          </a:p>
-        </p:txBody>
-      </p:sp>
-      <p:sp>
-        <p:nvSpPr>
-          <p:cNvPr id="3" name="Content Placeholder 2"/>
-          <p:cNvSpPr>
-            <a:spLocks noGrp="1"/>
-          </p:cNvSpPr>
-          <p:nvPr>
-            <p:ph idx="1"/>
-          </p:nvPr>
-        </p:nvSpPr>
-        <p:spPr/>
-        <p:txBody>
-          <a:bodyPr>
-            <a:normAutofit/>
-          </a:bodyPr>
-          <a:lstStyle/>
-          <a:p>
-            <a:r>
-              <a:rPr lang="en-US" sz="2000" i="1" dirty="0">
-                <a:solidFill>
-                  <a:srgbClr val="7030A0"/>
-                </a:solidFill>
-              </a:rPr>
-              <a:t>HKCU\SOFTWARE\Microsoft\Windows\</a:t>
-            </a:r>
-            <a:r>
-              <a:rPr lang="en-US" sz="2000" i="1" dirty="0" err="1">
-                <a:solidFill>
-                  <a:srgbClr val="7030A0"/>
-                </a:solidFill>
-              </a:rPr>
-              <a:t>CurrentVersion</a:t>
-            </a:r>
-            <a:r>
-              <a:rPr lang="en-US" sz="2000" i="1" dirty="0">
-                <a:solidFill>
-                  <a:srgbClr val="7030A0"/>
-                </a:solidFill>
-              </a:rPr>
-              <a:t>\Run</a:t>
-            </a:r>
-          </a:p>
-          <a:p>
-            <a:r>
-              <a:rPr lang="en-US" sz="2000" i="1" dirty="0">
-                <a:solidFill>
-                  <a:srgbClr val="7030A0"/>
-                </a:solidFill>
-              </a:rPr>
-              <a:t>HKCU\SOFTWARE\Wow6432Node\Microsoft\Windows\</a:t>
-            </a:r>
-            <a:r>
-              <a:rPr lang="en-US" sz="2000" i="1" dirty="0" err="1">
-                <a:solidFill>
-                  <a:srgbClr val="7030A0"/>
-                </a:solidFill>
-              </a:rPr>
-              <a:t>CurrentVersion</a:t>
-            </a:r>
-            <a:r>
-              <a:rPr lang="en-US" sz="2000" i="1" dirty="0">
-                <a:solidFill>
-                  <a:srgbClr val="7030A0"/>
-                </a:solidFill>
-              </a:rPr>
-              <a:t>\Run (only on 64-bit systems)</a:t>
-            </a:r>
-          </a:p>
-          <a:p>
-            <a:r>
-              <a:rPr lang="en-US" sz="2000" i="1" dirty="0">
-                <a:solidFill>
-                  <a:srgbClr val="7030A0"/>
-                </a:solidFill>
-              </a:rPr>
-              <a:t>HKCU\Software\Microsoft\Windows NT\</a:t>
-            </a:r>
-            <a:r>
-              <a:rPr lang="en-US" sz="2000" i="1" dirty="0" err="1">
-                <a:solidFill>
-                  <a:srgbClr val="7030A0"/>
-                </a:solidFill>
-              </a:rPr>
-              <a:t>CurrentVersion</a:t>
-            </a:r>
-            <a:r>
-              <a:rPr lang="en-US" sz="2000" i="1" dirty="0">
-                <a:solidFill>
-                  <a:srgbClr val="7030A0"/>
-                </a:solidFill>
-              </a:rPr>
-              <a:t>\Windows\Run</a:t>
-            </a:r>
-          </a:p>
-          <a:p>
-            <a:r>
-              <a:rPr lang="en-US" sz="2000" i="1" dirty="0">
-                <a:solidFill>
-                  <a:srgbClr val="7030A0"/>
-                </a:solidFill>
-              </a:rPr>
-              <a:t>HKCU\Software\Microsoft\Windows\</a:t>
-            </a:r>
-            <a:r>
-              <a:rPr lang="en-US" sz="2000" i="1" dirty="0" err="1">
-                <a:solidFill>
-                  <a:srgbClr val="7030A0"/>
-                </a:solidFill>
-              </a:rPr>
-              <a:t>CurrentVersion</a:t>
-            </a:r>
-            <a:r>
-              <a:rPr lang="en-US" sz="2000" i="1" dirty="0">
-                <a:solidFill>
-                  <a:srgbClr val="7030A0"/>
-                </a:solidFill>
-              </a:rPr>
-              <a:t>\</a:t>
-            </a:r>
-            <a:r>
-              <a:rPr lang="en-US" sz="2000" i="1" dirty="0" err="1">
-                <a:solidFill>
-                  <a:srgbClr val="7030A0"/>
-                </a:solidFill>
-              </a:rPr>
-              <a:t>RunOnce</a:t>
-            </a:r>
-            <a:r>
-              <a:rPr lang="en-US" sz="2000" i="1" dirty="0">
-                <a:solidFill>
-                  <a:srgbClr val="7030A0"/>
-                </a:solidFill>
-              </a:rPr>
-              <a:t> (runs the program/command only once, clears it as soon as it is run)</a:t>
-            </a:r>
-          </a:p>
-          <a:p>
-            <a:r>
-              <a:rPr lang="en-US" sz="2000" i="1" dirty="0">
-                <a:solidFill>
-                  <a:srgbClr val="7030A0"/>
-                </a:solidFill>
-              </a:rPr>
-              <a:t>HKCU\Software\Microsoft\Windows\</a:t>
-            </a:r>
-            <a:r>
-              <a:rPr lang="en-US" sz="2000" i="1" dirty="0" err="1">
-                <a:solidFill>
-                  <a:srgbClr val="7030A0"/>
-                </a:solidFill>
-              </a:rPr>
-              <a:t>CurrentVersion</a:t>
-            </a:r>
-            <a:r>
-              <a:rPr lang="en-US" sz="2000" i="1" dirty="0">
-                <a:solidFill>
-                  <a:srgbClr val="7030A0"/>
-                </a:solidFill>
-              </a:rPr>
-              <a:t>\</a:t>
-            </a:r>
-            <a:r>
-              <a:rPr lang="en-US" sz="2000" i="1" dirty="0" err="1">
-                <a:solidFill>
-                  <a:srgbClr val="7030A0"/>
-                </a:solidFill>
-              </a:rPr>
-              <a:t>RunOnceEx</a:t>
-            </a:r>
-            <a:r>
-              <a:rPr lang="en-US" sz="2000" i="1" dirty="0">
-                <a:solidFill>
-                  <a:srgbClr val="7030A0"/>
-                </a:solidFill>
-              </a:rPr>
-              <a:t> (runs the program/command only once, clears it as soon as execution completes)</a:t>
-            </a:r>
-          </a:p>
-          <a:p>
-            <a:r>
-              <a:rPr lang="en-US" sz="2000" i="1" dirty="0">
-                <a:solidFill>
-                  <a:srgbClr val="7030A0"/>
-                </a:solidFill>
-              </a:rPr>
-              <a:t>HKCU\Software\Microsoft\Windows\</a:t>
-            </a:r>
-            <a:r>
-              <a:rPr lang="en-US" sz="2000" i="1" dirty="0" err="1">
-                <a:solidFill>
-                  <a:srgbClr val="7030A0"/>
-                </a:solidFill>
-              </a:rPr>
-              <a:t>CurrentVersion</a:t>
-            </a:r>
-            <a:r>
-              <a:rPr lang="en-US" sz="2000" i="1" dirty="0">
-                <a:solidFill>
-                  <a:srgbClr val="7030A0"/>
-                </a:solidFill>
-              </a:rPr>
-              <a:t>\</a:t>
-            </a:r>
-            <a:r>
-              <a:rPr lang="en-US" sz="2000" i="1" dirty="0" err="1">
-                <a:solidFill>
-                  <a:srgbClr val="7030A0"/>
-                </a:solidFill>
-              </a:rPr>
-              <a:t>RunServices</a:t>
-            </a:r>
-            <a:endParaRPr lang="en-US" sz="2000" i="1" dirty="0">
-              <a:solidFill>
-                <a:srgbClr val="7030A0"/>
-              </a:solidFill>
-            </a:endParaRPr>
-          </a:p>
-          <a:p>
-            <a:r>
-              <a:rPr lang="en-US" sz="2000" i="1" dirty="0">
-                <a:solidFill>
-                  <a:srgbClr val="7030A0"/>
-                </a:solidFill>
-              </a:rPr>
-              <a:t>HKCU\Software\Microsoft\Windows\</a:t>
-            </a:r>
-            <a:r>
-              <a:rPr lang="en-US" sz="2000" i="1" dirty="0" err="1">
-                <a:solidFill>
-                  <a:srgbClr val="7030A0"/>
-                </a:solidFill>
-              </a:rPr>
-              <a:t>CurrentVersion</a:t>
-            </a:r>
-            <a:r>
-              <a:rPr lang="en-US" sz="2000" i="1" dirty="0">
-                <a:solidFill>
-                  <a:srgbClr val="7030A0"/>
-                </a:solidFill>
-              </a:rPr>
-              <a:t>\</a:t>
-            </a:r>
-            <a:r>
-              <a:rPr lang="en-US" sz="2000" i="1" dirty="0" err="1">
-                <a:solidFill>
-                  <a:srgbClr val="7030A0"/>
-                </a:solidFill>
-              </a:rPr>
-              <a:t>RunServicesOnce</a:t>
-            </a:r>
-            <a:endParaRPr lang="en-US" sz="2000" i="1" dirty="0">
-              <a:solidFill>
-                <a:srgbClr val="7030A0"/>
-              </a:solidFill>
-            </a:endParaRPr>
-          </a:p>
-          <a:p>
-            <a:r>
-              <a:rPr lang="en-US" sz="2000" i="1" dirty="0">
-                <a:solidFill>
-                  <a:srgbClr val="7030A0"/>
-                </a:solidFill>
-              </a:rPr>
-              <a:t>HKLM\System\</a:t>
-            </a:r>
-            <a:r>
-              <a:rPr lang="en-US" sz="2000" i="1" dirty="0" err="1">
-                <a:solidFill>
-                  <a:srgbClr val="7030A0"/>
-                </a:solidFill>
-              </a:rPr>
-              <a:t>CurrentControlSet</a:t>
-            </a:r>
-            <a:r>
-              <a:rPr lang="en-US" sz="2000" i="1" dirty="0">
-                <a:solidFill>
-                  <a:srgbClr val="7030A0"/>
-                </a:solidFill>
-              </a:rPr>
-              <a:t>\Services</a:t>
-            </a:r>
-          </a:p>
-          <a:p>
-            <a:endParaRPr lang="en-US" sz="2000" i="1" dirty="0">
-              <a:solidFill>
-                <a:srgbClr val="7030A0"/>
-              </a:solidFill>
-            </a:endParaRPr>
-          </a:p>
-        </p:txBody>
-      </p:sp>
-    </p:spTree>
-    <p:extLst>
-      <p:ext uri="{BB962C8B-B14F-4D97-AF65-F5344CB8AC3E}">
-        <p14:creationId xmlns:p14="http://schemas.microsoft.com/office/powerpoint/2010/main" val="2179195278"/>
-      </p:ext>
-    </p:extLst>
-  </p:cSld>
-  <p:clrMapOvr>
-    <a:masterClrMapping/>
-  </p:clrMapOvr>
-</p:sld>
-</file>
-
 <file path=ppt/slides/slide27.xml><?xml version="1.0" encoding="utf-8"?>
 <p:sld xmlns:a="http://schemas.openxmlformats.org/drawingml/2006/main" xmlns:r="http://schemas.openxmlformats.org/officeDocument/2006/relationships" xmlns:p="http://schemas.openxmlformats.org/presentationml/2006/main">
   <p:cSld>
@@ -10505,6 +10852,349 @@
           <a:lstStyle/>
           <a:p>
             <a:r>
+              <a:rPr lang="en-US" dirty="0"/>
+              <a:t>Windows Automatic Startup Registry</a:t>
+            </a:r>
+          </a:p>
+        </p:txBody>
+      </p:sp>
+      <p:sp>
+        <p:nvSpPr>
+          <p:cNvPr id="3" name="Content Placeholder 2"/>
+          <p:cNvSpPr>
+            <a:spLocks noGrp="1"/>
+          </p:cNvSpPr>
+          <p:nvPr>
+            <p:ph idx="1"/>
+          </p:nvPr>
+        </p:nvSpPr>
+        <p:spPr/>
+        <p:txBody>
+          <a:bodyPr>
+            <a:normAutofit/>
+          </a:bodyPr>
+          <a:lstStyle/>
+          <a:p>
+            <a:r>
+              <a:rPr lang="en-US" sz="2000" i="1" dirty="0">
+                <a:solidFill>
+                  <a:srgbClr val="7030A0"/>
+                </a:solidFill>
+              </a:rPr>
+              <a:t>HKCU\SOFTWARE\Microsoft\Windows\</a:t>
+            </a:r>
+            <a:r>
+              <a:rPr lang="en-US" sz="2000" i="1" dirty="0" err="1">
+                <a:solidFill>
+                  <a:srgbClr val="7030A0"/>
+                </a:solidFill>
+              </a:rPr>
+              <a:t>CurrentVersion</a:t>
+            </a:r>
+            <a:r>
+              <a:rPr lang="en-US" sz="2000" i="1" dirty="0">
+                <a:solidFill>
+                  <a:srgbClr val="7030A0"/>
+                </a:solidFill>
+              </a:rPr>
+              <a:t>\Run</a:t>
+            </a:r>
+          </a:p>
+          <a:p>
+            <a:r>
+              <a:rPr lang="en-US" sz="2000" i="1" dirty="0">
+                <a:solidFill>
+                  <a:srgbClr val="7030A0"/>
+                </a:solidFill>
+              </a:rPr>
+              <a:t>HKCU\SOFTWARE\Wow6432Node\Microsoft\Windows\</a:t>
+            </a:r>
+            <a:r>
+              <a:rPr lang="en-US" sz="2000" i="1" dirty="0" err="1">
+                <a:solidFill>
+                  <a:srgbClr val="7030A0"/>
+                </a:solidFill>
+              </a:rPr>
+              <a:t>CurrentVersion</a:t>
+            </a:r>
+            <a:r>
+              <a:rPr lang="en-US" sz="2000" i="1" dirty="0">
+                <a:solidFill>
+                  <a:srgbClr val="7030A0"/>
+                </a:solidFill>
+              </a:rPr>
+              <a:t>\Run (only on 64-bit systems)</a:t>
+            </a:r>
+          </a:p>
+          <a:p>
+            <a:r>
+              <a:rPr lang="en-US" sz="2000" i="1" dirty="0">
+                <a:solidFill>
+                  <a:srgbClr val="7030A0"/>
+                </a:solidFill>
+              </a:rPr>
+              <a:t>HKCU\Software\Microsoft\Windows NT\</a:t>
+            </a:r>
+            <a:r>
+              <a:rPr lang="en-US" sz="2000" i="1" dirty="0" err="1">
+                <a:solidFill>
+                  <a:srgbClr val="7030A0"/>
+                </a:solidFill>
+              </a:rPr>
+              <a:t>CurrentVersion</a:t>
+            </a:r>
+            <a:r>
+              <a:rPr lang="en-US" sz="2000" i="1" dirty="0">
+                <a:solidFill>
+                  <a:srgbClr val="7030A0"/>
+                </a:solidFill>
+              </a:rPr>
+              <a:t>\Windows\Run</a:t>
+            </a:r>
+          </a:p>
+          <a:p>
+            <a:r>
+              <a:rPr lang="en-US" sz="2000" i="1" dirty="0">
+                <a:solidFill>
+                  <a:srgbClr val="7030A0"/>
+                </a:solidFill>
+              </a:rPr>
+              <a:t>HKCU\Software\Microsoft\Windows\</a:t>
+            </a:r>
+            <a:r>
+              <a:rPr lang="en-US" sz="2000" i="1" dirty="0" err="1">
+                <a:solidFill>
+                  <a:srgbClr val="7030A0"/>
+                </a:solidFill>
+              </a:rPr>
+              <a:t>CurrentVersion</a:t>
+            </a:r>
+            <a:r>
+              <a:rPr lang="en-US" sz="2000" i="1" dirty="0">
+                <a:solidFill>
+                  <a:srgbClr val="7030A0"/>
+                </a:solidFill>
+              </a:rPr>
+              <a:t>\</a:t>
+            </a:r>
+            <a:r>
+              <a:rPr lang="en-US" sz="2000" i="1" dirty="0" err="1">
+                <a:solidFill>
+                  <a:srgbClr val="7030A0"/>
+                </a:solidFill>
+              </a:rPr>
+              <a:t>RunOnce</a:t>
+            </a:r>
+            <a:r>
+              <a:rPr lang="en-US" sz="2000" i="1" dirty="0">
+                <a:solidFill>
+                  <a:srgbClr val="7030A0"/>
+                </a:solidFill>
+              </a:rPr>
+              <a:t> (runs the program/command only once, clears it as soon as it is run)</a:t>
+            </a:r>
+          </a:p>
+          <a:p>
+            <a:r>
+              <a:rPr lang="en-US" sz="2000" i="1" dirty="0">
+                <a:solidFill>
+                  <a:srgbClr val="7030A0"/>
+                </a:solidFill>
+              </a:rPr>
+              <a:t>HKCU\Software\Microsoft\Windows\</a:t>
+            </a:r>
+            <a:r>
+              <a:rPr lang="en-US" sz="2000" i="1" dirty="0" err="1">
+                <a:solidFill>
+                  <a:srgbClr val="7030A0"/>
+                </a:solidFill>
+              </a:rPr>
+              <a:t>CurrentVersion</a:t>
+            </a:r>
+            <a:r>
+              <a:rPr lang="en-US" sz="2000" i="1" dirty="0">
+                <a:solidFill>
+                  <a:srgbClr val="7030A0"/>
+                </a:solidFill>
+              </a:rPr>
+              <a:t>\</a:t>
+            </a:r>
+            <a:r>
+              <a:rPr lang="en-US" sz="2000" i="1" dirty="0" err="1">
+                <a:solidFill>
+                  <a:srgbClr val="7030A0"/>
+                </a:solidFill>
+              </a:rPr>
+              <a:t>RunOnceEx</a:t>
+            </a:r>
+            <a:r>
+              <a:rPr lang="en-US" sz="2000" i="1" dirty="0">
+                <a:solidFill>
+                  <a:srgbClr val="7030A0"/>
+                </a:solidFill>
+              </a:rPr>
+              <a:t> (runs the program/command only once, clears it as soon as execution completes)</a:t>
+            </a:r>
+          </a:p>
+          <a:p>
+            <a:r>
+              <a:rPr lang="en-US" sz="2000" i="1" dirty="0">
+                <a:solidFill>
+                  <a:srgbClr val="7030A0"/>
+                </a:solidFill>
+              </a:rPr>
+              <a:t>HKCU\Software\Microsoft\Windows\</a:t>
+            </a:r>
+            <a:r>
+              <a:rPr lang="en-US" sz="2000" i="1" dirty="0" err="1">
+                <a:solidFill>
+                  <a:srgbClr val="7030A0"/>
+                </a:solidFill>
+              </a:rPr>
+              <a:t>CurrentVersion</a:t>
+            </a:r>
+            <a:r>
+              <a:rPr lang="en-US" sz="2000" i="1" dirty="0">
+                <a:solidFill>
+                  <a:srgbClr val="7030A0"/>
+                </a:solidFill>
+              </a:rPr>
+              <a:t>\</a:t>
+            </a:r>
+            <a:r>
+              <a:rPr lang="en-US" sz="2000" i="1" dirty="0" err="1">
+                <a:solidFill>
+                  <a:srgbClr val="7030A0"/>
+                </a:solidFill>
+              </a:rPr>
+              <a:t>RunServices</a:t>
+            </a:r>
+            <a:endParaRPr lang="en-US" sz="2000" i="1" dirty="0">
+              <a:solidFill>
+                <a:srgbClr val="7030A0"/>
+              </a:solidFill>
+            </a:endParaRPr>
+          </a:p>
+          <a:p>
+            <a:r>
+              <a:rPr lang="en-US" sz="2000" i="1" dirty="0">
+                <a:solidFill>
+                  <a:srgbClr val="7030A0"/>
+                </a:solidFill>
+              </a:rPr>
+              <a:t>HKCU\Software\Microsoft\Windows\</a:t>
+            </a:r>
+            <a:r>
+              <a:rPr lang="en-US" sz="2000" i="1" dirty="0" err="1">
+                <a:solidFill>
+                  <a:srgbClr val="7030A0"/>
+                </a:solidFill>
+              </a:rPr>
+              <a:t>CurrentVersion</a:t>
+            </a:r>
+            <a:r>
+              <a:rPr lang="en-US" sz="2000" i="1" dirty="0">
+                <a:solidFill>
+                  <a:srgbClr val="7030A0"/>
+                </a:solidFill>
+              </a:rPr>
+              <a:t>\</a:t>
+            </a:r>
+            <a:r>
+              <a:rPr lang="en-US" sz="2000" i="1" dirty="0" err="1">
+                <a:solidFill>
+                  <a:srgbClr val="7030A0"/>
+                </a:solidFill>
+              </a:rPr>
+              <a:t>RunServicesOnce</a:t>
+            </a:r>
+            <a:endParaRPr lang="en-US" sz="2000" i="1" dirty="0">
+              <a:solidFill>
+                <a:srgbClr val="7030A0"/>
+              </a:solidFill>
+            </a:endParaRPr>
+          </a:p>
+          <a:p>
+            <a:r>
+              <a:rPr lang="en-US" sz="2000" i="1" dirty="0">
+                <a:solidFill>
+                  <a:srgbClr val="7030A0"/>
+                </a:solidFill>
+              </a:rPr>
+              <a:t>HKLM\System\</a:t>
+            </a:r>
+            <a:r>
+              <a:rPr lang="en-US" sz="2000" i="1" dirty="0" err="1">
+                <a:solidFill>
+                  <a:srgbClr val="7030A0"/>
+                </a:solidFill>
+              </a:rPr>
+              <a:t>CurrentControlSet</a:t>
+            </a:r>
+            <a:r>
+              <a:rPr lang="en-US" sz="2000" i="1" dirty="0">
+                <a:solidFill>
+                  <a:srgbClr val="7030A0"/>
+                </a:solidFill>
+              </a:rPr>
+              <a:t>\Services</a:t>
+            </a:r>
+          </a:p>
+          <a:p>
+            <a:endParaRPr lang="en-US" sz="2000" i="1" dirty="0">
+              <a:solidFill>
+                <a:srgbClr val="7030A0"/>
+              </a:solidFill>
+            </a:endParaRPr>
+          </a:p>
+        </p:txBody>
+      </p:sp>
+    </p:spTree>
+    <p:extLst>
+      <p:ext uri="{BB962C8B-B14F-4D97-AF65-F5344CB8AC3E}">
+        <p14:creationId xmlns:p14="http://schemas.microsoft.com/office/powerpoint/2010/main" val="2179195278"/>
+      </p:ext>
+    </p:extLst>
+  </p:cSld>
+  <p:clrMapOvr>
+    <a:masterClrMapping/>
+  </p:clrMapOvr>
+</p:sld>
+</file>
+
+<file path=ppt/slides/slide28.xml><?xml version="1.0" encoding="utf-8"?>
+<p:sld xmlns:a="http://schemas.openxmlformats.org/drawingml/2006/main" xmlns:r="http://schemas.openxmlformats.org/officeDocument/2006/relationships" xmlns:p="http://schemas.openxmlformats.org/presentationml/2006/main">
+  <p:cSld>
+    <p:spTree>
+      <p:nvGrpSpPr>
+        <p:cNvPr id="1" name=""/>
+        <p:cNvGrpSpPr/>
+        <p:nvPr/>
+      </p:nvGrpSpPr>
+      <p:grpSpPr>
+        <a:xfrm>
+          <a:off x="0" y="0"/>
+          <a:ext cx="0" cy="0"/>
+          <a:chOff x="0" y="0"/>
+          <a:chExt cx="0" cy="0"/>
+        </a:xfrm>
+      </p:grpSpPr>
+      <p:sp>
+        <p:nvSpPr>
+          <p:cNvPr id="2" name="Title 1"/>
+          <p:cNvSpPr>
+            <a:spLocks noGrp="1"/>
+          </p:cNvSpPr>
+          <p:nvPr>
+            <p:ph type="title"/>
+          </p:nvPr>
+        </p:nvSpPr>
+        <p:spPr/>
+        <p:txBody>
+          <a:bodyPr/>
+          <a:lstStyle/>
+          <a:p>
+            <a:r>
               <a:rPr lang="en-US" dirty="0">
                 <a:solidFill>
                   <a:srgbClr val="FF0000"/>
@@ -10773,7 +11463,7 @@
 </p:sld>
 </file>
 
-<file path=ppt/slides/slide28.xml><?xml version="1.0" encoding="utf-8"?>
+<file path=ppt/slides/slide29.xml><?xml version="1.0" encoding="utf-8"?>
 <p:sld xmlns:a="http://schemas.openxmlformats.org/drawingml/2006/main" xmlns:r="http://schemas.openxmlformats.org/officeDocument/2006/relationships" xmlns:p="http://schemas.openxmlformats.org/presentationml/2006/main">
   <p:cSld>
     <p:spTree>
@@ -10866,7 +11556,194 @@
 </p:sld>
 </file>
 
-<file path=ppt/slides/slide29.xml><?xml version="1.0" encoding="utf-8"?>
+<file path=ppt/slides/slide3.xml><?xml version="1.0" encoding="utf-8"?>
+<p:sld xmlns:a="http://schemas.openxmlformats.org/drawingml/2006/main" xmlns:r="http://schemas.openxmlformats.org/officeDocument/2006/relationships" xmlns:p="http://schemas.openxmlformats.org/presentationml/2006/main">
+  <p:cSld>
+    <p:spTree>
+      <p:nvGrpSpPr>
+        <p:cNvPr id="1" name=""/>
+        <p:cNvGrpSpPr/>
+        <p:nvPr/>
+      </p:nvGrpSpPr>
+      <p:grpSpPr>
+        <a:xfrm>
+          <a:off x="0" y="0"/>
+          <a:ext cx="0" cy="0"/>
+          <a:chOff x="0" y="0"/>
+          <a:chExt cx="0" cy="0"/>
+        </a:xfrm>
+      </p:grpSpPr>
+      <p:sp>
+        <p:nvSpPr>
+          <p:cNvPr id="2" name="Title 1">
+            <a:extLst>
+              <a:ext uri="{FF2B5EF4-FFF2-40B4-BE49-F238E27FC236}">
+                <a16:creationId xmlns:a16="http://schemas.microsoft.com/office/drawing/2014/main" id="{CA125AEA-7A84-4F6A-A146-D497F71BE68F}"/>
+              </a:ext>
+            </a:extLst>
+          </p:cNvPr>
+          <p:cNvSpPr>
+            <a:spLocks noGrp="1"/>
+          </p:cNvSpPr>
+          <p:nvPr>
+            <p:ph type="title"/>
+          </p:nvPr>
+        </p:nvSpPr>
+        <p:spPr/>
+        <p:txBody>
+          <a:bodyPr/>
+          <a:lstStyle/>
+          <a:p>
+            <a:r>
+              <a:rPr lang="en-US" dirty="0"/>
+              <a:t>Evidence related to traversed directories </a:t>
+            </a:r>
+          </a:p>
+        </p:txBody>
+      </p:sp>
+      <p:sp>
+        <p:nvSpPr>
+          <p:cNvPr id="3" name="Content Placeholder 2">
+            <a:extLst>
+              <a:ext uri="{FF2B5EF4-FFF2-40B4-BE49-F238E27FC236}">
+                <a16:creationId xmlns:a16="http://schemas.microsoft.com/office/drawing/2014/main" id="{53A2B3A9-CADA-4EE7-963F-CCF7898F9DD2}"/>
+              </a:ext>
+            </a:extLst>
+          </p:cNvPr>
+          <p:cNvSpPr>
+            <a:spLocks noGrp="1"/>
+          </p:cNvSpPr>
+          <p:nvPr>
+            <p:ph idx="1"/>
+          </p:nvPr>
+        </p:nvSpPr>
+        <p:spPr/>
+        <p:txBody>
+          <a:bodyPr/>
+          <a:lstStyle/>
+          <a:p>
+            <a:r>
+              <a:rPr lang="en-US" dirty="0"/>
+              <a:t>Investigate artifacts that contain </a:t>
+            </a:r>
+            <a:r>
+              <a:rPr lang="en-US" dirty="0">
+                <a:solidFill>
+                  <a:srgbClr val="7030A0"/>
+                </a:solidFill>
+              </a:rPr>
+              <a:t>only</a:t>
+            </a:r>
+            <a:r>
+              <a:rPr lang="en-US" dirty="0"/>
+              <a:t> </a:t>
+            </a:r>
+            <a:r>
+              <a:rPr lang="en-US" dirty="0">
+                <a:solidFill>
+                  <a:srgbClr val="FF0000"/>
+                </a:solidFill>
+              </a:rPr>
+              <a:t>traversed directories</a:t>
+            </a:r>
+          </a:p>
+          <a:p>
+            <a:pPr lvl="1"/>
+            <a:r>
+              <a:rPr lang="en-US" dirty="0" err="1"/>
+              <a:t>shellbag</a:t>
+            </a:r>
+            <a:r>
+              <a:rPr lang="en-US" dirty="0"/>
+              <a:t>, </a:t>
+            </a:r>
+          </a:p>
+          <a:p>
+            <a:r>
+              <a:rPr lang="en-US" dirty="0"/>
+              <a:t>Investigate artifacts that  traversed files </a:t>
+            </a:r>
+            <a:r>
+              <a:rPr lang="en-US" dirty="0">
+                <a:solidFill>
+                  <a:srgbClr val="7030A0"/>
+                </a:solidFill>
+              </a:rPr>
+              <a:t>also</a:t>
+            </a:r>
+            <a:r>
+              <a:rPr lang="en-US" dirty="0"/>
+              <a:t> contain </a:t>
+            </a:r>
+            <a:r>
+              <a:rPr lang="en-US" dirty="0">
+                <a:solidFill>
+                  <a:srgbClr val="FF0000"/>
+                </a:solidFill>
+              </a:rPr>
+              <a:t>traversed directories</a:t>
+            </a:r>
+          </a:p>
+          <a:p>
+            <a:pPr lvl="1"/>
+            <a:r>
+              <a:rPr lang="en-US" dirty="0" err="1"/>
+              <a:t>Jumplist</a:t>
+            </a:r>
+            <a:r>
+              <a:rPr lang="en-US" dirty="0"/>
+              <a:t> (</a:t>
+            </a:r>
+            <a:r>
+              <a:rPr lang="en-US" dirty="0" err="1"/>
+              <a:t>AutomaticDestinations</a:t>
+            </a:r>
+            <a:r>
+              <a:rPr lang="en-US" dirty="0"/>
+              <a:t>, </a:t>
+            </a:r>
+            <a:r>
+              <a:rPr lang="en-US" dirty="0" err="1"/>
+              <a:t>CustomDestinations</a:t>
+            </a:r>
+            <a:r>
+              <a:rPr lang="en-US" dirty="0"/>
+              <a:t>)</a:t>
+            </a:r>
+          </a:p>
+          <a:p>
+            <a:pPr marL="457200" lvl="1" indent="0">
+              <a:buNone/>
+            </a:pPr>
+            <a:endParaRPr lang="en-US" dirty="0"/>
+          </a:p>
+          <a:p>
+            <a:pPr lvl="1"/>
+            <a:endParaRPr lang="en-US" dirty="0"/>
+          </a:p>
+          <a:p>
+            <a:pPr lvl="1"/>
+            <a:endParaRPr lang="en-US" dirty="0"/>
+          </a:p>
+          <a:p>
+            <a:endParaRPr lang="en-US" dirty="0"/>
+          </a:p>
+        </p:txBody>
+      </p:sp>
+    </p:spTree>
+    <p:extLst>
+      <p:ext uri="{BB962C8B-B14F-4D97-AF65-F5344CB8AC3E}">
+        <p14:creationId xmlns:p14="http://schemas.microsoft.com/office/powerpoint/2010/main" val="2772101945"/>
+      </p:ext>
+    </p:extLst>
+  </p:cSld>
+  <p:clrMapOvr>
+    <a:masterClrMapping/>
+  </p:clrMapOvr>
+</p:sld>
+</file>
+
+<file path=ppt/slides/slide30.xml><?xml version="1.0" encoding="utf-8"?>
 <p:sld xmlns:a="http://schemas.openxmlformats.org/drawingml/2006/main" xmlns:r="http://schemas.openxmlformats.org/officeDocument/2006/relationships" xmlns:p="http://schemas.openxmlformats.org/presentationml/2006/main">
   <p:cSld>
     <p:spTree>
@@ -11347,229 +12224,7 @@
 </p:sld>
 </file>
 
-<file path=ppt/slides/slide3.xml><?xml version="1.0" encoding="utf-8"?>
-<p:sld xmlns:a="http://schemas.openxmlformats.org/drawingml/2006/main" xmlns:r="http://schemas.openxmlformats.org/officeDocument/2006/relationships" xmlns:p="http://schemas.openxmlformats.org/presentationml/2006/main">
-  <p:cSld>
-    <p:spTree>
-      <p:nvGrpSpPr>
-        <p:cNvPr id="1" name=""/>
-        <p:cNvGrpSpPr/>
-        <p:nvPr/>
-      </p:nvGrpSpPr>
-      <p:grpSpPr>
-        <a:xfrm>
-          <a:off x="0" y="0"/>
-          <a:ext cx="0" cy="0"/>
-          <a:chOff x="0" y="0"/>
-          <a:chExt cx="0" cy="0"/>
-        </a:xfrm>
-      </p:grpSpPr>
-      <p:sp>
-        <p:nvSpPr>
-          <p:cNvPr id="2" name="Title 1"/>
-          <p:cNvSpPr>
-            <a:spLocks noGrp="1"/>
-          </p:cNvSpPr>
-          <p:nvPr>
-            <p:ph type="title"/>
-          </p:nvPr>
-        </p:nvSpPr>
-        <p:spPr/>
-        <p:txBody>
-          <a:bodyPr/>
-          <a:lstStyle/>
-          <a:p>
-            <a:r>
-              <a:rPr lang="en-US" dirty="0">
-                <a:solidFill>
-                  <a:srgbClr val="FF0000"/>
-                </a:solidFill>
-              </a:rPr>
-              <a:t>27.</a:t>
-            </a:r>
-            <a:r>
-              <a:rPr lang="en-US" dirty="0"/>
-              <a:t>	List all directories that were traversed in the company’s network drive.</a:t>
-            </a:r>
-          </a:p>
-        </p:txBody>
-      </p:sp>
-      <p:sp>
-        <p:nvSpPr>
-          <p:cNvPr id="7" name="Content Placeholder 6"/>
-          <p:cNvSpPr>
-            <a:spLocks noGrp="1"/>
-          </p:cNvSpPr>
-          <p:nvPr>
-            <p:ph idx="1"/>
-          </p:nvPr>
-        </p:nvSpPr>
-        <p:spPr/>
-        <p:txBody>
-          <a:bodyPr>
-            <a:normAutofit fontScale="77500" lnSpcReduction="20000"/>
-          </a:bodyPr>
-          <a:lstStyle/>
-          <a:p>
-            <a:pPr marL="0" indent="0">
-              <a:buNone/>
-            </a:pPr>
-            <a:r>
-              <a:rPr lang="en-US" dirty="0"/>
-              <a:t>- ‘Timestamp’ may not be accurate.</a:t>
-            </a:r>
-          </a:p>
-          <a:p>
-            <a:pPr marL="0" indent="0">
-              <a:buNone/>
-            </a:pPr>
-            <a:r>
-              <a:rPr lang="en-US" dirty="0"/>
-              <a:t>- V:\ is mapped on \\10.11.11.128</a:t>
-            </a:r>
-          </a:p>
-          <a:p>
-            <a:pPr marL="0" indent="0">
-              <a:buNone/>
-            </a:pPr>
-            <a:endParaRPr lang="en-US" dirty="0"/>
-          </a:p>
-          <a:p>
-            <a:pPr marL="0" indent="0">
-              <a:buNone/>
-            </a:pPr>
-            <a:r>
-              <a:rPr lang="en-US" dirty="0"/>
-              <a:t>HKU\informant\Software\Classes\Local Settings\Software\Microsoft\Windows\Shell\</a:t>
-            </a:r>
-            <a:r>
-              <a:rPr lang="en-US" dirty="0" err="1"/>
-              <a:t>BagMRU</a:t>
-            </a:r>
-            <a:r>
-              <a:rPr lang="en-US" dirty="0"/>
-              <a:t>\8\0\~</a:t>
-            </a:r>
-          </a:p>
-          <a:p>
-            <a:pPr marL="0" indent="0">
-              <a:buNone/>
-            </a:pPr>
-            <a:endParaRPr lang="en-US" dirty="0"/>
-          </a:p>
-          <a:p>
-            <a:pPr marL="0" indent="0">
-              <a:buNone/>
-            </a:pPr>
-            <a:r>
-              <a:rPr lang="en-US" dirty="0"/>
-              <a:t>\User\informant\</a:t>
-            </a:r>
-            <a:r>
-              <a:rPr lang="en-US" dirty="0" err="1"/>
-              <a:t>AppData</a:t>
-            </a:r>
-            <a:r>
-              <a:rPr lang="en-US" dirty="0"/>
-              <a:t>\Roaming\Microsoft\Windows\Recent\</a:t>
-            </a:r>
-            <a:r>
-              <a:rPr lang="en-US" dirty="0" err="1"/>
-              <a:t>AutomaticDestinations</a:t>
-            </a:r>
-            <a:endParaRPr lang="en-US" dirty="0"/>
-          </a:p>
-          <a:p>
-            <a:pPr marL="0" indent="0">
-              <a:buNone/>
-            </a:pPr>
-            <a:r>
-              <a:rPr lang="en-US" dirty="0"/>
-              <a:t>\User\informant\</a:t>
-            </a:r>
-            <a:r>
-              <a:rPr lang="en-US" dirty="0" err="1"/>
-              <a:t>AppData</a:t>
-            </a:r>
-            <a:r>
-              <a:rPr lang="en-US" dirty="0"/>
-              <a:t>\Roaming\Microsoft\Windows\Recent\</a:t>
-            </a:r>
-            <a:r>
-              <a:rPr lang="en-US" dirty="0" err="1"/>
-              <a:t>CustomDestinations</a:t>
-            </a:r>
-            <a:endParaRPr lang="en-US" dirty="0"/>
-          </a:p>
-          <a:p>
-            <a:pPr marL="0" indent="0">
-              <a:buNone/>
-            </a:pPr>
-            <a:endParaRPr lang="en-US" dirty="0"/>
-          </a:p>
-          <a:p>
-            <a:pPr marL="0" indent="0">
-              <a:buNone/>
-            </a:pPr>
-            <a:r>
-              <a:rPr lang="en-US" dirty="0"/>
-              <a:t>\User\informant\</a:t>
-            </a:r>
-            <a:r>
-              <a:rPr lang="en-US" dirty="0" err="1"/>
-              <a:t>AppData</a:t>
-            </a:r>
-            <a:r>
-              <a:rPr lang="en-US" dirty="0"/>
-              <a:t>\Roaming\Microsoft\Windows\Recent\*.</a:t>
-            </a:r>
-            <a:r>
-              <a:rPr lang="en-US" dirty="0" err="1"/>
-              <a:t>lnk</a:t>
-            </a:r>
-            <a:endParaRPr lang="en-US" dirty="0"/>
-          </a:p>
-          <a:p>
-            <a:pPr marL="0" indent="0">
-              <a:buNone/>
-            </a:pPr>
-            <a:r>
-              <a:rPr lang="en-US" dirty="0"/>
-              <a:t>\User\informant\</a:t>
-            </a:r>
-            <a:r>
-              <a:rPr lang="en-US" dirty="0" err="1"/>
-              <a:t>AppData</a:t>
-            </a:r>
-            <a:r>
-              <a:rPr lang="en-US" dirty="0"/>
-              <a:t>\Roaming\Microsoft\Office\Recent\*.</a:t>
-            </a:r>
-            <a:r>
-              <a:rPr lang="en-US" dirty="0" err="1"/>
-              <a:t>lnk</a:t>
-            </a:r>
-            <a:endParaRPr lang="en-US" dirty="0"/>
-          </a:p>
-          <a:p>
-            <a:endParaRPr lang="en-US" dirty="0"/>
-          </a:p>
-        </p:txBody>
-      </p:sp>
-    </p:spTree>
-    <p:extLst>
-      <p:ext uri="{BB962C8B-B14F-4D97-AF65-F5344CB8AC3E}">
-        <p14:creationId xmlns:p14="http://schemas.microsoft.com/office/powerpoint/2010/main" val="367085107"/>
-      </p:ext>
-    </p:extLst>
-  </p:cSld>
-  <p:clrMapOvr>
-    <a:masterClrMapping/>
-  </p:clrMapOvr>
-</p:sld>
-</file>
-
-<file path=ppt/slides/slide30.xml><?xml version="1.0" encoding="utf-8"?>
+<file path=ppt/slides/slide31.xml><?xml version="1.0" encoding="utf-8"?>
 <p:sld xmlns:a="http://schemas.openxmlformats.org/drawingml/2006/main" xmlns:r="http://schemas.openxmlformats.org/officeDocument/2006/relationships" xmlns:p="http://schemas.openxmlformats.org/presentationml/2006/main">
   <p:cSld>
     <p:spTree>
@@ -11682,7 +12337,7 @@
 </p:sld>
 </file>
 
-<file path=ppt/slides/slide31.xml><?xml version="1.0" encoding="utf-8"?>
+<file path=ppt/slides/slide32.xml><?xml version="1.0" encoding="utf-8"?>
 <p:sld xmlns:a="http://schemas.openxmlformats.org/drawingml/2006/main" xmlns:r="http://schemas.openxmlformats.org/officeDocument/2006/relationships" xmlns:p="http://schemas.openxmlformats.org/presentationml/2006/main">
   <p:cSld>
     <p:spTree>
@@ -12006,7 +12661,7 @@
 </p:sld>
 </file>
 
-<file path=ppt/slides/slide32.xml><?xml version="1.0" encoding="utf-8"?>
+<file path=ppt/slides/slide33.xml><?xml version="1.0" encoding="utf-8"?>
 <p:sld xmlns:a="http://schemas.openxmlformats.org/drawingml/2006/main" xmlns:r="http://schemas.openxmlformats.org/officeDocument/2006/relationships" xmlns:p="http://schemas.openxmlformats.org/presentationml/2006/main">
   <p:cSld>
     <p:spTree>
@@ -12209,7 +12864,151 @@
 </p:sld>
 </file>
 
-<file path=ppt/slides/slide33.xml><?xml version="1.0" encoding="utf-8"?>
+<file path=ppt/slides/slide34.xml><?xml version="1.0" encoding="utf-8"?>
+<p:sld xmlns:a="http://schemas.openxmlformats.org/drawingml/2006/main" xmlns:r="http://schemas.openxmlformats.org/officeDocument/2006/relationships" xmlns:p="http://schemas.openxmlformats.org/presentationml/2006/main">
+  <p:cSld>
+    <p:spTree>
+      <p:nvGrpSpPr>
+        <p:cNvPr id="1" name=""/>
+        <p:cNvGrpSpPr/>
+        <p:nvPr/>
+      </p:nvGrpSpPr>
+      <p:grpSpPr>
+        <a:xfrm>
+          <a:off x="0" y="0"/>
+          <a:ext cx="0" cy="0"/>
+          <a:chOff x="0" y="0"/>
+          <a:chExt cx="0" cy="0"/>
+        </a:xfrm>
+      </p:grpSpPr>
+      <p:pic>
+        <p:nvPicPr>
+          <p:cNvPr id="4" name="Picture 3">
+            <a:extLst>
+              <a:ext uri="{FF2B5EF4-FFF2-40B4-BE49-F238E27FC236}">
+                <a16:creationId xmlns:a16="http://schemas.microsoft.com/office/drawing/2014/main" id="{B36738FE-528A-4686-8577-E2836703A847}"/>
+              </a:ext>
+            </a:extLst>
+          </p:cNvPr>
+          <p:cNvPicPr>
+            <a:picLocks noChangeAspect="1"/>
+          </p:cNvPicPr>
+          <p:nvPr/>
+        </p:nvPicPr>
+        <p:blipFill>
+          <a:blip r:embed="rId3"/>
+          <a:stretch>
+            <a:fillRect/>
+          </a:stretch>
+        </p:blipFill>
+        <p:spPr>
+          <a:xfrm>
+            <a:off x="1498869" y="2140404"/>
+            <a:ext cx="8451312" cy="2751058"/>
+          </a:xfrm>
+          <a:prstGeom prst="rect">
+            <a:avLst/>
+          </a:prstGeom>
+        </p:spPr>
+      </p:pic>
+      <p:sp>
+        <p:nvSpPr>
+          <p:cNvPr id="6" name="TextBox 5">
+            <a:extLst>
+              <a:ext uri="{FF2B5EF4-FFF2-40B4-BE49-F238E27FC236}">
+                <a16:creationId xmlns:a16="http://schemas.microsoft.com/office/drawing/2014/main" id="{F5D3FFD4-CF1C-4C58-B0DC-4F1A2DAE2163}"/>
+              </a:ext>
+            </a:extLst>
+          </p:cNvPr>
+          <p:cNvSpPr txBox="1"/>
+          <p:nvPr/>
+        </p:nvSpPr>
+        <p:spPr>
+          <a:xfrm>
+            <a:off x="1498869" y="1771072"/>
+            <a:ext cx="4016106" cy="369332"/>
+          </a:xfrm>
+          <a:prstGeom prst="rect">
+            <a:avLst/>
+          </a:prstGeom>
+          <a:solidFill>
+            <a:schemeClr val="accent4"/>
+          </a:solidFill>
+        </p:spPr>
+        <p:txBody>
+          <a:bodyPr wrap="square">
+            <a:spAutoFit/>
+          </a:bodyPr>
+          <a:lstStyle/>
+          <a:p>
+            <a:r>
+              <a:rPr lang="en-US" dirty="0"/>
+              <a:t>Search email via regex under a folder</a:t>
+            </a:r>
+          </a:p>
+        </p:txBody>
+      </p:sp>
+      <p:sp>
+        <p:nvSpPr>
+          <p:cNvPr id="7" name="TextBox 6">
+            <a:extLst>
+              <a:ext uri="{FF2B5EF4-FFF2-40B4-BE49-F238E27FC236}">
+                <a16:creationId xmlns:a16="http://schemas.microsoft.com/office/drawing/2014/main" id="{88139605-6B78-4242-B0B1-4211CE37667C}"/>
+              </a:ext>
+            </a:extLst>
+          </p:cNvPr>
+          <p:cNvSpPr txBox="1"/>
+          <p:nvPr/>
+        </p:nvSpPr>
+        <p:spPr>
+          <a:xfrm>
+            <a:off x="1557338" y="5143500"/>
+            <a:ext cx="2110193" cy="923330"/>
+          </a:xfrm>
+          <a:prstGeom prst="rect">
+            <a:avLst/>
+          </a:prstGeom>
+          <a:noFill/>
+        </p:spPr>
+        <p:txBody>
+          <a:bodyPr wrap="none" rtlCol="0">
+            <a:spAutoFit/>
+          </a:bodyPr>
+          <a:lstStyle/>
+          <a:p>
+            <a:r>
+              <a:rPr lang="en-US" dirty="0"/>
+              <a:t>-h: no file name</a:t>
+            </a:r>
+          </a:p>
+          <a:p>
+            <a:r>
+              <a:rPr lang="en-US" dirty="0"/>
+              <a:t>-o: show only match</a:t>
+            </a:r>
+          </a:p>
+          <a:p>
+            <a:r>
+              <a:rPr lang="en-US" dirty="0"/>
+              <a:t>-a: search binary too</a:t>
+            </a:r>
+          </a:p>
+        </p:txBody>
+      </p:sp>
+    </p:spTree>
+    <p:extLst>
+      <p:ext uri="{BB962C8B-B14F-4D97-AF65-F5344CB8AC3E}">
+        <p14:creationId xmlns:p14="http://schemas.microsoft.com/office/powerpoint/2010/main" val="117981340"/>
+      </p:ext>
+    </p:extLst>
+  </p:cSld>
+  <p:clrMapOvr>
+    <a:masterClrMapping/>
+  </p:clrMapOvr>
+</p:sld>
+</file>
+
+<file path=ppt/slides/slide35.xml><?xml version="1.0" encoding="utf-8"?>
 <p:sld xmlns:a="http://schemas.openxmlformats.org/drawingml/2006/main" xmlns:r="http://schemas.openxmlformats.org/officeDocument/2006/relationships" xmlns:p="http://schemas.openxmlformats.org/presentationml/2006/main">
   <p:cSld>
     <p:spTree>
@@ -12484,6 +13283,318 @@
           <a:lstStyle/>
           <a:p>
             <a:r>
+              <a:rPr lang="en-US">
+                <a:solidFill>
+                  <a:srgbClr val="FF0000"/>
+                </a:solidFill>
+              </a:rPr>
+              <a:t>27.1</a:t>
+            </a:r>
+            <a:r>
+              <a:rPr lang="en-US" dirty="0"/>
+              <a:t>	List all directories that were traversed in the company’s network drive.</a:t>
+            </a:r>
+          </a:p>
+        </p:txBody>
+      </p:sp>
+      <p:sp>
+        <p:nvSpPr>
+          <p:cNvPr id="7" name="Content Placeholder 6"/>
+          <p:cNvSpPr>
+            <a:spLocks noGrp="1"/>
+          </p:cNvSpPr>
+          <p:nvPr>
+            <p:ph idx="1"/>
+          </p:nvPr>
+        </p:nvSpPr>
+        <p:spPr>
+          <a:xfrm>
+            <a:off x="741484" y="2909643"/>
+            <a:ext cx="10515600" cy="3583232"/>
+          </a:xfrm>
+        </p:spPr>
+        <p:txBody>
+          <a:bodyPr>
+            <a:normAutofit fontScale="77500" lnSpcReduction="20000"/>
+          </a:bodyPr>
+          <a:lstStyle/>
+          <a:p>
+            <a:pPr marL="0" indent="0">
+              <a:buNone/>
+            </a:pPr>
+            <a:r>
+              <a:rPr lang="en-US" dirty="0"/>
+              <a:t>- V:\ is mapped on \\10.11.11.128</a:t>
+            </a:r>
+          </a:p>
+          <a:p>
+            <a:pPr marL="0" indent="0">
+              <a:buNone/>
+            </a:pPr>
+            <a:endParaRPr lang="en-US" dirty="0"/>
+          </a:p>
+          <a:p>
+            <a:pPr marL="0" indent="0">
+              <a:buNone/>
+            </a:pPr>
+            <a:r>
+              <a:rPr lang="en-US" dirty="0"/>
+              <a:t>HKU\informant\Software\Classes\Local Settings\Software\Microsoft\Windows\Shell\</a:t>
+            </a:r>
+            <a:r>
+              <a:rPr lang="en-US" dirty="0" err="1"/>
+              <a:t>BagMRU</a:t>
+            </a:r>
+            <a:r>
+              <a:rPr lang="en-US" dirty="0"/>
+              <a:t>\</a:t>
+            </a:r>
+          </a:p>
+          <a:p>
+            <a:pPr marL="0" indent="0">
+              <a:buNone/>
+            </a:pPr>
+            <a:endParaRPr lang="en-US" dirty="0"/>
+          </a:p>
+          <a:p>
+            <a:pPr marL="0" indent="0">
+              <a:buNone/>
+            </a:pPr>
+            <a:r>
+              <a:rPr lang="en-US" dirty="0"/>
+              <a:t>\User\informant\</a:t>
+            </a:r>
+            <a:r>
+              <a:rPr lang="en-US" dirty="0" err="1"/>
+              <a:t>AppData</a:t>
+            </a:r>
+            <a:r>
+              <a:rPr lang="en-US" dirty="0"/>
+              <a:t>\Roaming\Microsoft\Windows\Recent\</a:t>
+            </a:r>
+            <a:r>
+              <a:rPr lang="en-US" dirty="0" err="1"/>
+              <a:t>AutomaticDestinations</a:t>
+            </a:r>
+            <a:endParaRPr lang="en-US" dirty="0"/>
+          </a:p>
+          <a:p>
+            <a:pPr marL="0" indent="0">
+              <a:buNone/>
+            </a:pPr>
+            <a:r>
+              <a:rPr lang="en-US" dirty="0"/>
+              <a:t>\User\informant\</a:t>
+            </a:r>
+            <a:r>
+              <a:rPr lang="en-US" dirty="0" err="1"/>
+              <a:t>AppData</a:t>
+            </a:r>
+            <a:r>
+              <a:rPr lang="en-US" dirty="0"/>
+              <a:t>\Roaming\Microsoft\Windows\Recent\</a:t>
+            </a:r>
+            <a:r>
+              <a:rPr lang="en-US" dirty="0" err="1"/>
+              <a:t>CustomDestinations</a:t>
+            </a:r>
+            <a:endParaRPr lang="en-US" dirty="0"/>
+          </a:p>
+          <a:p>
+            <a:pPr marL="0" indent="0">
+              <a:buNone/>
+            </a:pPr>
+            <a:endParaRPr lang="en-US" dirty="0"/>
+          </a:p>
+          <a:p>
+            <a:pPr marL="0" indent="0">
+              <a:buNone/>
+            </a:pPr>
+            <a:r>
+              <a:rPr lang="en-US" dirty="0"/>
+              <a:t>\User\informant\</a:t>
+            </a:r>
+            <a:r>
+              <a:rPr lang="en-US" dirty="0" err="1"/>
+              <a:t>AppData</a:t>
+            </a:r>
+            <a:r>
+              <a:rPr lang="en-US" dirty="0"/>
+              <a:t>\Roaming\Microsoft\Windows\Recent\*.</a:t>
+            </a:r>
+            <a:r>
+              <a:rPr lang="en-US" dirty="0" err="1"/>
+              <a:t>lnk</a:t>
+            </a:r>
+            <a:endParaRPr lang="en-US" dirty="0"/>
+          </a:p>
+          <a:p>
+            <a:pPr marL="0" indent="0">
+              <a:buNone/>
+            </a:pPr>
+            <a:r>
+              <a:rPr lang="en-US" dirty="0"/>
+              <a:t>\User\informant\</a:t>
+            </a:r>
+            <a:r>
+              <a:rPr lang="en-US" dirty="0" err="1"/>
+              <a:t>AppData</a:t>
+            </a:r>
+            <a:r>
+              <a:rPr lang="en-US" dirty="0"/>
+              <a:t>\Roaming\Microsoft\Office\Recent\*.</a:t>
+            </a:r>
+            <a:r>
+              <a:rPr lang="en-US" dirty="0" err="1"/>
+              <a:t>lnk</a:t>
+            </a:r>
+            <a:endParaRPr lang="en-US" dirty="0"/>
+          </a:p>
+          <a:p>
+            <a:endParaRPr lang="en-US" dirty="0"/>
+          </a:p>
+        </p:txBody>
+      </p:sp>
+      <p:pic>
+        <p:nvPicPr>
+          <p:cNvPr id="1030" name="Picture 6" descr="The Key Idea, Inc. - Home | Facebook">
+            <a:extLst>
+              <a:ext uri="{FF2B5EF4-FFF2-40B4-BE49-F238E27FC236}">
+                <a16:creationId xmlns:a16="http://schemas.microsoft.com/office/drawing/2014/main" id="{97A85408-02CF-6124-5055-695C8510A089}"/>
+              </a:ext>
+            </a:extLst>
+          </p:cNvPr>
+          <p:cNvPicPr>
+            <a:picLocks noChangeAspect="1" noChangeArrowheads="1"/>
+          </p:cNvPicPr>
+          <p:nvPr/>
+        </p:nvPicPr>
+        <p:blipFill>
+          <a:blip r:embed="rId3">
+            <a:extLst>
+              <a:ext uri="{28A0092B-C50C-407E-A947-70E740481C1C}">
+                <a14:useLocalDpi xmlns:a14="http://schemas.microsoft.com/office/drawing/2010/main" val="0"/>
+              </a:ext>
+            </a:extLst>
+          </a:blip>
+          <a:srcRect/>
+          <a:stretch>
+            <a:fillRect/>
+          </a:stretch>
+        </p:blipFill>
+        <p:spPr bwMode="auto">
+          <a:xfrm>
+            <a:off x="787302" y="1484801"/>
+            <a:ext cx="1424842" cy="1424842"/>
+          </a:xfrm>
+          <a:prstGeom prst="rect">
+            <a:avLst/>
+          </a:prstGeom>
+          <a:noFill/>
+          <a:extLst>
+            <a:ext uri="{909E8E84-426E-40DD-AFC4-6F175D3DCCD1}">
+              <a14:hiddenFill xmlns:a14="http://schemas.microsoft.com/office/drawing/2010/main">
+                <a:solidFill>
+                  <a:srgbClr val="FFFFFF"/>
+                </a:solidFill>
+              </a14:hiddenFill>
+            </a:ext>
+          </a:extLst>
+        </p:spPr>
+      </p:pic>
+      <p:pic>
+        <p:nvPicPr>
+          <p:cNvPr id="1034" name="Picture 10">
+            <a:extLst>
+              <a:ext uri="{FF2B5EF4-FFF2-40B4-BE49-F238E27FC236}">
+                <a16:creationId xmlns:a16="http://schemas.microsoft.com/office/drawing/2014/main" id="{57B73879-8F87-31A6-ADDA-29EE7AD5581E}"/>
+              </a:ext>
+            </a:extLst>
+          </p:cNvPr>
+          <p:cNvPicPr>
+            <a:picLocks noChangeAspect="1" noChangeArrowheads="1"/>
+          </p:cNvPicPr>
+          <p:nvPr/>
+        </p:nvPicPr>
+        <p:blipFill>
+          <a:blip r:embed="rId4">
+            <a:extLst>
+              <a:ext uri="{28A0092B-C50C-407E-A947-70E740481C1C}">
+                <a14:useLocalDpi xmlns:a14="http://schemas.microsoft.com/office/drawing/2010/main" val="0"/>
+              </a:ext>
+            </a:extLst>
+          </a:blip>
+          <a:srcRect/>
+          <a:stretch>
+            <a:fillRect/>
+          </a:stretch>
+        </p:blipFill>
+        <p:spPr bwMode="auto">
+          <a:xfrm>
+            <a:off x="2257962" y="1976429"/>
+            <a:ext cx="8503920" cy="440698"/>
+          </a:xfrm>
+          <a:prstGeom prst="rect">
+            <a:avLst/>
+          </a:prstGeom>
+          <a:noFill/>
+          <a:extLst>
+            <a:ext uri="{909E8E84-426E-40DD-AFC4-6F175D3DCCD1}">
+              <a14:hiddenFill xmlns:a14="http://schemas.microsoft.com/office/drawing/2010/main">
+                <a:solidFill>
+                  <a:srgbClr val="FFFFFF"/>
+                </a:solidFill>
+              </a14:hiddenFill>
+            </a:ext>
+          </a:extLst>
+        </p:spPr>
+      </p:pic>
+    </p:spTree>
+    <p:extLst>
+      <p:ext uri="{BB962C8B-B14F-4D97-AF65-F5344CB8AC3E}">
+        <p14:creationId xmlns:p14="http://schemas.microsoft.com/office/powerpoint/2010/main" val="367085107"/>
+      </p:ext>
+    </p:extLst>
+  </p:cSld>
+  <p:clrMapOvr>
+    <a:masterClrMapping/>
+  </p:clrMapOvr>
+</p:sld>
+</file>
+
+<file path=ppt/slides/slide5.xml><?xml version="1.0" encoding="utf-8"?>
+<p:sld xmlns:a="http://schemas.openxmlformats.org/drawingml/2006/main" xmlns:r="http://schemas.openxmlformats.org/officeDocument/2006/relationships" xmlns:p="http://schemas.openxmlformats.org/presentationml/2006/main">
+  <p:cSld>
+    <p:spTree>
+      <p:nvGrpSpPr>
+        <p:cNvPr id="1" name=""/>
+        <p:cNvGrpSpPr/>
+        <p:nvPr/>
+      </p:nvGrpSpPr>
+      <p:grpSpPr>
+        <a:xfrm>
+          <a:off x="0" y="0"/>
+          <a:ext cx="0" cy="0"/>
+          <a:chOff x="0" y="0"/>
+          <a:chExt cx="0" cy="0"/>
+        </a:xfrm>
+      </p:grpSpPr>
+      <p:sp>
+        <p:nvSpPr>
+          <p:cNvPr id="2" name="Title 1"/>
+          <p:cNvSpPr>
+            <a:spLocks noGrp="1"/>
+          </p:cNvSpPr>
+          <p:nvPr>
+            <p:ph type="title"/>
+          </p:nvPr>
+        </p:nvSpPr>
+        <p:spPr/>
+        <p:txBody>
+          <a:bodyPr/>
+          <a:lstStyle/>
+          <a:p>
+            <a:r>
               <a:rPr lang="en-US" dirty="0">
                 <a:solidFill>
                   <a:srgbClr val="FF0000"/>
@@ -12514,16 +13625,15 @@
           </p:cNvPicPr>
           <p:nvPr/>
         </p:nvPicPr>
-        <p:blipFill>
+        <p:blipFill rotWithShape="1">
           <a:blip r:embed="rId3"/>
-          <a:stretch>
-            <a:fillRect/>
-          </a:stretch>
+          <a:srcRect r="51103"/>
+          <a:stretch/>
         </p:blipFill>
         <p:spPr>
           <a:xfrm>
             <a:off x="100798" y="304415"/>
-            <a:ext cx="24727292" cy="3692609"/>
+            <a:ext cx="12091202" cy="3692609"/>
           </a:xfrm>
           <a:prstGeom prst="rect">
             <a:avLst/>
@@ -12736,7 +13846,7 @@
 </p:sld>
 </file>
 
-<file path=ppt/slides/slide5.xml><?xml version="1.0" encoding="utf-8"?>
+<file path=ppt/slides/slide6.xml><?xml version="1.0" encoding="utf-8"?>
 <p:sld xmlns:a="http://schemas.openxmlformats.org/drawingml/2006/main" xmlns:r="http://schemas.openxmlformats.org/officeDocument/2006/relationships" xmlns:p="http://schemas.openxmlformats.org/presentationml/2006/main">
   <p:cSld>
     <p:spTree>
@@ -12807,7 +13917,7 @@
         </p:blipFill>
         <p:spPr>
           <a:xfrm>
-            <a:off x="838200" y="2060020"/>
+            <a:off x="838200" y="3053001"/>
             <a:ext cx="9096554" cy="1944726"/>
           </a:xfrm>
           <a:prstGeom prst="rect">
@@ -12823,7 +13933,7 @@
         </p:nvSpPr>
         <p:spPr>
           <a:xfrm>
-            <a:off x="838200" y="1690688"/>
+            <a:off x="838200" y="2683669"/>
             <a:ext cx="2622513" cy="369332"/>
           </a:xfrm>
           <a:prstGeom prst="rect">
@@ -12872,7 +13982,7 @@
         </p:nvSpPr>
         <p:spPr>
           <a:xfrm>
-            <a:off x="3070860" y="4861400"/>
+            <a:off x="3070860" y="5854381"/>
             <a:ext cx="7874143" cy="369332"/>
           </a:xfrm>
           <a:prstGeom prst="rect">
@@ -12921,7 +14031,7 @@
         </p:nvCxnSpPr>
         <p:spPr>
           <a:xfrm flipV="1">
-            <a:off x="7741920" y="3101340"/>
+            <a:off x="7741920" y="4094321"/>
             <a:ext cx="1447800" cy="1691640"/>
           </a:xfrm>
           <a:prstGeom prst="straightConnector1">
@@ -12960,7 +14070,7 @@
         </p:nvSpPr>
         <p:spPr>
           <a:xfrm>
-            <a:off x="8823960" y="2834640"/>
+            <a:off x="8823960" y="3827621"/>
             <a:ext cx="1021080" cy="266700"/>
           </a:xfrm>
           <a:prstGeom prst="rect">
@@ -13012,7 +14122,7 @@
         </p:nvSpPr>
         <p:spPr>
           <a:xfrm>
-            <a:off x="838200" y="3032383"/>
+            <a:off x="838200" y="4025364"/>
             <a:ext cx="1188720" cy="266700"/>
           </a:xfrm>
           <a:prstGeom prst="rect">
@@ -13050,6 +14160,113 @@
           </a:p>
         </p:txBody>
       </p:sp>
+      <p:sp>
+        <p:nvSpPr>
+          <p:cNvPr id="12" name="TextBox 11">
+            <a:extLst>
+              <a:ext uri="{FF2B5EF4-FFF2-40B4-BE49-F238E27FC236}">
+                <a16:creationId xmlns:a16="http://schemas.microsoft.com/office/drawing/2014/main" id="{D20A93CF-243A-432B-8E6F-97EB756C04BE}"/>
+              </a:ext>
+            </a:extLst>
+          </p:cNvPr>
+          <p:cNvSpPr txBox="1"/>
+          <p:nvPr/>
+        </p:nvSpPr>
+        <p:spPr>
+          <a:xfrm>
+            <a:off x="1634876" y="1716396"/>
+            <a:ext cx="10119360" cy="523220"/>
+          </a:xfrm>
+          <a:prstGeom prst="rect">
+            <a:avLst/>
+          </a:prstGeom>
+          <a:noFill/>
+        </p:spPr>
+        <p:txBody>
+          <a:bodyPr wrap="square">
+            <a:spAutoFit/>
+          </a:bodyPr>
+          <a:lstStyle/>
+          <a:p>
+            <a:pPr marL="285750" indent="-285750">
+              <a:buFont typeface="Arial" panose="020B0604020202020204" pitchFamily="34" charset="0"/>
+              <a:buChar char="•"/>
+            </a:pPr>
+            <a:r>
+              <a:rPr lang="en-US" sz="1400" i="1" dirty="0" err="1">
+                <a:solidFill>
+                  <a:srgbClr val="FF0000"/>
+                </a:solidFill>
+                <a:latin typeface="Abadi" panose="020B0604020104020204" pitchFamily="34" charset="0"/>
+              </a:rPr>
+              <a:t>wget</a:t>
+            </a:r>
+            <a:r>
+              <a:rPr lang="en-US" sz="1400" i="1" dirty="0">
+                <a:latin typeface="Abadi" panose="020B0604020104020204" pitchFamily="34" charset="0"/>
+              </a:rPr>
+              <a:t> </a:t>
+            </a:r>
+            <a:r>
+              <a:rPr lang="en-US" sz="1400" i="1" dirty="0">
+                <a:latin typeface="Abadi" panose="020B0604020104020204" pitchFamily="34" charset="0"/>
+                <a:hlinkClick r:id="rId4"/>
+              </a:rPr>
+              <a:t>https://raw.githubusercontent.com/frankwxu/digital-forensics-lab/main/NIST_Data_Leakage_Case/NIST_Answers/lab_generated_file/JumpList/20220419105824_AutomaticDestinations.csv</a:t>
+            </a:r>
+            <a:endParaRPr lang="en-US" sz="1400" i="1" dirty="0">
+              <a:latin typeface="Abadi" panose="020B0604020104020204" pitchFamily="34" charset="0"/>
+            </a:endParaRPr>
+          </a:p>
+        </p:txBody>
+      </p:sp>
+      <p:pic>
+        <p:nvPicPr>
+          <p:cNvPr id="13" name="Picture 2" descr="Direct download - Free arrows icons">
+            <a:extLst>
+              <a:ext uri="{FF2B5EF4-FFF2-40B4-BE49-F238E27FC236}">
+                <a16:creationId xmlns:a16="http://schemas.microsoft.com/office/drawing/2014/main" id="{EDEC7EE7-7AEC-40E6-AC25-6EC194519983}"/>
+              </a:ext>
+            </a:extLst>
+          </p:cNvPr>
+          <p:cNvPicPr>
+            <a:picLocks noChangeAspect="1" noChangeArrowheads="1"/>
+          </p:cNvPicPr>
+          <p:nvPr/>
+        </p:nvPicPr>
+        <p:blipFill>
+          <a:blip r:embed="rId5">
+            <a:extLst>
+              <a:ext uri="{28A0092B-C50C-407E-A947-70E740481C1C}">
+                <a14:useLocalDpi xmlns:a14="http://schemas.microsoft.com/office/drawing/2010/main" val="0"/>
+              </a:ext>
+            </a:extLst>
+          </a:blip>
+          <a:srcRect/>
+          <a:stretch>
+            <a:fillRect/>
+          </a:stretch>
+        </p:blipFill>
+        <p:spPr bwMode="auto">
+          <a:xfrm>
+            <a:off x="787047" y="1608674"/>
+            <a:ext cx="847829" cy="847829"/>
+          </a:xfrm>
+          <a:prstGeom prst="rect">
+            <a:avLst/>
+          </a:prstGeom>
+          <a:noFill/>
+          <a:extLst>
+            <a:ext uri="{909E8E84-426E-40DD-AFC4-6F175D3DCCD1}">
+              <a14:hiddenFill xmlns:a14="http://schemas.microsoft.com/office/drawing/2010/main">
+                <a:solidFill>
+                  <a:srgbClr val="FFFFFF"/>
+                </a:solidFill>
+              </a14:hiddenFill>
+            </a:ext>
+          </a:extLst>
+        </p:spPr>
+      </p:pic>
     </p:spTree>
     <p:extLst>
       <p:ext uri="{BB962C8B-B14F-4D97-AF65-F5344CB8AC3E}">
@@ -13063,7 +14280,7 @@
 </p:sld>
 </file>
 
-<file path=ppt/slides/slide6.xml><?xml version="1.0" encoding="utf-8"?>
+<file path=ppt/slides/slide7.xml><?xml version="1.0" encoding="utf-8"?>
 <p:sld xmlns:a="http://schemas.openxmlformats.org/drawingml/2006/main" xmlns:r="http://schemas.openxmlformats.org/officeDocument/2006/relationships" xmlns:p="http://schemas.openxmlformats.org/presentationml/2006/main">
   <p:cSld>
     <p:spTree>
@@ -13264,7 +14481,7 @@
 </p:sld>
 </file>
 
-<file path=ppt/slides/slide7.xml><?xml version="1.0" encoding="utf-8"?>
+<file path=ppt/slides/slide8.xml><?xml version="1.0" encoding="utf-8"?>
 <p:sld xmlns:a="http://schemas.openxmlformats.org/drawingml/2006/main" xmlns:r="http://schemas.openxmlformats.org/officeDocument/2006/relationships" xmlns:p="http://schemas.openxmlformats.org/presentationml/2006/main">
   <p:cSld>
     <p:spTree>
@@ -13389,7 +14606,7 @@
 </p:sld>
 </file>
 
-<file path=ppt/slides/slide8.xml><?xml version="1.0" encoding="utf-8"?>
+<file path=ppt/slides/slide9.xml><?xml version="1.0" encoding="utf-8"?>
 <p:sld xmlns:a="http://schemas.openxmlformats.org/drawingml/2006/main" xmlns:r="http://schemas.openxmlformats.org/officeDocument/2006/relationships" xmlns:p="http://schemas.openxmlformats.org/presentationml/2006/main">
   <p:cSld>
     <p:spTree>
@@ -13477,11 +14694,13 @@
         <p:spPr>
           <a:xfrm>
             <a:off x="838200" y="1825625"/>
-            <a:ext cx="6154783" cy="4351338"/>
+            <a:ext cx="6154783" cy="3121279"/>
           </a:xfrm>
         </p:spPr>
         <p:txBody>
-          <a:bodyPr/>
+          <a:bodyPr>
+            <a:normAutofit fontScale="92500"/>
+          </a:bodyPr>
           <a:lstStyle/>
           <a:p>
             <a:r>
@@ -13520,7 +14739,7 @@
         </p:blipFill>
         <p:spPr>
           <a:xfrm>
-            <a:off x="7503729" y="1448035"/>
+            <a:off x="7717581" y="231293"/>
             <a:ext cx="4126076" cy="4811559"/>
           </a:xfrm>
           <a:prstGeom prst="rect">
@@ -13538,74 +14757,337 @@
           </a:effectLst>
         </p:spPr>
       </p:pic>
-    </p:spTree>
-    <p:extLst>
-      <p:ext uri="{BB962C8B-B14F-4D97-AF65-F5344CB8AC3E}">
-        <p14:creationId xmlns:p14="http://schemas.microsoft.com/office/powerpoint/2010/main" val="3966440503"/>
-      </p:ext>
-    </p:extLst>
-  </p:cSld>
-  <p:clrMapOvr>
-    <a:masterClrMapping/>
-  </p:clrMapOvr>
-</p:sld>
-</file>
-
-<file path=ppt/slides/slide9.xml><?xml version="1.0" encoding="utf-8"?>
-<p:sld xmlns:a="http://schemas.openxmlformats.org/drawingml/2006/main" xmlns:r="http://schemas.openxmlformats.org/officeDocument/2006/relationships" xmlns:p="http://schemas.openxmlformats.org/presentationml/2006/main">
-  <p:cSld>
-    <p:spTree>
-      <p:nvGrpSpPr>
-        <p:cNvPr id="1" name=""/>
-        <p:cNvGrpSpPr/>
-        <p:nvPr/>
-      </p:nvGrpSpPr>
-      <p:grpSpPr>
-        <a:xfrm>
-          <a:off x="0" y="0"/>
-          <a:ext cx="0" cy="0"/>
-          <a:chOff x="0" y="0"/>
-          <a:chExt cx="0" cy="0"/>
-        </a:xfrm>
-      </p:grpSpPr>
       <p:pic>
         <p:nvPicPr>
-          <p:cNvPr id="4" name="Picture 3"/>
+          <p:cNvPr id="5" name="Picture 4">
+            <a:extLst>
+              <a:ext uri="{FF2B5EF4-FFF2-40B4-BE49-F238E27FC236}">
+                <a16:creationId xmlns:a16="http://schemas.microsoft.com/office/drawing/2014/main" id="{894C361B-C164-711D-C3C5-72C4F7ABAAB1}"/>
+              </a:ext>
+            </a:extLst>
+          </p:cNvPr>
           <p:cNvPicPr>
             <a:picLocks noChangeAspect="1"/>
           </p:cNvPicPr>
           <p:nvPr/>
         </p:nvPicPr>
         <p:blipFill>
-          <a:blip r:embed="rId2"/>
+          <a:blip r:embed="rId3"/>
           <a:stretch>
             <a:fillRect/>
           </a:stretch>
         </p:blipFill>
         <p:spPr>
           <a:xfrm>
-            <a:off x="2732085" y="520458"/>
-            <a:ext cx="5616427" cy="5707875"/>
+            <a:off x="1021079" y="5190281"/>
+            <a:ext cx="10435718" cy="1436426"/>
           </a:xfrm>
           <a:prstGeom prst="rect">
             <a:avLst/>
           </a:prstGeom>
-          <a:ln>
-            <a:noFill/>
-          </a:ln>
-          <a:effectLst>
-            <a:outerShdw blurRad="292100" dist="139700" dir="2700000" algn="tl" rotWithShape="0">
-              <a:srgbClr val="333333">
-                <a:alpha val="65000"/>
-              </a:srgbClr>
-            </a:outerShdw>
-          </a:effectLst>
         </p:spPr>
       </p:pic>
+      <mc:AlternateContent xmlns:mc="http://schemas.openxmlformats.org/markup-compatibility/2006" xmlns:p14="http://schemas.microsoft.com/office/powerpoint/2010/main">
+        <mc:Choice Requires="p14">
+          <p:contentPart p14:bwMode="auto" r:id="rId4">
+            <p14:nvContentPartPr>
+              <p14:cNvPr id="6" name="Ink 5">
+                <a:extLst>
+                  <a:ext uri="{FF2B5EF4-FFF2-40B4-BE49-F238E27FC236}">
+                    <a16:creationId xmlns:a16="http://schemas.microsoft.com/office/drawing/2014/main" id="{DE48163F-BF8E-B3B6-140B-D163A4E03DA2}"/>
+                  </a:ext>
+                </a:extLst>
+              </p14:cNvPr>
+              <p14:cNvContentPartPr/>
+              <p14:nvPr/>
+            </p14:nvContentPartPr>
+            <p14:xfrm>
+              <a:off x="1384688" y="2543412"/>
+              <a:ext cx="1441080" cy="459000"/>
+            </p14:xfrm>
+          </p:contentPart>
+        </mc:Choice>
+        <mc:Fallback xmlns="">
+          <p:pic>
+            <p:nvPicPr>
+              <p:cNvPr id="6" name="Ink 5">
+                <a:extLst>
+                  <a:ext uri="{FF2B5EF4-FFF2-40B4-BE49-F238E27FC236}">
+                    <a16:creationId xmlns:a16="http://schemas.microsoft.com/office/drawing/2014/main" id="{DE48163F-BF8E-B3B6-140B-D163A4E03DA2}"/>
+                  </a:ext>
+                </a:extLst>
+              </p:cNvPr>
+              <p:cNvPicPr/>
+              <p:nvPr/>
+            </p:nvPicPr>
+            <p:blipFill>
+              <a:blip r:embed="rId5"/>
+              <a:stretch>
+                <a:fillRect/>
+              </a:stretch>
+            </p:blipFill>
+            <p:spPr>
+              <a:xfrm>
+                <a:off x="1376048" y="2534412"/>
+                <a:ext cx="1458720" cy="476640"/>
+              </a:xfrm>
+              <a:prstGeom prst="rect">
+                <a:avLst/>
+              </a:prstGeom>
+            </p:spPr>
+          </p:pic>
+        </mc:Fallback>
+      </mc:AlternateContent>
+      <p:grpSp>
+        <p:nvGrpSpPr>
+          <p:cNvPr id="11" name="Group 10">
+            <a:extLst>
+              <a:ext uri="{FF2B5EF4-FFF2-40B4-BE49-F238E27FC236}">
+                <a16:creationId xmlns:a16="http://schemas.microsoft.com/office/drawing/2014/main" id="{E13D712A-AB0C-573E-3EAF-22DAEF06940F}"/>
+              </a:ext>
+            </a:extLst>
+          </p:cNvPr>
+          <p:cNvGrpSpPr/>
+          <p:nvPr/>
+        </p:nvGrpSpPr>
+        <p:grpSpPr>
+          <a:xfrm>
+            <a:off x="2875448" y="2660772"/>
+            <a:ext cx="4926960" cy="1904760"/>
+            <a:chOff x="2875448" y="2660772"/>
+            <a:chExt cx="4926960" cy="1904760"/>
+          </a:xfrm>
+        </p:grpSpPr>
+        <mc:AlternateContent xmlns:mc="http://schemas.openxmlformats.org/markup-compatibility/2006" xmlns:p14="http://schemas.microsoft.com/office/powerpoint/2010/main">
+          <mc:Choice Requires="p14">
+            <p:contentPart p14:bwMode="auto" r:id="rId6">
+              <p14:nvContentPartPr>
+                <p14:cNvPr id="9" name="Ink 8">
+                  <a:extLst>
+                    <a:ext uri="{FF2B5EF4-FFF2-40B4-BE49-F238E27FC236}">
+                      <a16:creationId xmlns:a16="http://schemas.microsoft.com/office/drawing/2014/main" id="{A7E09CF2-86F6-866A-4156-361D559EED49}"/>
+                    </a:ext>
+                  </a:extLst>
+                </p14:cNvPr>
+                <p14:cNvContentPartPr/>
+                <p14:nvPr/>
+              </p14:nvContentPartPr>
+              <p14:xfrm>
+                <a:off x="2875448" y="2660772"/>
+                <a:ext cx="4860720" cy="1831680"/>
+              </p14:xfrm>
+            </p:contentPart>
+          </mc:Choice>
+          <mc:Fallback xmlns="">
+            <p:pic>
+              <p:nvPicPr>
+                <p:cNvPr id="9" name="Ink 8">
+                  <a:extLst>
+                    <a:ext uri="{FF2B5EF4-FFF2-40B4-BE49-F238E27FC236}">
+                      <a16:creationId xmlns:a16="http://schemas.microsoft.com/office/drawing/2014/main" id="{A7E09CF2-86F6-866A-4156-361D559EED49}"/>
+                    </a:ext>
+                  </a:extLst>
+                </p:cNvPr>
+                <p:cNvPicPr/>
+                <p:nvPr/>
+              </p:nvPicPr>
+              <p:blipFill>
+                <a:blip r:embed="rId7"/>
+                <a:stretch>
+                  <a:fillRect/>
+                </a:stretch>
+              </p:blipFill>
+              <p:spPr>
+                <a:xfrm>
+                  <a:off x="2866808" y="2651772"/>
+                  <a:ext cx="4878360" cy="1849320"/>
+                </a:xfrm>
+                <a:prstGeom prst="rect">
+                  <a:avLst/>
+                </a:prstGeom>
+              </p:spPr>
+            </p:pic>
+          </mc:Fallback>
+        </mc:AlternateContent>
+        <mc:AlternateContent xmlns:mc="http://schemas.openxmlformats.org/markup-compatibility/2006" xmlns:p14="http://schemas.microsoft.com/office/powerpoint/2010/main">
+          <mc:Choice Requires="p14">
+            <p:contentPart p14:bwMode="auto" r:id="rId8">
+              <p14:nvContentPartPr>
+                <p14:cNvPr id="10" name="Ink 9">
+                  <a:extLst>
+                    <a:ext uri="{FF2B5EF4-FFF2-40B4-BE49-F238E27FC236}">
+                      <a16:creationId xmlns:a16="http://schemas.microsoft.com/office/drawing/2014/main" id="{057A7566-CA53-16A7-F1A6-07DEDFD3E999}"/>
+                    </a:ext>
+                  </a:extLst>
+                </p14:cNvPr>
+                <p14:cNvContentPartPr/>
+                <p14:nvPr/>
+              </p14:nvContentPartPr>
+              <p14:xfrm>
+                <a:off x="7669928" y="4416852"/>
+                <a:ext cx="132480" cy="148680"/>
+              </p14:xfrm>
+            </p:contentPart>
+          </mc:Choice>
+          <mc:Fallback xmlns="">
+            <p:pic>
+              <p:nvPicPr>
+                <p:cNvPr id="10" name="Ink 9">
+                  <a:extLst>
+                    <a:ext uri="{FF2B5EF4-FFF2-40B4-BE49-F238E27FC236}">
+                      <a16:creationId xmlns:a16="http://schemas.microsoft.com/office/drawing/2014/main" id="{057A7566-CA53-16A7-F1A6-07DEDFD3E999}"/>
+                    </a:ext>
+                  </a:extLst>
+                </p:cNvPr>
+                <p:cNvPicPr/>
+                <p:nvPr/>
+              </p:nvPicPr>
+              <p:blipFill>
+                <a:blip r:embed="rId9"/>
+                <a:stretch>
+                  <a:fillRect/>
+                </a:stretch>
+              </p:blipFill>
+              <p:spPr>
+                <a:xfrm>
+                  <a:off x="7660928" y="4408212"/>
+                  <a:ext cx="150120" cy="166320"/>
+                </a:xfrm>
+                <a:prstGeom prst="rect">
+                  <a:avLst/>
+                </a:prstGeom>
+              </p:spPr>
+            </p:pic>
+          </mc:Fallback>
+        </mc:AlternateContent>
+      </p:grpSp>
+      <p:grpSp>
+        <p:nvGrpSpPr>
+          <p:cNvPr id="14" name="Group 13">
+            <a:extLst>
+              <a:ext uri="{FF2B5EF4-FFF2-40B4-BE49-F238E27FC236}">
+                <a16:creationId xmlns:a16="http://schemas.microsoft.com/office/drawing/2014/main" id="{75D9662F-7FB7-3738-C8AF-1911A9CC72AA}"/>
+              </a:ext>
+            </a:extLst>
+          </p:cNvPr>
+          <p:cNvGrpSpPr/>
+          <p:nvPr/>
+        </p:nvGrpSpPr>
+        <p:grpSpPr>
+          <a:xfrm>
+            <a:off x="1680248" y="2102052"/>
+            <a:ext cx="3417480" cy="3296880"/>
+            <a:chOff x="1680248" y="2102052"/>
+            <a:chExt cx="3417480" cy="3296880"/>
+          </a:xfrm>
+        </p:grpSpPr>
+        <mc:AlternateContent xmlns:mc="http://schemas.openxmlformats.org/markup-compatibility/2006" xmlns:p14="http://schemas.microsoft.com/office/powerpoint/2010/main">
+          <mc:Choice Requires="p14">
+            <p:contentPart p14:bwMode="auto" r:id="rId10">
+              <p14:nvContentPartPr>
+                <p14:cNvPr id="12" name="Ink 11">
+                  <a:extLst>
+                    <a:ext uri="{FF2B5EF4-FFF2-40B4-BE49-F238E27FC236}">
+                      <a16:creationId xmlns:a16="http://schemas.microsoft.com/office/drawing/2014/main" id="{3E2870B1-102A-8F28-2DF0-51A0D11881C9}"/>
+                    </a:ext>
+                  </a:extLst>
+                </p14:cNvPr>
+                <p14:cNvContentPartPr/>
+                <p14:nvPr/>
+              </p14:nvContentPartPr>
+              <p14:xfrm>
+                <a:off x="4482848" y="2102052"/>
+                <a:ext cx="614880" cy="507600"/>
+              </p14:xfrm>
+            </p:contentPart>
+          </mc:Choice>
+          <mc:Fallback xmlns="">
+            <p:pic>
+              <p:nvPicPr>
+                <p:cNvPr id="12" name="Ink 11">
+                  <a:extLst>
+                    <a:ext uri="{FF2B5EF4-FFF2-40B4-BE49-F238E27FC236}">
+                      <a16:creationId xmlns:a16="http://schemas.microsoft.com/office/drawing/2014/main" id="{3E2870B1-102A-8F28-2DF0-51A0D11881C9}"/>
+                    </a:ext>
+                  </a:extLst>
+                </p:cNvPr>
+                <p:cNvPicPr/>
+                <p:nvPr/>
+              </p:nvPicPr>
+              <p:blipFill>
+                <a:blip r:embed="rId11"/>
+                <a:stretch>
+                  <a:fillRect/>
+                </a:stretch>
+              </p:blipFill>
+              <p:spPr>
+                <a:xfrm>
+                  <a:off x="4474208" y="2093052"/>
+                  <a:ext cx="632520" cy="525240"/>
+                </a:xfrm>
+                <a:prstGeom prst="rect">
+                  <a:avLst/>
+                </a:prstGeom>
+              </p:spPr>
+            </p:pic>
+          </mc:Fallback>
+        </mc:AlternateContent>
+        <mc:AlternateContent xmlns:mc="http://schemas.openxmlformats.org/markup-compatibility/2006" xmlns:p14="http://schemas.microsoft.com/office/powerpoint/2010/main">
+          <mc:Choice Requires="p14">
+            <p:contentPart p14:bwMode="auto" r:id="rId12">
+              <p14:nvContentPartPr>
+                <p14:cNvPr id="13" name="Ink 12">
+                  <a:extLst>
+                    <a:ext uri="{FF2B5EF4-FFF2-40B4-BE49-F238E27FC236}">
+                      <a16:creationId xmlns:a16="http://schemas.microsoft.com/office/drawing/2014/main" id="{BEBBD3A6-3B91-2AE9-F7B5-92E99C86A8A5}"/>
+                    </a:ext>
+                  </a:extLst>
+                </p14:cNvPr>
+                <p14:cNvContentPartPr/>
+                <p14:nvPr/>
+              </p14:nvContentPartPr>
+              <p14:xfrm>
+                <a:off x="1680248" y="2551332"/>
+                <a:ext cx="3225600" cy="2847600"/>
+              </p14:xfrm>
+            </p:contentPart>
+          </mc:Choice>
+          <mc:Fallback xmlns="">
+            <p:pic>
+              <p:nvPicPr>
+                <p:cNvPr id="13" name="Ink 12">
+                  <a:extLst>
+                    <a:ext uri="{FF2B5EF4-FFF2-40B4-BE49-F238E27FC236}">
+                      <a16:creationId xmlns:a16="http://schemas.microsoft.com/office/drawing/2014/main" id="{BEBBD3A6-3B91-2AE9-F7B5-92E99C86A8A5}"/>
+                    </a:ext>
+                  </a:extLst>
+                </p:cNvPr>
+                <p:cNvPicPr/>
+                <p:nvPr/>
+              </p:nvPicPr>
+              <p:blipFill>
+                <a:blip r:embed="rId13"/>
+                <a:stretch>
+                  <a:fillRect/>
+                </a:stretch>
+              </p:blipFill>
+              <p:spPr>
+                <a:xfrm>
+                  <a:off x="1671248" y="2542332"/>
+                  <a:ext cx="3243240" cy="2865240"/>
+                </a:xfrm>
+                <a:prstGeom prst="rect">
+                  <a:avLst/>
+                </a:prstGeom>
+              </p:spPr>
+            </p:pic>
+          </mc:Fallback>
+        </mc:AlternateContent>
+      </p:grpSp>
     </p:spTree>
     <p:extLst>
       <p:ext uri="{BB962C8B-B14F-4D97-AF65-F5344CB8AC3E}">
-        <p14:creationId xmlns:p14="http://schemas.microsoft.com/office/powerpoint/2010/main" val="770036564"/>
+        <p14:creationId xmlns:p14="http://schemas.microsoft.com/office/powerpoint/2010/main" val="3966440503"/>
       </p:ext>
     </p:extLst>
   </p:cSld>
